--- a/OMP_persona_template.pptx
+++ b/OMP_persona_template.pptx
@@ -5,7 +5,7 @@
     <p:sldMasterId id="2147483687" r:id="rId1"/>
   </p:sldMasterIdLst>
   <p:notesMasterIdLst>
-    <p:notesMasterId r:id="rId12"/>
+    <p:notesMasterId r:id="rId13"/>
   </p:notesMasterIdLst>
   <p:sldIdLst>
     <p:sldId id="6151" r:id="rId2"/>
@@ -18,6 +18,7 @@
     <p:sldId id="6158" r:id="rId9"/>
     <p:sldId id="6159" r:id="rId10"/>
     <p:sldId id="6160" r:id="rId11"/>
+    <p:sldId id="6161" r:id="rId12"/>
   </p:sldIdLst>
   <p:sldSz cx="12192000" cy="6858000"/>
   <p:notesSz cx="6858000" cy="9144000"/>
@@ -133,6 +134,7 @@
 <file path=ppt/revisionInfo.xml><?xml version="1.0" encoding="utf-8"?>
 <p1510:revInfo xmlns:a="http://schemas.openxmlformats.org/drawingml/2006/main" xmlns:r="http://schemas.openxmlformats.org/officeDocument/2006/relationships" xmlns:p1510="http://schemas.microsoft.com/office/powerpoint/2015/10/main">
   <p1510:revLst>
+    <p1510:client id="{79FBE680-AC33-DD45-8A51-7A9D51ED4331}" v="2" dt="2024-11-07T15:44:02.941"/>
     <p1510:client id="{DE0FDA51-D59B-BE4B-BC85-63634926B1EA}" v="26" dt="2024-11-07T08:40:45.396"/>
   </p1510:revLst>
 </p1510:revInfo>
@@ -142,19 +144,51 @@
 <pc:chgInfo xmlns:a="http://schemas.openxmlformats.org/drawingml/2006/main" xmlns:r="http://schemas.openxmlformats.org/officeDocument/2006/relationships" xmlns:ac="http://schemas.microsoft.com/office/drawing/2013/main/command" xmlns:pc="http://schemas.microsoft.com/office/powerpoint/2013/main/command">
   <pc:docChgLst>
     <pc:chgData name="Arbour, Duncan" userId="f8c76c83-f09a-4702-8a60-e00215c8b89f" providerId="ADAL" clId="{79FBE680-AC33-DD45-8A51-7A9D51ED4331}"/>
-    <pc:docChg chg="addSld modSld">
-      <pc:chgData name="Arbour, Duncan" userId="f8c76c83-f09a-4702-8a60-e00215c8b89f" providerId="ADAL" clId="{79FBE680-AC33-DD45-8A51-7A9D51ED4331}" dt="2024-11-07T13:56:43.445" v="31" actId="2890"/>
+    <pc:docChg chg="undo custSel addSld delSld modSld">
+      <pc:chgData name="Arbour, Duncan" userId="f8c76c83-f09a-4702-8a60-e00215c8b89f" providerId="ADAL" clId="{79FBE680-AC33-DD45-8A51-7A9D51ED4331}" dt="2024-11-07T15:45:58.399" v="89" actId="2890"/>
       <pc:docMkLst>
         <pc:docMk/>
       </pc:docMkLst>
       <pc:sldChg chg="modSp mod modNotesTx">
-        <pc:chgData name="Arbour, Duncan" userId="f8c76c83-f09a-4702-8a60-e00215c8b89f" providerId="ADAL" clId="{79FBE680-AC33-DD45-8A51-7A9D51ED4331}" dt="2024-11-07T12:51:27.332" v="22" actId="20577"/>
+        <pc:chgData name="Arbour, Duncan" userId="f8c76c83-f09a-4702-8a60-e00215c8b89f" providerId="ADAL" clId="{79FBE680-AC33-DD45-8A51-7A9D51ED4331}" dt="2024-11-07T15:45:42.867" v="79" actId="20577"/>
         <pc:sldMkLst>
           <pc:docMk/>
           <pc:sldMk cId="1466786859" sldId="6151"/>
         </pc:sldMkLst>
         <pc:spChg chg="mod">
-          <ac:chgData name="Arbour, Duncan" userId="f8c76c83-f09a-4702-8a60-e00215c8b89f" providerId="ADAL" clId="{79FBE680-AC33-DD45-8A51-7A9D51ED4331}" dt="2024-11-07T10:42:13.203" v="21" actId="20577"/>
+          <ac:chgData name="Arbour, Duncan" userId="f8c76c83-f09a-4702-8a60-e00215c8b89f" providerId="ADAL" clId="{79FBE680-AC33-DD45-8A51-7A9D51ED4331}" dt="2024-11-07T14:13:38.836" v="32" actId="2711"/>
+          <ac:spMkLst>
+            <pc:docMk/>
+            <pc:sldMk cId="1466786859" sldId="6151"/>
+            <ac:spMk id="3" creationId="{FFE9BFFF-DD8B-5C4B-9E76-07EBE817AD31}"/>
+          </ac:spMkLst>
+        </pc:spChg>
+        <pc:spChg chg="mod">
+          <ac:chgData name="Arbour, Duncan" userId="f8c76c83-f09a-4702-8a60-e00215c8b89f" providerId="ADAL" clId="{79FBE680-AC33-DD45-8A51-7A9D51ED4331}" dt="2024-11-07T15:03:25.081" v="51" actId="20577"/>
+          <ac:spMkLst>
+            <pc:docMk/>
+            <pc:sldMk cId="1466786859" sldId="6151"/>
+            <ac:spMk id="4" creationId="{F25AEEBF-58D1-D484-7631-0721A4251789}"/>
+          </ac:spMkLst>
+        </pc:spChg>
+        <pc:spChg chg="mod">
+          <ac:chgData name="Arbour, Duncan" userId="f8c76c83-f09a-4702-8a60-e00215c8b89f" providerId="ADAL" clId="{79FBE680-AC33-DD45-8A51-7A9D51ED4331}" dt="2024-11-07T15:44:04.923" v="78"/>
+          <ac:spMkLst>
+            <pc:docMk/>
+            <pc:sldMk cId="1466786859" sldId="6151"/>
+            <ac:spMk id="8" creationId="{8312306C-8F12-40E2-CCD7-8FA815100913}"/>
+          </ac:spMkLst>
+        </pc:spChg>
+        <pc:spChg chg="mod">
+          <ac:chgData name="Arbour, Duncan" userId="f8c76c83-f09a-4702-8a60-e00215c8b89f" providerId="ADAL" clId="{79FBE680-AC33-DD45-8A51-7A9D51ED4331}" dt="2024-11-07T15:33:39.835" v="63" actId="20577"/>
+          <ac:spMkLst>
+            <pc:docMk/>
+            <pc:sldMk cId="1466786859" sldId="6151"/>
+            <ac:spMk id="12" creationId="{D424D19D-431A-0D43-CCCA-0019C6142CC9}"/>
+          </ac:spMkLst>
+        </pc:spChg>
+        <pc:spChg chg="mod">
+          <ac:chgData name="Arbour, Duncan" userId="f8c76c83-f09a-4702-8a60-e00215c8b89f" providerId="ADAL" clId="{79FBE680-AC33-DD45-8A51-7A9D51ED4331}" dt="2024-11-07T14:14:10.381" v="38" actId="403"/>
           <ac:spMkLst>
             <pc:docMk/>
             <pc:sldMk cId="1466786859" sldId="6151"/>
@@ -162,67 +196,200 @@
           </ac:spMkLst>
         </pc:spChg>
       </pc:sldChg>
+      <pc:sldChg chg="add del">
+        <pc:chgData name="Arbour, Duncan" userId="f8c76c83-f09a-4702-8a60-e00215c8b89f" providerId="ADAL" clId="{79FBE680-AC33-DD45-8A51-7A9D51ED4331}" dt="2024-11-07T15:43:22.609" v="64" actId="2696"/>
+        <pc:sldMkLst>
+          <pc:docMk/>
+          <pc:sldMk cId="2597352946" sldId="6152"/>
+        </pc:sldMkLst>
+      </pc:sldChg>
       <pc:sldChg chg="add">
-        <pc:chgData name="Arbour, Duncan" userId="f8c76c83-f09a-4702-8a60-e00215c8b89f" providerId="ADAL" clId="{79FBE680-AC33-DD45-8A51-7A9D51ED4331}" dt="2024-11-07T13:56:38.162" v="23" actId="2890"/>
+        <pc:chgData name="Arbour, Duncan" userId="f8c76c83-f09a-4702-8a60-e00215c8b89f" providerId="ADAL" clId="{79FBE680-AC33-DD45-8A51-7A9D51ED4331}" dt="2024-11-07T15:45:50.719" v="80" actId="2890"/>
+        <pc:sldMkLst>
+          <pc:docMk/>
+          <pc:sldMk cId="3385374808" sldId="6152"/>
+        </pc:sldMkLst>
+      </pc:sldChg>
+      <pc:sldChg chg="add del">
+        <pc:chgData name="Arbour, Duncan" userId="f8c76c83-f09a-4702-8a60-e00215c8b89f" providerId="ADAL" clId="{79FBE680-AC33-DD45-8A51-7A9D51ED4331}" dt="2024-11-07T15:02:48.859" v="39" actId="2696"/>
         <pc:sldMkLst>
           <pc:docMk/>
           <pc:sldMk cId="3389580367" sldId="6152"/>
         </pc:sldMkLst>
       </pc:sldChg>
+      <pc:sldChg chg="add del">
+        <pc:chgData name="Arbour, Duncan" userId="f8c76c83-f09a-4702-8a60-e00215c8b89f" providerId="ADAL" clId="{79FBE680-AC33-DD45-8A51-7A9D51ED4331}" dt="2024-11-07T15:43:22.734" v="72" actId="2696"/>
+        <pc:sldMkLst>
+          <pc:docMk/>
+          <pc:sldMk cId="2661160807" sldId="6153"/>
+        </pc:sldMkLst>
+      </pc:sldChg>
       <pc:sldChg chg="add">
-        <pc:chgData name="Arbour, Duncan" userId="f8c76c83-f09a-4702-8a60-e00215c8b89f" providerId="ADAL" clId="{79FBE680-AC33-DD45-8A51-7A9D51ED4331}" dt="2024-11-07T13:56:39.483" v="24" actId="2890"/>
+        <pc:chgData name="Arbour, Duncan" userId="f8c76c83-f09a-4702-8a60-e00215c8b89f" providerId="ADAL" clId="{79FBE680-AC33-DD45-8A51-7A9D51ED4331}" dt="2024-11-07T15:45:52.048" v="81" actId="2890"/>
+        <pc:sldMkLst>
+          <pc:docMk/>
+          <pc:sldMk cId="2753195189" sldId="6153"/>
+        </pc:sldMkLst>
+      </pc:sldChg>
+      <pc:sldChg chg="add del">
+        <pc:chgData name="Arbour, Duncan" userId="f8c76c83-f09a-4702-8a60-e00215c8b89f" providerId="ADAL" clId="{79FBE680-AC33-DD45-8A51-7A9D51ED4331}" dt="2024-11-07T15:02:49.011" v="44" actId="2696"/>
         <pc:sldMkLst>
           <pc:docMk/>
           <pc:sldMk cId="3691499587" sldId="6153"/>
         </pc:sldMkLst>
       </pc:sldChg>
       <pc:sldChg chg="add">
-        <pc:chgData name="Arbour, Duncan" userId="f8c76c83-f09a-4702-8a60-e00215c8b89f" providerId="ADAL" clId="{79FBE680-AC33-DD45-8A51-7A9D51ED4331}" dt="2024-11-07T13:56:40.160" v="25" actId="2890"/>
+        <pc:chgData name="Arbour, Duncan" userId="f8c76c83-f09a-4702-8a60-e00215c8b89f" providerId="ADAL" clId="{79FBE680-AC33-DD45-8A51-7A9D51ED4331}" dt="2024-11-07T15:45:52.731" v="82" actId="2890"/>
+        <pc:sldMkLst>
+          <pc:docMk/>
+          <pc:sldMk cId="395437832" sldId="6154"/>
+        </pc:sldMkLst>
+      </pc:sldChg>
+      <pc:sldChg chg="add del">
+        <pc:chgData name="Arbour, Duncan" userId="f8c76c83-f09a-4702-8a60-e00215c8b89f" providerId="ADAL" clId="{79FBE680-AC33-DD45-8A51-7A9D51ED4331}" dt="2024-11-07T15:43:22.639" v="70" actId="2696"/>
+        <pc:sldMkLst>
+          <pc:docMk/>
+          <pc:sldMk cId="1100447516" sldId="6154"/>
+        </pc:sldMkLst>
+      </pc:sldChg>
+      <pc:sldChg chg="add del">
+        <pc:chgData name="Arbour, Duncan" userId="f8c76c83-f09a-4702-8a60-e00215c8b89f" providerId="ADAL" clId="{79FBE680-AC33-DD45-8A51-7A9D51ED4331}" dt="2024-11-07T15:02:49.145" v="46" actId="2696"/>
         <pc:sldMkLst>
           <pc:docMk/>
           <pc:sldMk cId="3586553846" sldId="6154"/>
         </pc:sldMkLst>
       </pc:sldChg>
-      <pc:sldChg chg="add">
-        <pc:chgData name="Arbour, Duncan" userId="f8c76c83-f09a-4702-8a60-e00215c8b89f" providerId="ADAL" clId="{79FBE680-AC33-DD45-8A51-7A9D51ED4331}" dt="2024-11-07T13:56:40.773" v="26" actId="2890"/>
+      <pc:sldChg chg="add del">
+        <pc:chgData name="Arbour, Duncan" userId="f8c76c83-f09a-4702-8a60-e00215c8b89f" providerId="ADAL" clId="{79FBE680-AC33-DD45-8A51-7A9D51ED4331}" dt="2024-11-07T15:43:22.625" v="67" actId="2696"/>
+        <pc:sldMkLst>
+          <pc:docMk/>
+          <pc:sldMk cId="925660246" sldId="6155"/>
+        </pc:sldMkLst>
+      </pc:sldChg>
+      <pc:sldChg chg="add del">
+        <pc:chgData name="Arbour, Duncan" userId="f8c76c83-f09a-4702-8a60-e00215c8b89f" providerId="ADAL" clId="{79FBE680-AC33-DD45-8A51-7A9D51ED4331}" dt="2024-11-07T15:02:48.867" v="40" actId="2696"/>
         <pc:sldMkLst>
           <pc:docMk/>
           <pc:sldMk cId="2115502534" sldId="6155"/>
         </pc:sldMkLst>
       </pc:sldChg>
       <pc:sldChg chg="add">
-        <pc:chgData name="Arbour, Duncan" userId="f8c76c83-f09a-4702-8a60-e00215c8b89f" providerId="ADAL" clId="{79FBE680-AC33-DD45-8A51-7A9D51ED4331}" dt="2024-11-07T13:56:41.348" v="27" actId="2890"/>
+        <pc:chgData name="Arbour, Duncan" userId="f8c76c83-f09a-4702-8a60-e00215c8b89f" providerId="ADAL" clId="{79FBE680-AC33-DD45-8A51-7A9D51ED4331}" dt="2024-11-07T15:45:53.429" v="83" actId="2890"/>
+        <pc:sldMkLst>
+          <pc:docMk/>
+          <pc:sldMk cId="4140441336" sldId="6155"/>
+        </pc:sldMkLst>
+      </pc:sldChg>
+      <pc:sldChg chg="add del">
+        <pc:chgData name="Arbour, Duncan" userId="f8c76c83-f09a-4702-8a60-e00215c8b89f" providerId="ADAL" clId="{79FBE680-AC33-DD45-8A51-7A9D51ED4331}" dt="2024-11-07T15:02:48.873" v="41" actId="2696"/>
         <pc:sldMkLst>
           <pc:docMk/>
           <pc:sldMk cId="1744240825" sldId="6156"/>
         </pc:sldMkLst>
       </pc:sldChg>
+      <pc:sldChg chg="add del">
+        <pc:chgData name="Arbour, Duncan" userId="f8c76c83-f09a-4702-8a60-e00215c8b89f" providerId="ADAL" clId="{79FBE680-AC33-DD45-8A51-7A9D51ED4331}" dt="2024-11-07T15:43:22.643" v="71" actId="2696"/>
+        <pc:sldMkLst>
+          <pc:docMk/>
+          <pc:sldMk cId="2296098384" sldId="6156"/>
+        </pc:sldMkLst>
+      </pc:sldChg>
       <pc:sldChg chg="add">
-        <pc:chgData name="Arbour, Duncan" userId="f8c76c83-f09a-4702-8a60-e00215c8b89f" providerId="ADAL" clId="{79FBE680-AC33-DD45-8A51-7A9D51ED4331}" dt="2024-11-07T13:56:41.858" v="28" actId="2890"/>
+        <pc:chgData name="Arbour, Duncan" userId="f8c76c83-f09a-4702-8a60-e00215c8b89f" providerId="ADAL" clId="{79FBE680-AC33-DD45-8A51-7A9D51ED4331}" dt="2024-11-07T15:45:54.503" v="84" actId="2890"/>
+        <pc:sldMkLst>
+          <pc:docMk/>
+          <pc:sldMk cId="4123162446" sldId="6156"/>
+        </pc:sldMkLst>
+      </pc:sldChg>
+      <pc:sldChg chg="add del">
+        <pc:chgData name="Arbour, Duncan" userId="f8c76c83-f09a-4702-8a60-e00215c8b89f" providerId="ADAL" clId="{79FBE680-AC33-DD45-8A51-7A9D51ED4331}" dt="2024-11-07T15:43:22.635" v="69" actId="2696"/>
+        <pc:sldMkLst>
+          <pc:docMk/>
+          <pc:sldMk cId="168406707" sldId="6157"/>
+        </pc:sldMkLst>
+      </pc:sldChg>
+      <pc:sldChg chg="add del">
+        <pc:chgData name="Arbour, Duncan" userId="f8c76c83-f09a-4702-8a60-e00215c8b89f" providerId="ADAL" clId="{79FBE680-AC33-DD45-8A51-7A9D51ED4331}" dt="2024-11-07T15:02:48.883" v="43" actId="2696"/>
         <pc:sldMkLst>
           <pc:docMk/>
           <pc:sldMk cId="3610414871" sldId="6157"/>
         </pc:sldMkLst>
       </pc:sldChg>
       <pc:sldChg chg="add">
-        <pc:chgData name="Arbour, Duncan" userId="f8c76c83-f09a-4702-8a60-e00215c8b89f" providerId="ADAL" clId="{79FBE680-AC33-DD45-8A51-7A9D51ED4331}" dt="2024-11-07T13:56:42.410" v="29" actId="2890"/>
+        <pc:chgData name="Arbour, Duncan" userId="f8c76c83-f09a-4702-8a60-e00215c8b89f" providerId="ADAL" clId="{79FBE680-AC33-DD45-8A51-7A9D51ED4331}" dt="2024-11-07T15:45:55.360" v="85" actId="2890"/>
+        <pc:sldMkLst>
+          <pc:docMk/>
+          <pc:sldMk cId="4265917496" sldId="6157"/>
+        </pc:sldMkLst>
+      </pc:sldChg>
+      <pc:sldChg chg="add del">
+        <pc:chgData name="Arbour, Duncan" userId="f8c76c83-f09a-4702-8a60-e00215c8b89f" providerId="ADAL" clId="{79FBE680-AC33-DD45-8A51-7A9D51ED4331}" dt="2024-11-07T15:02:48.878" v="42" actId="2696"/>
         <pc:sldMkLst>
           <pc:docMk/>
           <pc:sldMk cId="185237381" sldId="6158"/>
         </pc:sldMkLst>
       </pc:sldChg>
       <pc:sldChg chg="add">
-        <pc:chgData name="Arbour, Duncan" userId="f8c76c83-f09a-4702-8a60-e00215c8b89f" providerId="ADAL" clId="{79FBE680-AC33-DD45-8A51-7A9D51ED4331}" dt="2024-11-07T13:56:42.922" v="30" actId="2890"/>
+        <pc:chgData name="Arbour, Duncan" userId="f8c76c83-f09a-4702-8a60-e00215c8b89f" providerId="ADAL" clId="{79FBE680-AC33-DD45-8A51-7A9D51ED4331}" dt="2024-11-07T15:45:56.149" v="86" actId="2890"/>
+        <pc:sldMkLst>
+          <pc:docMk/>
+          <pc:sldMk cId="686338924" sldId="6158"/>
+        </pc:sldMkLst>
+      </pc:sldChg>
+      <pc:sldChg chg="add del">
+        <pc:chgData name="Arbour, Duncan" userId="f8c76c83-f09a-4702-8a60-e00215c8b89f" providerId="ADAL" clId="{79FBE680-AC33-DD45-8A51-7A9D51ED4331}" dt="2024-11-07T15:43:22.615" v="65" actId="2696"/>
+        <pc:sldMkLst>
+          <pc:docMk/>
+          <pc:sldMk cId="4264416858" sldId="6158"/>
+        </pc:sldMkLst>
+      </pc:sldChg>
+      <pc:sldChg chg="add del">
+        <pc:chgData name="Arbour, Duncan" userId="f8c76c83-f09a-4702-8a60-e00215c8b89f" providerId="ADAL" clId="{79FBE680-AC33-DD45-8A51-7A9D51ED4331}" dt="2024-11-07T15:02:49.017" v="45" actId="2696"/>
         <pc:sldMkLst>
           <pc:docMk/>
           <pc:sldMk cId="889744641" sldId="6159"/>
         </pc:sldMkLst>
       </pc:sldChg>
+      <pc:sldChg chg="add del">
+        <pc:chgData name="Arbour, Duncan" userId="f8c76c83-f09a-4702-8a60-e00215c8b89f" providerId="ADAL" clId="{79FBE680-AC33-DD45-8A51-7A9D51ED4331}" dt="2024-11-07T15:43:22.620" v="66" actId="2696"/>
+        <pc:sldMkLst>
+          <pc:docMk/>
+          <pc:sldMk cId="1003604645" sldId="6159"/>
+        </pc:sldMkLst>
+      </pc:sldChg>
       <pc:sldChg chg="add">
-        <pc:chgData name="Arbour, Duncan" userId="f8c76c83-f09a-4702-8a60-e00215c8b89f" providerId="ADAL" clId="{79FBE680-AC33-DD45-8A51-7A9D51ED4331}" dt="2024-11-07T13:56:43.445" v="31" actId="2890"/>
+        <pc:chgData name="Arbour, Duncan" userId="f8c76c83-f09a-4702-8a60-e00215c8b89f" providerId="ADAL" clId="{79FBE680-AC33-DD45-8A51-7A9D51ED4331}" dt="2024-11-07T15:45:56.774" v="87" actId="2890"/>
+        <pc:sldMkLst>
+          <pc:docMk/>
+          <pc:sldMk cId="2126189883" sldId="6159"/>
+        </pc:sldMkLst>
+      </pc:sldChg>
+      <pc:sldChg chg="add del">
+        <pc:chgData name="Arbour, Duncan" userId="f8c76c83-f09a-4702-8a60-e00215c8b89f" providerId="ADAL" clId="{79FBE680-AC33-DD45-8A51-7A9D51ED4331}" dt="2024-11-07T15:02:49.283" v="47" actId="2696"/>
         <pc:sldMkLst>
           <pc:docMk/>
           <pc:sldMk cId="1091150860" sldId="6160"/>
+        </pc:sldMkLst>
+      </pc:sldChg>
+      <pc:sldChg chg="add">
+        <pc:chgData name="Arbour, Duncan" userId="f8c76c83-f09a-4702-8a60-e00215c8b89f" providerId="ADAL" clId="{79FBE680-AC33-DD45-8A51-7A9D51ED4331}" dt="2024-11-07T15:45:57.592" v="88" actId="2890"/>
+        <pc:sldMkLst>
+          <pc:docMk/>
+          <pc:sldMk cId="2395012779" sldId="6160"/>
+        </pc:sldMkLst>
+      </pc:sldChg>
+      <pc:sldChg chg="add del">
+        <pc:chgData name="Arbour, Duncan" userId="f8c76c83-f09a-4702-8a60-e00215c8b89f" providerId="ADAL" clId="{79FBE680-AC33-DD45-8A51-7A9D51ED4331}" dt="2024-11-07T15:43:22.630" v="68" actId="2696"/>
+        <pc:sldMkLst>
+          <pc:docMk/>
+          <pc:sldMk cId="2512543529" sldId="6160"/>
+        </pc:sldMkLst>
+      </pc:sldChg>
+      <pc:sldChg chg="add">
+        <pc:chgData name="Arbour, Duncan" userId="f8c76c83-f09a-4702-8a60-e00215c8b89f" providerId="ADAL" clId="{79FBE680-AC33-DD45-8A51-7A9D51ED4331}" dt="2024-11-07T15:45:58.399" v="89" actId="2890"/>
+        <pc:sldMkLst>
+          <pc:docMk/>
+          <pc:sldMk cId="3422531153" sldId="6161"/>
         </pc:sldMkLst>
       </pc:sldChg>
     </pc:docChg>
@@ -672,7 +839,7 @@
         <p:cNvPr id="1" name="">
           <a:extLst>
             <a:ext uri="{FF2B5EF4-FFF2-40B4-BE49-F238E27FC236}">
-              <a16:creationId xmlns:a16="http://schemas.microsoft.com/office/drawing/2014/main" id="{4FB66731-B8A8-FACD-9B3C-78AB110825C1}"/>
+              <a16:creationId xmlns:a16="http://schemas.microsoft.com/office/drawing/2014/main" id="{9814B584-9D66-BA68-61D8-79183534B979}"/>
             </a:ext>
           </a:extLst>
         </p:cNvPr>
@@ -692,7 +859,7 @@
           <p:cNvPr id="2" name="Slide Image Placeholder 1">
             <a:extLst>
               <a:ext uri="{FF2B5EF4-FFF2-40B4-BE49-F238E27FC236}">
-                <a16:creationId xmlns:a16="http://schemas.microsoft.com/office/drawing/2014/main" id="{814EAA3D-7D44-8F6C-BCE6-70F7459C4DC5}"/>
+                <a16:creationId xmlns:a16="http://schemas.microsoft.com/office/drawing/2014/main" id="{FEC32526-9524-DFE8-13C4-519D082FE0B5}"/>
               </a:ext>
             </a:extLst>
           </p:cNvPr>
@@ -710,7 +877,7 @@
           <p:cNvPr id="3" name="Notes Placeholder 2">
             <a:extLst>
               <a:ext uri="{FF2B5EF4-FFF2-40B4-BE49-F238E27FC236}">
-                <a16:creationId xmlns:a16="http://schemas.microsoft.com/office/drawing/2014/main" id="{533039F4-5ECB-D56B-BE69-7E30203AEA92}"/>
+                <a16:creationId xmlns:a16="http://schemas.microsoft.com/office/drawing/2014/main" id="{D5614933-7EBA-C6C2-E5BF-FAF4FAD984F5}"/>
               </a:ext>
             </a:extLst>
           </p:cNvPr>
@@ -735,7 +902,7 @@
           <p:cNvPr id="4" name="Slide Number Placeholder 3">
             <a:extLst>
               <a:ext uri="{FF2B5EF4-FFF2-40B4-BE49-F238E27FC236}">
-                <a16:creationId xmlns:a16="http://schemas.microsoft.com/office/drawing/2014/main" id="{76B9A4F0-E658-6269-B663-0FC1550D2106}"/>
+                <a16:creationId xmlns:a16="http://schemas.microsoft.com/office/drawing/2014/main" id="{C850BAA6-006C-BC47-1255-0D051E76A167}"/>
               </a:ext>
             </a:extLst>
           </p:cNvPr>
@@ -762,7 +929,7 @@
     </p:spTree>
     <p:extLst>
       <p:ext uri="{BB962C8B-B14F-4D97-AF65-F5344CB8AC3E}">
-        <p14:creationId xmlns:p14="http://schemas.microsoft.com/office/powerpoint/2010/main" val="1233817679"/>
+        <p14:creationId xmlns:p14="http://schemas.microsoft.com/office/powerpoint/2010/main" val="1948267374"/>
       </p:ext>
     </p:extLst>
   </p:cSld>
@@ -772,7 +939,7 @@
 </p:notes>
 </file>
 
-<file path=ppt/notesSlides/notesSlide2.xml><?xml version="1.0" encoding="utf-8"?>
+<file path=ppt/notesSlides/notesSlide11.xml><?xml version="1.0" encoding="utf-8"?>
 <p:notes xmlns:a="http://schemas.openxmlformats.org/drawingml/2006/main" xmlns:r="http://schemas.openxmlformats.org/officeDocument/2006/relationships" xmlns:p="http://schemas.openxmlformats.org/presentationml/2006/main">
   <p:cSld>
     <p:spTree>
@@ -780,7 +947,7 @@
         <p:cNvPr id="1" name="">
           <a:extLst>
             <a:ext uri="{FF2B5EF4-FFF2-40B4-BE49-F238E27FC236}">
-              <a16:creationId xmlns:a16="http://schemas.microsoft.com/office/drawing/2014/main" id="{ECDD9EC6-2934-0731-3A80-FB1058D726A2}"/>
+              <a16:creationId xmlns:a16="http://schemas.microsoft.com/office/drawing/2014/main" id="{33528C7E-8770-8634-65A6-C3F3F89D6F65}"/>
             </a:ext>
           </a:extLst>
         </p:cNvPr>
@@ -800,7 +967,7 @@
           <p:cNvPr id="2" name="Slide Image Placeholder 1">
             <a:extLst>
               <a:ext uri="{FF2B5EF4-FFF2-40B4-BE49-F238E27FC236}">
-                <a16:creationId xmlns:a16="http://schemas.microsoft.com/office/drawing/2014/main" id="{5A475948-E411-DF0E-0BB5-706C6E2C4E40}"/>
+                <a16:creationId xmlns:a16="http://schemas.microsoft.com/office/drawing/2014/main" id="{14D8BD6C-7A15-102E-55AE-8C1E712D98EB}"/>
               </a:ext>
             </a:extLst>
           </p:cNvPr>
@@ -818,7 +985,7 @@
           <p:cNvPr id="3" name="Notes Placeholder 2">
             <a:extLst>
               <a:ext uri="{FF2B5EF4-FFF2-40B4-BE49-F238E27FC236}">
-                <a16:creationId xmlns:a16="http://schemas.microsoft.com/office/drawing/2014/main" id="{A1317E70-FC48-3AB7-2A37-C8F6780AD94D}"/>
+                <a16:creationId xmlns:a16="http://schemas.microsoft.com/office/drawing/2014/main" id="{FD197CCB-77B6-589C-3742-DF6CC4905FA5}"/>
               </a:ext>
             </a:extLst>
           </p:cNvPr>
@@ -843,7 +1010,7 @@
           <p:cNvPr id="4" name="Slide Number Placeholder 3">
             <a:extLst>
               <a:ext uri="{FF2B5EF4-FFF2-40B4-BE49-F238E27FC236}">
-                <a16:creationId xmlns:a16="http://schemas.microsoft.com/office/drawing/2014/main" id="{7E010350-D38E-9DF1-C684-DFE9C17E9D87}"/>
+                <a16:creationId xmlns:a16="http://schemas.microsoft.com/office/drawing/2014/main" id="{936D8FDF-A0DF-F57A-4424-5C46F2B581E9}"/>
               </a:ext>
             </a:extLst>
           </p:cNvPr>
@@ -861,7 +1028,7 @@
           <a:p>
             <a:fld id="{452EDCF6-DFE2-4764-B62F-8F2DC67158AF}" type="slidenum">
               <a:rPr lang="en-GB" smtClean="0"/>
-              <a:t>2</a:t>
+              <a:t>11</a:t>
             </a:fld>
             <a:endParaRPr lang="en-GB"/>
           </a:p>
@@ -870,7 +1037,7 @@
     </p:spTree>
     <p:extLst>
       <p:ext uri="{BB962C8B-B14F-4D97-AF65-F5344CB8AC3E}">
-        <p14:creationId xmlns:p14="http://schemas.microsoft.com/office/powerpoint/2010/main" val="1181115060"/>
+        <p14:creationId xmlns:p14="http://schemas.microsoft.com/office/powerpoint/2010/main" val="702507399"/>
       </p:ext>
     </p:extLst>
   </p:cSld>
@@ -880,7 +1047,7 @@
 </p:notes>
 </file>
 
-<file path=ppt/notesSlides/notesSlide3.xml><?xml version="1.0" encoding="utf-8"?>
+<file path=ppt/notesSlides/notesSlide2.xml><?xml version="1.0" encoding="utf-8"?>
 <p:notes xmlns:a="http://schemas.openxmlformats.org/drawingml/2006/main" xmlns:r="http://schemas.openxmlformats.org/officeDocument/2006/relationships" xmlns:p="http://schemas.openxmlformats.org/presentationml/2006/main">
   <p:cSld>
     <p:spTree>
@@ -888,7 +1055,7 @@
         <p:cNvPr id="1" name="">
           <a:extLst>
             <a:ext uri="{FF2B5EF4-FFF2-40B4-BE49-F238E27FC236}">
-              <a16:creationId xmlns:a16="http://schemas.microsoft.com/office/drawing/2014/main" id="{705087DE-370E-E56F-C58A-8367081C01EF}"/>
+              <a16:creationId xmlns:a16="http://schemas.microsoft.com/office/drawing/2014/main" id="{FB82358C-5129-1F3B-FEEE-4D86BA069663}"/>
             </a:ext>
           </a:extLst>
         </p:cNvPr>
@@ -908,7 +1075,7 @@
           <p:cNvPr id="2" name="Slide Image Placeholder 1">
             <a:extLst>
               <a:ext uri="{FF2B5EF4-FFF2-40B4-BE49-F238E27FC236}">
-                <a16:creationId xmlns:a16="http://schemas.microsoft.com/office/drawing/2014/main" id="{139943E0-478E-625C-A9B3-77E527D4F948}"/>
+                <a16:creationId xmlns:a16="http://schemas.microsoft.com/office/drawing/2014/main" id="{D57562E7-2568-97BF-A6C6-4A2F233F5407}"/>
               </a:ext>
             </a:extLst>
           </p:cNvPr>
@@ -926,7 +1093,7 @@
           <p:cNvPr id="3" name="Notes Placeholder 2">
             <a:extLst>
               <a:ext uri="{FF2B5EF4-FFF2-40B4-BE49-F238E27FC236}">
-                <a16:creationId xmlns:a16="http://schemas.microsoft.com/office/drawing/2014/main" id="{F5A5DB23-29DA-AE54-7BBF-366A00412458}"/>
+                <a16:creationId xmlns:a16="http://schemas.microsoft.com/office/drawing/2014/main" id="{B5E66860-1DEC-94FB-EF27-2E40E3B7DBAD}"/>
               </a:ext>
             </a:extLst>
           </p:cNvPr>
@@ -951,7 +1118,7 @@
           <p:cNvPr id="4" name="Slide Number Placeholder 3">
             <a:extLst>
               <a:ext uri="{FF2B5EF4-FFF2-40B4-BE49-F238E27FC236}">
-                <a16:creationId xmlns:a16="http://schemas.microsoft.com/office/drawing/2014/main" id="{06D8F361-4C39-8134-A0C9-DBB62AF268D8}"/>
+                <a16:creationId xmlns:a16="http://schemas.microsoft.com/office/drawing/2014/main" id="{CEA4B723-3323-B19C-AFD6-C77FE9405D66}"/>
               </a:ext>
             </a:extLst>
           </p:cNvPr>
@@ -969,7 +1136,7 @@
           <a:p>
             <a:fld id="{452EDCF6-DFE2-4764-B62F-8F2DC67158AF}" type="slidenum">
               <a:rPr lang="en-GB" smtClean="0"/>
-              <a:t>3</a:t>
+              <a:t>2</a:t>
             </a:fld>
             <a:endParaRPr lang="en-GB"/>
           </a:p>
@@ -978,7 +1145,7 @@
     </p:spTree>
     <p:extLst>
       <p:ext uri="{BB962C8B-B14F-4D97-AF65-F5344CB8AC3E}">
-        <p14:creationId xmlns:p14="http://schemas.microsoft.com/office/powerpoint/2010/main" val="2231882950"/>
+        <p14:creationId xmlns:p14="http://schemas.microsoft.com/office/powerpoint/2010/main" val="3878489814"/>
       </p:ext>
     </p:extLst>
   </p:cSld>
@@ -988,7 +1155,7 @@
 </p:notes>
 </file>
 
-<file path=ppt/notesSlides/notesSlide4.xml><?xml version="1.0" encoding="utf-8"?>
+<file path=ppt/notesSlides/notesSlide3.xml><?xml version="1.0" encoding="utf-8"?>
 <p:notes xmlns:a="http://schemas.openxmlformats.org/drawingml/2006/main" xmlns:r="http://schemas.openxmlformats.org/officeDocument/2006/relationships" xmlns:p="http://schemas.openxmlformats.org/presentationml/2006/main">
   <p:cSld>
     <p:spTree>
@@ -996,7 +1163,7 @@
         <p:cNvPr id="1" name="">
           <a:extLst>
             <a:ext uri="{FF2B5EF4-FFF2-40B4-BE49-F238E27FC236}">
-              <a16:creationId xmlns:a16="http://schemas.microsoft.com/office/drawing/2014/main" id="{1EFEFF7B-6205-78FA-5739-5F45614FBD21}"/>
+              <a16:creationId xmlns:a16="http://schemas.microsoft.com/office/drawing/2014/main" id="{EA3B2066-28BE-28BB-A944-74F25BB744B7}"/>
             </a:ext>
           </a:extLst>
         </p:cNvPr>
@@ -1016,7 +1183,7 @@
           <p:cNvPr id="2" name="Slide Image Placeholder 1">
             <a:extLst>
               <a:ext uri="{FF2B5EF4-FFF2-40B4-BE49-F238E27FC236}">
-                <a16:creationId xmlns:a16="http://schemas.microsoft.com/office/drawing/2014/main" id="{A2ED87C3-A371-B686-74CC-AE8C54065AA4}"/>
+                <a16:creationId xmlns:a16="http://schemas.microsoft.com/office/drawing/2014/main" id="{DD9537B7-B2A0-F6FE-A6CC-5089BDCD466D}"/>
               </a:ext>
             </a:extLst>
           </p:cNvPr>
@@ -1034,7 +1201,7 @@
           <p:cNvPr id="3" name="Notes Placeholder 2">
             <a:extLst>
               <a:ext uri="{FF2B5EF4-FFF2-40B4-BE49-F238E27FC236}">
-                <a16:creationId xmlns:a16="http://schemas.microsoft.com/office/drawing/2014/main" id="{A06149B4-BCAB-712C-44BB-3B2648C42F6B}"/>
+                <a16:creationId xmlns:a16="http://schemas.microsoft.com/office/drawing/2014/main" id="{B54B3436-04CC-EEA9-9B9E-F1DA62112E55}"/>
               </a:ext>
             </a:extLst>
           </p:cNvPr>
@@ -1059,7 +1226,7 @@
           <p:cNvPr id="4" name="Slide Number Placeholder 3">
             <a:extLst>
               <a:ext uri="{FF2B5EF4-FFF2-40B4-BE49-F238E27FC236}">
-                <a16:creationId xmlns:a16="http://schemas.microsoft.com/office/drawing/2014/main" id="{7BA67221-62DE-A3D0-8CC5-11B3505EBF01}"/>
+                <a16:creationId xmlns:a16="http://schemas.microsoft.com/office/drawing/2014/main" id="{83F71F94-E70A-4C22-2B10-17DB91224C78}"/>
               </a:ext>
             </a:extLst>
           </p:cNvPr>
@@ -1077,7 +1244,7 @@
           <a:p>
             <a:fld id="{452EDCF6-DFE2-4764-B62F-8F2DC67158AF}" type="slidenum">
               <a:rPr lang="en-GB" smtClean="0"/>
-              <a:t>4</a:t>
+              <a:t>3</a:t>
             </a:fld>
             <a:endParaRPr lang="en-GB"/>
           </a:p>
@@ -1086,7 +1253,7 @@
     </p:spTree>
     <p:extLst>
       <p:ext uri="{BB962C8B-B14F-4D97-AF65-F5344CB8AC3E}">
-        <p14:creationId xmlns:p14="http://schemas.microsoft.com/office/powerpoint/2010/main" val="3748840162"/>
+        <p14:creationId xmlns:p14="http://schemas.microsoft.com/office/powerpoint/2010/main" val="1588458860"/>
       </p:ext>
     </p:extLst>
   </p:cSld>
@@ -1096,7 +1263,7 @@
 </p:notes>
 </file>
 
-<file path=ppt/notesSlides/notesSlide5.xml><?xml version="1.0" encoding="utf-8"?>
+<file path=ppt/notesSlides/notesSlide4.xml><?xml version="1.0" encoding="utf-8"?>
 <p:notes xmlns:a="http://schemas.openxmlformats.org/drawingml/2006/main" xmlns:r="http://schemas.openxmlformats.org/officeDocument/2006/relationships" xmlns:p="http://schemas.openxmlformats.org/presentationml/2006/main">
   <p:cSld>
     <p:spTree>
@@ -1104,7 +1271,7 @@
         <p:cNvPr id="1" name="">
           <a:extLst>
             <a:ext uri="{FF2B5EF4-FFF2-40B4-BE49-F238E27FC236}">
-              <a16:creationId xmlns:a16="http://schemas.microsoft.com/office/drawing/2014/main" id="{88A57A29-B9CA-A389-4271-DD3804A6A8DE}"/>
+              <a16:creationId xmlns:a16="http://schemas.microsoft.com/office/drawing/2014/main" id="{BE08B8C7-9E1C-1F1A-50FA-2B38F7FBDF8C}"/>
             </a:ext>
           </a:extLst>
         </p:cNvPr>
@@ -1124,7 +1291,7 @@
           <p:cNvPr id="2" name="Slide Image Placeholder 1">
             <a:extLst>
               <a:ext uri="{FF2B5EF4-FFF2-40B4-BE49-F238E27FC236}">
-                <a16:creationId xmlns:a16="http://schemas.microsoft.com/office/drawing/2014/main" id="{8F124B40-6643-B5E6-48E8-31D007722473}"/>
+                <a16:creationId xmlns:a16="http://schemas.microsoft.com/office/drawing/2014/main" id="{4AD48359-34BE-1BE0-6E12-FA2D903968B8}"/>
               </a:ext>
             </a:extLst>
           </p:cNvPr>
@@ -1142,7 +1309,7 @@
           <p:cNvPr id="3" name="Notes Placeholder 2">
             <a:extLst>
               <a:ext uri="{FF2B5EF4-FFF2-40B4-BE49-F238E27FC236}">
-                <a16:creationId xmlns:a16="http://schemas.microsoft.com/office/drawing/2014/main" id="{248B8DA0-7D8B-06A9-0563-09D015AECE8D}"/>
+                <a16:creationId xmlns:a16="http://schemas.microsoft.com/office/drawing/2014/main" id="{D1DAAEB6-FD6D-3383-4299-938AB2FE8DC2}"/>
               </a:ext>
             </a:extLst>
           </p:cNvPr>
@@ -1167,7 +1334,7 @@
           <p:cNvPr id="4" name="Slide Number Placeholder 3">
             <a:extLst>
               <a:ext uri="{FF2B5EF4-FFF2-40B4-BE49-F238E27FC236}">
-                <a16:creationId xmlns:a16="http://schemas.microsoft.com/office/drawing/2014/main" id="{8A6D03FE-B74D-877F-B9D4-F319541D8ECB}"/>
+                <a16:creationId xmlns:a16="http://schemas.microsoft.com/office/drawing/2014/main" id="{9D0E03BE-7541-1C9D-0F70-FF4A4D0CECEB}"/>
               </a:ext>
             </a:extLst>
           </p:cNvPr>
@@ -1185,7 +1352,7 @@
           <a:p>
             <a:fld id="{452EDCF6-DFE2-4764-B62F-8F2DC67158AF}" type="slidenum">
               <a:rPr lang="en-GB" smtClean="0"/>
-              <a:t>5</a:t>
+              <a:t>4</a:t>
             </a:fld>
             <a:endParaRPr lang="en-GB"/>
           </a:p>
@@ -1194,7 +1361,7 @@
     </p:spTree>
     <p:extLst>
       <p:ext uri="{BB962C8B-B14F-4D97-AF65-F5344CB8AC3E}">
-        <p14:creationId xmlns:p14="http://schemas.microsoft.com/office/powerpoint/2010/main" val="462060963"/>
+        <p14:creationId xmlns:p14="http://schemas.microsoft.com/office/powerpoint/2010/main" val="3213794054"/>
       </p:ext>
     </p:extLst>
   </p:cSld>
@@ -1204,7 +1371,7 @@
 </p:notes>
 </file>
 
-<file path=ppt/notesSlides/notesSlide6.xml><?xml version="1.0" encoding="utf-8"?>
+<file path=ppt/notesSlides/notesSlide5.xml><?xml version="1.0" encoding="utf-8"?>
 <p:notes xmlns:a="http://schemas.openxmlformats.org/drawingml/2006/main" xmlns:r="http://schemas.openxmlformats.org/officeDocument/2006/relationships" xmlns:p="http://schemas.openxmlformats.org/presentationml/2006/main">
   <p:cSld>
     <p:spTree>
@@ -1212,7 +1379,7 @@
         <p:cNvPr id="1" name="">
           <a:extLst>
             <a:ext uri="{FF2B5EF4-FFF2-40B4-BE49-F238E27FC236}">
-              <a16:creationId xmlns:a16="http://schemas.microsoft.com/office/drawing/2014/main" id="{025E752D-53B6-8F85-3C6C-4F4304006ACF}"/>
+              <a16:creationId xmlns:a16="http://schemas.microsoft.com/office/drawing/2014/main" id="{68DC28D4-7521-6FA4-E1C3-968D8416FD8C}"/>
             </a:ext>
           </a:extLst>
         </p:cNvPr>
@@ -1232,7 +1399,7 @@
           <p:cNvPr id="2" name="Slide Image Placeholder 1">
             <a:extLst>
               <a:ext uri="{FF2B5EF4-FFF2-40B4-BE49-F238E27FC236}">
-                <a16:creationId xmlns:a16="http://schemas.microsoft.com/office/drawing/2014/main" id="{8C8F1DEF-ED54-D68E-6A18-282B8FB30119}"/>
+                <a16:creationId xmlns:a16="http://schemas.microsoft.com/office/drawing/2014/main" id="{7238569E-CF6A-CC48-396A-9003ADA2D563}"/>
               </a:ext>
             </a:extLst>
           </p:cNvPr>
@@ -1250,7 +1417,7 @@
           <p:cNvPr id="3" name="Notes Placeholder 2">
             <a:extLst>
               <a:ext uri="{FF2B5EF4-FFF2-40B4-BE49-F238E27FC236}">
-                <a16:creationId xmlns:a16="http://schemas.microsoft.com/office/drawing/2014/main" id="{F336B95B-203C-D2B2-64CA-515B85D77F15}"/>
+                <a16:creationId xmlns:a16="http://schemas.microsoft.com/office/drawing/2014/main" id="{24ECBD1B-90BD-D648-96C8-61B5DC797233}"/>
               </a:ext>
             </a:extLst>
           </p:cNvPr>
@@ -1275,7 +1442,7 @@
           <p:cNvPr id="4" name="Slide Number Placeholder 3">
             <a:extLst>
               <a:ext uri="{FF2B5EF4-FFF2-40B4-BE49-F238E27FC236}">
-                <a16:creationId xmlns:a16="http://schemas.microsoft.com/office/drawing/2014/main" id="{EE5F2A86-814F-5972-E7CC-450288F926C5}"/>
+                <a16:creationId xmlns:a16="http://schemas.microsoft.com/office/drawing/2014/main" id="{B13ED705-1E21-2F30-F587-C3B791FEEB43}"/>
               </a:ext>
             </a:extLst>
           </p:cNvPr>
@@ -1293,7 +1460,7 @@
           <a:p>
             <a:fld id="{452EDCF6-DFE2-4764-B62F-8F2DC67158AF}" type="slidenum">
               <a:rPr lang="en-GB" smtClean="0"/>
-              <a:t>6</a:t>
+              <a:t>5</a:t>
             </a:fld>
             <a:endParaRPr lang="en-GB"/>
           </a:p>
@@ -1302,7 +1469,7 @@
     </p:spTree>
     <p:extLst>
       <p:ext uri="{BB962C8B-B14F-4D97-AF65-F5344CB8AC3E}">
-        <p14:creationId xmlns:p14="http://schemas.microsoft.com/office/powerpoint/2010/main" val="443457661"/>
+        <p14:creationId xmlns:p14="http://schemas.microsoft.com/office/powerpoint/2010/main" val="2306676403"/>
       </p:ext>
     </p:extLst>
   </p:cSld>
@@ -1312,7 +1479,7 @@
 </p:notes>
 </file>
 
-<file path=ppt/notesSlides/notesSlide7.xml><?xml version="1.0" encoding="utf-8"?>
+<file path=ppt/notesSlides/notesSlide6.xml><?xml version="1.0" encoding="utf-8"?>
 <p:notes xmlns:a="http://schemas.openxmlformats.org/drawingml/2006/main" xmlns:r="http://schemas.openxmlformats.org/officeDocument/2006/relationships" xmlns:p="http://schemas.openxmlformats.org/presentationml/2006/main">
   <p:cSld>
     <p:spTree>
@@ -1320,7 +1487,7 @@
         <p:cNvPr id="1" name="">
           <a:extLst>
             <a:ext uri="{FF2B5EF4-FFF2-40B4-BE49-F238E27FC236}">
-              <a16:creationId xmlns:a16="http://schemas.microsoft.com/office/drawing/2014/main" id="{6F7D90A8-8BA6-88A2-4939-4EA5678EC153}"/>
+              <a16:creationId xmlns:a16="http://schemas.microsoft.com/office/drawing/2014/main" id="{958F0B2A-F28D-10BD-D757-397652C103DC}"/>
             </a:ext>
           </a:extLst>
         </p:cNvPr>
@@ -1340,7 +1507,7 @@
           <p:cNvPr id="2" name="Slide Image Placeholder 1">
             <a:extLst>
               <a:ext uri="{FF2B5EF4-FFF2-40B4-BE49-F238E27FC236}">
-                <a16:creationId xmlns:a16="http://schemas.microsoft.com/office/drawing/2014/main" id="{2365CB42-E1EA-32FA-9126-067FCD48AB93}"/>
+                <a16:creationId xmlns:a16="http://schemas.microsoft.com/office/drawing/2014/main" id="{8D54CC7D-CA92-7C72-308A-D389FC527040}"/>
               </a:ext>
             </a:extLst>
           </p:cNvPr>
@@ -1358,7 +1525,7 @@
           <p:cNvPr id="3" name="Notes Placeholder 2">
             <a:extLst>
               <a:ext uri="{FF2B5EF4-FFF2-40B4-BE49-F238E27FC236}">
-                <a16:creationId xmlns:a16="http://schemas.microsoft.com/office/drawing/2014/main" id="{DFB32258-0B44-925E-6BDB-BF0D014777B3}"/>
+                <a16:creationId xmlns:a16="http://schemas.microsoft.com/office/drawing/2014/main" id="{4FE4C8A4-D4DE-57B9-CEB1-DA35B8C2C38B}"/>
               </a:ext>
             </a:extLst>
           </p:cNvPr>
@@ -1383,7 +1550,7 @@
           <p:cNvPr id="4" name="Slide Number Placeholder 3">
             <a:extLst>
               <a:ext uri="{FF2B5EF4-FFF2-40B4-BE49-F238E27FC236}">
-                <a16:creationId xmlns:a16="http://schemas.microsoft.com/office/drawing/2014/main" id="{841A18C7-239B-E8F4-389A-FEE036EBCC0A}"/>
+                <a16:creationId xmlns:a16="http://schemas.microsoft.com/office/drawing/2014/main" id="{364B154F-428D-1D97-189F-01D9F8A7C7E1}"/>
               </a:ext>
             </a:extLst>
           </p:cNvPr>
@@ -1401,7 +1568,7 @@
           <a:p>
             <a:fld id="{452EDCF6-DFE2-4764-B62F-8F2DC67158AF}" type="slidenum">
               <a:rPr lang="en-GB" smtClean="0"/>
-              <a:t>7</a:t>
+              <a:t>6</a:t>
             </a:fld>
             <a:endParaRPr lang="en-GB"/>
           </a:p>
@@ -1410,7 +1577,7 @@
     </p:spTree>
     <p:extLst>
       <p:ext uri="{BB962C8B-B14F-4D97-AF65-F5344CB8AC3E}">
-        <p14:creationId xmlns:p14="http://schemas.microsoft.com/office/powerpoint/2010/main" val="2338506930"/>
+        <p14:creationId xmlns:p14="http://schemas.microsoft.com/office/powerpoint/2010/main" val="1664009024"/>
       </p:ext>
     </p:extLst>
   </p:cSld>
@@ -1420,7 +1587,7 @@
 </p:notes>
 </file>
 
-<file path=ppt/notesSlides/notesSlide8.xml><?xml version="1.0" encoding="utf-8"?>
+<file path=ppt/notesSlides/notesSlide7.xml><?xml version="1.0" encoding="utf-8"?>
 <p:notes xmlns:a="http://schemas.openxmlformats.org/drawingml/2006/main" xmlns:r="http://schemas.openxmlformats.org/officeDocument/2006/relationships" xmlns:p="http://schemas.openxmlformats.org/presentationml/2006/main">
   <p:cSld>
     <p:spTree>
@@ -1428,7 +1595,7 @@
         <p:cNvPr id="1" name="">
           <a:extLst>
             <a:ext uri="{FF2B5EF4-FFF2-40B4-BE49-F238E27FC236}">
-              <a16:creationId xmlns:a16="http://schemas.microsoft.com/office/drawing/2014/main" id="{B13064D5-4EEF-9789-4CBD-4AD51CB426DD}"/>
+              <a16:creationId xmlns:a16="http://schemas.microsoft.com/office/drawing/2014/main" id="{C461EA3B-1B13-4BB3-0453-336F1DE248D0}"/>
             </a:ext>
           </a:extLst>
         </p:cNvPr>
@@ -1448,7 +1615,7 @@
           <p:cNvPr id="2" name="Slide Image Placeholder 1">
             <a:extLst>
               <a:ext uri="{FF2B5EF4-FFF2-40B4-BE49-F238E27FC236}">
-                <a16:creationId xmlns:a16="http://schemas.microsoft.com/office/drawing/2014/main" id="{46781436-6FD0-A515-DB88-21F3A60DF208}"/>
+                <a16:creationId xmlns:a16="http://schemas.microsoft.com/office/drawing/2014/main" id="{72F093EF-EF92-E654-BA8A-FD0048BEA619}"/>
               </a:ext>
             </a:extLst>
           </p:cNvPr>
@@ -1466,7 +1633,7 @@
           <p:cNvPr id="3" name="Notes Placeholder 2">
             <a:extLst>
               <a:ext uri="{FF2B5EF4-FFF2-40B4-BE49-F238E27FC236}">
-                <a16:creationId xmlns:a16="http://schemas.microsoft.com/office/drawing/2014/main" id="{FE9C15BB-9572-68BF-5798-9C38B7496FA3}"/>
+                <a16:creationId xmlns:a16="http://schemas.microsoft.com/office/drawing/2014/main" id="{B3B6A7E0-61BE-6160-FD64-1BE640042D71}"/>
               </a:ext>
             </a:extLst>
           </p:cNvPr>
@@ -1491,7 +1658,7 @@
           <p:cNvPr id="4" name="Slide Number Placeholder 3">
             <a:extLst>
               <a:ext uri="{FF2B5EF4-FFF2-40B4-BE49-F238E27FC236}">
-                <a16:creationId xmlns:a16="http://schemas.microsoft.com/office/drawing/2014/main" id="{8D7D7386-3492-FF6D-D209-4FC2110BBE93}"/>
+                <a16:creationId xmlns:a16="http://schemas.microsoft.com/office/drawing/2014/main" id="{3D960462-5AC1-96C4-D6A7-1C120354180E}"/>
               </a:ext>
             </a:extLst>
           </p:cNvPr>
@@ -1509,7 +1676,7 @@
           <a:p>
             <a:fld id="{452EDCF6-DFE2-4764-B62F-8F2DC67158AF}" type="slidenum">
               <a:rPr lang="en-GB" smtClean="0"/>
-              <a:t>8</a:t>
+              <a:t>7</a:t>
             </a:fld>
             <a:endParaRPr lang="en-GB"/>
           </a:p>
@@ -1518,7 +1685,7 @@
     </p:spTree>
     <p:extLst>
       <p:ext uri="{BB962C8B-B14F-4D97-AF65-F5344CB8AC3E}">
-        <p14:creationId xmlns:p14="http://schemas.microsoft.com/office/powerpoint/2010/main" val="3753168142"/>
+        <p14:creationId xmlns:p14="http://schemas.microsoft.com/office/powerpoint/2010/main" val="768124422"/>
       </p:ext>
     </p:extLst>
   </p:cSld>
@@ -1528,7 +1695,7 @@
 </p:notes>
 </file>
 
-<file path=ppt/notesSlides/notesSlide9.xml><?xml version="1.0" encoding="utf-8"?>
+<file path=ppt/notesSlides/notesSlide8.xml><?xml version="1.0" encoding="utf-8"?>
 <p:notes xmlns:a="http://schemas.openxmlformats.org/drawingml/2006/main" xmlns:r="http://schemas.openxmlformats.org/officeDocument/2006/relationships" xmlns:p="http://schemas.openxmlformats.org/presentationml/2006/main">
   <p:cSld>
     <p:spTree>
@@ -1536,7 +1703,7 @@
         <p:cNvPr id="1" name="">
           <a:extLst>
             <a:ext uri="{FF2B5EF4-FFF2-40B4-BE49-F238E27FC236}">
-              <a16:creationId xmlns:a16="http://schemas.microsoft.com/office/drawing/2014/main" id="{DEBE72D7-7E5D-9FE3-297F-0294221B3B76}"/>
+              <a16:creationId xmlns:a16="http://schemas.microsoft.com/office/drawing/2014/main" id="{0069E331-14C4-205C-CCED-4D1F36A96867}"/>
             </a:ext>
           </a:extLst>
         </p:cNvPr>
@@ -1556,7 +1723,7 @@
           <p:cNvPr id="2" name="Slide Image Placeholder 1">
             <a:extLst>
               <a:ext uri="{FF2B5EF4-FFF2-40B4-BE49-F238E27FC236}">
-                <a16:creationId xmlns:a16="http://schemas.microsoft.com/office/drawing/2014/main" id="{5BC0F36F-3E39-F6FD-1BE1-F718B398F192}"/>
+                <a16:creationId xmlns:a16="http://schemas.microsoft.com/office/drawing/2014/main" id="{3D6CDC50-CDC4-7EB4-CE78-5B0211BCD1CD}"/>
               </a:ext>
             </a:extLst>
           </p:cNvPr>
@@ -1574,7 +1741,7 @@
           <p:cNvPr id="3" name="Notes Placeholder 2">
             <a:extLst>
               <a:ext uri="{FF2B5EF4-FFF2-40B4-BE49-F238E27FC236}">
-                <a16:creationId xmlns:a16="http://schemas.microsoft.com/office/drawing/2014/main" id="{F521B1C7-D223-F3C9-5166-D4BF6446D46A}"/>
+                <a16:creationId xmlns:a16="http://schemas.microsoft.com/office/drawing/2014/main" id="{B96536F1-3A00-0DB4-1260-D4A26A27387C}"/>
               </a:ext>
             </a:extLst>
           </p:cNvPr>
@@ -1599,7 +1766,7 @@
           <p:cNvPr id="4" name="Slide Number Placeholder 3">
             <a:extLst>
               <a:ext uri="{FF2B5EF4-FFF2-40B4-BE49-F238E27FC236}">
-                <a16:creationId xmlns:a16="http://schemas.microsoft.com/office/drawing/2014/main" id="{0F68A169-6AF6-36FB-92AB-C3AECC6E8218}"/>
+                <a16:creationId xmlns:a16="http://schemas.microsoft.com/office/drawing/2014/main" id="{7E75B128-CB1C-9D42-EC23-18F3BD29F9CB}"/>
               </a:ext>
             </a:extLst>
           </p:cNvPr>
@@ -1617,7 +1784,7 @@
           <a:p>
             <a:fld id="{452EDCF6-DFE2-4764-B62F-8F2DC67158AF}" type="slidenum">
               <a:rPr lang="en-GB" smtClean="0"/>
-              <a:t>9</a:t>
+              <a:t>8</a:t>
             </a:fld>
             <a:endParaRPr lang="en-GB"/>
           </a:p>
@@ -1626,7 +1793,115 @@
     </p:spTree>
     <p:extLst>
       <p:ext uri="{BB962C8B-B14F-4D97-AF65-F5344CB8AC3E}">
-        <p14:creationId xmlns:p14="http://schemas.microsoft.com/office/powerpoint/2010/main" val="3815460858"/>
+        <p14:creationId xmlns:p14="http://schemas.microsoft.com/office/powerpoint/2010/main" val="2973322661"/>
+      </p:ext>
+    </p:extLst>
+  </p:cSld>
+  <p:clrMapOvr>
+    <a:masterClrMapping/>
+  </p:clrMapOvr>
+</p:notes>
+</file>
+
+<file path=ppt/notesSlides/notesSlide9.xml><?xml version="1.0" encoding="utf-8"?>
+<p:notes xmlns:a="http://schemas.openxmlformats.org/drawingml/2006/main" xmlns:r="http://schemas.openxmlformats.org/officeDocument/2006/relationships" xmlns:p="http://schemas.openxmlformats.org/presentationml/2006/main">
+  <p:cSld>
+    <p:spTree>
+      <p:nvGrpSpPr>
+        <p:cNvPr id="1" name="">
+          <a:extLst>
+            <a:ext uri="{FF2B5EF4-FFF2-40B4-BE49-F238E27FC236}">
+              <a16:creationId xmlns:a16="http://schemas.microsoft.com/office/drawing/2014/main" id="{688C0EB7-0166-31CF-DF39-967CEF01071E}"/>
+            </a:ext>
+          </a:extLst>
+        </p:cNvPr>
+        <p:cNvGrpSpPr/>
+        <p:nvPr/>
+      </p:nvGrpSpPr>
+      <p:grpSpPr>
+        <a:xfrm>
+          <a:off x="0" y="0"/>
+          <a:ext cx="0" cy="0"/>
+          <a:chOff x="0" y="0"/>
+          <a:chExt cx="0" cy="0"/>
+        </a:xfrm>
+      </p:grpSpPr>
+      <p:sp>
+        <p:nvSpPr>
+          <p:cNvPr id="2" name="Slide Image Placeholder 1">
+            <a:extLst>
+              <a:ext uri="{FF2B5EF4-FFF2-40B4-BE49-F238E27FC236}">
+                <a16:creationId xmlns:a16="http://schemas.microsoft.com/office/drawing/2014/main" id="{BD2B7A91-B5A5-2BBE-7FE6-A9783149A67A}"/>
+              </a:ext>
+            </a:extLst>
+          </p:cNvPr>
+          <p:cNvSpPr>
+            <a:spLocks noGrp="1" noRot="1" noChangeAspect="1"/>
+          </p:cNvSpPr>
+          <p:nvPr>
+            <p:ph type="sldImg"/>
+          </p:nvPr>
+        </p:nvSpPr>
+        <p:spPr/>
+      </p:sp>
+      <p:sp>
+        <p:nvSpPr>
+          <p:cNvPr id="3" name="Notes Placeholder 2">
+            <a:extLst>
+              <a:ext uri="{FF2B5EF4-FFF2-40B4-BE49-F238E27FC236}">
+                <a16:creationId xmlns:a16="http://schemas.microsoft.com/office/drawing/2014/main" id="{C177FE48-3238-8AE1-E0C3-3A38915AE0E6}"/>
+              </a:ext>
+            </a:extLst>
+          </p:cNvPr>
+          <p:cNvSpPr>
+            <a:spLocks noGrp="1"/>
+          </p:cNvSpPr>
+          <p:nvPr>
+            <p:ph type="body" idx="1"/>
+          </p:nvPr>
+        </p:nvSpPr>
+        <p:spPr/>
+        <p:txBody>
+          <a:bodyPr/>
+          <a:lstStyle/>
+          <a:p>
+            <a:endParaRPr lang="en-GB" dirty="0"/>
+          </a:p>
+        </p:txBody>
+      </p:sp>
+      <p:sp>
+        <p:nvSpPr>
+          <p:cNvPr id="4" name="Slide Number Placeholder 3">
+            <a:extLst>
+              <a:ext uri="{FF2B5EF4-FFF2-40B4-BE49-F238E27FC236}">
+                <a16:creationId xmlns:a16="http://schemas.microsoft.com/office/drawing/2014/main" id="{0830D81B-04CF-3280-1912-083C253730C6}"/>
+              </a:ext>
+            </a:extLst>
+          </p:cNvPr>
+          <p:cNvSpPr>
+            <a:spLocks noGrp="1"/>
+          </p:cNvSpPr>
+          <p:nvPr>
+            <p:ph type="sldNum" sz="quarter" idx="5"/>
+          </p:nvPr>
+        </p:nvSpPr>
+        <p:spPr/>
+        <p:txBody>
+          <a:bodyPr/>
+          <a:lstStyle/>
+          <a:p>
+            <a:fld id="{452EDCF6-DFE2-4764-B62F-8F2DC67158AF}" type="slidenum">
+              <a:rPr lang="en-GB" smtClean="0"/>
+              <a:t>9</a:t>
+            </a:fld>
+            <a:endParaRPr lang="en-GB"/>
+          </a:p>
+        </p:txBody>
+      </p:sp>
+    </p:spTree>
+    <p:extLst>
+      <p:ext uri="{BB962C8B-B14F-4D97-AF65-F5344CB8AC3E}">
+        <p14:creationId xmlns:p14="http://schemas.microsoft.com/office/powerpoint/2010/main" val="2298586732"/>
       </p:ext>
     </p:extLst>
   </p:cSld>
@@ -5960,9 +6235,8 @@
                 <a:effectLst/>
                 <a:uLnTx/>
                 <a:uFillTx/>
-                <a:latin typeface="Microsoft YaHei" panose="020B0503020204020204" pitchFamily="34" charset="-122"/>
-                <a:ea typeface="Microsoft YaHei" panose="020B0503020204020204" pitchFamily="34" charset="-122"/>
-                <a:cs typeface="+mj-cs"/>
+                <a:latin typeface="Arial" panose="020B0604020202020204" pitchFamily="34" charset="0"/>
+                <a:cs typeface="Arial" panose="020B0604020202020204" pitchFamily="34" charset="0"/>
               </a:rPr>
               <a:t>Interviewee_Name</a:t>
             </a:r>
@@ -5976,9 +6250,8 @@
               <a:effectLst/>
               <a:uLnTx/>
               <a:uFillTx/>
-              <a:latin typeface="Microsoft YaHei" panose="020B0503020204020204" pitchFamily="34" charset="-122"/>
-              <a:ea typeface="Microsoft YaHei" panose="020B0503020204020204" pitchFamily="34" charset="-122"/>
-              <a:cs typeface="+mj-cs"/>
+              <a:latin typeface="Arial" panose="020B0604020202020204" pitchFamily="34" charset="0"/>
+              <a:cs typeface="Arial" panose="020B0604020202020204" pitchFamily="34" charset="0"/>
             </a:endParaRPr>
           </a:p>
         </p:txBody>
@@ -6060,7 +6333,7 @@
                 <a:cs typeface="Arial" panose="020B0604020202020204" pitchFamily="34" charset="0"/>
                 <a:sym typeface="Helvetica Neue"/>
               </a:rPr>
-              <a:t>Last_Spoken_to</a:t>
+              <a:t>Last_Spoken_To</a:t>
             </a:r>
             <a:endParaRPr kumimoji="0" lang="en-GB" sz="1050" i="0" u="none" strike="noStrike" cap="none" spc="0" normalizeH="0" baseline="0" dirty="0">
               <a:ln>
@@ -6381,8 +6654,8 @@
         </p:nvSpPr>
         <p:spPr>
           <a:xfrm>
-            <a:off x="284138" y="3067599"/>
-            <a:ext cx="2001862" cy="264175"/>
+            <a:off x="284138" y="3086835"/>
+            <a:ext cx="2001862" cy="225703"/>
           </a:xfrm>
           <a:prstGeom prst="rect">
             <a:avLst/>
@@ -6430,21 +6703,11 @@
               <a:tabLst/>
             </a:pPr>
             <a:r>
-              <a:rPr kumimoji="0" lang="en-GB" sz="1050" i="0" u="none" strike="noStrike" cap="none" spc="0" normalizeH="0" baseline="0" dirty="0" err="1">
-                <a:ln>
-                  <a:noFill/>
-                </a:ln>
-                <a:solidFill>
-                  <a:srgbClr val="000000"/>
-                </a:solidFill>
+              <a:rPr lang="en-GB" sz="800" dirty="0" err="1">
                 <a:effectLst/>
-                <a:uFillTx/>
-                <a:latin typeface="Arial" panose="020B0604020202020204" pitchFamily="34" charset="0"/>
-                <a:ea typeface="Helvetica Neue"/>
-                <a:cs typeface="Arial" panose="020B0604020202020204" pitchFamily="34" charset="0"/>
-                <a:sym typeface="Helvetica Neue"/>
+                <a:latin typeface="Helvetica Neue" panose="02000503000000020004" pitchFamily="2" charset="0"/>
               </a:rPr>
-              <a:t>Position_Towards_the_Change</a:t>
+              <a:t>Position_towards_the_Change</a:t>
             </a:r>
             <a:endParaRPr kumimoji="0" lang="en-GB" sz="1050" i="0" u="none" strike="noStrike" cap="none" spc="0" normalizeH="0" baseline="0" dirty="0">
               <a:ln>
@@ -8343,14 +8606,14 @@
               <a:tabLst/>
             </a:pPr>
             <a:r>
-              <a:rPr lang="en-GB" sz="900" dirty="0" err="1">
+              <a:rPr lang="en-GB" sz="1600" dirty="0" err="1">
                 <a:solidFill>
                   <a:schemeClr val="tx2"/>
                 </a:solidFill>
               </a:rPr>
               <a:t>Whats_in_it_for_me</a:t>
             </a:r>
-            <a:endParaRPr kumimoji="0" lang="en-GB" sz="1100" b="1" i="0" u="none" strike="noStrike" cap="none" spc="0" normalizeH="0" baseline="0" dirty="0">
+            <a:endParaRPr kumimoji="0" lang="en-GB" sz="2400" b="1" i="0" u="none" strike="noStrike" cap="none" spc="0" normalizeH="0" baseline="0" dirty="0">
               <a:ln>
                 <a:noFill/>
               </a:ln>
@@ -8389,7 +8652,7 @@
         <p:cNvPr id="1" name="">
           <a:extLst>
             <a:ext uri="{FF2B5EF4-FFF2-40B4-BE49-F238E27FC236}">
-              <a16:creationId xmlns:a16="http://schemas.microsoft.com/office/drawing/2014/main" id="{E7B6F7A6-925D-4037-3A3E-20AA7ABD6E15}"/>
+              <a16:creationId xmlns:a16="http://schemas.microsoft.com/office/drawing/2014/main" id="{6A1F96CC-F92B-5E5F-0626-30A63D805339}"/>
             </a:ext>
           </a:extLst>
         </p:cNvPr>
@@ -8409,7 +8672,7 @@
           <p:cNvPr id="3" name="Title 1">
             <a:extLst>
               <a:ext uri="{FF2B5EF4-FFF2-40B4-BE49-F238E27FC236}">
-                <a16:creationId xmlns:a16="http://schemas.microsoft.com/office/drawing/2014/main" id="{3A7E167D-E106-184D-1112-8F007D22449D}"/>
+                <a16:creationId xmlns:a16="http://schemas.microsoft.com/office/drawing/2014/main" id="{261E3F49-1428-5AD3-052A-3C07D858BA34}"/>
               </a:ext>
             </a:extLst>
           </p:cNvPr>
@@ -8477,9 +8740,8 @@
                 <a:effectLst/>
                 <a:uLnTx/>
                 <a:uFillTx/>
-                <a:latin typeface="Microsoft YaHei" panose="020B0503020204020204" pitchFamily="34" charset="-122"/>
-                <a:ea typeface="Microsoft YaHei" panose="020B0503020204020204" pitchFamily="34" charset="-122"/>
-                <a:cs typeface="+mj-cs"/>
+                <a:latin typeface="Arial" panose="020B0604020202020204" pitchFamily="34" charset="0"/>
+                <a:cs typeface="Arial" panose="020B0604020202020204" pitchFamily="34" charset="0"/>
               </a:rPr>
               <a:t>Interviewee_Name</a:t>
             </a:r>
@@ -8493,9 +8755,8 @@
               <a:effectLst/>
               <a:uLnTx/>
               <a:uFillTx/>
-              <a:latin typeface="Microsoft YaHei" panose="020B0503020204020204" pitchFamily="34" charset="-122"/>
-              <a:ea typeface="Microsoft YaHei" panose="020B0503020204020204" pitchFamily="34" charset="-122"/>
-              <a:cs typeface="+mj-cs"/>
+              <a:latin typeface="Arial" panose="020B0604020202020204" pitchFamily="34" charset="0"/>
+              <a:cs typeface="Arial" panose="020B0604020202020204" pitchFamily="34" charset="0"/>
             </a:endParaRPr>
           </a:p>
         </p:txBody>
@@ -8505,7 +8766,7 @@
           <p:cNvPr id="4" name="TextBox 3">
             <a:extLst>
               <a:ext uri="{FF2B5EF4-FFF2-40B4-BE49-F238E27FC236}">
-                <a16:creationId xmlns:a16="http://schemas.microsoft.com/office/drawing/2014/main" id="{392483D3-7BAB-8D1E-C14F-697D440474E9}"/>
+                <a16:creationId xmlns:a16="http://schemas.microsoft.com/office/drawing/2014/main" id="{F6C28791-F7A2-8DE2-B0A7-6AC0B9D93F48}"/>
               </a:ext>
             </a:extLst>
           </p:cNvPr>
@@ -8577,7 +8838,7 @@
                 <a:cs typeface="Arial" panose="020B0604020202020204" pitchFamily="34" charset="0"/>
                 <a:sym typeface="Helvetica Neue"/>
               </a:rPr>
-              <a:t>Last_Spoken_to</a:t>
+              <a:t>Last_Spoken_To</a:t>
             </a:r>
             <a:endParaRPr kumimoji="0" lang="en-GB" sz="1050" i="0" u="none" strike="noStrike" cap="none" spc="0" normalizeH="0" baseline="0" dirty="0">
               <a:ln>
@@ -8601,7 +8862,7 @@
           <p:cNvPr id="5" name="TextBox 4">
             <a:extLst>
               <a:ext uri="{FF2B5EF4-FFF2-40B4-BE49-F238E27FC236}">
-                <a16:creationId xmlns:a16="http://schemas.microsoft.com/office/drawing/2014/main" id="{2475E192-C28B-72D8-C40D-026DF50B48A1}"/>
+                <a16:creationId xmlns:a16="http://schemas.microsoft.com/office/drawing/2014/main" id="{64331209-50D6-3286-B89B-265EE6642734}"/>
               </a:ext>
             </a:extLst>
           </p:cNvPr>
@@ -8697,7 +8958,7 @@
           <p:cNvPr id="6" name="TextBox 5">
             <a:extLst>
               <a:ext uri="{FF2B5EF4-FFF2-40B4-BE49-F238E27FC236}">
-                <a16:creationId xmlns:a16="http://schemas.microsoft.com/office/drawing/2014/main" id="{808A849F-C3FE-895A-E4C8-4823A62D7873}"/>
+                <a16:creationId xmlns:a16="http://schemas.microsoft.com/office/drawing/2014/main" id="{A2D33873-5660-D9A3-5A45-7932E7D3D182}"/>
               </a:ext>
             </a:extLst>
           </p:cNvPr>
@@ -8793,7 +9054,7 @@
           <p:cNvPr id="7" name="TextBox 6">
             <a:extLst>
               <a:ext uri="{FF2B5EF4-FFF2-40B4-BE49-F238E27FC236}">
-                <a16:creationId xmlns:a16="http://schemas.microsoft.com/office/drawing/2014/main" id="{9CB4BDA2-CFA2-855E-8511-4DCE0111BEE9}"/>
+                <a16:creationId xmlns:a16="http://schemas.microsoft.com/office/drawing/2014/main" id="{8B9B7198-AACB-FCD4-A2DC-C71F0D1E0D91}"/>
               </a:ext>
             </a:extLst>
           </p:cNvPr>
@@ -8889,7 +9150,7 @@
           <p:cNvPr id="8" name="TextBox 7">
             <a:extLst>
               <a:ext uri="{FF2B5EF4-FFF2-40B4-BE49-F238E27FC236}">
-                <a16:creationId xmlns:a16="http://schemas.microsoft.com/office/drawing/2014/main" id="{6ED25DD9-7D27-E83B-6069-859A54F35869}"/>
+                <a16:creationId xmlns:a16="http://schemas.microsoft.com/office/drawing/2014/main" id="{BB02A7F9-EF57-F301-C428-F435ABCB23A4}"/>
               </a:ext>
             </a:extLst>
           </p:cNvPr>
@@ -8898,8 +9159,8 @@
         </p:nvSpPr>
         <p:spPr>
           <a:xfrm>
-            <a:off x="284138" y="3067599"/>
-            <a:ext cx="2001862" cy="264175"/>
+            <a:off x="284138" y="3086835"/>
+            <a:ext cx="2001862" cy="225703"/>
           </a:xfrm>
           <a:prstGeom prst="rect">
             <a:avLst/>
@@ -8947,21 +9208,11 @@
               <a:tabLst/>
             </a:pPr>
             <a:r>
-              <a:rPr kumimoji="0" lang="en-GB" sz="1050" i="0" u="none" strike="noStrike" cap="none" spc="0" normalizeH="0" baseline="0" dirty="0" err="1">
-                <a:ln>
-                  <a:noFill/>
-                </a:ln>
-                <a:solidFill>
-                  <a:srgbClr val="000000"/>
-                </a:solidFill>
+              <a:rPr lang="en-GB" sz="800" dirty="0" err="1">
                 <a:effectLst/>
-                <a:uFillTx/>
-                <a:latin typeface="Arial" panose="020B0604020202020204" pitchFamily="34" charset="0"/>
-                <a:ea typeface="Helvetica Neue"/>
-                <a:cs typeface="Arial" panose="020B0604020202020204" pitchFamily="34" charset="0"/>
-                <a:sym typeface="Helvetica Neue"/>
+                <a:latin typeface="Helvetica Neue" panose="02000503000000020004" pitchFamily="2" charset="0"/>
               </a:rPr>
-              <a:t>Position_Towards_the_Change</a:t>
+              <a:t>Position_towards_the_Change</a:t>
             </a:r>
             <a:endParaRPr kumimoji="0" lang="en-GB" sz="1050" i="0" u="none" strike="noStrike" cap="none" spc="0" normalizeH="0" baseline="0" dirty="0">
               <a:ln>
@@ -8985,7 +9236,7 @@
           <p:cNvPr id="9" name="TextBox 8">
             <a:extLst>
               <a:ext uri="{FF2B5EF4-FFF2-40B4-BE49-F238E27FC236}">
-                <a16:creationId xmlns:a16="http://schemas.microsoft.com/office/drawing/2014/main" id="{5F33C1BE-AB15-8A3C-E235-1F59C263DFE4}"/>
+                <a16:creationId xmlns:a16="http://schemas.microsoft.com/office/drawing/2014/main" id="{73BA5C3B-00A0-E26F-2F90-E64C9186F88C}"/>
               </a:ext>
             </a:extLst>
           </p:cNvPr>
@@ -9081,7 +9332,7 @@
           <p:cNvPr id="10" name="TextBox 9">
             <a:extLst>
               <a:ext uri="{FF2B5EF4-FFF2-40B4-BE49-F238E27FC236}">
-                <a16:creationId xmlns:a16="http://schemas.microsoft.com/office/drawing/2014/main" id="{E03BF373-4FFD-6AC6-3F25-D92AEE62CFA8}"/>
+                <a16:creationId xmlns:a16="http://schemas.microsoft.com/office/drawing/2014/main" id="{C404920A-D6FD-D0BB-2E18-22659B4D5A84}"/>
               </a:ext>
             </a:extLst>
           </p:cNvPr>
@@ -9177,7 +9428,7 @@
           <p:cNvPr id="11" name="TextBox 10">
             <a:extLst>
               <a:ext uri="{FF2B5EF4-FFF2-40B4-BE49-F238E27FC236}">
-                <a16:creationId xmlns:a16="http://schemas.microsoft.com/office/drawing/2014/main" id="{2CAF796B-69A5-756B-8077-9DDF243A90B0}"/>
+                <a16:creationId xmlns:a16="http://schemas.microsoft.com/office/drawing/2014/main" id="{B1CCC14C-B6BC-5CEE-DEDC-705463BABA9A}"/>
               </a:ext>
             </a:extLst>
           </p:cNvPr>
@@ -9273,7 +9524,7 @@
           <p:cNvPr id="12" name="TextBox 11">
             <a:extLst>
               <a:ext uri="{FF2B5EF4-FFF2-40B4-BE49-F238E27FC236}">
-                <a16:creationId xmlns:a16="http://schemas.microsoft.com/office/drawing/2014/main" id="{63424149-C046-8FF5-1DC1-88D6C2241D4A}"/>
+                <a16:creationId xmlns:a16="http://schemas.microsoft.com/office/drawing/2014/main" id="{821FF7FF-72CB-7202-B4CA-67335B88C49B}"/>
               </a:ext>
             </a:extLst>
           </p:cNvPr>
@@ -9369,7 +9620,7 @@
           <p:cNvPr id="13" name="TextBox 12">
             <a:extLst>
               <a:ext uri="{FF2B5EF4-FFF2-40B4-BE49-F238E27FC236}">
-                <a16:creationId xmlns:a16="http://schemas.microsoft.com/office/drawing/2014/main" id="{1223CD03-93B9-FE27-E78B-1DF4A0070B89}"/>
+                <a16:creationId xmlns:a16="http://schemas.microsoft.com/office/drawing/2014/main" id="{801ECF60-F461-7AB8-471D-B909A8579B93}"/>
               </a:ext>
             </a:extLst>
           </p:cNvPr>
@@ -9465,7 +9716,7 @@
           <p:cNvPr id="14" name="TextBox 13">
             <a:extLst>
               <a:ext uri="{FF2B5EF4-FFF2-40B4-BE49-F238E27FC236}">
-                <a16:creationId xmlns:a16="http://schemas.microsoft.com/office/drawing/2014/main" id="{062871E9-FA0A-BC81-EBF8-A29690475985}"/>
+                <a16:creationId xmlns:a16="http://schemas.microsoft.com/office/drawing/2014/main" id="{6FE19C91-96F9-0524-2B0D-CA4E95534081}"/>
               </a:ext>
             </a:extLst>
           </p:cNvPr>
@@ -9554,7 +9805,7 @@
           <p:cNvPr id="15" name="TextBox 14">
             <a:extLst>
               <a:ext uri="{FF2B5EF4-FFF2-40B4-BE49-F238E27FC236}">
-                <a16:creationId xmlns:a16="http://schemas.microsoft.com/office/drawing/2014/main" id="{77F9CDCE-2538-9E2C-B91B-1DA557DA488B}"/>
+                <a16:creationId xmlns:a16="http://schemas.microsoft.com/office/drawing/2014/main" id="{C21AD68B-640D-4A15-2726-2CF62C9A9D99}"/>
               </a:ext>
             </a:extLst>
           </p:cNvPr>
@@ -9643,7 +9894,7 @@
           <p:cNvPr id="16" name="TextBox 15">
             <a:extLst>
               <a:ext uri="{FF2B5EF4-FFF2-40B4-BE49-F238E27FC236}">
-                <a16:creationId xmlns:a16="http://schemas.microsoft.com/office/drawing/2014/main" id="{FB04E342-712F-FB65-2734-73C601F0505D}"/>
+                <a16:creationId xmlns:a16="http://schemas.microsoft.com/office/drawing/2014/main" id="{A140E334-3A6C-564C-D610-841C6450B33B}"/>
               </a:ext>
             </a:extLst>
           </p:cNvPr>
@@ -9732,7 +9983,7 @@
           <p:cNvPr id="20" name="TextBox 19">
             <a:extLst>
               <a:ext uri="{FF2B5EF4-FFF2-40B4-BE49-F238E27FC236}">
-                <a16:creationId xmlns:a16="http://schemas.microsoft.com/office/drawing/2014/main" id="{FCDB0EC6-ACCE-AB86-7732-89075E3744A7}"/>
+                <a16:creationId xmlns:a16="http://schemas.microsoft.com/office/drawing/2014/main" id="{469C116A-9C13-4401-6F61-BD8CB1A397E0}"/>
               </a:ext>
             </a:extLst>
           </p:cNvPr>
@@ -9821,7 +10072,7 @@
           <p:cNvPr id="21" name="TextBox 20">
             <a:extLst>
               <a:ext uri="{FF2B5EF4-FFF2-40B4-BE49-F238E27FC236}">
-                <a16:creationId xmlns:a16="http://schemas.microsoft.com/office/drawing/2014/main" id="{5E0126F0-ED9C-9794-C236-4176FBB54230}"/>
+                <a16:creationId xmlns:a16="http://schemas.microsoft.com/office/drawing/2014/main" id="{8B2618FD-6CB7-DD46-BE50-02416552C3A7}"/>
               </a:ext>
             </a:extLst>
           </p:cNvPr>
@@ -9910,7 +10161,7 @@
           <p:cNvPr id="22" name="TextBox 21">
             <a:extLst>
               <a:ext uri="{FF2B5EF4-FFF2-40B4-BE49-F238E27FC236}">
-                <a16:creationId xmlns:a16="http://schemas.microsoft.com/office/drawing/2014/main" id="{5F78FE65-5928-572A-1A2C-ACBAA6B9181D}"/>
+                <a16:creationId xmlns:a16="http://schemas.microsoft.com/office/drawing/2014/main" id="{3AFAB168-BD0B-1147-693B-A8E2B6024B3B}"/>
               </a:ext>
             </a:extLst>
           </p:cNvPr>
@@ -9999,7 +10250,7 @@
           <p:cNvPr id="23" name="TextBox 22">
             <a:extLst>
               <a:ext uri="{FF2B5EF4-FFF2-40B4-BE49-F238E27FC236}">
-                <a16:creationId xmlns:a16="http://schemas.microsoft.com/office/drawing/2014/main" id="{B6E870BF-FDB8-DFFC-03E9-382D2FF9BD86}"/>
+                <a16:creationId xmlns:a16="http://schemas.microsoft.com/office/drawing/2014/main" id="{9B3CD14F-C879-9180-70DF-1DE69E6061B2}"/>
               </a:ext>
             </a:extLst>
           </p:cNvPr>
@@ -10088,7 +10339,7 @@
           <p:cNvPr id="24" name="TextBox 23">
             <a:extLst>
               <a:ext uri="{FF2B5EF4-FFF2-40B4-BE49-F238E27FC236}">
-                <a16:creationId xmlns:a16="http://schemas.microsoft.com/office/drawing/2014/main" id="{1F85B7A7-8765-19BB-19AA-6215FE25E13D}"/>
+                <a16:creationId xmlns:a16="http://schemas.microsoft.com/office/drawing/2014/main" id="{F50C6ECD-6F81-CAB1-B196-C78A5747367A}"/>
               </a:ext>
             </a:extLst>
           </p:cNvPr>
@@ -10177,7 +10428,7 @@
           <p:cNvPr id="25" name="TextBox 24">
             <a:extLst>
               <a:ext uri="{FF2B5EF4-FFF2-40B4-BE49-F238E27FC236}">
-                <a16:creationId xmlns:a16="http://schemas.microsoft.com/office/drawing/2014/main" id="{CC329310-6946-CD39-2599-A27652EE80D5}"/>
+                <a16:creationId xmlns:a16="http://schemas.microsoft.com/office/drawing/2014/main" id="{DE43EA16-FB6B-9AC4-389A-6BCB5675C8B5}"/>
               </a:ext>
             </a:extLst>
           </p:cNvPr>
@@ -10266,7 +10517,7 @@
           <p:cNvPr id="26" name="TextBox 25">
             <a:extLst>
               <a:ext uri="{FF2B5EF4-FFF2-40B4-BE49-F238E27FC236}">
-                <a16:creationId xmlns:a16="http://schemas.microsoft.com/office/drawing/2014/main" id="{2A3F6FBC-050C-45C6-178E-B0AA96EAEA1E}"/>
+                <a16:creationId xmlns:a16="http://schemas.microsoft.com/office/drawing/2014/main" id="{A75D80B1-6D9C-8409-2E2D-35A1753198B0}"/>
               </a:ext>
             </a:extLst>
           </p:cNvPr>
@@ -10355,7 +10606,7 @@
           <p:cNvPr id="27" name="TextBox 26">
             <a:extLst>
               <a:ext uri="{FF2B5EF4-FFF2-40B4-BE49-F238E27FC236}">
-                <a16:creationId xmlns:a16="http://schemas.microsoft.com/office/drawing/2014/main" id="{E5300EE9-9CE9-87DB-A567-CF7087C321B4}"/>
+                <a16:creationId xmlns:a16="http://schemas.microsoft.com/office/drawing/2014/main" id="{953AC0F6-E0C7-331F-1881-6E1A754A3EBD}"/>
               </a:ext>
             </a:extLst>
           </p:cNvPr>
@@ -10444,7 +10695,7 @@
           <p:cNvPr id="28" name="TextBox 27">
             <a:extLst>
               <a:ext uri="{FF2B5EF4-FFF2-40B4-BE49-F238E27FC236}">
-                <a16:creationId xmlns:a16="http://schemas.microsoft.com/office/drawing/2014/main" id="{9106D9A1-4314-B727-1F01-F6AE15383C36}"/>
+                <a16:creationId xmlns:a16="http://schemas.microsoft.com/office/drawing/2014/main" id="{FC9D982A-5C28-6925-12E8-B3E999178FDC}"/>
               </a:ext>
             </a:extLst>
           </p:cNvPr>
@@ -10533,7 +10784,7 @@
           <p:cNvPr id="29" name="TextBox 28">
             <a:extLst>
               <a:ext uri="{FF2B5EF4-FFF2-40B4-BE49-F238E27FC236}">
-                <a16:creationId xmlns:a16="http://schemas.microsoft.com/office/drawing/2014/main" id="{E87F284B-F06B-2B89-AFC2-2FD44B350DCA}"/>
+                <a16:creationId xmlns:a16="http://schemas.microsoft.com/office/drawing/2014/main" id="{C0882884-5CF7-E66D-7275-3A3708440DD0}"/>
               </a:ext>
             </a:extLst>
           </p:cNvPr>
@@ -10622,7 +10873,7 @@
           <p:cNvPr id="30" name="TextBox 29">
             <a:extLst>
               <a:ext uri="{FF2B5EF4-FFF2-40B4-BE49-F238E27FC236}">
-                <a16:creationId xmlns:a16="http://schemas.microsoft.com/office/drawing/2014/main" id="{3E9C83CD-E188-788E-0F96-B8A9B1F3780C}"/>
+                <a16:creationId xmlns:a16="http://schemas.microsoft.com/office/drawing/2014/main" id="{5964492A-DB43-F600-4092-FBB8549FD99C}"/>
               </a:ext>
             </a:extLst>
           </p:cNvPr>
@@ -10711,7 +10962,7 @@
           <p:cNvPr id="31" name="TextBox 30">
             <a:extLst>
               <a:ext uri="{FF2B5EF4-FFF2-40B4-BE49-F238E27FC236}">
-                <a16:creationId xmlns:a16="http://schemas.microsoft.com/office/drawing/2014/main" id="{825A75BE-23F2-6A52-9E48-EC69C17D959A}"/>
+                <a16:creationId xmlns:a16="http://schemas.microsoft.com/office/drawing/2014/main" id="{C1F2FBC7-A8CF-EE9A-4C3F-622D61DD5636}"/>
               </a:ext>
             </a:extLst>
           </p:cNvPr>
@@ -10800,7 +11051,7 @@
           <p:cNvPr id="32" name="TextBox 31">
             <a:extLst>
               <a:ext uri="{FF2B5EF4-FFF2-40B4-BE49-F238E27FC236}">
-                <a16:creationId xmlns:a16="http://schemas.microsoft.com/office/drawing/2014/main" id="{1DE350A4-D6F5-6F19-991B-DACAC67BD9FE}"/>
+                <a16:creationId xmlns:a16="http://schemas.microsoft.com/office/drawing/2014/main" id="{35211FA0-E94C-14A7-DD6F-72513E182388}"/>
               </a:ext>
             </a:extLst>
           </p:cNvPr>
@@ -10860,14 +11111,14 @@
               <a:tabLst/>
             </a:pPr>
             <a:r>
-              <a:rPr lang="en-GB" sz="900" dirty="0" err="1">
+              <a:rPr lang="en-GB" sz="1600" dirty="0" err="1">
                 <a:solidFill>
                   <a:schemeClr val="tx2"/>
                 </a:solidFill>
               </a:rPr>
               <a:t>Whats_in_it_for_me</a:t>
             </a:r>
-            <a:endParaRPr kumimoji="0" lang="en-GB" sz="1100" b="1" i="0" u="none" strike="noStrike" cap="none" spc="0" normalizeH="0" baseline="0" dirty="0">
+            <a:endParaRPr kumimoji="0" lang="en-GB" sz="2400" b="1" i="0" u="none" strike="noStrike" cap="none" spc="0" normalizeH="0" baseline="0" dirty="0">
               <a:ln>
                 <a:noFill/>
               </a:ln>
@@ -10887,7 +11138,7 @@
     </p:spTree>
     <p:extLst>
       <p:ext uri="{BB962C8B-B14F-4D97-AF65-F5344CB8AC3E}">
-        <p14:creationId xmlns:p14="http://schemas.microsoft.com/office/powerpoint/2010/main" val="1091150860"/>
+        <p14:creationId xmlns:p14="http://schemas.microsoft.com/office/powerpoint/2010/main" val="2395012779"/>
       </p:ext>
     </p:extLst>
   </p:cSld>
@@ -10898,7 +11149,7 @@
 </p:sld>
 </file>
 
-<file path=ppt/slides/slide2.xml><?xml version="1.0" encoding="utf-8"?>
+<file path=ppt/slides/slide11.xml><?xml version="1.0" encoding="utf-8"?>
 <p:sld xmlns:a="http://schemas.openxmlformats.org/drawingml/2006/main" xmlns:r="http://schemas.openxmlformats.org/officeDocument/2006/relationships" xmlns:p="http://schemas.openxmlformats.org/presentationml/2006/main">
   <p:cSld>
     <p:spTree>
@@ -10906,7 +11157,7 @@
         <p:cNvPr id="1" name="">
           <a:extLst>
             <a:ext uri="{FF2B5EF4-FFF2-40B4-BE49-F238E27FC236}">
-              <a16:creationId xmlns:a16="http://schemas.microsoft.com/office/drawing/2014/main" id="{B465E453-2DF5-1135-B5A2-8B698166B1E2}"/>
+              <a16:creationId xmlns:a16="http://schemas.microsoft.com/office/drawing/2014/main" id="{B5964DA4-B8AF-D7C9-3D3C-04679433647F}"/>
             </a:ext>
           </a:extLst>
         </p:cNvPr>
@@ -10926,7 +11177,7 @@
           <p:cNvPr id="3" name="Title 1">
             <a:extLst>
               <a:ext uri="{FF2B5EF4-FFF2-40B4-BE49-F238E27FC236}">
-                <a16:creationId xmlns:a16="http://schemas.microsoft.com/office/drawing/2014/main" id="{7DFFA1A9-6A84-FE78-1974-2EA5D48FE733}"/>
+                <a16:creationId xmlns:a16="http://schemas.microsoft.com/office/drawing/2014/main" id="{D47A2F14-20E5-05CC-F2C4-36D2EF0CE826}"/>
               </a:ext>
             </a:extLst>
           </p:cNvPr>
@@ -10994,9 +11245,8 @@
                 <a:effectLst/>
                 <a:uLnTx/>
                 <a:uFillTx/>
-                <a:latin typeface="Microsoft YaHei" panose="020B0503020204020204" pitchFamily="34" charset="-122"/>
-                <a:ea typeface="Microsoft YaHei" panose="020B0503020204020204" pitchFamily="34" charset="-122"/>
-                <a:cs typeface="+mj-cs"/>
+                <a:latin typeface="Arial" panose="020B0604020202020204" pitchFamily="34" charset="0"/>
+                <a:cs typeface="Arial" panose="020B0604020202020204" pitchFamily="34" charset="0"/>
               </a:rPr>
               <a:t>Interviewee_Name</a:t>
             </a:r>
@@ -11010,9 +11260,8 @@
               <a:effectLst/>
               <a:uLnTx/>
               <a:uFillTx/>
-              <a:latin typeface="Microsoft YaHei" panose="020B0503020204020204" pitchFamily="34" charset="-122"/>
-              <a:ea typeface="Microsoft YaHei" panose="020B0503020204020204" pitchFamily="34" charset="-122"/>
-              <a:cs typeface="+mj-cs"/>
+              <a:latin typeface="Arial" panose="020B0604020202020204" pitchFamily="34" charset="0"/>
+              <a:cs typeface="Arial" panose="020B0604020202020204" pitchFamily="34" charset="0"/>
             </a:endParaRPr>
           </a:p>
         </p:txBody>
@@ -11022,7 +11271,7 @@
           <p:cNvPr id="4" name="TextBox 3">
             <a:extLst>
               <a:ext uri="{FF2B5EF4-FFF2-40B4-BE49-F238E27FC236}">
-                <a16:creationId xmlns:a16="http://schemas.microsoft.com/office/drawing/2014/main" id="{28048D60-2C6A-683C-208F-98E30C0FA053}"/>
+                <a16:creationId xmlns:a16="http://schemas.microsoft.com/office/drawing/2014/main" id="{6CCCBEE4-CCC7-6132-D7EB-E11FC06955C5}"/>
               </a:ext>
             </a:extLst>
           </p:cNvPr>
@@ -11094,7 +11343,7 @@
                 <a:cs typeface="Arial" panose="020B0604020202020204" pitchFamily="34" charset="0"/>
                 <a:sym typeface="Helvetica Neue"/>
               </a:rPr>
-              <a:t>Last_Spoken_to</a:t>
+              <a:t>Last_Spoken_To</a:t>
             </a:r>
             <a:endParaRPr kumimoji="0" lang="en-GB" sz="1050" i="0" u="none" strike="noStrike" cap="none" spc="0" normalizeH="0" baseline="0" dirty="0">
               <a:ln>
@@ -11118,7 +11367,7 @@
           <p:cNvPr id="5" name="TextBox 4">
             <a:extLst>
               <a:ext uri="{FF2B5EF4-FFF2-40B4-BE49-F238E27FC236}">
-                <a16:creationId xmlns:a16="http://schemas.microsoft.com/office/drawing/2014/main" id="{2215F916-89D4-70C7-4902-D1390E8A1291}"/>
+                <a16:creationId xmlns:a16="http://schemas.microsoft.com/office/drawing/2014/main" id="{FA8933D0-0EE7-CA12-2066-3B98F9CB1B02}"/>
               </a:ext>
             </a:extLst>
           </p:cNvPr>
@@ -11214,7 +11463,7 @@
           <p:cNvPr id="6" name="TextBox 5">
             <a:extLst>
               <a:ext uri="{FF2B5EF4-FFF2-40B4-BE49-F238E27FC236}">
-                <a16:creationId xmlns:a16="http://schemas.microsoft.com/office/drawing/2014/main" id="{EECBD3BF-3A67-FC08-985A-792EB1C01E37}"/>
+                <a16:creationId xmlns:a16="http://schemas.microsoft.com/office/drawing/2014/main" id="{E5427914-E9DC-E72D-D325-57DBC4DA32F0}"/>
               </a:ext>
             </a:extLst>
           </p:cNvPr>
@@ -11310,7 +11559,7 @@
           <p:cNvPr id="7" name="TextBox 6">
             <a:extLst>
               <a:ext uri="{FF2B5EF4-FFF2-40B4-BE49-F238E27FC236}">
-                <a16:creationId xmlns:a16="http://schemas.microsoft.com/office/drawing/2014/main" id="{23DA2006-1371-4352-EEEF-65649B6FCD08}"/>
+                <a16:creationId xmlns:a16="http://schemas.microsoft.com/office/drawing/2014/main" id="{09B05CA5-F9EF-FD8E-4A47-2B2DF9E13939}"/>
               </a:ext>
             </a:extLst>
           </p:cNvPr>
@@ -11406,7 +11655,7 @@
           <p:cNvPr id="8" name="TextBox 7">
             <a:extLst>
               <a:ext uri="{FF2B5EF4-FFF2-40B4-BE49-F238E27FC236}">
-                <a16:creationId xmlns:a16="http://schemas.microsoft.com/office/drawing/2014/main" id="{B6868587-2978-6732-E6A1-66D4DE648FC3}"/>
+                <a16:creationId xmlns:a16="http://schemas.microsoft.com/office/drawing/2014/main" id="{923CF8E2-0C3A-0D84-60C3-AEB740442DD8}"/>
               </a:ext>
             </a:extLst>
           </p:cNvPr>
@@ -11415,8 +11664,8 @@
         </p:nvSpPr>
         <p:spPr>
           <a:xfrm>
-            <a:off x="284138" y="3067599"/>
-            <a:ext cx="2001862" cy="264175"/>
+            <a:off x="284138" y="3086835"/>
+            <a:ext cx="2001862" cy="225703"/>
           </a:xfrm>
           <a:prstGeom prst="rect">
             <a:avLst/>
@@ -11464,21 +11713,11 @@
               <a:tabLst/>
             </a:pPr>
             <a:r>
-              <a:rPr kumimoji="0" lang="en-GB" sz="1050" i="0" u="none" strike="noStrike" cap="none" spc="0" normalizeH="0" baseline="0" dirty="0" err="1">
-                <a:ln>
-                  <a:noFill/>
-                </a:ln>
-                <a:solidFill>
-                  <a:srgbClr val="000000"/>
-                </a:solidFill>
+              <a:rPr lang="en-GB" sz="800" dirty="0" err="1">
                 <a:effectLst/>
-                <a:uFillTx/>
-                <a:latin typeface="Arial" panose="020B0604020202020204" pitchFamily="34" charset="0"/>
-                <a:ea typeface="Helvetica Neue"/>
-                <a:cs typeface="Arial" panose="020B0604020202020204" pitchFamily="34" charset="0"/>
-                <a:sym typeface="Helvetica Neue"/>
+                <a:latin typeface="Helvetica Neue" panose="02000503000000020004" pitchFamily="2" charset="0"/>
               </a:rPr>
-              <a:t>Position_Towards_the_Change</a:t>
+              <a:t>Position_towards_the_Change</a:t>
             </a:r>
             <a:endParaRPr kumimoji="0" lang="en-GB" sz="1050" i="0" u="none" strike="noStrike" cap="none" spc="0" normalizeH="0" baseline="0" dirty="0">
               <a:ln>
@@ -11502,7 +11741,7 @@
           <p:cNvPr id="9" name="TextBox 8">
             <a:extLst>
               <a:ext uri="{FF2B5EF4-FFF2-40B4-BE49-F238E27FC236}">
-                <a16:creationId xmlns:a16="http://schemas.microsoft.com/office/drawing/2014/main" id="{237C9F5A-F0B7-A3D4-748B-02192804A7AE}"/>
+                <a16:creationId xmlns:a16="http://schemas.microsoft.com/office/drawing/2014/main" id="{EEDFAD1D-194D-E255-3D96-79E7F9DDCFB4}"/>
               </a:ext>
             </a:extLst>
           </p:cNvPr>
@@ -11598,7 +11837,7 @@
           <p:cNvPr id="10" name="TextBox 9">
             <a:extLst>
               <a:ext uri="{FF2B5EF4-FFF2-40B4-BE49-F238E27FC236}">
-                <a16:creationId xmlns:a16="http://schemas.microsoft.com/office/drawing/2014/main" id="{5E56BC33-9560-270D-8632-EB5475D2E4BC}"/>
+                <a16:creationId xmlns:a16="http://schemas.microsoft.com/office/drawing/2014/main" id="{38A1DCBB-7E97-4A84-F0F2-880EE061AB97}"/>
               </a:ext>
             </a:extLst>
           </p:cNvPr>
@@ -11694,7 +11933,7 @@
           <p:cNvPr id="11" name="TextBox 10">
             <a:extLst>
               <a:ext uri="{FF2B5EF4-FFF2-40B4-BE49-F238E27FC236}">
-                <a16:creationId xmlns:a16="http://schemas.microsoft.com/office/drawing/2014/main" id="{8A83C2B6-0FC1-AA8E-6257-1269489C0E80}"/>
+                <a16:creationId xmlns:a16="http://schemas.microsoft.com/office/drawing/2014/main" id="{1DA45324-59F8-819D-A27B-9A6198E87855}"/>
               </a:ext>
             </a:extLst>
           </p:cNvPr>
@@ -11790,7 +12029,7 @@
           <p:cNvPr id="12" name="TextBox 11">
             <a:extLst>
               <a:ext uri="{FF2B5EF4-FFF2-40B4-BE49-F238E27FC236}">
-                <a16:creationId xmlns:a16="http://schemas.microsoft.com/office/drawing/2014/main" id="{67378A7B-D4CA-9C22-A41F-321655429406}"/>
+                <a16:creationId xmlns:a16="http://schemas.microsoft.com/office/drawing/2014/main" id="{D4806478-C5EB-C473-5937-9C0C40C95BF0}"/>
               </a:ext>
             </a:extLst>
           </p:cNvPr>
@@ -11886,7 +12125,7 @@
           <p:cNvPr id="13" name="TextBox 12">
             <a:extLst>
               <a:ext uri="{FF2B5EF4-FFF2-40B4-BE49-F238E27FC236}">
-                <a16:creationId xmlns:a16="http://schemas.microsoft.com/office/drawing/2014/main" id="{A4F468F9-D450-2557-C018-CB40FFB6AF8B}"/>
+                <a16:creationId xmlns:a16="http://schemas.microsoft.com/office/drawing/2014/main" id="{81C6572D-85CE-AF50-30FB-683DC224C5F1}"/>
               </a:ext>
             </a:extLst>
           </p:cNvPr>
@@ -11982,7 +12221,7 @@
           <p:cNvPr id="14" name="TextBox 13">
             <a:extLst>
               <a:ext uri="{FF2B5EF4-FFF2-40B4-BE49-F238E27FC236}">
-                <a16:creationId xmlns:a16="http://schemas.microsoft.com/office/drawing/2014/main" id="{C19F84F7-5ACD-CE97-476D-D997BF2E1DE9}"/>
+                <a16:creationId xmlns:a16="http://schemas.microsoft.com/office/drawing/2014/main" id="{D8B9DFD5-FEC2-A2C8-CB86-3B46D7800E37}"/>
               </a:ext>
             </a:extLst>
           </p:cNvPr>
@@ -12071,7 +12310,7 @@
           <p:cNvPr id="15" name="TextBox 14">
             <a:extLst>
               <a:ext uri="{FF2B5EF4-FFF2-40B4-BE49-F238E27FC236}">
-                <a16:creationId xmlns:a16="http://schemas.microsoft.com/office/drawing/2014/main" id="{3B88E207-56CF-342A-55B6-81E38F792690}"/>
+                <a16:creationId xmlns:a16="http://schemas.microsoft.com/office/drawing/2014/main" id="{6B13F88A-AF8C-F7D6-A37F-424A64F88112}"/>
               </a:ext>
             </a:extLst>
           </p:cNvPr>
@@ -12160,7 +12399,7 @@
           <p:cNvPr id="16" name="TextBox 15">
             <a:extLst>
               <a:ext uri="{FF2B5EF4-FFF2-40B4-BE49-F238E27FC236}">
-                <a16:creationId xmlns:a16="http://schemas.microsoft.com/office/drawing/2014/main" id="{62A66897-BBED-815B-5CDF-513288690513}"/>
+                <a16:creationId xmlns:a16="http://schemas.microsoft.com/office/drawing/2014/main" id="{AEB000BE-DF5C-E26D-279D-0F3898240B84}"/>
               </a:ext>
             </a:extLst>
           </p:cNvPr>
@@ -12249,7 +12488,7 @@
           <p:cNvPr id="20" name="TextBox 19">
             <a:extLst>
               <a:ext uri="{FF2B5EF4-FFF2-40B4-BE49-F238E27FC236}">
-                <a16:creationId xmlns:a16="http://schemas.microsoft.com/office/drawing/2014/main" id="{16C6C9C1-D14B-98DE-2BE5-B55478834DB5}"/>
+                <a16:creationId xmlns:a16="http://schemas.microsoft.com/office/drawing/2014/main" id="{8DFA2B38-707D-7537-621D-4A7A8765A996}"/>
               </a:ext>
             </a:extLst>
           </p:cNvPr>
@@ -12338,7 +12577,7 @@
           <p:cNvPr id="21" name="TextBox 20">
             <a:extLst>
               <a:ext uri="{FF2B5EF4-FFF2-40B4-BE49-F238E27FC236}">
-                <a16:creationId xmlns:a16="http://schemas.microsoft.com/office/drawing/2014/main" id="{B509546A-4445-3A74-AB23-94DCC635BBD2}"/>
+                <a16:creationId xmlns:a16="http://schemas.microsoft.com/office/drawing/2014/main" id="{8B60B531-227E-FB30-77B0-D02733339099}"/>
               </a:ext>
             </a:extLst>
           </p:cNvPr>
@@ -12427,7 +12666,7 @@
           <p:cNvPr id="22" name="TextBox 21">
             <a:extLst>
               <a:ext uri="{FF2B5EF4-FFF2-40B4-BE49-F238E27FC236}">
-                <a16:creationId xmlns:a16="http://schemas.microsoft.com/office/drawing/2014/main" id="{D6B980DD-D49E-ADC2-3C8E-AA76A5564367}"/>
+                <a16:creationId xmlns:a16="http://schemas.microsoft.com/office/drawing/2014/main" id="{2F2BBBBC-3B0E-A528-0702-AA954AA7154C}"/>
               </a:ext>
             </a:extLst>
           </p:cNvPr>
@@ -12516,7 +12755,7 @@
           <p:cNvPr id="23" name="TextBox 22">
             <a:extLst>
               <a:ext uri="{FF2B5EF4-FFF2-40B4-BE49-F238E27FC236}">
-                <a16:creationId xmlns:a16="http://schemas.microsoft.com/office/drawing/2014/main" id="{C56D1117-D916-4F1C-7482-4C5FA018C6C9}"/>
+                <a16:creationId xmlns:a16="http://schemas.microsoft.com/office/drawing/2014/main" id="{4593B5A1-06F9-C01C-0827-8E21A29896AF}"/>
               </a:ext>
             </a:extLst>
           </p:cNvPr>
@@ -12605,7 +12844,7 @@
           <p:cNvPr id="24" name="TextBox 23">
             <a:extLst>
               <a:ext uri="{FF2B5EF4-FFF2-40B4-BE49-F238E27FC236}">
-                <a16:creationId xmlns:a16="http://schemas.microsoft.com/office/drawing/2014/main" id="{07547168-8362-F4B4-8B33-8FD3F6748CC6}"/>
+                <a16:creationId xmlns:a16="http://schemas.microsoft.com/office/drawing/2014/main" id="{2CAD0E44-999A-91ED-E907-AD0704A5A25D}"/>
               </a:ext>
             </a:extLst>
           </p:cNvPr>
@@ -12694,7 +12933,7 @@
           <p:cNvPr id="25" name="TextBox 24">
             <a:extLst>
               <a:ext uri="{FF2B5EF4-FFF2-40B4-BE49-F238E27FC236}">
-                <a16:creationId xmlns:a16="http://schemas.microsoft.com/office/drawing/2014/main" id="{5DCAE601-6C79-3E43-ACC0-CB7CAAE25AB8}"/>
+                <a16:creationId xmlns:a16="http://schemas.microsoft.com/office/drawing/2014/main" id="{B1764406-A3BC-85BB-7F3C-236F181C618D}"/>
               </a:ext>
             </a:extLst>
           </p:cNvPr>
@@ -12783,7 +13022,7 @@
           <p:cNvPr id="26" name="TextBox 25">
             <a:extLst>
               <a:ext uri="{FF2B5EF4-FFF2-40B4-BE49-F238E27FC236}">
-                <a16:creationId xmlns:a16="http://schemas.microsoft.com/office/drawing/2014/main" id="{70B89501-AFBF-8326-B2D3-AAA4D7D43B82}"/>
+                <a16:creationId xmlns:a16="http://schemas.microsoft.com/office/drawing/2014/main" id="{24330E03-6B69-D98A-3AC0-9D0F1731BE05}"/>
               </a:ext>
             </a:extLst>
           </p:cNvPr>
@@ -12872,7 +13111,7 @@
           <p:cNvPr id="27" name="TextBox 26">
             <a:extLst>
               <a:ext uri="{FF2B5EF4-FFF2-40B4-BE49-F238E27FC236}">
-                <a16:creationId xmlns:a16="http://schemas.microsoft.com/office/drawing/2014/main" id="{B77F2D10-2A02-40F2-7C12-F58B65A134D0}"/>
+                <a16:creationId xmlns:a16="http://schemas.microsoft.com/office/drawing/2014/main" id="{CDD99C26-6E8D-C828-0B75-F81396F16CE6}"/>
               </a:ext>
             </a:extLst>
           </p:cNvPr>
@@ -12961,7 +13200,7 @@
           <p:cNvPr id="28" name="TextBox 27">
             <a:extLst>
               <a:ext uri="{FF2B5EF4-FFF2-40B4-BE49-F238E27FC236}">
-                <a16:creationId xmlns:a16="http://schemas.microsoft.com/office/drawing/2014/main" id="{E1B3A5D6-9171-01C4-F0A3-B6BA69A3065F}"/>
+                <a16:creationId xmlns:a16="http://schemas.microsoft.com/office/drawing/2014/main" id="{23472FB5-69CA-35B1-EDA2-A05341812A3C}"/>
               </a:ext>
             </a:extLst>
           </p:cNvPr>
@@ -13050,7 +13289,7 @@
           <p:cNvPr id="29" name="TextBox 28">
             <a:extLst>
               <a:ext uri="{FF2B5EF4-FFF2-40B4-BE49-F238E27FC236}">
-                <a16:creationId xmlns:a16="http://schemas.microsoft.com/office/drawing/2014/main" id="{7B5082C6-0071-7B7E-BD4A-1E972605BEAA}"/>
+                <a16:creationId xmlns:a16="http://schemas.microsoft.com/office/drawing/2014/main" id="{D846CD1D-B054-2345-B3C2-1E16711C63A8}"/>
               </a:ext>
             </a:extLst>
           </p:cNvPr>
@@ -13139,7 +13378,7 @@
           <p:cNvPr id="30" name="TextBox 29">
             <a:extLst>
               <a:ext uri="{FF2B5EF4-FFF2-40B4-BE49-F238E27FC236}">
-                <a16:creationId xmlns:a16="http://schemas.microsoft.com/office/drawing/2014/main" id="{FF50DE7E-22C1-21AB-E44F-D13377400239}"/>
+                <a16:creationId xmlns:a16="http://schemas.microsoft.com/office/drawing/2014/main" id="{01EA1FDD-DD55-89C3-1096-8C664F6BA230}"/>
               </a:ext>
             </a:extLst>
           </p:cNvPr>
@@ -13228,7 +13467,7 @@
           <p:cNvPr id="31" name="TextBox 30">
             <a:extLst>
               <a:ext uri="{FF2B5EF4-FFF2-40B4-BE49-F238E27FC236}">
-                <a16:creationId xmlns:a16="http://schemas.microsoft.com/office/drawing/2014/main" id="{6539D245-90A0-FC2A-4A30-96D35D752C49}"/>
+                <a16:creationId xmlns:a16="http://schemas.microsoft.com/office/drawing/2014/main" id="{E23B0469-A89D-7923-568C-B3182CCA3A7D}"/>
               </a:ext>
             </a:extLst>
           </p:cNvPr>
@@ -13317,7 +13556,7 @@
           <p:cNvPr id="32" name="TextBox 31">
             <a:extLst>
               <a:ext uri="{FF2B5EF4-FFF2-40B4-BE49-F238E27FC236}">
-                <a16:creationId xmlns:a16="http://schemas.microsoft.com/office/drawing/2014/main" id="{52AA12C4-CB9A-B517-FE35-2DB1888BB980}"/>
+                <a16:creationId xmlns:a16="http://schemas.microsoft.com/office/drawing/2014/main" id="{8852BAA1-2725-C566-9871-444FA8B4322D}"/>
               </a:ext>
             </a:extLst>
           </p:cNvPr>
@@ -13377,14 +13616,14 @@
               <a:tabLst/>
             </a:pPr>
             <a:r>
-              <a:rPr lang="en-GB" sz="900" dirty="0" err="1">
+              <a:rPr lang="en-GB" sz="1600" dirty="0" err="1">
                 <a:solidFill>
                   <a:schemeClr val="tx2"/>
                 </a:solidFill>
               </a:rPr>
               <a:t>Whats_in_it_for_me</a:t>
             </a:r>
-            <a:endParaRPr kumimoji="0" lang="en-GB" sz="1100" b="1" i="0" u="none" strike="noStrike" cap="none" spc="0" normalizeH="0" baseline="0" dirty="0">
+            <a:endParaRPr kumimoji="0" lang="en-GB" sz="2400" b="1" i="0" u="none" strike="noStrike" cap="none" spc="0" normalizeH="0" baseline="0" dirty="0">
               <a:ln>
                 <a:noFill/>
               </a:ln>
@@ -13404,7 +13643,7 @@
     </p:spTree>
     <p:extLst>
       <p:ext uri="{BB962C8B-B14F-4D97-AF65-F5344CB8AC3E}">
-        <p14:creationId xmlns:p14="http://schemas.microsoft.com/office/powerpoint/2010/main" val="3389580367"/>
+        <p14:creationId xmlns:p14="http://schemas.microsoft.com/office/powerpoint/2010/main" val="3422531153"/>
       </p:ext>
     </p:extLst>
   </p:cSld>
@@ -13415,7 +13654,7 @@
 </p:sld>
 </file>
 
-<file path=ppt/slides/slide3.xml><?xml version="1.0" encoding="utf-8"?>
+<file path=ppt/slides/slide2.xml><?xml version="1.0" encoding="utf-8"?>
 <p:sld xmlns:a="http://schemas.openxmlformats.org/drawingml/2006/main" xmlns:r="http://schemas.openxmlformats.org/officeDocument/2006/relationships" xmlns:p="http://schemas.openxmlformats.org/presentationml/2006/main">
   <p:cSld>
     <p:spTree>
@@ -13423,7 +13662,7 @@
         <p:cNvPr id="1" name="">
           <a:extLst>
             <a:ext uri="{FF2B5EF4-FFF2-40B4-BE49-F238E27FC236}">
-              <a16:creationId xmlns:a16="http://schemas.microsoft.com/office/drawing/2014/main" id="{0D3FC7A0-723B-2D66-50FD-204651EBF855}"/>
+              <a16:creationId xmlns:a16="http://schemas.microsoft.com/office/drawing/2014/main" id="{74FEA889-1509-B536-8AED-40BF86C4B194}"/>
             </a:ext>
           </a:extLst>
         </p:cNvPr>
@@ -13443,7 +13682,7 @@
           <p:cNvPr id="3" name="Title 1">
             <a:extLst>
               <a:ext uri="{FF2B5EF4-FFF2-40B4-BE49-F238E27FC236}">
-                <a16:creationId xmlns:a16="http://schemas.microsoft.com/office/drawing/2014/main" id="{74726221-135B-2259-6B78-9A2CE3163616}"/>
+                <a16:creationId xmlns:a16="http://schemas.microsoft.com/office/drawing/2014/main" id="{5950C1BA-F09F-9044-D8EA-9AECE3776025}"/>
               </a:ext>
             </a:extLst>
           </p:cNvPr>
@@ -13511,9 +13750,8 @@
                 <a:effectLst/>
                 <a:uLnTx/>
                 <a:uFillTx/>
-                <a:latin typeface="Microsoft YaHei" panose="020B0503020204020204" pitchFamily="34" charset="-122"/>
-                <a:ea typeface="Microsoft YaHei" panose="020B0503020204020204" pitchFamily="34" charset="-122"/>
-                <a:cs typeface="+mj-cs"/>
+                <a:latin typeface="Arial" panose="020B0604020202020204" pitchFamily="34" charset="0"/>
+                <a:cs typeface="Arial" panose="020B0604020202020204" pitchFamily="34" charset="0"/>
               </a:rPr>
               <a:t>Interviewee_Name</a:t>
             </a:r>
@@ -13527,9 +13765,8 @@
               <a:effectLst/>
               <a:uLnTx/>
               <a:uFillTx/>
-              <a:latin typeface="Microsoft YaHei" panose="020B0503020204020204" pitchFamily="34" charset="-122"/>
-              <a:ea typeface="Microsoft YaHei" panose="020B0503020204020204" pitchFamily="34" charset="-122"/>
-              <a:cs typeface="+mj-cs"/>
+              <a:latin typeface="Arial" panose="020B0604020202020204" pitchFamily="34" charset="0"/>
+              <a:cs typeface="Arial" panose="020B0604020202020204" pitchFamily="34" charset="0"/>
             </a:endParaRPr>
           </a:p>
         </p:txBody>
@@ -13539,7 +13776,7 @@
           <p:cNvPr id="4" name="TextBox 3">
             <a:extLst>
               <a:ext uri="{FF2B5EF4-FFF2-40B4-BE49-F238E27FC236}">
-                <a16:creationId xmlns:a16="http://schemas.microsoft.com/office/drawing/2014/main" id="{E6629898-1920-41B8-E3E6-EE79B2A5FE06}"/>
+                <a16:creationId xmlns:a16="http://schemas.microsoft.com/office/drawing/2014/main" id="{8C8030BC-1A16-22B0-8CEF-EBB476300F4D}"/>
               </a:ext>
             </a:extLst>
           </p:cNvPr>
@@ -13611,7 +13848,7 @@
                 <a:cs typeface="Arial" panose="020B0604020202020204" pitchFamily="34" charset="0"/>
                 <a:sym typeface="Helvetica Neue"/>
               </a:rPr>
-              <a:t>Last_Spoken_to</a:t>
+              <a:t>Last_Spoken_To</a:t>
             </a:r>
             <a:endParaRPr kumimoji="0" lang="en-GB" sz="1050" i="0" u="none" strike="noStrike" cap="none" spc="0" normalizeH="0" baseline="0" dirty="0">
               <a:ln>
@@ -13635,7 +13872,7 @@
           <p:cNvPr id="5" name="TextBox 4">
             <a:extLst>
               <a:ext uri="{FF2B5EF4-FFF2-40B4-BE49-F238E27FC236}">
-                <a16:creationId xmlns:a16="http://schemas.microsoft.com/office/drawing/2014/main" id="{776F6A3B-5417-FC02-3645-20E9DB7A2E52}"/>
+                <a16:creationId xmlns:a16="http://schemas.microsoft.com/office/drawing/2014/main" id="{4E2F01C2-EF92-66F0-768E-EF9CDE735A6B}"/>
               </a:ext>
             </a:extLst>
           </p:cNvPr>
@@ -13731,7 +13968,7 @@
           <p:cNvPr id="6" name="TextBox 5">
             <a:extLst>
               <a:ext uri="{FF2B5EF4-FFF2-40B4-BE49-F238E27FC236}">
-                <a16:creationId xmlns:a16="http://schemas.microsoft.com/office/drawing/2014/main" id="{B5DD131E-FCAC-67B1-3489-B1CC52C3133C}"/>
+                <a16:creationId xmlns:a16="http://schemas.microsoft.com/office/drawing/2014/main" id="{A353D55F-8EA7-C793-1FE1-9D84F554946E}"/>
               </a:ext>
             </a:extLst>
           </p:cNvPr>
@@ -13827,7 +14064,7 @@
           <p:cNvPr id="7" name="TextBox 6">
             <a:extLst>
               <a:ext uri="{FF2B5EF4-FFF2-40B4-BE49-F238E27FC236}">
-                <a16:creationId xmlns:a16="http://schemas.microsoft.com/office/drawing/2014/main" id="{0EDCAA71-3759-D0C2-EDC9-B2187783E446}"/>
+                <a16:creationId xmlns:a16="http://schemas.microsoft.com/office/drawing/2014/main" id="{600125B6-FB3B-1A80-30A6-56F00CAFFDC1}"/>
               </a:ext>
             </a:extLst>
           </p:cNvPr>
@@ -13923,7 +14160,7 @@
           <p:cNvPr id="8" name="TextBox 7">
             <a:extLst>
               <a:ext uri="{FF2B5EF4-FFF2-40B4-BE49-F238E27FC236}">
-                <a16:creationId xmlns:a16="http://schemas.microsoft.com/office/drawing/2014/main" id="{7FBBB3AC-BB04-E27C-49C2-A389351A0EAC}"/>
+                <a16:creationId xmlns:a16="http://schemas.microsoft.com/office/drawing/2014/main" id="{71D40DD1-38FC-31BD-D32F-28D1A4B50030}"/>
               </a:ext>
             </a:extLst>
           </p:cNvPr>
@@ -13932,8 +14169,8 @@
         </p:nvSpPr>
         <p:spPr>
           <a:xfrm>
-            <a:off x="284138" y="3067599"/>
-            <a:ext cx="2001862" cy="264175"/>
+            <a:off x="284138" y="3086835"/>
+            <a:ext cx="2001862" cy="225703"/>
           </a:xfrm>
           <a:prstGeom prst="rect">
             <a:avLst/>
@@ -13981,21 +14218,11 @@
               <a:tabLst/>
             </a:pPr>
             <a:r>
-              <a:rPr kumimoji="0" lang="en-GB" sz="1050" i="0" u="none" strike="noStrike" cap="none" spc="0" normalizeH="0" baseline="0" dirty="0" err="1">
-                <a:ln>
-                  <a:noFill/>
-                </a:ln>
-                <a:solidFill>
-                  <a:srgbClr val="000000"/>
-                </a:solidFill>
+              <a:rPr lang="en-GB" sz="800" dirty="0" err="1">
                 <a:effectLst/>
-                <a:uFillTx/>
-                <a:latin typeface="Arial" panose="020B0604020202020204" pitchFamily="34" charset="0"/>
-                <a:ea typeface="Helvetica Neue"/>
-                <a:cs typeface="Arial" panose="020B0604020202020204" pitchFamily="34" charset="0"/>
-                <a:sym typeface="Helvetica Neue"/>
+                <a:latin typeface="Helvetica Neue" panose="02000503000000020004" pitchFamily="2" charset="0"/>
               </a:rPr>
-              <a:t>Position_Towards_the_Change</a:t>
+              <a:t>Position_towards_the_Change</a:t>
             </a:r>
             <a:endParaRPr kumimoji="0" lang="en-GB" sz="1050" i="0" u="none" strike="noStrike" cap="none" spc="0" normalizeH="0" baseline="0" dirty="0">
               <a:ln>
@@ -14019,7 +14246,7 @@
           <p:cNvPr id="9" name="TextBox 8">
             <a:extLst>
               <a:ext uri="{FF2B5EF4-FFF2-40B4-BE49-F238E27FC236}">
-                <a16:creationId xmlns:a16="http://schemas.microsoft.com/office/drawing/2014/main" id="{D7BC85D0-C2F5-A782-A388-1EAB89A985B7}"/>
+                <a16:creationId xmlns:a16="http://schemas.microsoft.com/office/drawing/2014/main" id="{4E52FEE5-88C2-4236-3B9A-5E23232AA9E1}"/>
               </a:ext>
             </a:extLst>
           </p:cNvPr>
@@ -14115,7 +14342,7 @@
           <p:cNvPr id="10" name="TextBox 9">
             <a:extLst>
               <a:ext uri="{FF2B5EF4-FFF2-40B4-BE49-F238E27FC236}">
-                <a16:creationId xmlns:a16="http://schemas.microsoft.com/office/drawing/2014/main" id="{95AAACCA-C3FF-32CC-5167-8842D2B5C088}"/>
+                <a16:creationId xmlns:a16="http://schemas.microsoft.com/office/drawing/2014/main" id="{90F0FB4B-DE32-B2BB-9406-13A1D78DE467}"/>
               </a:ext>
             </a:extLst>
           </p:cNvPr>
@@ -14211,7 +14438,7 @@
           <p:cNvPr id="11" name="TextBox 10">
             <a:extLst>
               <a:ext uri="{FF2B5EF4-FFF2-40B4-BE49-F238E27FC236}">
-                <a16:creationId xmlns:a16="http://schemas.microsoft.com/office/drawing/2014/main" id="{E4268197-C637-EFF6-A522-FE7DD701A1C9}"/>
+                <a16:creationId xmlns:a16="http://schemas.microsoft.com/office/drawing/2014/main" id="{236F0B1A-DC83-216A-D2ED-B634DFA53153}"/>
               </a:ext>
             </a:extLst>
           </p:cNvPr>
@@ -14307,7 +14534,7 @@
           <p:cNvPr id="12" name="TextBox 11">
             <a:extLst>
               <a:ext uri="{FF2B5EF4-FFF2-40B4-BE49-F238E27FC236}">
-                <a16:creationId xmlns:a16="http://schemas.microsoft.com/office/drawing/2014/main" id="{F0AFA3EC-41A1-5B32-2242-71285F1DDCC3}"/>
+                <a16:creationId xmlns:a16="http://schemas.microsoft.com/office/drawing/2014/main" id="{E21A7FEB-32B8-115E-9ACF-B42FCB4FDA30}"/>
               </a:ext>
             </a:extLst>
           </p:cNvPr>
@@ -14403,7 +14630,7 @@
           <p:cNvPr id="13" name="TextBox 12">
             <a:extLst>
               <a:ext uri="{FF2B5EF4-FFF2-40B4-BE49-F238E27FC236}">
-                <a16:creationId xmlns:a16="http://schemas.microsoft.com/office/drawing/2014/main" id="{68E02D56-30D9-5A54-1A79-5B53E5DA5B0C}"/>
+                <a16:creationId xmlns:a16="http://schemas.microsoft.com/office/drawing/2014/main" id="{388BB6E9-8C8E-7F1B-87CB-EAC17ECF0A4B}"/>
               </a:ext>
             </a:extLst>
           </p:cNvPr>
@@ -14499,7 +14726,7 @@
           <p:cNvPr id="14" name="TextBox 13">
             <a:extLst>
               <a:ext uri="{FF2B5EF4-FFF2-40B4-BE49-F238E27FC236}">
-                <a16:creationId xmlns:a16="http://schemas.microsoft.com/office/drawing/2014/main" id="{44635B88-7A61-87D0-415A-81C4424FF08A}"/>
+                <a16:creationId xmlns:a16="http://schemas.microsoft.com/office/drawing/2014/main" id="{EF77FB5F-9BB2-F9BA-5DE9-E63B19C43580}"/>
               </a:ext>
             </a:extLst>
           </p:cNvPr>
@@ -14588,7 +14815,7 @@
           <p:cNvPr id="15" name="TextBox 14">
             <a:extLst>
               <a:ext uri="{FF2B5EF4-FFF2-40B4-BE49-F238E27FC236}">
-                <a16:creationId xmlns:a16="http://schemas.microsoft.com/office/drawing/2014/main" id="{EA6A203E-2E42-950E-08A7-BD3C33D56598}"/>
+                <a16:creationId xmlns:a16="http://schemas.microsoft.com/office/drawing/2014/main" id="{F70E7795-68E0-AF74-C75A-19E4808DC3BC}"/>
               </a:ext>
             </a:extLst>
           </p:cNvPr>
@@ -14677,7 +14904,7 @@
           <p:cNvPr id="16" name="TextBox 15">
             <a:extLst>
               <a:ext uri="{FF2B5EF4-FFF2-40B4-BE49-F238E27FC236}">
-                <a16:creationId xmlns:a16="http://schemas.microsoft.com/office/drawing/2014/main" id="{88DC4AE4-E4DC-6512-815B-6043EF1FB42B}"/>
+                <a16:creationId xmlns:a16="http://schemas.microsoft.com/office/drawing/2014/main" id="{DF2DF2C2-FBC0-F70F-345E-AC252E2E0E01}"/>
               </a:ext>
             </a:extLst>
           </p:cNvPr>
@@ -14766,7 +14993,7 @@
           <p:cNvPr id="20" name="TextBox 19">
             <a:extLst>
               <a:ext uri="{FF2B5EF4-FFF2-40B4-BE49-F238E27FC236}">
-                <a16:creationId xmlns:a16="http://schemas.microsoft.com/office/drawing/2014/main" id="{13EBE190-6AAC-EFA6-D7DA-A80E6E00D2CD}"/>
+                <a16:creationId xmlns:a16="http://schemas.microsoft.com/office/drawing/2014/main" id="{6F3B11CA-0B7C-0A36-62EF-C304DD258187}"/>
               </a:ext>
             </a:extLst>
           </p:cNvPr>
@@ -14855,7 +15082,7 @@
           <p:cNvPr id="21" name="TextBox 20">
             <a:extLst>
               <a:ext uri="{FF2B5EF4-FFF2-40B4-BE49-F238E27FC236}">
-                <a16:creationId xmlns:a16="http://schemas.microsoft.com/office/drawing/2014/main" id="{A6DB8CB8-C5C2-B64A-2413-1A5419126A05}"/>
+                <a16:creationId xmlns:a16="http://schemas.microsoft.com/office/drawing/2014/main" id="{8706DF0A-C87C-A579-13D9-C931205C595E}"/>
               </a:ext>
             </a:extLst>
           </p:cNvPr>
@@ -14944,7 +15171,7 @@
           <p:cNvPr id="22" name="TextBox 21">
             <a:extLst>
               <a:ext uri="{FF2B5EF4-FFF2-40B4-BE49-F238E27FC236}">
-                <a16:creationId xmlns:a16="http://schemas.microsoft.com/office/drawing/2014/main" id="{C63391A0-3BD3-9CC8-C842-826AA5D29992}"/>
+                <a16:creationId xmlns:a16="http://schemas.microsoft.com/office/drawing/2014/main" id="{DDB5A44F-B857-0FA9-D095-0BF40F7C69D0}"/>
               </a:ext>
             </a:extLst>
           </p:cNvPr>
@@ -15033,7 +15260,7 @@
           <p:cNvPr id="23" name="TextBox 22">
             <a:extLst>
               <a:ext uri="{FF2B5EF4-FFF2-40B4-BE49-F238E27FC236}">
-                <a16:creationId xmlns:a16="http://schemas.microsoft.com/office/drawing/2014/main" id="{4551B9CE-7FC4-DFA4-1BB3-552BDDB972BA}"/>
+                <a16:creationId xmlns:a16="http://schemas.microsoft.com/office/drawing/2014/main" id="{46102952-BF3D-3C97-AF37-1EE88A1BE140}"/>
               </a:ext>
             </a:extLst>
           </p:cNvPr>
@@ -15122,7 +15349,7 @@
           <p:cNvPr id="24" name="TextBox 23">
             <a:extLst>
               <a:ext uri="{FF2B5EF4-FFF2-40B4-BE49-F238E27FC236}">
-                <a16:creationId xmlns:a16="http://schemas.microsoft.com/office/drawing/2014/main" id="{4EB6B71B-C02B-D7D8-98AF-E4DC95B790B5}"/>
+                <a16:creationId xmlns:a16="http://schemas.microsoft.com/office/drawing/2014/main" id="{560BAE92-83CE-D487-618E-171348330A69}"/>
               </a:ext>
             </a:extLst>
           </p:cNvPr>
@@ -15211,7 +15438,7 @@
           <p:cNvPr id="25" name="TextBox 24">
             <a:extLst>
               <a:ext uri="{FF2B5EF4-FFF2-40B4-BE49-F238E27FC236}">
-                <a16:creationId xmlns:a16="http://schemas.microsoft.com/office/drawing/2014/main" id="{E5962BB7-9D58-9537-A92A-2122C9B03489}"/>
+                <a16:creationId xmlns:a16="http://schemas.microsoft.com/office/drawing/2014/main" id="{FF45CC18-B7C8-2C40-ADF6-040112C7673B}"/>
               </a:ext>
             </a:extLst>
           </p:cNvPr>
@@ -15300,7 +15527,7 @@
           <p:cNvPr id="26" name="TextBox 25">
             <a:extLst>
               <a:ext uri="{FF2B5EF4-FFF2-40B4-BE49-F238E27FC236}">
-                <a16:creationId xmlns:a16="http://schemas.microsoft.com/office/drawing/2014/main" id="{493CD734-760E-EB9C-5C8E-6E93F20F5CD1}"/>
+                <a16:creationId xmlns:a16="http://schemas.microsoft.com/office/drawing/2014/main" id="{A70AA6EC-3E09-9C86-3E2C-29803EA51143}"/>
               </a:ext>
             </a:extLst>
           </p:cNvPr>
@@ -15389,7 +15616,7 @@
           <p:cNvPr id="27" name="TextBox 26">
             <a:extLst>
               <a:ext uri="{FF2B5EF4-FFF2-40B4-BE49-F238E27FC236}">
-                <a16:creationId xmlns:a16="http://schemas.microsoft.com/office/drawing/2014/main" id="{87E7FD69-37DC-0434-E5E2-CF3576BB21E2}"/>
+                <a16:creationId xmlns:a16="http://schemas.microsoft.com/office/drawing/2014/main" id="{5D792EEB-0CEF-C1E0-373F-37347B9704B1}"/>
               </a:ext>
             </a:extLst>
           </p:cNvPr>
@@ -15478,7 +15705,7 @@
           <p:cNvPr id="28" name="TextBox 27">
             <a:extLst>
               <a:ext uri="{FF2B5EF4-FFF2-40B4-BE49-F238E27FC236}">
-                <a16:creationId xmlns:a16="http://schemas.microsoft.com/office/drawing/2014/main" id="{51C2E93D-5DCA-39C8-3CEB-82E389DD2A6D}"/>
+                <a16:creationId xmlns:a16="http://schemas.microsoft.com/office/drawing/2014/main" id="{92EA55A2-B004-CC9B-85ED-E91D55DEEB3A}"/>
               </a:ext>
             </a:extLst>
           </p:cNvPr>
@@ -15567,7 +15794,7 @@
           <p:cNvPr id="29" name="TextBox 28">
             <a:extLst>
               <a:ext uri="{FF2B5EF4-FFF2-40B4-BE49-F238E27FC236}">
-                <a16:creationId xmlns:a16="http://schemas.microsoft.com/office/drawing/2014/main" id="{E4EC9503-48F1-5167-0A9E-C186165ABE4E}"/>
+                <a16:creationId xmlns:a16="http://schemas.microsoft.com/office/drawing/2014/main" id="{6C23F367-A969-CEFA-4AA4-37F206C84660}"/>
               </a:ext>
             </a:extLst>
           </p:cNvPr>
@@ -15656,7 +15883,7 @@
           <p:cNvPr id="30" name="TextBox 29">
             <a:extLst>
               <a:ext uri="{FF2B5EF4-FFF2-40B4-BE49-F238E27FC236}">
-                <a16:creationId xmlns:a16="http://schemas.microsoft.com/office/drawing/2014/main" id="{DA4AEB30-947A-CE48-4F38-EEBF198A5C37}"/>
+                <a16:creationId xmlns:a16="http://schemas.microsoft.com/office/drawing/2014/main" id="{CE10AF67-7A78-F2D9-F8B7-DD274FAEEBD1}"/>
               </a:ext>
             </a:extLst>
           </p:cNvPr>
@@ -15745,7 +15972,7 @@
           <p:cNvPr id="31" name="TextBox 30">
             <a:extLst>
               <a:ext uri="{FF2B5EF4-FFF2-40B4-BE49-F238E27FC236}">
-                <a16:creationId xmlns:a16="http://schemas.microsoft.com/office/drawing/2014/main" id="{21F7E9EF-3B7F-6821-4657-D17BEA439EC7}"/>
+                <a16:creationId xmlns:a16="http://schemas.microsoft.com/office/drawing/2014/main" id="{CF175DD8-AEB3-B42C-0BD6-2116AF900BB7}"/>
               </a:ext>
             </a:extLst>
           </p:cNvPr>
@@ -15834,7 +16061,7 @@
           <p:cNvPr id="32" name="TextBox 31">
             <a:extLst>
               <a:ext uri="{FF2B5EF4-FFF2-40B4-BE49-F238E27FC236}">
-                <a16:creationId xmlns:a16="http://schemas.microsoft.com/office/drawing/2014/main" id="{ECD2C83D-A079-F832-8410-65F82AE6C773}"/>
+                <a16:creationId xmlns:a16="http://schemas.microsoft.com/office/drawing/2014/main" id="{095DE998-E979-CB41-43A6-2AE1273149BB}"/>
               </a:ext>
             </a:extLst>
           </p:cNvPr>
@@ -15894,14 +16121,14 @@
               <a:tabLst/>
             </a:pPr>
             <a:r>
-              <a:rPr lang="en-GB" sz="900" dirty="0" err="1">
+              <a:rPr lang="en-GB" sz="1600" dirty="0" err="1">
                 <a:solidFill>
                   <a:schemeClr val="tx2"/>
                 </a:solidFill>
               </a:rPr>
               <a:t>Whats_in_it_for_me</a:t>
             </a:r>
-            <a:endParaRPr kumimoji="0" lang="en-GB" sz="1100" b="1" i="0" u="none" strike="noStrike" cap="none" spc="0" normalizeH="0" baseline="0" dirty="0">
+            <a:endParaRPr kumimoji="0" lang="en-GB" sz="2400" b="1" i="0" u="none" strike="noStrike" cap="none" spc="0" normalizeH="0" baseline="0" dirty="0">
               <a:ln>
                 <a:noFill/>
               </a:ln>
@@ -15921,7 +16148,7 @@
     </p:spTree>
     <p:extLst>
       <p:ext uri="{BB962C8B-B14F-4D97-AF65-F5344CB8AC3E}">
-        <p14:creationId xmlns:p14="http://schemas.microsoft.com/office/powerpoint/2010/main" val="3691499587"/>
+        <p14:creationId xmlns:p14="http://schemas.microsoft.com/office/powerpoint/2010/main" val="3385374808"/>
       </p:ext>
     </p:extLst>
   </p:cSld>
@@ -15932,7 +16159,7 @@
 </p:sld>
 </file>
 
-<file path=ppt/slides/slide4.xml><?xml version="1.0" encoding="utf-8"?>
+<file path=ppt/slides/slide3.xml><?xml version="1.0" encoding="utf-8"?>
 <p:sld xmlns:a="http://schemas.openxmlformats.org/drawingml/2006/main" xmlns:r="http://schemas.openxmlformats.org/officeDocument/2006/relationships" xmlns:p="http://schemas.openxmlformats.org/presentationml/2006/main">
   <p:cSld>
     <p:spTree>
@@ -15940,7 +16167,7 @@
         <p:cNvPr id="1" name="">
           <a:extLst>
             <a:ext uri="{FF2B5EF4-FFF2-40B4-BE49-F238E27FC236}">
-              <a16:creationId xmlns:a16="http://schemas.microsoft.com/office/drawing/2014/main" id="{84ABD427-8811-C277-908F-16FABF8A96C2}"/>
+              <a16:creationId xmlns:a16="http://schemas.microsoft.com/office/drawing/2014/main" id="{2409A1B7-F533-48BA-D07E-D837765BA921}"/>
             </a:ext>
           </a:extLst>
         </p:cNvPr>
@@ -15960,7 +16187,7 @@
           <p:cNvPr id="3" name="Title 1">
             <a:extLst>
               <a:ext uri="{FF2B5EF4-FFF2-40B4-BE49-F238E27FC236}">
-                <a16:creationId xmlns:a16="http://schemas.microsoft.com/office/drawing/2014/main" id="{FDCCC299-DC45-E66D-B7E5-BE652A48A826}"/>
+                <a16:creationId xmlns:a16="http://schemas.microsoft.com/office/drawing/2014/main" id="{29EBEB46-F9EF-62EC-09CC-967281573B57}"/>
               </a:ext>
             </a:extLst>
           </p:cNvPr>
@@ -16028,9 +16255,8 @@
                 <a:effectLst/>
                 <a:uLnTx/>
                 <a:uFillTx/>
-                <a:latin typeface="Microsoft YaHei" panose="020B0503020204020204" pitchFamily="34" charset="-122"/>
-                <a:ea typeface="Microsoft YaHei" panose="020B0503020204020204" pitchFamily="34" charset="-122"/>
-                <a:cs typeface="+mj-cs"/>
+                <a:latin typeface="Arial" panose="020B0604020202020204" pitchFamily="34" charset="0"/>
+                <a:cs typeface="Arial" panose="020B0604020202020204" pitchFamily="34" charset="0"/>
               </a:rPr>
               <a:t>Interviewee_Name</a:t>
             </a:r>
@@ -16044,9 +16270,8 @@
               <a:effectLst/>
               <a:uLnTx/>
               <a:uFillTx/>
-              <a:latin typeface="Microsoft YaHei" panose="020B0503020204020204" pitchFamily="34" charset="-122"/>
-              <a:ea typeface="Microsoft YaHei" panose="020B0503020204020204" pitchFamily="34" charset="-122"/>
-              <a:cs typeface="+mj-cs"/>
+              <a:latin typeface="Arial" panose="020B0604020202020204" pitchFamily="34" charset="0"/>
+              <a:cs typeface="Arial" panose="020B0604020202020204" pitchFamily="34" charset="0"/>
             </a:endParaRPr>
           </a:p>
         </p:txBody>
@@ -16056,7 +16281,7 @@
           <p:cNvPr id="4" name="TextBox 3">
             <a:extLst>
               <a:ext uri="{FF2B5EF4-FFF2-40B4-BE49-F238E27FC236}">
-                <a16:creationId xmlns:a16="http://schemas.microsoft.com/office/drawing/2014/main" id="{5E25C45C-47E8-81BA-F8FE-B9D902017CA7}"/>
+                <a16:creationId xmlns:a16="http://schemas.microsoft.com/office/drawing/2014/main" id="{443BAF89-068C-CA92-712E-EDCF1FBE56E2}"/>
               </a:ext>
             </a:extLst>
           </p:cNvPr>
@@ -16128,7 +16353,7 @@
                 <a:cs typeface="Arial" panose="020B0604020202020204" pitchFamily="34" charset="0"/>
                 <a:sym typeface="Helvetica Neue"/>
               </a:rPr>
-              <a:t>Last_Spoken_to</a:t>
+              <a:t>Last_Spoken_To</a:t>
             </a:r>
             <a:endParaRPr kumimoji="0" lang="en-GB" sz="1050" i="0" u="none" strike="noStrike" cap="none" spc="0" normalizeH="0" baseline="0" dirty="0">
               <a:ln>
@@ -16152,7 +16377,7 @@
           <p:cNvPr id="5" name="TextBox 4">
             <a:extLst>
               <a:ext uri="{FF2B5EF4-FFF2-40B4-BE49-F238E27FC236}">
-                <a16:creationId xmlns:a16="http://schemas.microsoft.com/office/drawing/2014/main" id="{2F27CDC6-1FC3-CCF8-EFBE-F80684BEC98D}"/>
+                <a16:creationId xmlns:a16="http://schemas.microsoft.com/office/drawing/2014/main" id="{F5BC1427-3E90-A182-9738-F59EB415387A}"/>
               </a:ext>
             </a:extLst>
           </p:cNvPr>
@@ -16248,7 +16473,7 @@
           <p:cNvPr id="6" name="TextBox 5">
             <a:extLst>
               <a:ext uri="{FF2B5EF4-FFF2-40B4-BE49-F238E27FC236}">
-                <a16:creationId xmlns:a16="http://schemas.microsoft.com/office/drawing/2014/main" id="{2D58ED0E-A50C-ACA5-5638-40489DC61367}"/>
+                <a16:creationId xmlns:a16="http://schemas.microsoft.com/office/drawing/2014/main" id="{B7E2F489-923C-5632-1269-BAFD3E70CD90}"/>
               </a:ext>
             </a:extLst>
           </p:cNvPr>
@@ -16344,7 +16569,7 @@
           <p:cNvPr id="7" name="TextBox 6">
             <a:extLst>
               <a:ext uri="{FF2B5EF4-FFF2-40B4-BE49-F238E27FC236}">
-                <a16:creationId xmlns:a16="http://schemas.microsoft.com/office/drawing/2014/main" id="{0826500A-4DF2-3BA5-63DD-CC4C7B657700}"/>
+                <a16:creationId xmlns:a16="http://schemas.microsoft.com/office/drawing/2014/main" id="{7C174977-5CCB-2CCD-5DFD-B23383F09C86}"/>
               </a:ext>
             </a:extLst>
           </p:cNvPr>
@@ -16440,7 +16665,7 @@
           <p:cNvPr id="8" name="TextBox 7">
             <a:extLst>
               <a:ext uri="{FF2B5EF4-FFF2-40B4-BE49-F238E27FC236}">
-                <a16:creationId xmlns:a16="http://schemas.microsoft.com/office/drawing/2014/main" id="{E783E9A4-6183-4CC6-2806-5133A6BEA04D}"/>
+                <a16:creationId xmlns:a16="http://schemas.microsoft.com/office/drawing/2014/main" id="{15B2CDAD-EF68-3BBE-B743-3B64AEE6C6FE}"/>
               </a:ext>
             </a:extLst>
           </p:cNvPr>
@@ -16449,8 +16674,8 @@
         </p:nvSpPr>
         <p:spPr>
           <a:xfrm>
-            <a:off x="284138" y="3067599"/>
-            <a:ext cx="2001862" cy="264175"/>
+            <a:off x="284138" y="3086835"/>
+            <a:ext cx="2001862" cy="225703"/>
           </a:xfrm>
           <a:prstGeom prst="rect">
             <a:avLst/>
@@ -16498,21 +16723,11 @@
               <a:tabLst/>
             </a:pPr>
             <a:r>
-              <a:rPr kumimoji="0" lang="en-GB" sz="1050" i="0" u="none" strike="noStrike" cap="none" spc="0" normalizeH="0" baseline="0" dirty="0" err="1">
-                <a:ln>
-                  <a:noFill/>
-                </a:ln>
-                <a:solidFill>
-                  <a:srgbClr val="000000"/>
-                </a:solidFill>
+              <a:rPr lang="en-GB" sz="800" dirty="0" err="1">
                 <a:effectLst/>
-                <a:uFillTx/>
-                <a:latin typeface="Arial" panose="020B0604020202020204" pitchFamily="34" charset="0"/>
-                <a:ea typeface="Helvetica Neue"/>
-                <a:cs typeface="Arial" panose="020B0604020202020204" pitchFamily="34" charset="0"/>
-                <a:sym typeface="Helvetica Neue"/>
+                <a:latin typeface="Helvetica Neue" panose="02000503000000020004" pitchFamily="2" charset="0"/>
               </a:rPr>
-              <a:t>Position_Towards_the_Change</a:t>
+              <a:t>Position_towards_the_Change</a:t>
             </a:r>
             <a:endParaRPr kumimoji="0" lang="en-GB" sz="1050" i="0" u="none" strike="noStrike" cap="none" spc="0" normalizeH="0" baseline="0" dirty="0">
               <a:ln>
@@ -16536,7 +16751,7 @@
           <p:cNvPr id="9" name="TextBox 8">
             <a:extLst>
               <a:ext uri="{FF2B5EF4-FFF2-40B4-BE49-F238E27FC236}">
-                <a16:creationId xmlns:a16="http://schemas.microsoft.com/office/drawing/2014/main" id="{534C7847-023C-46A7-4F48-01846F61E634}"/>
+                <a16:creationId xmlns:a16="http://schemas.microsoft.com/office/drawing/2014/main" id="{F408D879-8593-109B-729D-C5B0FBD47651}"/>
               </a:ext>
             </a:extLst>
           </p:cNvPr>
@@ -16632,7 +16847,7 @@
           <p:cNvPr id="10" name="TextBox 9">
             <a:extLst>
               <a:ext uri="{FF2B5EF4-FFF2-40B4-BE49-F238E27FC236}">
-                <a16:creationId xmlns:a16="http://schemas.microsoft.com/office/drawing/2014/main" id="{E97F0E4D-EC27-451B-F824-55A3F4FE1144}"/>
+                <a16:creationId xmlns:a16="http://schemas.microsoft.com/office/drawing/2014/main" id="{6DB7D48D-E78E-BA88-DCFA-DB4E273825FE}"/>
               </a:ext>
             </a:extLst>
           </p:cNvPr>
@@ -16728,7 +16943,7 @@
           <p:cNvPr id="11" name="TextBox 10">
             <a:extLst>
               <a:ext uri="{FF2B5EF4-FFF2-40B4-BE49-F238E27FC236}">
-                <a16:creationId xmlns:a16="http://schemas.microsoft.com/office/drawing/2014/main" id="{7A04B985-6606-59B1-B5FF-0BD7CFC16A07}"/>
+                <a16:creationId xmlns:a16="http://schemas.microsoft.com/office/drawing/2014/main" id="{096B3DFA-6A1B-C49D-28F7-BB2771625C48}"/>
               </a:ext>
             </a:extLst>
           </p:cNvPr>
@@ -16824,7 +17039,7 @@
           <p:cNvPr id="12" name="TextBox 11">
             <a:extLst>
               <a:ext uri="{FF2B5EF4-FFF2-40B4-BE49-F238E27FC236}">
-                <a16:creationId xmlns:a16="http://schemas.microsoft.com/office/drawing/2014/main" id="{ABE4BB30-A20F-7EB2-3EE5-F4C8C21F75E8}"/>
+                <a16:creationId xmlns:a16="http://schemas.microsoft.com/office/drawing/2014/main" id="{99628D04-0F45-2D84-4126-A1238B0D8C0A}"/>
               </a:ext>
             </a:extLst>
           </p:cNvPr>
@@ -16920,7 +17135,7 @@
           <p:cNvPr id="13" name="TextBox 12">
             <a:extLst>
               <a:ext uri="{FF2B5EF4-FFF2-40B4-BE49-F238E27FC236}">
-                <a16:creationId xmlns:a16="http://schemas.microsoft.com/office/drawing/2014/main" id="{489D3EA3-C028-472C-A6F0-51DACA7D7744}"/>
+                <a16:creationId xmlns:a16="http://schemas.microsoft.com/office/drawing/2014/main" id="{1DA76756-E005-DC3F-CC82-0B78ADF4B84B}"/>
               </a:ext>
             </a:extLst>
           </p:cNvPr>
@@ -17016,7 +17231,7 @@
           <p:cNvPr id="14" name="TextBox 13">
             <a:extLst>
               <a:ext uri="{FF2B5EF4-FFF2-40B4-BE49-F238E27FC236}">
-                <a16:creationId xmlns:a16="http://schemas.microsoft.com/office/drawing/2014/main" id="{F9A9C3ED-77AB-1A78-19F5-D0CA3B73D118}"/>
+                <a16:creationId xmlns:a16="http://schemas.microsoft.com/office/drawing/2014/main" id="{861890ED-D834-FF74-7471-008A002F9870}"/>
               </a:ext>
             </a:extLst>
           </p:cNvPr>
@@ -17105,7 +17320,7 @@
           <p:cNvPr id="15" name="TextBox 14">
             <a:extLst>
               <a:ext uri="{FF2B5EF4-FFF2-40B4-BE49-F238E27FC236}">
-                <a16:creationId xmlns:a16="http://schemas.microsoft.com/office/drawing/2014/main" id="{606895B8-BF10-D778-2CCC-C3D3D4864311}"/>
+                <a16:creationId xmlns:a16="http://schemas.microsoft.com/office/drawing/2014/main" id="{409D11A1-873F-7E30-3C35-4089198CA0DE}"/>
               </a:ext>
             </a:extLst>
           </p:cNvPr>
@@ -17194,7 +17409,7 @@
           <p:cNvPr id="16" name="TextBox 15">
             <a:extLst>
               <a:ext uri="{FF2B5EF4-FFF2-40B4-BE49-F238E27FC236}">
-                <a16:creationId xmlns:a16="http://schemas.microsoft.com/office/drawing/2014/main" id="{71F145A6-8EBE-3F58-D547-CA92E252241F}"/>
+                <a16:creationId xmlns:a16="http://schemas.microsoft.com/office/drawing/2014/main" id="{0218B9AE-E74E-D480-48E1-B3D82DDCF4D9}"/>
               </a:ext>
             </a:extLst>
           </p:cNvPr>
@@ -17283,7 +17498,7 @@
           <p:cNvPr id="20" name="TextBox 19">
             <a:extLst>
               <a:ext uri="{FF2B5EF4-FFF2-40B4-BE49-F238E27FC236}">
-                <a16:creationId xmlns:a16="http://schemas.microsoft.com/office/drawing/2014/main" id="{D6DB6988-0BFB-9AD2-B22D-696CA33AFECD}"/>
+                <a16:creationId xmlns:a16="http://schemas.microsoft.com/office/drawing/2014/main" id="{C3FF5876-0B8D-1C45-B39E-2B869B10BF58}"/>
               </a:ext>
             </a:extLst>
           </p:cNvPr>
@@ -17372,7 +17587,7 @@
           <p:cNvPr id="21" name="TextBox 20">
             <a:extLst>
               <a:ext uri="{FF2B5EF4-FFF2-40B4-BE49-F238E27FC236}">
-                <a16:creationId xmlns:a16="http://schemas.microsoft.com/office/drawing/2014/main" id="{372315A3-BC52-01EE-76C7-F62E9CAC198F}"/>
+                <a16:creationId xmlns:a16="http://schemas.microsoft.com/office/drawing/2014/main" id="{D8E23484-AC0A-C80D-044D-6B25F8D72B40}"/>
               </a:ext>
             </a:extLst>
           </p:cNvPr>
@@ -17461,7 +17676,7 @@
           <p:cNvPr id="22" name="TextBox 21">
             <a:extLst>
               <a:ext uri="{FF2B5EF4-FFF2-40B4-BE49-F238E27FC236}">
-                <a16:creationId xmlns:a16="http://schemas.microsoft.com/office/drawing/2014/main" id="{CD366AEC-8DAB-13AD-D9F1-5BA0418BFA20}"/>
+                <a16:creationId xmlns:a16="http://schemas.microsoft.com/office/drawing/2014/main" id="{22F926A3-1157-5D93-9FE3-392D53D8DE7F}"/>
               </a:ext>
             </a:extLst>
           </p:cNvPr>
@@ -17550,7 +17765,7 @@
           <p:cNvPr id="23" name="TextBox 22">
             <a:extLst>
               <a:ext uri="{FF2B5EF4-FFF2-40B4-BE49-F238E27FC236}">
-                <a16:creationId xmlns:a16="http://schemas.microsoft.com/office/drawing/2014/main" id="{043EA872-667B-0C9F-BA6D-EE1345B60A3E}"/>
+                <a16:creationId xmlns:a16="http://schemas.microsoft.com/office/drawing/2014/main" id="{CE0CBF20-1E88-FA7D-746A-20704EDC81BA}"/>
               </a:ext>
             </a:extLst>
           </p:cNvPr>
@@ -17639,7 +17854,7 @@
           <p:cNvPr id="24" name="TextBox 23">
             <a:extLst>
               <a:ext uri="{FF2B5EF4-FFF2-40B4-BE49-F238E27FC236}">
-                <a16:creationId xmlns:a16="http://schemas.microsoft.com/office/drawing/2014/main" id="{6E68E285-B8CE-D66D-2627-9764AADBD04A}"/>
+                <a16:creationId xmlns:a16="http://schemas.microsoft.com/office/drawing/2014/main" id="{0E029B44-2CFA-3118-FED4-80AD91CA4D46}"/>
               </a:ext>
             </a:extLst>
           </p:cNvPr>
@@ -17728,7 +17943,7 @@
           <p:cNvPr id="25" name="TextBox 24">
             <a:extLst>
               <a:ext uri="{FF2B5EF4-FFF2-40B4-BE49-F238E27FC236}">
-                <a16:creationId xmlns:a16="http://schemas.microsoft.com/office/drawing/2014/main" id="{C6958007-9BB8-A3A3-0AF2-B184D6D2F588}"/>
+                <a16:creationId xmlns:a16="http://schemas.microsoft.com/office/drawing/2014/main" id="{4B778F15-DCE1-69D2-85DE-AC5D7E3C9496}"/>
               </a:ext>
             </a:extLst>
           </p:cNvPr>
@@ -17817,7 +18032,7 @@
           <p:cNvPr id="26" name="TextBox 25">
             <a:extLst>
               <a:ext uri="{FF2B5EF4-FFF2-40B4-BE49-F238E27FC236}">
-                <a16:creationId xmlns:a16="http://schemas.microsoft.com/office/drawing/2014/main" id="{0D1DCB03-F055-3C9A-4BE2-511A71795D3F}"/>
+                <a16:creationId xmlns:a16="http://schemas.microsoft.com/office/drawing/2014/main" id="{F8E14A68-EB81-7A89-5F37-F6395A1EAC46}"/>
               </a:ext>
             </a:extLst>
           </p:cNvPr>
@@ -17906,7 +18121,7 @@
           <p:cNvPr id="27" name="TextBox 26">
             <a:extLst>
               <a:ext uri="{FF2B5EF4-FFF2-40B4-BE49-F238E27FC236}">
-                <a16:creationId xmlns:a16="http://schemas.microsoft.com/office/drawing/2014/main" id="{21B440A2-6D38-7D91-8859-7369848740BE}"/>
+                <a16:creationId xmlns:a16="http://schemas.microsoft.com/office/drawing/2014/main" id="{7B0D9282-9F29-25A0-1524-CE497EF78F0E}"/>
               </a:ext>
             </a:extLst>
           </p:cNvPr>
@@ -17995,7 +18210,7 @@
           <p:cNvPr id="28" name="TextBox 27">
             <a:extLst>
               <a:ext uri="{FF2B5EF4-FFF2-40B4-BE49-F238E27FC236}">
-                <a16:creationId xmlns:a16="http://schemas.microsoft.com/office/drawing/2014/main" id="{16756141-E573-6535-40EE-C3EB6FB18568}"/>
+                <a16:creationId xmlns:a16="http://schemas.microsoft.com/office/drawing/2014/main" id="{B1B77DAD-BFC4-D562-3875-8ABFB800C6C5}"/>
               </a:ext>
             </a:extLst>
           </p:cNvPr>
@@ -18084,7 +18299,7 @@
           <p:cNvPr id="29" name="TextBox 28">
             <a:extLst>
               <a:ext uri="{FF2B5EF4-FFF2-40B4-BE49-F238E27FC236}">
-                <a16:creationId xmlns:a16="http://schemas.microsoft.com/office/drawing/2014/main" id="{9864D09D-471E-BA79-3D88-AC1E02A729DC}"/>
+                <a16:creationId xmlns:a16="http://schemas.microsoft.com/office/drawing/2014/main" id="{30713316-38D5-4AAD-AF97-BDC1D3764519}"/>
               </a:ext>
             </a:extLst>
           </p:cNvPr>
@@ -18173,7 +18388,7 @@
           <p:cNvPr id="30" name="TextBox 29">
             <a:extLst>
               <a:ext uri="{FF2B5EF4-FFF2-40B4-BE49-F238E27FC236}">
-                <a16:creationId xmlns:a16="http://schemas.microsoft.com/office/drawing/2014/main" id="{27B8B32E-8368-4A74-7D8A-9E3134801EB6}"/>
+                <a16:creationId xmlns:a16="http://schemas.microsoft.com/office/drawing/2014/main" id="{A3FDA5CB-5B74-2CC5-D82B-5B7ED500182F}"/>
               </a:ext>
             </a:extLst>
           </p:cNvPr>
@@ -18262,7 +18477,7 @@
           <p:cNvPr id="31" name="TextBox 30">
             <a:extLst>
               <a:ext uri="{FF2B5EF4-FFF2-40B4-BE49-F238E27FC236}">
-                <a16:creationId xmlns:a16="http://schemas.microsoft.com/office/drawing/2014/main" id="{99F3AF5C-D882-1672-59A9-2C4DAEC75040}"/>
+                <a16:creationId xmlns:a16="http://schemas.microsoft.com/office/drawing/2014/main" id="{E33328AE-6D2C-1DF3-A8D1-AC804BF0681E}"/>
               </a:ext>
             </a:extLst>
           </p:cNvPr>
@@ -18351,7 +18566,7 @@
           <p:cNvPr id="32" name="TextBox 31">
             <a:extLst>
               <a:ext uri="{FF2B5EF4-FFF2-40B4-BE49-F238E27FC236}">
-                <a16:creationId xmlns:a16="http://schemas.microsoft.com/office/drawing/2014/main" id="{AB3EDDC5-6BA9-59E8-4CB8-19F536CE2EA2}"/>
+                <a16:creationId xmlns:a16="http://schemas.microsoft.com/office/drawing/2014/main" id="{9413F43D-40FF-50FB-A248-36129457ABEA}"/>
               </a:ext>
             </a:extLst>
           </p:cNvPr>
@@ -18411,14 +18626,14 @@
               <a:tabLst/>
             </a:pPr>
             <a:r>
-              <a:rPr lang="en-GB" sz="900" dirty="0" err="1">
+              <a:rPr lang="en-GB" sz="1600" dirty="0" err="1">
                 <a:solidFill>
                   <a:schemeClr val="tx2"/>
                 </a:solidFill>
               </a:rPr>
               <a:t>Whats_in_it_for_me</a:t>
             </a:r>
-            <a:endParaRPr kumimoji="0" lang="en-GB" sz="1100" b="1" i="0" u="none" strike="noStrike" cap="none" spc="0" normalizeH="0" baseline="0" dirty="0">
+            <a:endParaRPr kumimoji="0" lang="en-GB" sz="2400" b="1" i="0" u="none" strike="noStrike" cap="none" spc="0" normalizeH="0" baseline="0" dirty="0">
               <a:ln>
                 <a:noFill/>
               </a:ln>
@@ -18438,7 +18653,7 @@
     </p:spTree>
     <p:extLst>
       <p:ext uri="{BB962C8B-B14F-4D97-AF65-F5344CB8AC3E}">
-        <p14:creationId xmlns:p14="http://schemas.microsoft.com/office/powerpoint/2010/main" val="3586553846"/>
+        <p14:creationId xmlns:p14="http://schemas.microsoft.com/office/powerpoint/2010/main" val="2753195189"/>
       </p:ext>
     </p:extLst>
   </p:cSld>
@@ -18449,7 +18664,7 @@
 </p:sld>
 </file>
 
-<file path=ppt/slides/slide5.xml><?xml version="1.0" encoding="utf-8"?>
+<file path=ppt/slides/slide4.xml><?xml version="1.0" encoding="utf-8"?>
 <p:sld xmlns:a="http://schemas.openxmlformats.org/drawingml/2006/main" xmlns:r="http://schemas.openxmlformats.org/officeDocument/2006/relationships" xmlns:p="http://schemas.openxmlformats.org/presentationml/2006/main">
   <p:cSld>
     <p:spTree>
@@ -18457,7 +18672,7 @@
         <p:cNvPr id="1" name="">
           <a:extLst>
             <a:ext uri="{FF2B5EF4-FFF2-40B4-BE49-F238E27FC236}">
-              <a16:creationId xmlns:a16="http://schemas.microsoft.com/office/drawing/2014/main" id="{092479E3-12A7-580E-3666-9EFCA239C69C}"/>
+              <a16:creationId xmlns:a16="http://schemas.microsoft.com/office/drawing/2014/main" id="{4E2624CA-7573-A70D-2FC8-BFE3E9254C55}"/>
             </a:ext>
           </a:extLst>
         </p:cNvPr>
@@ -18477,7 +18692,7 @@
           <p:cNvPr id="3" name="Title 1">
             <a:extLst>
               <a:ext uri="{FF2B5EF4-FFF2-40B4-BE49-F238E27FC236}">
-                <a16:creationId xmlns:a16="http://schemas.microsoft.com/office/drawing/2014/main" id="{E3AEF91F-1691-4F45-E791-211D7D1AEBAA}"/>
+                <a16:creationId xmlns:a16="http://schemas.microsoft.com/office/drawing/2014/main" id="{53D4E246-6713-78F0-1E16-E93481FE5DA4}"/>
               </a:ext>
             </a:extLst>
           </p:cNvPr>
@@ -18545,9 +18760,8 @@
                 <a:effectLst/>
                 <a:uLnTx/>
                 <a:uFillTx/>
-                <a:latin typeface="Microsoft YaHei" panose="020B0503020204020204" pitchFamily="34" charset="-122"/>
-                <a:ea typeface="Microsoft YaHei" panose="020B0503020204020204" pitchFamily="34" charset="-122"/>
-                <a:cs typeface="+mj-cs"/>
+                <a:latin typeface="Arial" panose="020B0604020202020204" pitchFamily="34" charset="0"/>
+                <a:cs typeface="Arial" panose="020B0604020202020204" pitchFamily="34" charset="0"/>
               </a:rPr>
               <a:t>Interviewee_Name</a:t>
             </a:r>
@@ -18561,9 +18775,8 @@
               <a:effectLst/>
               <a:uLnTx/>
               <a:uFillTx/>
-              <a:latin typeface="Microsoft YaHei" panose="020B0503020204020204" pitchFamily="34" charset="-122"/>
-              <a:ea typeface="Microsoft YaHei" panose="020B0503020204020204" pitchFamily="34" charset="-122"/>
-              <a:cs typeface="+mj-cs"/>
+              <a:latin typeface="Arial" panose="020B0604020202020204" pitchFamily="34" charset="0"/>
+              <a:cs typeface="Arial" panose="020B0604020202020204" pitchFamily="34" charset="0"/>
             </a:endParaRPr>
           </a:p>
         </p:txBody>
@@ -18573,7 +18786,7 @@
           <p:cNvPr id="4" name="TextBox 3">
             <a:extLst>
               <a:ext uri="{FF2B5EF4-FFF2-40B4-BE49-F238E27FC236}">
-                <a16:creationId xmlns:a16="http://schemas.microsoft.com/office/drawing/2014/main" id="{4A7E9E98-0CA5-A515-DDC5-FCB8774E49D6}"/>
+                <a16:creationId xmlns:a16="http://schemas.microsoft.com/office/drawing/2014/main" id="{B0B2F437-28AF-F42A-4FE8-73C8137E27BF}"/>
               </a:ext>
             </a:extLst>
           </p:cNvPr>
@@ -18645,7 +18858,7 @@
                 <a:cs typeface="Arial" panose="020B0604020202020204" pitchFamily="34" charset="0"/>
                 <a:sym typeface="Helvetica Neue"/>
               </a:rPr>
-              <a:t>Last_Spoken_to</a:t>
+              <a:t>Last_Spoken_To</a:t>
             </a:r>
             <a:endParaRPr kumimoji="0" lang="en-GB" sz="1050" i="0" u="none" strike="noStrike" cap="none" spc="0" normalizeH="0" baseline="0" dirty="0">
               <a:ln>
@@ -18669,7 +18882,7 @@
           <p:cNvPr id="5" name="TextBox 4">
             <a:extLst>
               <a:ext uri="{FF2B5EF4-FFF2-40B4-BE49-F238E27FC236}">
-                <a16:creationId xmlns:a16="http://schemas.microsoft.com/office/drawing/2014/main" id="{AD281B8F-FF72-D21B-F4CB-88B81036192D}"/>
+                <a16:creationId xmlns:a16="http://schemas.microsoft.com/office/drawing/2014/main" id="{10EA62C9-AD72-DC3F-F39A-4DAB2707DDA1}"/>
               </a:ext>
             </a:extLst>
           </p:cNvPr>
@@ -18765,7 +18978,7 @@
           <p:cNvPr id="6" name="TextBox 5">
             <a:extLst>
               <a:ext uri="{FF2B5EF4-FFF2-40B4-BE49-F238E27FC236}">
-                <a16:creationId xmlns:a16="http://schemas.microsoft.com/office/drawing/2014/main" id="{BD90DFE6-9C9C-1BB1-EC7E-C998F5B6F7B7}"/>
+                <a16:creationId xmlns:a16="http://schemas.microsoft.com/office/drawing/2014/main" id="{E2F4FFAB-714C-7BE1-B4EF-F27127E4039B}"/>
               </a:ext>
             </a:extLst>
           </p:cNvPr>
@@ -18861,7 +19074,7 @@
           <p:cNvPr id="7" name="TextBox 6">
             <a:extLst>
               <a:ext uri="{FF2B5EF4-FFF2-40B4-BE49-F238E27FC236}">
-                <a16:creationId xmlns:a16="http://schemas.microsoft.com/office/drawing/2014/main" id="{A7D54485-66CB-1A16-818C-6CA9E2296C1C}"/>
+                <a16:creationId xmlns:a16="http://schemas.microsoft.com/office/drawing/2014/main" id="{775D9C90-1735-7123-A5DC-ECAFBDEE1FA6}"/>
               </a:ext>
             </a:extLst>
           </p:cNvPr>
@@ -18957,7 +19170,7 @@
           <p:cNvPr id="8" name="TextBox 7">
             <a:extLst>
               <a:ext uri="{FF2B5EF4-FFF2-40B4-BE49-F238E27FC236}">
-                <a16:creationId xmlns:a16="http://schemas.microsoft.com/office/drawing/2014/main" id="{5D5862B2-1223-84DB-8012-740EABF53BB3}"/>
+                <a16:creationId xmlns:a16="http://schemas.microsoft.com/office/drawing/2014/main" id="{42E50C15-9EA5-2876-9C47-72F992FA257B}"/>
               </a:ext>
             </a:extLst>
           </p:cNvPr>
@@ -18966,8 +19179,8 @@
         </p:nvSpPr>
         <p:spPr>
           <a:xfrm>
-            <a:off x="284138" y="3067599"/>
-            <a:ext cx="2001862" cy="264175"/>
+            <a:off x="284138" y="3086835"/>
+            <a:ext cx="2001862" cy="225703"/>
           </a:xfrm>
           <a:prstGeom prst="rect">
             <a:avLst/>
@@ -19015,21 +19228,11 @@
               <a:tabLst/>
             </a:pPr>
             <a:r>
-              <a:rPr kumimoji="0" lang="en-GB" sz="1050" i="0" u="none" strike="noStrike" cap="none" spc="0" normalizeH="0" baseline="0" dirty="0" err="1">
-                <a:ln>
-                  <a:noFill/>
-                </a:ln>
-                <a:solidFill>
-                  <a:srgbClr val="000000"/>
-                </a:solidFill>
+              <a:rPr lang="en-GB" sz="800" dirty="0" err="1">
                 <a:effectLst/>
-                <a:uFillTx/>
-                <a:latin typeface="Arial" panose="020B0604020202020204" pitchFamily="34" charset="0"/>
-                <a:ea typeface="Helvetica Neue"/>
-                <a:cs typeface="Arial" panose="020B0604020202020204" pitchFamily="34" charset="0"/>
-                <a:sym typeface="Helvetica Neue"/>
+                <a:latin typeface="Helvetica Neue" panose="02000503000000020004" pitchFamily="2" charset="0"/>
               </a:rPr>
-              <a:t>Position_Towards_the_Change</a:t>
+              <a:t>Position_towards_the_Change</a:t>
             </a:r>
             <a:endParaRPr kumimoji="0" lang="en-GB" sz="1050" i="0" u="none" strike="noStrike" cap="none" spc="0" normalizeH="0" baseline="0" dirty="0">
               <a:ln>
@@ -19053,7 +19256,7 @@
           <p:cNvPr id="9" name="TextBox 8">
             <a:extLst>
               <a:ext uri="{FF2B5EF4-FFF2-40B4-BE49-F238E27FC236}">
-                <a16:creationId xmlns:a16="http://schemas.microsoft.com/office/drawing/2014/main" id="{78A72C3F-84C6-D6D4-62EB-5E6F4933AD1A}"/>
+                <a16:creationId xmlns:a16="http://schemas.microsoft.com/office/drawing/2014/main" id="{833F609E-D5C1-6A60-89FE-82DD96B4DF68}"/>
               </a:ext>
             </a:extLst>
           </p:cNvPr>
@@ -19149,7 +19352,7 @@
           <p:cNvPr id="10" name="TextBox 9">
             <a:extLst>
               <a:ext uri="{FF2B5EF4-FFF2-40B4-BE49-F238E27FC236}">
-                <a16:creationId xmlns:a16="http://schemas.microsoft.com/office/drawing/2014/main" id="{A26257EA-6A7B-3060-3599-93C96BD79D32}"/>
+                <a16:creationId xmlns:a16="http://schemas.microsoft.com/office/drawing/2014/main" id="{6597895A-60B3-C3BE-679F-94F5244512BB}"/>
               </a:ext>
             </a:extLst>
           </p:cNvPr>
@@ -19245,7 +19448,7 @@
           <p:cNvPr id="11" name="TextBox 10">
             <a:extLst>
               <a:ext uri="{FF2B5EF4-FFF2-40B4-BE49-F238E27FC236}">
-                <a16:creationId xmlns:a16="http://schemas.microsoft.com/office/drawing/2014/main" id="{8A745965-CEAE-984B-1C86-B960748961F5}"/>
+                <a16:creationId xmlns:a16="http://schemas.microsoft.com/office/drawing/2014/main" id="{69697602-2825-EE24-386F-296C00A333B3}"/>
               </a:ext>
             </a:extLst>
           </p:cNvPr>
@@ -19341,7 +19544,7 @@
           <p:cNvPr id="12" name="TextBox 11">
             <a:extLst>
               <a:ext uri="{FF2B5EF4-FFF2-40B4-BE49-F238E27FC236}">
-                <a16:creationId xmlns:a16="http://schemas.microsoft.com/office/drawing/2014/main" id="{1FAEE65D-28B5-DAEF-E891-46F4B4C72900}"/>
+                <a16:creationId xmlns:a16="http://schemas.microsoft.com/office/drawing/2014/main" id="{77F667BC-A971-2A64-18B9-6F56D3020EC9}"/>
               </a:ext>
             </a:extLst>
           </p:cNvPr>
@@ -19437,7 +19640,7 @@
           <p:cNvPr id="13" name="TextBox 12">
             <a:extLst>
               <a:ext uri="{FF2B5EF4-FFF2-40B4-BE49-F238E27FC236}">
-                <a16:creationId xmlns:a16="http://schemas.microsoft.com/office/drawing/2014/main" id="{C98017F6-AF82-2F78-BE39-C70313D064FF}"/>
+                <a16:creationId xmlns:a16="http://schemas.microsoft.com/office/drawing/2014/main" id="{F00FDA60-AAAB-7602-BEB4-0563560B2997}"/>
               </a:ext>
             </a:extLst>
           </p:cNvPr>
@@ -19533,7 +19736,7 @@
           <p:cNvPr id="14" name="TextBox 13">
             <a:extLst>
               <a:ext uri="{FF2B5EF4-FFF2-40B4-BE49-F238E27FC236}">
-                <a16:creationId xmlns:a16="http://schemas.microsoft.com/office/drawing/2014/main" id="{5EEF3DCC-C10D-5F7A-3104-46B5A7D19F8B}"/>
+                <a16:creationId xmlns:a16="http://schemas.microsoft.com/office/drawing/2014/main" id="{E73A40B0-0262-D042-CE92-DF3E0F2845A3}"/>
               </a:ext>
             </a:extLst>
           </p:cNvPr>
@@ -19622,7 +19825,7 @@
           <p:cNvPr id="15" name="TextBox 14">
             <a:extLst>
               <a:ext uri="{FF2B5EF4-FFF2-40B4-BE49-F238E27FC236}">
-                <a16:creationId xmlns:a16="http://schemas.microsoft.com/office/drawing/2014/main" id="{68C64636-F44D-4884-7A80-633B4F3432A6}"/>
+                <a16:creationId xmlns:a16="http://schemas.microsoft.com/office/drawing/2014/main" id="{1711A376-54AB-E0FF-C9C4-CE53B56C8E98}"/>
               </a:ext>
             </a:extLst>
           </p:cNvPr>
@@ -19711,7 +19914,7 @@
           <p:cNvPr id="16" name="TextBox 15">
             <a:extLst>
               <a:ext uri="{FF2B5EF4-FFF2-40B4-BE49-F238E27FC236}">
-                <a16:creationId xmlns:a16="http://schemas.microsoft.com/office/drawing/2014/main" id="{9708EC3C-BA68-585F-352B-2DE6E07A237D}"/>
+                <a16:creationId xmlns:a16="http://schemas.microsoft.com/office/drawing/2014/main" id="{7D4FD3D2-40A3-55A7-FE29-EA0C1CAA246E}"/>
               </a:ext>
             </a:extLst>
           </p:cNvPr>
@@ -19800,7 +20003,7 @@
           <p:cNvPr id="20" name="TextBox 19">
             <a:extLst>
               <a:ext uri="{FF2B5EF4-FFF2-40B4-BE49-F238E27FC236}">
-                <a16:creationId xmlns:a16="http://schemas.microsoft.com/office/drawing/2014/main" id="{4D6DBDB3-BB32-54CB-C641-B4C67E524388}"/>
+                <a16:creationId xmlns:a16="http://schemas.microsoft.com/office/drawing/2014/main" id="{B18BA42F-32B8-FE22-A0B8-BBBFCBD20A4D}"/>
               </a:ext>
             </a:extLst>
           </p:cNvPr>
@@ -19889,7 +20092,7 @@
           <p:cNvPr id="21" name="TextBox 20">
             <a:extLst>
               <a:ext uri="{FF2B5EF4-FFF2-40B4-BE49-F238E27FC236}">
-                <a16:creationId xmlns:a16="http://schemas.microsoft.com/office/drawing/2014/main" id="{4FB09E1E-0938-36CA-6C14-C22D56C12170}"/>
+                <a16:creationId xmlns:a16="http://schemas.microsoft.com/office/drawing/2014/main" id="{29E28485-7725-0BB0-DF34-6338E9E4A412}"/>
               </a:ext>
             </a:extLst>
           </p:cNvPr>
@@ -19978,7 +20181,7 @@
           <p:cNvPr id="22" name="TextBox 21">
             <a:extLst>
               <a:ext uri="{FF2B5EF4-FFF2-40B4-BE49-F238E27FC236}">
-                <a16:creationId xmlns:a16="http://schemas.microsoft.com/office/drawing/2014/main" id="{CBB26E61-49CA-5083-80EC-85D55488668B}"/>
+                <a16:creationId xmlns:a16="http://schemas.microsoft.com/office/drawing/2014/main" id="{24798763-FCEF-C237-FACE-A53B3996E755}"/>
               </a:ext>
             </a:extLst>
           </p:cNvPr>
@@ -20067,7 +20270,7 @@
           <p:cNvPr id="23" name="TextBox 22">
             <a:extLst>
               <a:ext uri="{FF2B5EF4-FFF2-40B4-BE49-F238E27FC236}">
-                <a16:creationId xmlns:a16="http://schemas.microsoft.com/office/drawing/2014/main" id="{C7D7BDDC-7FA8-63F6-669D-D5B8C4531F38}"/>
+                <a16:creationId xmlns:a16="http://schemas.microsoft.com/office/drawing/2014/main" id="{BAE40B08-AB4B-AFC2-AD32-A7B9F1EC67DC}"/>
               </a:ext>
             </a:extLst>
           </p:cNvPr>
@@ -20156,7 +20359,7 @@
           <p:cNvPr id="24" name="TextBox 23">
             <a:extLst>
               <a:ext uri="{FF2B5EF4-FFF2-40B4-BE49-F238E27FC236}">
-                <a16:creationId xmlns:a16="http://schemas.microsoft.com/office/drawing/2014/main" id="{A95E1921-C55E-AAC0-0D0A-C25E17595476}"/>
+                <a16:creationId xmlns:a16="http://schemas.microsoft.com/office/drawing/2014/main" id="{46915DD2-402D-0A85-AD65-483FCA64F973}"/>
               </a:ext>
             </a:extLst>
           </p:cNvPr>
@@ -20245,7 +20448,7 @@
           <p:cNvPr id="25" name="TextBox 24">
             <a:extLst>
               <a:ext uri="{FF2B5EF4-FFF2-40B4-BE49-F238E27FC236}">
-                <a16:creationId xmlns:a16="http://schemas.microsoft.com/office/drawing/2014/main" id="{DD4380C5-25E3-5ADA-4C37-EF7F3D7D026B}"/>
+                <a16:creationId xmlns:a16="http://schemas.microsoft.com/office/drawing/2014/main" id="{DED0A917-F8CB-C457-C444-1EC1BD0533E2}"/>
               </a:ext>
             </a:extLst>
           </p:cNvPr>
@@ -20334,7 +20537,7 @@
           <p:cNvPr id="26" name="TextBox 25">
             <a:extLst>
               <a:ext uri="{FF2B5EF4-FFF2-40B4-BE49-F238E27FC236}">
-                <a16:creationId xmlns:a16="http://schemas.microsoft.com/office/drawing/2014/main" id="{65266B1D-0B6D-3A2A-A235-C507BF18F885}"/>
+                <a16:creationId xmlns:a16="http://schemas.microsoft.com/office/drawing/2014/main" id="{E2D7B9ED-F21E-806E-B977-C0D0BD0BACA4}"/>
               </a:ext>
             </a:extLst>
           </p:cNvPr>
@@ -20423,7 +20626,7 @@
           <p:cNvPr id="27" name="TextBox 26">
             <a:extLst>
               <a:ext uri="{FF2B5EF4-FFF2-40B4-BE49-F238E27FC236}">
-                <a16:creationId xmlns:a16="http://schemas.microsoft.com/office/drawing/2014/main" id="{62C3012C-C9ED-03F8-7F71-1FA9F736C3BA}"/>
+                <a16:creationId xmlns:a16="http://schemas.microsoft.com/office/drawing/2014/main" id="{242AB262-46A6-E18E-991B-CB027D585584}"/>
               </a:ext>
             </a:extLst>
           </p:cNvPr>
@@ -20512,7 +20715,7 @@
           <p:cNvPr id="28" name="TextBox 27">
             <a:extLst>
               <a:ext uri="{FF2B5EF4-FFF2-40B4-BE49-F238E27FC236}">
-                <a16:creationId xmlns:a16="http://schemas.microsoft.com/office/drawing/2014/main" id="{5A040342-AD4D-39FA-AE7E-99A83DD7D1D4}"/>
+                <a16:creationId xmlns:a16="http://schemas.microsoft.com/office/drawing/2014/main" id="{97D3D8EE-3B24-C2EC-B79F-EAEC83929B41}"/>
               </a:ext>
             </a:extLst>
           </p:cNvPr>
@@ -20601,7 +20804,7 @@
           <p:cNvPr id="29" name="TextBox 28">
             <a:extLst>
               <a:ext uri="{FF2B5EF4-FFF2-40B4-BE49-F238E27FC236}">
-                <a16:creationId xmlns:a16="http://schemas.microsoft.com/office/drawing/2014/main" id="{459DEADE-A447-A1D3-5F82-A7953573D0C6}"/>
+                <a16:creationId xmlns:a16="http://schemas.microsoft.com/office/drawing/2014/main" id="{14A5BB9B-4809-12A3-BC94-DEA8541CA96B}"/>
               </a:ext>
             </a:extLst>
           </p:cNvPr>
@@ -20690,7 +20893,7 @@
           <p:cNvPr id="30" name="TextBox 29">
             <a:extLst>
               <a:ext uri="{FF2B5EF4-FFF2-40B4-BE49-F238E27FC236}">
-                <a16:creationId xmlns:a16="http://schemas.microsoft.com/office/drawing/2014/main" id="{6D9CB32B-DAF9-9D1C-6A98-A55AEFBB0384}"/>
+                <a16:creationId xmlns:a16="http://schemas.microsoft.com/office/drawing/2014/main" id="{3B4D01E0-5DD9-7241-31CC-165BF9D67626}"/>
               </a:ext>
             </a:extLst>
           </p:cNvPr>
@@ -20779,7 +20982,7 @@
           <p:cNvPr id="31" name="TextBox 30">
             <a:extLst>
               <a:ext uri="{FF2B5EF4-FFF2-40B4-BE49-F238E27FC236}">
-                <a16:creationId xmlns:a16="http://schemas.microsoft.com/office/drawing/2014/main" id="{62C91363-2220-395C-A05B-DE6F2712B6A6}"/>
+                <a16:creationId xmlns:a16="http://schemas.microsoft.com/office/drawing/2014/main" id="{61C2B89C-6BE9-D530-79C3-672E5A94B476}"/>
               </a:ext>
             </a:extLst>
           </p:cNvPr>
@@ -20868,7 +21071,7 @@
           <p:cNvPr id="32" name="TextBox 31">
             <a:extLst>
               <a:ext uri="{FF2B5EF4-FFF2-40B4-BE49-F238E27FC236}">
-                <a16:creationId xmlns:a16="http://schemas.microsoft.com/office/drawing/2014/main" id="{06030EAD-2CA5-726C-18DC-09840B8DCEB3}"/>
+                <a16:creationId xmlns:a16="http://schemas.microsoft.com/office/drawing/2014/main" id="{D3CECB2A-BC0C-7AFB-892B-890AE75101BE}"/>
               </a:ext>
             </a:extLst>
           </p:cNvPr>
@@ -20928,14 +21131,14 @@
               <a:tabLst/>
             </a:pPr>
             <a:r>
-              <a:rPr lang="en-GB" sz="900" dirty="0" err="1">
+              <a:rPr lang="en-GB" sz="1600" dirty="0" err="1">
                 <a:solidFill>
                   <a:schemeClr val="tx2"/>
                 </a:solidFill>
               </a:rPr>
               <a:t>Whats_in_it_for_me</a:t>
             </a:r>
-            <a:endParaRPr kumimoji="0" lang="en-GB" sz="1100" b="1" i="0" u="none" strike="noStrike" cap="none" spc="0" normalizeH="0" baseline="0" dirty="0">
+            <a:endParaRPr kumimoji="0" lang="en-GB" sz="2400" b="1" i="0" u="none" strike="noStrike" cap="none" spc="0" normalizeH="0" baseline="0" dirty="0">
               <a:ln>
                 <a:noFill/>
               </a:ln>
@@ -20955,7 +21158,7 @@
     </p:spTree>
     <p:extLst>
       <p:ext uri="{BB962C8B-B14F-4D97-AF65-F5344CB8AC3E}">
-        <p14:creationId xmlns:p14="http://schemas.microsoft.com/office/powerpoint/2010/main" val="2115502534"/>
+        <p14:creationId xmlns:p14="http://schemas.microsoft.com/office/powerpoint/2010/main" val="395437832"/>
       </p:ext>
     </p:extLst>
   </p:cSld>
@@ -20966,7 +21169,7 @@
 </p:sld>
 </file>
 
-<file path=ppt/slides/slide6.xml><?xml version="1.0" encoding="utf-8"?>
+<file path=ppt/slides/slide5.xml><?xml version="1.0" encoding="utf-8"?>
 <p:sld xmlns:a="http://schemas.openxmlformats.org/drawingml/2006/main" xmlns:r="http://schemas.openxmlformats.org/officeDocument/2006/relationships" xmlns:p="http://schemas.openxmlformats.org/presentationml/2006/main">
   <p:cSld>
     <p:spTree>
@@ -20974,7 +21177,7 @@
         <p:cNvPr id="1" name="">
           <a:extLst>
             <a:ext uri="{FF2B5EF4-FFF2-40B4-BE49-F238E27FC236}">
-              <a16:creationId xmlns:a16="http://schemas.microsoft.com/office/drawing/2014/main" id="{74AEDFB9-3470-26C6-F558-5DC03CF2C6F8}"/>
+              <a16:creationId xmlns:a16="http://schemas.microsoft.com/office/drawing/2014/main" id="{CFEEE5B7-3BC0-C37C-32E2-84EBBDA312C8}"/>
             </a:ext>
           </a:extLst>
         </p:cNvPr>
@@ -20994,7 +21197,7 @@
           <p:cNvPr id="3" name="Title 1">
             <a:extLst>
               <a:ext uri="{FF2B5EF4-FFF2-40B4-BE49-F238E27FC236}">
-                <a16:creationId xmlns:a16="http://schemas.microsoft.com/office/drawing/2014/main" id="{9970CFAB-E317-3A24-1B23-51D0677793FE}"/>
+                <a16:creationId xmlns:a16="http://schemas.microsoft.com/office/drawing/2014/main" id="{2EBA8BC6-E9A3-66F7-EAA6-3D31D406E56A}"/>
               </a:ext>
             </a:extLst>
           </p:cNvPr>
@@ -21062,9 +21265,8 @@
                 <a:effectLst/>
                 <a:uLnTx/>
                 <a:uFillTx/>
-                <a:latin typeface="Microsoft YaHei" panose="020B0503020204020204" pitchFamily="34" charset="-122"/>
-                <a:ea typeface="Microsoft YaHei" panose="020B0503020204020204" pitchFamily="34" charset="-122"/>
-                <a:cs typeface="+mj-cs"/>
+                <a:latin typeface="Arial" panose="020B0604020202020204" pitchFamily="34" charset="0"/>
+                <a:cs typeface="Arial" panose="020B0604020202020204" pitchFamily="34" charset="0"/>
               </a:rPr>
               <a:t>Interviewee_Name</a:t>
             </a:r>
@@ -21078,9 +21280,8 @@
               <a:effectLst/>
               <a:uLnTx/>
               <a:uFillTx/>
-              <a:latin typeface="Microsoft YaHei" panose="020B0503020204020204" pitchFamily="34" charset="-122"/>
-              <a:ea typeface="Microsoft YaHei" panose="020B0503020204020204" pitchFamily="34" charset="-122"/>
-              <a:cs typeface="+mj-cs"/>
+              <a:latin typeface="Arial" panose="020B0604020202020204" pitchFamily="34" charset="0"/>
+              <a:cs typeface="Arial" panose="020B0604020202020204" pitchFamily="34" charset="0"/>
             </a:endParaRPr>
           </a:p>
         </p:txBody>
@@ -21090,7 +21291,7 @@
           <p:cNvPr id="4" name="TextBox 3">
             <a:extLst>
               <a:ext uri="{FF2B5EF4-FFF2-40B4-BE49-F238E27FC236}">
-                <a16:creationId xmlns:a16="http://schemas.microsoft.com/office/drawing/2014/main" id="{784F8985-0A03-5F45-2BA4-E5A6B9FE3CBF}"/>
+                <a16:creationId xmlns:a16="http://schemas.microsoft.com/office/drawing/2014/main" id="{227C4762-9917-0745-04FE-8458302ECBCD}"/>
               </a:ext>
             </a:extLst>
           </p:cNvPr>
@@ -21162,7 +21363,7 @@
                 <a:cs typeface="Arial" panose="020B0604020202020204" pitchFamily="34" charset="0"/>
                 <a:sym typeface="Helvetica Neue"/>
               </a:rPr>
-              <a:t>Last_Spoken_to</a:t>
+              <a:t>Last_Spoken_To</a:t>
             </a:r>
             <a:endParaRPr kumimoji="0" lang="en-GB" sz="1050" i="0" u="none" strike="noStrike" cap="none" spc="0" normalizeH="0" baseline="0" dirty="0">
               <a:ln>
@@ -21186,7 +21387,7 @@
           <p:cNvPr id="5" name="TextBox 4">
             <a:extLst>
               <a:ext uri="{FF2B5EF4-FFF2-40B4-BE49-F238E27FC236}">
-                <a16:creationId xmlns:a16="http://schemas.microsoft.com/office/drawing/2014/main" id="{DB15FCE6-6B58-150D-7952-0FC2A63D1B4D}"/>
+                <a16:creationId xmlns:a16="http://schemas.microsoft.com/office/drawing/2014/main" id="{208695EC-59E3-6DA6-1B91-1F3FB6FDB807}"/>
               </a:ext>
             </a:extLst>
           </p:cNvPr>
@@ -21282,7 +21483,7 @@
           <p:cNvPr id="6" name="TextBox 5">
             <a:extLst>
               <a:ext uri="{FF2B5EF4-FFF2-40B4-BE49-F238E27FC236}">
-                <a16:creationId xmlns:a16="http://schemas.microsoft.com/office/drawing/2014/main" id="{40657BC2-EE86-9D78-274A-3FE7DFD882DB}"/>
+                <a16:creationId xmlns:a16="http://schemas.microsoft.com/office/drawing/2014/main" id="{57E2E872-4987-6AED-0A5C-D96C3E2E051B}"/>
               </a:ext>
             </a:extLst>
           </p:cNvPr>
@@ -21378,7 +21579,7 @@
           <p:cNvPr id="7" name="TextBox 6">
             <a:extLst>
               <a:ext uri="{FF2B5EF4-FFF2-40B4-BE49-F238E27FC236}">
-                <a16:creationId xmlns:a16="http://schemas.microsoft.com/office/drawing/2014/main" id="{5CB0EB3D-3D3A-66C9-536F-4AA1D77F5467}"/>
+                <a16:creationId xmlns:a16="http://schemas.microsoft.com/office/drawing/2014/main" id="{C2B3893B-0285-5C3F-B4F5-6EB6BCA2C57A}"/>
               </a:ext>
             </a:extLst>
           </p:cNvPr>
@@ -21474,7 +21675,7 @@
           <p:cNvPr id="8" name="TextBox 7">
             <a:extLst>
               <a:ext uri="{FF2B5EF4-FFF2-40B4-BE49-F238E27FC236}">
-                <a16:creationId xmlns:a16="http://schemas.microsoft.com/office/drawing/2014/main" id="{0BE65357-AC44-5A13-7E31-9E31F9C64E40}"/>
+                <a16:creationId xmlns:a16="http://schemas.microsoft.com/office/drawing/2014/main" id="{451FE370-0715-4A2D-BAFD-2407594430D4}"/>
               </a:ext>
             </a:extLst>
           </p:cNvPr>
@@ -21483,8 +21684,8 @@
         </p:nvSpPr>
         <p:spPr>
           <a:xfrm>
-            <a:off x="284138" y="3067599"/>
-            <a:ext cx="2001862" cy="264175"/>
+            <a:off x="284138" y="3086835"/>
+            <a:ext cx="2001862" cy="225703"/>
           </a:xfrm>
           <a:prstGeom prst="rect">
             <a:avLst/>
@@ -21532,21 +21733,11 @@
               <a:tabLst/>
             </a:pPr>
             <a:r>
-              <a:rPr kumimoji="0" lang="en-GB" sz="1050" i="0" u="none" strike="noStrike" cap="none" spc="0" normalizeH="0" baseline="0" dirty="0" err="1">
-                <a:ln>
-                  <a:noFill/>
-                </a:ln>
-                <a:solidFill>
-                  <a:srgbClr val="000000"/>
-                </a:solidFill>
+              <a:rPr lang="en-GB" sz="800" dirty="0" err="1">
                 <a:effectLst/>
-                <a:uFillTx/>
-                <a:latin typeface="Arial" panose="020B0604020202020204" pitchFamily="34" charset="0"/>
-                <a:ea typeface="Helvetica Neue"/>
-                <a:cs typeface="Arial" panose="020B0604020202020204" pitchFamily="34" charset="0"/>
-                <a:sym typeface="Helvetica Neue"/>
+                <a:latin typeface="Helvetica Neue" panose="02000503000000020004" pitchFamily="2" charset="0"/>
               </a:rPr>
-              <a:t>Position_Towards_the_Change</a:t>
+              <a:t>Position_towards_the_Change</a:t>
             </a:r>
             <a:endParaRPr kumimoji="0" lang="en-GB" sz="1050" i="0" u="none" strike="noStrike" cap="none" spc="0" normalizeH="0" baseline="0" dirty="0">
               <a:ln>
@@ -21570,7 +21761,7 @@
           <p:cNvPr id="9" name="TextBox 8">
             <a:extLst>
               <a:ext uri="{FF2B5EF4-FFF2-40B4-BE49-F238E27FC236}">
-                <a16:creationId xmlns:a16="http://schemas.microsoft.com/office/drawing/2014/main" id="{19FDAEDD-143C-EC17-3E81-AF49B379E165}"/>
+                <a16:creationId xmlns:a16="http://schemas.microsoft.com/office/drawing/2014/main" id="{D4586308-6125-64CB-5960-DFEC316250D9}"/>
               </a:ext>
             </a:extLst>
           </p:cNvPr>
@@ -21666,7 +21857,7 @@
           <p:cNvPr id="10" name="TextBox 9">
             <a:extLst>
               <a:ext uri="{FF2B5EF4-FFF2-40B4-BE49-F238E27FC236}">
-                <a16:creationId xmlns:a16="http://schemas.microsoft.com/office/drawing/2014/main" id="{FA14CDBE-3C23-FE59-4CC8-63909999C736}"/>
+                <a16:creationId xmlns:a16="http://schemas.microsoft.com/office/drawing/2014/main" id="{31B17998-02F5-85D1-74B6-0575866C2604}"/>
               </a:ext>
             </a:extLst>
           </p:cNvPr>
@@ -21762,7 +21953,7 @@
           <p:cNvPr id="11" name="TextBox 10">
             <a:extLst>
               <a:ext uri="{FF2B5EF4-FFF2-40B4-BE49-F238E27FC236}">
-                <a16:creationId xmlns:a16="http://schemas.microsoft.com/office/drawing/2014/main" id="{924F0068-3931-E58F-D94B-F9268D8FABE5}"/>
+                <a16:creationId xmlns:a16="http://schemas.microsoft.com/office/drawing/2014/main" id="{BE9746F5-DE84-5C19-F608-D22A5B124A00}"/>
               </a:ext>
             </a:extLst>
           </p:cNvPr>
@@ -21858,7 +22049,7 @@
           <p:cNvPr id="12" name="TextBox 11">
             <a:extLst>
               <a:ext uri="{FF2B5EF4-FFF2-40B4-BE49-F238E27FC236}">
-                <a16:creationId xmlns:a16="http://schemas.microsoft.com/office/drawing/2014/main" id="{50BDDCB6-51F0-C83F-92BD-1A6307DB2B2E}"/>
+                <a16:creationId xmlns:a16="http://schemas.microsoft.com/office/drawing/2014/main" id="{DDF3A77A-D42A-428A-EF6B-AA7F3C6230F4}"/>
               </a:ext>
             </a:extLst>
           </p:cNvPr>
@@ -21954,7 +22145,7 @@
           <p:cNvPr id="13" name="TextBox 12">
             <a:extLst>
               <a:ext uri="{FF2B5EF4-FFF2-40B4-BE49-F238E27FC236}">
-                <a16:creationId xmlns:a16="http://schemas.microsoft.com/office/drawing/2014/main" id="{4235273F-3082-02E7-5E53-66187142C00F}"/>
+                <a16:creationId xmlns:a16="http://schemas.microsoft.com/office/drawing/2014/main" id="{C13F05DF-C610-8F41-E9D2-C93DBF5D5202}"/>
               </a:ext>
             </a:extLst>
           </p:cNvPr>
@@ -22050,7 +22241,7 @@
           <p:cNvPr id="14" name="TextBox 13">
             <a:extLst>
               <a:ext uri="{FF2B5EF4-FFF2-40B4-BE49-F238E27FC236}">
-                <a16:creationId xmlns:a16="http://schemas.microsoft.com/office/drawing/2014/main" id="{E9968500-211B-22A5-A1E4-C686C981531B}"/>
+                <a16:creationId xmlns:a16="http://schemas.microsoft.com/office/drawing/2014/main" id="{6D01C25E-0621-4086-DB16-6506D05057A3}"/>
               </a:ext>
             </a:extLst>
           </p:cNvPr>
@@ -22139,7 +22330,7 @@
           <p:cNvPr id="15" name="TextBox 14">
             <a:extLst>
               <a:ext uri="{FF2B5EF4-FFF2-40B4-BE49-F238E27FC236}">
-                <a16:creationId xmlns:a16="http://schemas.microsoft.com/office/drawing/2014/main" id="{682EFF0B-9F7A-BCCA-1B05-A1D4580084E7}"/>
+                <a16:creationId xmlns:a16="http://schemas.microsoft.com/office/drawing/2014/main" id="{E8536755-C860-64DC-11C7-D220F5D4C71A}"/>
               </a:ext>
             </a:extLst>
           </p:cNvPr>
@@ -22228,7 +22419,7 @@
           <p:cNvPr id="16" name="TextBox 15">
             <a:extLst>
               <a:ext uri="{FF2B5EF4-FFF2-40B4-BE49-F238E27FC236}">
-                <a16:creationId xmlns:a16="http://schemas.microsoft.com/office/drawing/2014/main" id="{46381DC3-9155-ED7E-089A-4D5EA011485E}"/>
+                <a16:creationId xmlns:a16="http://schemas.microsoft.com/office/drawing/2014/main" id="{417EE6D1-E127-1E13-5C74-D324951FB578}"/>
               </a:ext>
             </a:extLst>
           </p:cNvPr>
@@ -22317,7 +22508,7 @@
           <p:cNvPr id="20" name="TextBox 19">
             <a:extLst>
               <a:ext uri="{FF2B5EF4-FFF2-40B4-BE49-F238E27FC236}">
-                <a16:creationId xmlns:a16="http://schemas.microsoft.com/office/drawing/2014/main" id="{FE1AF296-3990-658C-D725-A220A59151CB}"/>
+                <a16:creationId xmlns:a16="http://schemas.microsoft.com/office/drawing/2014/main" id="{A6514515-0958-C9A4-095F-54954596168A}"/>
               </a:ext>
             </a:extLst>
           </p:cNvPr>
@@ -22406,7 +22597,7 @@
           <p:cNvPr id="21" name="TextBox 20">
             <a:extLst>
               <a:ext uri="{FF2B5EF4-FFF2-40B4-BE49-F238E27FC236}">
-                <a16:creationId xmlns:a16="http://schemas.microsoft.com/office/drawing/2014/main" id="{BBA2440D-D1ED-77D4-78D8-27B3BC3A00F6}"/>
+                <a16:creationId xmlns:a16="http://schemas.microsoft.com/office/drawing/2014/main" id="{31135D20-1677-A8AE-49D3-E6621A419503}"/>
               </a:ext>
             </a:extLst>
           </p:cNvPr>
@@ -22495,7 +22686,7 @@
           <p:cNvPr id="22" name="TextBox 21">
             <a:extLst>
               <a:ext uri="{FF2B5EF4-FFF2-40B4-BE49-F238E27FC236}">
-                <a16:creationId xmlns:a16="http://schemas.microsoft.com/office/drawing/2014/main" id="{E9ACF618-A94A-EE07-0E82-02A80012D536}"/>
+                <a16:creationId xmlns:a16="http://schemas.microsoft.com/office/drawing/2014/main" id="{B995C284-BABD-5846-F8EB-DBD82525F843}"/>
               </a:ext>
             </a:extLst>
           </p:cNvPr>
@@ -22584,7 +22775,7 @@
           <p:cNvPr id="23" name="TextBox 22">
             <a:extLst>
               <a:ext uri="{FF2B5EF4-FFF2-40B4-BE49-F238E27FC236}">
-                <a16:creationId xmlns:a16="http://schemas.microsoft.com/office/drawing/2014/main" id="{DD7F5C94-7F19-C66A-E9A9-76BEA847431C}"/>
+                <a16:creationId xmlns:a16="http://schemas.microsoft.com/office/drawing/2014/main" id="{52A58813-571E-24AB-9A9C-A4CBE41F6A11}"/>
               </a:ext>
             </a:extLst>
           </p:cNvPr>
@@ -22673,7 +22864,7 @@
           <p:cNvPr id="24" name="TextBox 23">
             <a:extLst>
               <a:ext uri="{FF2B5EF4-FFF2-40B4-BE49-F238E27FC236}">
-                <a16:creationId xmlns:a16="http://schemas.microsoft.com/office/drawing/2014/main" id="{653ABA6B-7EAE-5160-BFF8-7C6F761DD0AF}"/>
+                <a16:creationId xmlns:a16="http://schemas.microsoft.com/office/drawing/2014/main" id="{5C695442-FE15-4610-B0C2-E7ED37DC8D68}"/>
               </a:ext>
             </a:extLst>
           </p:cNvPr>
@@ -22762,7 +22953,7 @@
           <p:cNvPr id="25" name="TextBox 24">
             <a:extLst>
               <a:ext uri="{FF2B5EF4-FFF2-40B4-BE49-F238E27FC236}">
-                <a16:creationId xmlns:a16="http://schemas.microsoft.com/office/drawing/2014/main" id="{098F5F91-70CB-50B6-82A9-DDB747F7C593}"/>
+                <a16:creationId xmlns:a16="http://schemas.microsoft.com/office/drawing/2014/main" id="{7FF294D8-DB5D-B726-F508-87120E411D47}"/>
               </a:ext>
             </a:extLst>
           </p:cNvPr>
@@ -22851,7 +23042,7 @@
           <p:cNvPr id="26" name="TextBox 25">
             <a:extLst>
               <a:ext uri="{FF2B5EF4-FFF2-40B4-BE49-F238E27FC236}">
-                <a16:creationId xmlns:a16="http://schemas.microsoft.com/office/drawing/2014/main" id="{CEC9F3E4-F475-6510-A42F-274B4D134BAA}"/>
+                <a16:creationId xmlns:a16="http://schemas.microsoft.com/office/drawing/2014/main" id="{29DA2E9A-5BC9-021C-1062-94AE37FBE4B5}"/>
               </a:ext>
             </a:extLst>
           </p:cNvPr>
@@ -22940,7 +23131,7 @@
           <p:cNvPr id="27" name="TextBox 26">
             <a:extLst>
               <a:ext uri="{FF2B5EF4-FFF2-40B4-BE49-F238E27FC236}">
-                <a16:creationId xmlns:a16="http://schemas.microsoft.com/office/drawing/2014/main" id="{2FEF70C9-02AA-3975-0DC8-9FE4CEB829FA}"/>
+                <a16:creationId xmlns:a16="http://schemas.microsoft.com/office/drawing/2014/main" id="{EAC7C664-0BBD-33D1-F5ED-FA2D6E654B56}"/>
               </a:ext>
             </a:extLst>
           </p:cNvPr>
@@ -23029,7 +23220,7 @@
           <p:cNvPr id="28" name="TextBox 27">
             <a:extLst>
               <a:ext uri="{FF2B5EF4-FFF2-40B4-BE49-F238E27FC236}">
-                <a16:creationId xmlns:a16="http://schemas.microsoft.com/office/drawing/2014/main" id="{30D03CD3-606B-03F1-D1DB-478F922DD223}"/>
+                <a16:creationId xmlns:a16="http://schemas.microsoft.com/office/drawing/2014/main" id="{23C93436-F282-A11B-5D5D-01D2370D689B}"/>
               </a:ext>
             </a:extLst>
           </p:cNvPr>
@@ -23118,7 +23309,7 @@
           <p:cNvPr id="29" name="TextBox 28">
             <a:extLst>
               <a:ext uri="{FF2B5EF4-FFF2-40B4-BE49-F238E27FC236}">
-                <a16:creationId xmlns:a16="http://schemas.microsoft.com/office/drawing/2014/main" id="{EE94A8C8-2C6D-8B76-3682-5B04858A76D6}"/>
+                <a16:creationId xmlns:a16="http://schemas.microsoft.com/office/drawing/2014/main" id="{40602D8A-7FF9-7BB6-5D9E-99398B4E65CB}"/>
               </a:ext>
             </a:extLst>
           </p:cNvPr>
@@ -23207,7 +23398,7 @@
           <p:cNvPr id="30" name="TextBox 29">
             <a:extLst>
               <a:ext uri="{FF2B5EF4-FFF2-40B4-BE49-F238E27FC236}">
-                <a16:creationId xmlns:a16="http://schemas.microsoft.com/office/drawing/2014/main" id="{3B197930-2C12-189F-7747-854ECD0DE6F7}"/>
+                <a16:creationId xmlns:a16="http://schemas.microsoft.com/office/drawing/2014/main" id="{2852975B-E79D-90E1-72B3-90D4F99D05C8}"/>
               </a:ext>
             </a:extLst>
           </p:cNvPr>
@@ -23296,7 +23487,7 @@
           <p:cNvPr id="31" name="TextBox 30">
             <a:extLst>
               <a:ext uri="{FF2B5EF4-FFF2-40B4-BE49-F238E27FC236}">
-                <a16:creationId xmlns:a16="http://schemas.microsoft.com/office/drawing/2014/main" id="{F88131DF-0DAB-7AB2-C79F-B0CC4BB41A19}"/>
+                <a16:creationId xmlns:a16="http://schemas.microsoft.com/office/drawing/2014/main" id="{2319A8CE-194E-9C59-462B-538A1C93B2E8}"/>
               </a:ext>
             </a:extLst>
           </p:cNvPr>
@@ -23385,7 +23576,7 @@
           <p:cNvPr id="32" name="TextBox 31">
             <a:extLst>
               <a:ext uri="{FF2B5EF4-FFF2-40B4-BE49-F238E27FC236}">
-                <a16:creationId xmlns:a16="http://schemas.microsoft.com/office/drawing/2014/main" id="{402D26FB-715C-E4F9-3023-9F5F41E8D2C5}"/>
+                <a16:creationId xmlns:a16="http://schemas.microsoft.com/office/drawing/2014/main" id="{816A73FB-4EE2-F5D5-B9AF-64C0D41B4A1B}"/>
               </a:ext>
             </a:extLst>
           </p:cNvPr>
@@ -23445,14 +23636,14 @@
               <a:tabLst/>
             </a:pPr>
             <a:r>
-              <a:rPr lang="en-GB" sz="900" dirty="0" err="1">
+              <a:rPr lang="en-GB" sz="1600" dirty="0" err="1">
                 <a:solidFill>
                   <a:schemeClr val="tx2"/>
                 </a:solidFill>
               </a:rPr>
               <a:t>Whats_in_it_for_me</a:t>
             </a:r>
-            <a:endParaRPr kumimoji="0" lang="en-GB" sz="1100" b="1" i="0" u="none" strike="noStrike" cap="none" spc="0" normalizeH="0" baseline="0" dirty="0">
+            <a:endParaRPr kumimoji="0" lang="en-GB" sz="2400" b="1" i="0" u="none" strike="noStrike" cap="none" spc="0" normalizeH="0" baseline="0" dirty="0">
               <a:ln>
                 <a:noFill/>
               </a:ln>
@@ -23472,7 +23663,7 @@
     </p:spTree>
     <p:extLst>
       <p:ext uri="{BB962C8B-B14F-4D97-AF65-F5344CB8AC3E}">
-        <p14:creationId xmlns:p14="http://schemas.microsoft.com/office/powerpoint/2010/main" val="1744240825"/>
+        <p14:creationId xmlns:p14="http://schemas.microsoft.com/office/powerpoint/2010/main" val="4140441336"/>
       </p:ext>
     </p:extLst>
   </p:cSld>
@@ -23483,7 +23674,7 @@
 </p:sld>
 </file>
 
-<file path=ppt/slides/slide7.xml><?xml version="1.0" encoding="utf-8"?>
+<file path=ppt/slides/slide6.xml><?xml version="1.0" encoding="utf-8"?>
 <p:sld xmlns:a="http://schemas.openxmlformats.org/drawingml/2006/main" xmlns:r="http://schemas.openxmlformats.org/officeDocument/2006/relationships" xmlns:p="http://schemas.openxmlformats.org/presentationml/2006/main">
   <p:cSld>
     <p:spTree>
@@ -23491,7 +23682,7 @@
         <p:cNvPr id="1" name="">
           <a:extLst>
             <a:ext uri="{FF2B5EF4-FFF2-40B4-BE49-F238E27FC236}">
-              <a16:creationId xmlns:a16="http://schemas.microsoft.com/office/drawing/2014/main" id="{7E083B69-E65F-34A3-2E0A-54E4AF40D0E9}"/>
+              <a16:creationId xmlns:a16="http://schemas.microsoft.com/office/drawing/2014/main" id="{DC88065D-C2CA-6375-A981-ABFDA44DE55E}"/>
             </a:ext>
           </a:extLst>
         </p:cNvPr>
@@ -23511,7 +23702,7 @@
           <p:cNvPr id="3" name="Title 1">
             <a:extLst>
               <a:ext uri="{FF2B5EF4-FFF2-40B4-BE49-F238E27FC236}">
-                <a16:creationId xmlns:a16="http://schemas.microsoft.com/office/drawing/2014/main" id="{497C27BC-CB72-DB57-DA9A-440A98D0202B}"/>
+                <a16:creationId xmlns:a16="http://schemas.microsoft.com/office/drawing/2014/main" id="{8F762DE0-B993-9288-FFAA-CA4B75B3060A}"/>
               </a:ext>
             </a:extLst>
           </p:cNvPr>
@@ -23579,9 +23770,8 @@
                 <a:effectLst/>
                 <a:uLnTx/>
                 <a:uFillTx/>
-                <a:latin typeface="Microsoft YaHei" panose="020B0503020204020204" pitchFamily="34" charset="-122"/>
-                <a:ea typeface="Microsoft YaHei" panose="020B0503020204020204" pitchFamily="34" charset="-122"/>
-                <a:cs typeface="+mj-cs"/>
+                <a:latin typeface="Arial" panose="020B0604020202020204" pitchFamily="34" charset="0"/>
+                <a:cs typeface="Arial" panose="020B0604020202020204" pitchFamily="34" charset="0"/>
               </a:rPr>
               <a:t>Interviewee_Name</a:t>
             </a:r>
@@ -23595,9 +23785,8 @@
               <a:effectLst/>
               <a:uLnTx/>
               <a:uFillTx/>
-              <a:latin typeface="Microsoft YaHei" panose="020B0503020204020204" pitchFamily="34" charset="-122"/>
-              <a:ea typeface="Microsoft YaHei" panose="020B0503020204020204" pitchFamily="34" charset="-122"/>
-              <a:cs typeface="+mj-cs"/>
+              <a:latin typeface="Arial" panose="020B0604020202020204" pitchFamily="34" charset="0"/>
+              <a:cs typeface="Arial" panose="020B0604020202020204" pitchFamily="34" charset="0"/>
             </a:endParaRPr>
           </a:p>
         </p:txBody>
@@ -23607,7 +23796,7 @@
           <p:cNvPr id="4" name="TextBox 3">
             <a:extLst>
               <a:ext uri="{FF2B5EF4-FFF2-40B4-BE49-F238E27FC236}">
-                <a16:creationId xmlns:a16="http://schemas.microsoft.com/office/drawing/2014/main" id="{3D8BB204-68CE-F1A0-C285-F1AF9FCC9DAA}"/>
+                <a16:creationId xmlns:a16="http://schemas.microsoft.com/office/drawing/2014/main" id="{5BB7810B-4BA1-F35C-4123-65682274DFF3}"/>
               </a:ext>
             </a:extLst>
           </p:cNvPr>
@@ -23679,7 +23868,7 @@
                 <a:cs typeface="Arial" panose="020B0604020202020204" pitchFamily="34" charset="0"/>
                 <a:sym typeface="Helvetica Neue"/>
               </a:rPr>
-              <a:t>Last_Spoken_to</a:t>
+              <a:t>Last_Spoken_To</a:t>
             </a:r>
             <a:endParaRPr kumimoji="0" lang="en-GB" sz="1050" i="0" u="none" strike="noStrike" cap="none" spc="0" normalizeH="0" baseline="0" dirty="0">
               <a:ln>
@@ -23703,7 +23892,7 @@
           <p:cNvPr id="5" name="TextBox 4">
             <a:extLst>
               <a:ext uri="{FF2B5EF4-FFF2-40B4-BE49-F238E27FC236}">
-                <a16:creationId xmlns:a16="http://schemas.microsoft.com/office/drawing/2014/main" id="{2B021D66-458B-8376-17B4-9A5F920AF7EB}"/>
+                <a16:creationId xmlns:a16="http://schemas.microsoft.com/office/drawing/2014/main" id="{499594E4-319D-537E-507B-D7179EC26EF2}"/>
               </a:ext>
             </a:extLst>
           </p:cNvPr>
@@ -23799,7 +23988,7 @@
           <p:cNvPr id="6" name="TextBox 5">
             <a:extLst>
               <a:ext uri="{FF2B5EF4-FFF2-40B4-BE49-F238E27FC236}">
-                <a16:creationId xmlns:a16="http://schemas.microsoft.com/office/drawing/2014/main" id="{960B3F72-95CD-555F-AB40-4AEFFD57F8F5}"/>
+                <a16:creationId xmlns:a16="http://schemas.microsoft.com/office/drawing/2014/main" id="{1D75D9C6-C85C-99BD-EEAF-F5CBEA763385}"/>
               </a:ext>
             </a:extLst>
           </p:cNvPr>
@@ -23895,7 +24084,7 @@
           <p:cNvPr id="7" name="TextBox 6">
             <a:extLst>
               <a:ext uri="{FF2B5EF4-FFF2-40B4-BE49-F238E27FC236}">
-                <a16:creationId xmlns:a16="http://schemas.microsoft.com/office/drawing/2014/main" id="{B1A4B306-4D5B-1309-7AD7-0466D96B320D}"/>
+                <a16:creationId xmlns:a16="http://schemas.microsoft.com/office/drawing/2014/main" id="{9AFAA6FD-66EA-4911-ED3C-1541F851E068}"/>
               </a:ext>
             </a:extLst>
           </p:cNvPr>
@@ -23991,7 +24180,7 @@
           <p:cNvPr id="8" name="TextBox 7">
             <a:extLst>
               <a:ext uri="{FF2B5EF4-FFF2-40B4-BE49-F238E27FC236}">
-                <a16:creationId xmlns:a16="http://schemas.microsoft.com/office/drawing/2014/main" id="{C08940DB-C176-5B21-FD3F-74462C26B263}"/>
+                <a16:creationId xmlns:a16="http://schemas.microsoft.com/office/drawing/2014/main" id="{2DA5D632-CF4C-B93B-B1B2-6424628E0905}"/>
               </a:ext>
             </a:extLst>
           </p:cNvPr>
@@ -24000,8 +24189,8 @@
         </p:nvSpPr>
         <p:spPr>
           <a:xfrm>
-            <a:off x="284138" y="3067599"/>
-            <a:ext cx="2001862" cy="264175"/>
+            <a:off x="284138" y="3086835"/>
+            <a:ext cx="2001862" cy="225703"/>
           </a:xfrm>
           <a:prstGeom prst="rect">
             <a:avLst/>
@@ -24049,21 +24238,11 @@
               <a:tabLst/>
             </a:pPr>
             <a:r>
-              <a:rPr kumimoji="0" lang="en-GB" sz="1050" i="0" u="none" strike="noStrike" cap="none" spc="0" normalizeH="0" baseline="0" dirty="0" err="1">
-                <a:ln>
-                  <a:noFill/>
-                </a:ln>
-                <a:solidFill>
-                  <a:srgbClr val="000000"/>
-                </a:solidFill>
+              <a:rPr lang="en-GB" sz="800" dirty="0" err="1">
                 <a:effectLst/>
-                <a:uFillTx/>
-                <a:latin typeface="Arial" panose="020B0604020202020204" pitchFamily="34" charset="0"/>
-                <a:ea typeface="Helvetica Neue"/>
-                <a:cs typeface="Arial" panose="020B0604020202020204" pitchFamily="34" charset="0"/>
-                <a:sym typeface="Helvetica Neue"/>
+                <a:latin typeface="Helvetica Neue" panose="02000503000000020004" pitchFamily="2" charset="0"/>
               </a:rPr>
-              <a:t>Position_Towards_the_Change</a:t>
+              <a:t>Position_towards_the_Change</a:t>
             </a:r>
             <a:endParaRPr kumimoji="0" lang="en-GB" sz="1050" i="0" u="none" strike="noStrike" cap="none" spc="0" normalizeH="0" baseline="0" dirty="0">
               <a:ln>
@@ -24087,7 +24266,7 @@
           <p:cNvPr id="9" name="TextBox 8">
             <a:extLst>
               <a:ext uri="{FF2B5EF4-FFF2-40B4-BE49-F238E27FC236}">
-                <a16:creationId xmlns:a16="http://schemas.microsoft.com/office/drawing/2014/main" id="{3595332D-9061-7752-BE6A-CF1EACC86934}"/>
+                <a16:creationId xmlns:a16="http://schemas.microsoft.com/office/drawing/2014/main" id="{E1978460-6FE4-24F6-89DE-4C03F1A439B3}"/>
               </a:ext>
             </a:extLst>
           </p:cNvPr>
@@ -24183,7 +24362,7 @@
           <p:cNvPr id="10" name="TextBox 9">
             <a:extLst>
               <a:ext uri="{FF2B5EF4-FFF2-40B4-BE49-F238E27FC236}">
-                <a16:creationId xmlns:a16="http://schemas.microsoft.com/office/drawing/2014/main" id="{AD103770-2A5F-973D-0B71-C40D4D93C5D9}"/>
+                <a16:creationId xmlns:a16="http://schemas.microsoft.com/office/drawing/2014/main" id="{F2E6C9F5-E5EB-A64A-0EE3-0FDF7DF29C36}"/>
               </a:ext>
             </a:extLst>
           </p:cNvPr>
@@ -24279,7 +24458,7 @@
           <p:cNvPr id="11" name="TextBox 10">
             <a:extLst>
               <a:ext uri="{FF2B5EF4-FFF2-40B4-BE49-F238E27FC236}">
-                <a16:creationId xmlns:a16="http://schemas.microsoft.com/office/drawing/2014/main" id="{F491EE3A-A5D9-B610-0B02-EBFD19CD121A}"/>
+                <a16:creationId xmlns:a16="http://schemas.microsoft.com/office/drawing/2014/main" id="{E1CAC43B-3D1F-4F0D-1E7D-4B6605141DA9}"/>
               </a:ext>
             </a:extLst>
           </p:cNvPr>
@@ -24375,7 +24554,7 @@
           <p:cNvPr id="12" name="TextBox 11">
             <a:extLst>
               <a:ext uri="{FF2B5EF4-FFF2-40B4-BE49-F238E27FC236}">
-                <a16:creationId xmlns:a16="http://schemas.microsoft.com/office/drawing/2014/main" id="{4FED6913-3934-C6EB-F6E9-037B4EB961A8}"/>
+                <a16:creationId xmlns:a16="http://schemas.microsoft.com/office/drawing/2014/main" id="{870C93DC-7A6F-1E8B-E681-79E7F1C4E577}"/>
               </a:ext>
             </a:extLst>
           </p:cNvPr>
@@ -24471,7 +24650,7 @@
           <p:cNvPr id="13" name="TextBox 12">
             <a:extLst>
               <a:ext uri="{FF2B5EF4-FFF2-40B4-BE49-F238E27FC236}">
-                <a16:creationId xmlns:a16="http://schemas.microsoft.com/office/drawing/2014/main" id="{42E813D1-0C90-3C7C-24F2-6B09639C9DE2}"/>
+                <a16:creationId xmlns:a16="http://schemas.microsoft.com/office/drawing/2014/main" id="{B6D63C56-F492-8E8A-F895-5CBE80B0E30F}"/>
               </a:ext>
             </a:extLst>
           </p:cNvPr>
@@ -24567,7 +24746,7 @@
           <p:cNvPr id="14" name="TextBox 13">
             <a:extLst>
               <a:ext uri="{FF2B5EF4-FFF2-40B4-BE49-F238E27FC236}">
-                <a16:creationId xmlns:a16="http://schemas.microsoft.com/office/drawing/2014/main" id="{A1E5DAAD-FC1B-7976-2687-A9C0343636D8}"/>
+                <a16:creationId xmlns:a16="http://schemas.microsoft.com/office/drawing/2014/main" id="{865168E1-0279-5F2A-AAB3-F57BB8D2C410}"/>
               </a:ext>
             </a:extLst>
           </p:cNvPr>
@@ -24656,7 +24835,7 @@
           <p:cNvPr id="15" name="TextBox 14">
             <a:extLst>
               <a:ext uri="{FF2B5EF4-FFF2-40B4-BE49-F238E27FC236}">
-                <a16:creationId xmlns:a16="http://schemas.microsoft.com/office/drawing/2014/main" id="{9AED62A4-4770-41C5-3A56-536C0A3D8084}"/>
+                <a16:creationId xmlns:a16="http://schemas.microsoft.com/office/drawing/2014/main" id="{62165B31-0BA1-2477-DCA4-63D481E4C2C5}"/>
               </a:ext>
             </a:extLst>
           </p:cNvPr>
@@ -24745,7 +24924,7 @@
           <p:cNvPr id="16" name="TextBox 15">
             <a:extLst>
               <a:ext uri="{FF2B5EF4-FFF2-40B4-BE49-F238E27FC236}">
-                <a16:creationId xmlns:a16="http://schemas.microsoft.com/office/drawing/2014/main" id="{91A7BDD4-F5FF-5E37-8EA9-55B2B420C866}"/>
+                <a16:creationId xmlns:a16="http://schemas.microsoft.com/office/drawing/2014/main" id="{82E01669-37BC-A35C-8DDF-CBF8056FE33F}"/>
               </a:ext>
             </a:extLst>
           </p:cNvPr>
@@ -24834,7 +25013,7 @@
           <p:cNvPr id="20" name="TextBox 19">
             <a:extLst>
               <a:ext uri="{FF2B5EF4-FFF2-40B4-BE49-F238E27FC236}">
-                <a16:creationId xmlns:a16="http://schemas.microsoft.com/office/drawing/2014/main" id="{732F47C7-AE50-B73B-C1F0-49017029ACF8}"/>
+                <a16:creationId xmlns:a16="http://schemas.microsoft.com/office/drawing/2014/main" id="{5274B3E5-0E5C-7A52-9FC9-CE63FDC11BEA}"/>
               </a:ext>
             </a:extLst>
           </p:cNvPr>
@@ -24923,7 +25102,7 @@
           <p:cNvPr id="21" name="TextBox 20">
             <a:extLst>
               <a:ext uri="{FF2B5EF4-FFF2-40B4-BE49-F238E27FC236}">
-                <a16:creationId xmlns:a16="http://schemas.microsoft.com/office/drawing/2014/main" id="{FEE92CCC-289B-F373-9679-673D68B7125C}"/>
+                <a16:creationId xmlns:a16="http://schemas.microsoft.com/office/drawing/2014/main" id="{67A27F59-5541-6ABD-64CF-007367F8C728}"/>
               </a:ext>
             </a:extLst>
           </p:cNvPr>
@@ -25012,7 +25191,7 @@
           <p:cNvPr id="22" name="TextBox 21">
             <a:extLst>
               <a:ext uri="{FF2B5EF4-FFF2-40B4-BE49-F238E27FC236}">
-                <a16:creationId xmlns:a16="http://schemas.microsoft.com/office/drawing/2014/main" id="{AA97E3FF-D843-BE3B-5185-BD3CC8751DBB}"/>
+                <a16:creationId xmlns:a16="http://schemas.microsoft.com/office/drawing/2014/main" id="{E7F2D51D-5CF2-BD0D-3D4F-C46AC2AA8D74}"/>
               </a:ext>
             </a:extLst>
           </p:cNvPr>
@@ -25101,7 +25280,7 @@
           <p:cNvPr id="23" name="TextBox 22">
             <a:extLst>
               <a:ext uri="{FF2B5EF4-FFF2-40B4-BE49-F238E27FC236}">
-                <a16:creationId xmlns:a16="http://schemas.microsoft.com/office/drawing/2014/main" id="{922A357B-E625-6E6C-4AD0-2BE060165D1B}"/>
+                <a16:creationId xmlns:a16="http://schemas.microsoft.com/office/drawing/2014/main" id="{054185A1-7D2C-ACFB-E4E5-3CDA357D26BD}"/>
               </a:ext>
             </a:extLst>
           </p:cNvPr>
@@ -25190,7 +25369,7 @@
           <p:cNvPr id="24" name="TextBox 23">
             <a:extLst>
               <a:ext uri="{FF2B5EF4-FFF2-40B4-BE49-F238E27FC236}">
-                <a16:creationId xmlns:a16="http://schemas.microsoft.com/office/drawing/2014/main" id="{69D0781D-F5CA-964F-A969-9A8E53088A93}"/>
+                <a16:creationId xmlns:a16="http://schemas.microsoft.com/office/drawing/2014/main" id="{E5EF55AA-FB05-BDDC-D5C9-4D775CD78550}"/>
               </a:ext>
             </a:extLst>
           </p:cNvPr>
@@ -25279,7 +25458,7 @@
           <p:cNvPr id="25" name="TextBox 24">
             <a:extLst>
               <a:ext uri="{FF2B5EF4-FFF2-40B4-BE49-F238E27FC236}">
-                <a16:creationId xmlns:a16="http://schemas.microsoft.com/office/drawing/2014/main" id="{34619CE8-4B50-3B79-1021-3206DE22EC9F}"/>
+                <a16:creationId xmlns:a16="http://schemas.microsoft.com/office/drawing/2014/main" id="{78F6CAD7-DDE3-FCE0-A028-D7119BE4FC29}"/>
               </a:ext>
             </a:extLst>
           </p:cNvPr>
@@ -25368,7 +25547,7 @@
           <p:cNvPr id="26" name="TextBox 25">
             <a:extLst>
               <a:ext uri="{FF2B5EF4-FFF2-40B4-BE49-F238E27FC236}">
-                <a16:creationId xmlns:a16="http://schemas.microsoft.com/office/drawing/2014/main" id="{2019AA6A-A1E9-97A0-7200-80042ACBAC1E}"/>
+                <a16:creationId xmlns:a16="http://schemas.microsoft.com/office/drawing/2014/main" id="{481D1D1F-2BBB-BA1B-9391-44561CBF8A41}"/>
               </a:ext>
             </a:extLst>
           </p:cNvPr>
@@ -25457,7 +25636,7 @@
           <p:cNvPr id="27" name="TextBox 26">
             <a:extLst>
               <a:ext uri="{FF2B5EF4-FFF2-40B4-BE49-F238E27FC236}">
-                <a16:creationId xmlns:a16="http://schemas.microsoft.com/office/drawing/2014/main" id="{D3EFF3BA-2AF3-64D0-8B59-22BA937B40C4}"/>
+                <a16:creationId xmlns:a16="http://schemas.microsoft.com/office/drawing/2014/main" id="{6191CD27-C871-9E04-3B97-E75AE06EE38F}"/>
               </a:ext>
             </a:extLst>
           </p:cNvPr>
@@ -25546,7 +25725,7 @@
           <p:cNvPr id="28" name="TextBox 27">
             <a:extLst>
               <a:ext uri="{FF2B5EF4-FFF2-40B4-BE49-F238E27FC236}">
-                <a16:creationId xmlns:a16="http://schemas.microsoft.com/office/drawing/2014/main" id="{DE723946-B7CD-9D02-1C9C-F287E43A9C70}"/>
+                <a16:creationId xmlns:a16="http://schemas.microsoft.com/office/drawing/2014/main" id="{52BB23E6-E798-6A94-4542-CAAE44E4A625}"/>
               </a:ext>
             </a:extLst>
           </p:cNvPr>
@@ -25635,7 +25814,7 @@
           <p:cNvPr id="29" name="TextBox 28">
             <a:extLst>
               <a:ext uri="{FF2B5EF4-FFF2-40B4-BE49-F238E27FC236}">
-                <a16:creationId xmlns:a16="http://schemas.microsoft.com/office/drawing/2014/main" id="{452D332C-CF12-FB15-B3C0-701178208A54}"/>
+                <a16:creationId xmlns:a16="http://schemas.microsoft.com/office/drawing/2014/main" id="{68297F96-6665-E440-211F-37687044E51D}"/>
               </a:ext>
             </a:extLst>
           </p:cNvPr>
@@ -25724,7 +25903,7 @@
           <p:cNvPr id="30" name="TextBox 29">
             <a:extLst>
               <a:ext uri="{FF2B5EF4-FFF2-40B4-BE49-F238E27FC236}">
-                <a16:creationId xmlns:a16="http://schemas.microsoft.com/office/drawing/2014/main" id="{F59E967B-30A4-8FCD-6FCD-5E4BD9FD38DF}"/>
+                <a16:creationId xmlns:a16="http://schemas.microsoft.com/office/drawing/2014/main" id="{47E12EF4-1419-02CC-4063-0A5CF5E2FE1C}"/>
               </a:ext>
             </a:extLst>
           </p:cNvPr>
@@ -25813,7 +25992,7 @@
           <p:cNvPr id="31" name="TextBox 30">
             <a:extLst>
               <a:ext uri="{FF2B5EF4-FFF2-40B4-BE49-F238E27FC236}">
-                <a16:creationId xmlns:a16="http://schemas.microsoft.com/office/drawing/2014/main" id="{D8CD5F76-0921-BBB2-876E-96C7EBD33726}"/>
+                <a16:creationId xmlns:a16="http://schemas.microsoft.com/office/drawing/2014/main" id="{5FBB6F03-41C5-A6C9-3E89-6E25DED20D8B}"/>
               </a:ext>
             </a:extLst>
           </p:cNvPr>
@@ -25902,7 +26081,7 @@
           <p:cNvPr id="32" name="TextBox 31">
             <a:extLst>
               <a:ext uri="{FF2B5EF4-FFF2-40B4-BE49-F238E27FC236}">
-                <a16:creationId xmlns:a16="http://schemas.microsoft.com/office/drawing/2014/main" id="{52A8B305-7F96-F144-89A0-2D36EC14A29C}"/>
+                <a16:creationId xmlns:a16="http://schemas.microsoft.com/office/drawing/2014/main" id="{1990D4F1-25BD-87A9-E7B1-979916C3049C}"/>
               </a:ext>
             </a:extLst>
           </p:cNvPr>
@@ -25962,14 +26141,14 @@
               <a:tabLst/>
             </a:pPr>
             <a:r>
-              <a:rPr lang="en-GB" sz="900" dirty="0" err="1">
+              <a:rPr lang="en-GB" sz="1600" dirty="0" err="1">
                 <a:solidFill>
                   <a:schemeClr val="tx2"/>
                 </a:solidFill>
               </a:rPr>
               <a:t>Whats_in_it_for_me</a:t>
             </a:r>
-            <a:endParaRPr kumimoji="0" lang="en-GB" sz="1100" b="1" i="0" u="none" strike="noStrike" cap="none" spc="0" normalizeH="0" baseline="0" dirty="0">
+            <a:endParaRPr kumimoji="0" lang="en-GB" sz="2400" b="1" i="0" u="none" strike="noStrike" cap="none" spc="0" normalizeH="0" baseline="0" dirty="0">
               <a:ln>
                 <a:noFill/>
               </a:ln>
@@ -25989,7 +26168,7 @@
     </p:spTree>
     <p:extLst>
       <p:ext uri="{BB962C8B-B14F-4D97-AF65-F5344CB8AC3E}">
-        <p14:creationId xmlns:p14="http://schemas.microsoft.com/office/powerpoint/2010/main" val="3610414871"/>
+        <p14:creationId xmlns:p14="http://schemas.microsoft.com/office/powerpoint/2010/main" val="4123162446"/>
       </p:ext>
     </p:extLst>
   </p:cSld>
@@ -26000,7 +26179,7 @@
 </p:sld>
 </file>
 
-<file path=ppt/slides/slide8.xml><?xml version="1.0" encoding="utf-8"?>
+<file path=ppt/slides/slide7.xml><?xml version="1.0" encoding="utf-8"?>
 <p:sld xmlns:a="http://schemas.openxmlformats.org/drawingml/2006/main" xmlns:r="http://schemas.openxmlformats.org/officeDocument/2006/relationships" xmlns:p="http://schemas.openxmlformats.org/presentationml/2006/main">
   <p:cSld>
     <p:spTree>
@@ -26008,7 +26187,7 @@
         <p:cNvPr id="1" name="">
           <a:extLst>
             <a:ext uri="{FF2B5EF4-FFF2-40B4-BE49-F238E27FC236}">
-              <a16:creationId xmlns:a16="http://schemas.microsoft.com/office/drawing/2014/main" id="{43548D62-5783-7F80-15F1-F6BD377A8A7C}"/>
+              <a16:creationId xmlns:a16="http://schemas.microsoft.com/office/drawing/2014/main" id="{D5C94CF9-87FF-DB6D-CD2F-6E63AA6498E8}"/>
             </a:ext>
           </a:extLst>
         </p:cNvPr>
@@ -26028,7 +26207,7 @@
           <p:cNvPr id="3" name="Title 1">
             <a:extLst>
               <a:ext uri="{FF2B5EF4-FFF2-40B4-BE49-F238E27FC236}">
-                <a16:creationId xmlns:a16="http://schemas.microsoft.com/office/drawing/2014/main" id="{88DB2239-DD45-3647-D301-FB75DABB3450}"/>
+                <a16:creationId xmlns:a16="http://schemas.microsoft.com/office/drawing/2014/main" id="{E50410BE-A64F-5675-8896-B0847BFC5AA9}"/>
               </a:ext>
             </a:extLst>
           </p:cNvPr>
@@ -26096,9 +26275,8 @@
                 <a:effectLst/>
                 <a:uLnTx/>
                 <a:uFillTx/>
-                <a:latin typeface="Microsoft YaHei" panose="020B0503020204020204" pitchFamily="34" charset="-122"/>
-                <a:ea typeface="Microsoft YaHei" panose="020B0503020204020204" pitchFamily="34" charset="-122"/>
-                <a:cs typeface="+mj-cs"/>
+                <a:latin typeface="Arial" panose="020B0604020202020204" pitchFamily="34" charset="0"/>
+                <a:cs typeface="Arial" panose="020B0604020202020204" pitchFamily="34" charset="0"/>
               </a:rPr>
               <a:t>Interviewee_Name</a:t>
             </a:r>
@@ -26112,9 +26290,8 @@
               <a:effectLst/>
               <a:uLnTx/>
               <a:uFillTx/>
-              <a:latin typeface="Microsoft YaHei" panose="020B0503020204020204" pitchFamily="34" charset="-122"/>
-              <a:ea typeface="Microsoft YaHei" panose="020B0503020204020204" pitchFamily="34" charset="-122"/>
-              <a:cs typeface="+mj-cs"/>
+              <a:latin typeface="Arial" panose="020B0604020202020204" pitchFamily="34" charset="0"/>
+              <a:cs typeface="Arial" panose="020B0604020202020204" pitchFamily="34" charset="0"/>
             </a:endParaRPr>
           </a:p>
         </p:txBody>
@@ -26124,7 +26301,7 @@
           <p:cNvPr id="4" name="TextBox 3">
             <a:extLst>
               <a:ext uri="{FF2B5EF4-FFF2-40B4-BE49-F238E27FC236}">
-                <a16:creationId xmlns:a16="http://schemas.microsoft.com/office/drawing/2014/main" id="{7237F050-4D75-FF58-A0EE-6DE59098B91A}"/>
+                <a16:creationId xmlns:a16="http://schemas.microsoft.com/office/drawing/2014/main" id="{4FF49160-C9FF-484B-044A-DEA386B441BB}"/>
               </a:ext>
             </a:extLst>
           </p:cNvPr>
@@ -26196,7 +26373,7 @@
                 <a:cs typeface="Arial" panose="020B0604020202020204" pitchFamily="34" charset="0"/>
                 <a:sym typeface="Helvetica Neue"/>
               </a:rPr>
-              <a:t>Last_Spoken_to</a:t>
+              <a:t>Last_Spoken_To</a:t>
             </a:r>
             <a:endParaRPr kumimoji="0" lang="en-GB" sz="1050" i="0" u="none" strike="noStrike" cap="none" spc="0" normalizeH="0" baseline="0" dirty="0">
               <a:ln>
@@ -26220,7 +26397,7 @@
           <p:cNvPr id="5" name="TextBox 4">
             <a:extLst>
               <a:ext uri="{FF2B5EF4-FFF2-40B4-BE49-F238E27FC236}">
-                <a16:creationId xmlns:a16="http://schemas.microsoft.com/office/drawing/2014/main" id="{DFD7B004-47D5-CA73-5C9F-5B27B5B72CB2}"/>
+                <a16:creationId xmlns:a16="http://schemas.microsoft.com/office/drawing/2014/main" id="{0F10F1D3-EC7C-C2FA-9CB8-62485010D4C0}"/>
               </a:ext>
             </a:extLst>
           </p:cNvPr>
@@ -26316,7 +26493,7 @@
           <p:cNvPr id="6" name="TextBox 5">
             <a:extLst>
               <a:ext uri="{FF2B5EF4-FFF2-40B4-BE49-F238E27FC236}">
-                <a16:creationId xmlns:a16="http://schemas.microsoft.com/office/drawing/2014/main" id="{C4E27D8A-1ECD-43A7-7F44-99CE766395B8}"/>
+                <a16:creationId xmlns:a16="http://schemas.microsoft.com/office/drawing/2014/main" id="{16605486-3ABF-F339-AA96-BB4710853D2F}"/>
               </a:ext>
             </a:extLst>
           </p:cNvPr>
@@ -26412,7 +26589,7 @@
           <p:cNvPr id="7" name="TextBox 6">
             <a:extLst>
               <a:ext uri="{FF2B5EF4-FFF2-40B4-BE49-F238E27FC236}">
-                <a16:creationId xmlns:a16="http://schemas.microsoft.com/office/drawing/2014/main" id="{33D7DFCC-A19F-B579-F07F-963E87729EA4}"/>
+                <a16:creationId xmlns:a16="http://schemas.microsoft.com/office/drawing/2014/main" id="{BFDEC702-AFB9-3098-2A10-6B9976A4FDC5}"/>
               </a:ext>
             </a:extLst>
           </p:cNvPr>
@@ -26508,7 +26685,7 @@
           <p:cNvPr id="8" name="TextBox 7">
             <a:extLst>
               <a:ext uri="{FF2B5EF4-FFF2-40B4-BE49-F238E27FC236}">
-                <a16:creationId xmlns:a16="http://schemas.microsoft.com/office/drawing/2014/main" id="{B4C5BC37-CAA1-2C39-DEE8-84411609BC88}"/>
+                <a16:creationId xmlns:a16="http://schemas.microsoft.com/office/drawing/2014/main" id="{2E236C8C-1D18-D106-EC3E-24707F0740A0}"/>
               </a:ext>
             </a:extLst>
           </p:cNvPr>
@@ -26517,8 +26694,8 @@
         </p:nvSpPr>
         <p:spPr>
           <a:xfrm>
-            <a:off x="284138" y="3067599"/>
-            <a:ext cx="2001862" cy="264175"/>
+            <a:off x="284138" y="3086835"/>
+            <a:ext cx="2001862" cy="225703"/>
           </a:xfrm>
           <a:prstGeom prst="rect">
             <a:avLst/>
@@ -26566,21 +26743,11 @@
               <a:tabLst/>
             </a:pPr>
             <a:r>
-              <a:rPr kumimoji="0" lang="en-GB" sz="1050" i="0" u="none" strike="noStrike" cap="none" spc="0" normalizeH="0" baseline="0" dirty="0" err="1">
-                <a:ln>
-                  <a:noFill/>
-                </a:ln>
-                <a:solidFill>
-                  <a:srgbClr val="000000"/>
-                </a:solidFill>
+              <a:rPr lang="en-GB" sz="800" dirty="0" err="1">
                 <a:effectLst/>
-                <a:uFillTx/>
-                <a:latin typeface="Arial" panose="020B0604020202020204" pitchFamily="34" charset="0"/>
-                <a:ea typeface="Helvetica Neue"/>
-                <a:cs typeface="Arial" panose="020B0604020202020204" pitchFamily="34" charset="0"/>
-                <a:sym typeface="Helvetica Neue"/>
+                <a:latin typeface="Helvetica Neue" panose="02000503000000020004" pitchFamily="2" charset="0"/>
               </a:rPr>
-              <a:t>Position_Towards_the_Change</a:t>
+              <a:t>Position_towards_the_Change</a:t>
             </a:r>
             <a:endParaRPr kumimoji="0" lang="en-GB" sz="1050" i="0" u="none" strike="noStrike" cap="none" spc="0" normalizeH="0" baseline="0" dirty="0">
               <a:ln>
@@ -26604,7 +26771,7 @@
           <p:cNvPr id="9" name="TextBox 8">
             <a:extLst>
               <a:ext uri="{FF2B5EF4-FFF2-40B4-BE49-F238E27FC236}">
-                <a16:creationId xmlns:a16="http://schemas.microsoft.com/office/drawing/2014/main" id="{112A82A9-4CFE-FF9D-9C9B-A199E392A353}"/>
+                <a16:creationId xmlns:a16="http://schemas.microsoft.com/office/drawing/2014/main" id="{5AC3ED13-B880-5833-0F86-317106CE0320}"/>
               </a:ext>
             </a:extLst>
           </p:cNvPr>
@@ -26700,7 +26867,7 @@
           <p:cNvPr id="10" name="TextBox 9">
             <a:extLst>
               <a:ext uri="{FF2B5EF4-FFF2-40B4-BE49-F238E27FC236}">
-                <a16:creationId xmlns:a16="http://schemas.microsoft.com/office/drawing/2014/main" id="{08825EB9-3E76-D807-B4F3-CC08DF2AFD37}"/>
+                <a16:creationId xmlns:a16="http://schemas.microsoft.com/office/drawing/2014/main" id="{50764DAF-8555-AE74-3063-B93913500106}"/>
               </a:ext>
             </a:extLst>
           </p:cNvPr>
@@ -26796,7 +26963,7 @@
           <p:cNvPr id="11" name="TextBox 10">
             <a:extLst>
               <a:ext uri="{FF2B5EF4-FFF2-40B4-BE49-F238E27FC236}">
-                <a16:creationId xmlns:a16="http://schemas.microsoft.com/office/drawing/2014/main" id="{FDA0450E-1F08-5809-2BF1-ECEA76CA85D8}"/>
+                <a16:creationId xmlns:a16="http://schemas.microsoft.com/office/drawing/2014/main" id="{8DC53255-480F-23BB-F5C3-7CA7B1A3B052}"/>
               </a:ext>
             </a:extLst>
           </p:cNvPr>
@@ -26892,7 +27059,7 @@
           <p:cNvPr id="12" name="TextBox 11">
             <a:extLst>
               <a:ext uri="{FF2B5EF4-FFF2-40B4-BE49-F238E27FC236}">
-                <a16:creationId xmlns:a16="http://schemas.microsoft.com/office/drawing/2014/main" id="{114506DA-D71B-1B24-F962-E4C33DAD7E36}"/>
+                <a16:creationId xmlns:a16="http://schemas.microsoft.com/office/drawing/2014/main" id="{A625C80A-8CEB-593C-F15D-2495B7F1D3CA}"/>
               </a:ext>
             </a:extLst>
           </p:cNvPr>
@@ -26988,7 +27155,7 @@
           <p:cNvPr id="13" name="TextBox 12">
             <a:extLst>
               <a:ext uri="{FF2B5EF4-FFF2-40B4-BE49-F238E27FC236}">
-                <a16:creationId xmlns:a16="http://schemas.microsoft.com/office/drawing/2014/main" id="{86FEF138-B7CE-D2C5-DD01-808D6D33B8EB}"/>
+                <a16:creationId xmlns:a16="http://schemas.microsoft.com/office/drawing/2014/main" id="{A7DB7CFF-68C6-EAAB-88F9-38394EADDB8D}"/>
               </a:ext>
             </a:extLst>
           </p:cNvPr>
@@ -27084,7 +27251,7 @@
           <p:cNvPr id="14" name="TextBox 13">
             <a:extLst>
               <a:ext uri="{FF2B5EF4-FFF2-40B4-BE49-F238E27FC236}">
-                <a16:creationId xmlns:a16="http://schemas.microsoft.com/office/drawing/2014/main" id="{80391281-AE96-620D-7822-D0CA64A14802}"/>
+                <a16:creationId xmlns:a16="http://schemas.microsoft.com/office/drawing/2014/main" id="{0019D518-88F0-F643-79F0-49622E68FD76}"/>
               </a:ext>
             </a:extLst>
           </p:cNvPr>
@@ -27173,7 +27340,7 @@
           <p:cNvPr id="15" name="TextBox 14">
             <a:extLst>
               <a:ext uri="{FF2B5EF4-FFF2-40B4-BE49-F238E27FC236}">
-                <a16:creationId xmlns:a16="http://schemas.microsoft.com/office/drawing/2014/main" id="{142AB2A5-283D-FFBE-B572-84D752B876B4}"/>
+                <a16:creationId xmlns:a16="http://schemas.microsoft.com/office/drawing/2014/main" id="{2253E8EF-69DE-7F7D-7FE2-359521D84E66}"/>
               </a:ext>
             </a:extLst>
           </p:cNvPr>
@@ -27262,7 +27429,7 @@
           <p:cNvPr id="16" name="TextBox 15">
             <a:extLst>
               <a:ext uri="{FF2B5EF4-FFF2-40B4-BE49-F238E27FC236}">
-                <a16:creationId xmlns:a16="http://schemas.microsoft.com/office/drawing/2014/main" id="{60348EEA-A4C3-49CD-B0A2-3892CD0340B4}"/>
+                <a16:creationId xmlns:a16="http://schemas.microsoft.com/office/drawing/2014/main" id="{8411185B-9007-FC02-8D2F-77D8518B12C8}"/>
               </a:ext>
             </a:extLst>
           </p:cNvPr>
@@ -27351,7 +27518,7 @@
           <p:cNvPr id="20" name="TextBox 19">
             <a:extLst>
               <a:ext uri="{FF2B5EF4-FFF2-40B4-BE49-F238E27FC236}">
-                <a16:creationId xmlns:a16="http://schemas.microsoft.com/office/drawing/2014/main" id="{B22B8C80-17F0-286E-AC64-336FDC352219}"/>
+                <a16:creationId xmlns:a16="http://schemas.microsoft.com/office/drawing/2014/main" id="{EA303864-302D-957E-8BB8-8169959A2C88}"/>
               </a:ext>
             </a:extLst>
           </p:cNvPr>
@@ -27440,7 +27607,7 @@
           <p:cNvPr id="21" name="TextBox 20">
             <a:extLst>
               <a:ext uri="{FF2B5EF4-FFF2-40B4-BE49-F238E27FC236}">
-                <a16:creationId xmlns:a16="http://schemas.microsoft.com/office/drawing/2014/main" id="{CFAB5421-689C-376B-89B5-7B1931AD2E01}"/>
+                <a16:creationId xmlns:a16="http://schemas.microsoft.com/office/drawing/2014/main" id="{3D3B5803-9F46-1B7B-5D85-5D81AAB2A758}"/>
               </a:ext>
             </a:extLst>
           </p:cNvPr>
@@ -27529,7 +27696,7 @@
           <p:cNvPr id="22" name="TextBox 21">
             <a:extLst>
               <a:ext uri="{FF2B5EF4-FFF2-40B4-BE49-F238E27FC236}">
-                <a16:creationId xmlns:a16="http://schemas.microsoft.com/office/drawing/2014/main" id="{A426C3B3-4EF1-8CCA-D0DF-62EE9236D1BE}"/>
+                <a16:creationId xmlns:a16="http://schemas.microsoft.com/office/drawing/2014/main" id="{A67D7551-0CAB-B826-D3F0-D40610D22796}"/>
               </a:ext>
             </a:extLst>
           </p:cNvPr>
@@ -27618,7 +27785,7 @@
           <p:cNvPr id="23" name="TextBox 22">
             <a:extLst>
               <a:ext uri="{FF2B5EF4-FFF2-40B4-BE49-F238E27FC236}">
-                <a16:creationId xmlns:a16="http://schemas.microsoft.com/office/drawing/2014/main" id="{20E21648-54DB-DB41-A873-7D1F1869AA8D}"/>
+                <a16:creationId xmlns:a16="http://schemas.microsoft.com/office/drawing/2014/main" id="{4085A4D3-7C5D-9AB7-B555-73106ADE94EB}"/>
               </a:ext>
             </a:extLst>
           </p:cNvPr>
@@ -27707,7 +27874,7 @@
           <p:cNvPr id="24" name="TextBox 23">
             <a:extLst>
               <a:ext uri="{FF2B5EF4-FFF2-40B4-BE49-F238E27FC236}">
-                <a16:creationId xmlns:a16="http://schemas.microsoft.com/office/drawing/2014/main" id="{A0BC2E6E-0A56-2AF7-FFF6-98A86BF8D373}"/>
+                <a16:creationId xmlns:a16="http://schemas.microsoft.com/office/drawing/2014/main" id="{86AF36FA-D489-127B-07B6-47A8D87D6CF6}"/>
               </a:ext>
             </a:extLst>
           </p:cNvPr>
@@ -27796,7 +27963,7 @@
           <p:cNvPr id="25" name="TextBox 24">
             <a:extLst>
               <a:ext uri="{FF2B5EF4-FFF2-40B4-BE49-F238E27FC236}">
-                <a16:creationId xmlns:a16="http://schemas.microsoft.com/office/drawing/2014/main" id="{FFF1DF6C-E76C-ECD7-992C-5ECCB2FF2191}"/>
+                <a16:creationId xmlns:a16="http://schemas.microsoft.com/office/drawing/2014/main" id="{DE6047FE-D11C-FCC2-981D-DF51C21A02F0}"/>
               </a:ext>
             </a:extLst>
           </p:cNvPr>
@@ -27885,7 +28052,7 @@
           <p:cNvPr id="26" name="TextBox 25">
             <a:extLst>
               <a:ext uri="{FF2B5EF4-FFF2-40B4-BE49-F238E27FC236}">
-                <a16:creationId xmlns:a16="http://schemas.microsoft.com/office/drawing/2014/main" id="{521CA151-9DA3-8BDD-64B4-D5698976C42E}"/>
+                <a16:creationId xmlns:a16="http://schemas.microsoft.com/office/drawing/2014/main" id="{10081758-B842-21A5-10A4-2380D0AE779D}"/>
               </a:ext>
             </a:extLst>
           </p:cNvPr>
@@ -27974,7 +28141,7 @@
           <p:cNvPr id="27" name="TextBox 26">
             <a:extLst>
               <a:ext uri="{FF2B5EF4-FFF2-40B4-BE49-F238E27FC236}">
-                <a16:creationId xmlns:a16="http://schemas.microsoft.com/office/drawing/2014/main" id="{400BFBB4-5DE3-3D3B-E712-A0FFEC773C37}"/>
+                <a16:creationId xmlns:a16="http://schemas.microsoft.com/office/drawing/2014/main" id="{B0B8FFBF-4384-031B-2E4A-C17F18A19411}"/>
               </a:ext>
             </a:extLst>
           </p:cNvPr>
@@ -28063,7 +28230,7 @@
           <p:cNvPr id="28" name="TextBox 27">
             <a:extLst>
               <a:ext uri="{FF2B5EF4-FFF2-40B4-BE49-F238E27FC236}">
-                <a16:creationId xmlns:a16="http://schemas.microsoft.com/office/drawing/2014/main" id="{9647FD9C-316F-4C43-8511-A5D0FF24BEA9}"/>
+                <a16:creationId xmlns:a16="http://schemas.microsoft.com/office/drawing/2014/main" id="{51696CCA-15DB-CF36-6B36-104B25D0A089}"/>
               </a:ext>
             </a:extLst>
           </p:cNvPr>
@@ -28152,7 +28319,7 @@
           <p:cNvPr id="29" name="TextBox 28">
             <a:extLst>
               <a:ext uri="{FF2B5EF4-FFF2-40B4-BE49-F238E27FC236}">
-                <a16:creationId xmlns:a16="http://schemas.microsoft.com/office/drawing/2014/main" id="{79CB204D-7E39-3372-563C-2496A89C7B3D}"/>
+                <a16:creationId xmlns:a16="http://schemas.microsoft.com/office/drawing/2014/main" id="{D068165D-DACA-9352-82D3-CDF4D0D81B9D}"/>
               </a:ext>
             </a:extLst>
           </p:cNvPr>
@@ -28241,7 +28408,7 @@
           <p:cNvPr id="30" name="TextBox 29">
             <a:extLst>
               <a:ext uri="{FF2B5EF4-FFF2-40B4-BE49-F238E27FC236}">
-                <a16:creationId xmlns:a16="http://schemas.microsoft.com/office/drawing/2014/main" id="{214649C9-66BD-40C1-1351-7559993362EA}"/>
+                <a16:creationId xmlns:a16="http://schemas.microsoft.com/office/drawing/2014/main" id="{2604003C-204B-47A2-558C-6121F84A5CE3}"/>
               </a:ext>
             </a:extLst>
           </p:cNvPr>
@@ -28330,7 +28497,7 @@
           <p:cNvPr id="31" name="TextBox 30">
             <a:extLst>
               <a:ext uri="{FF2B5EF4-FFF2-40B4-BE49-F238E27FC236}">
-                <a16:creationId xmlns:a16="http://schemas.microsoft.com/office/drawing/2014/main" id="{6C0A917B-4D23-DEBD-9DC0-0E3B5535D73F}"/>
+                <a16:creationId xmlns:a16="http://schemas.microsoft.com/office/drawing/2014/main" id="{D6C4E52B-196F-96A7-0F67-19BCC0119036}"/>
               </a:ext>
             </a:extLst>
           </p:cNvPr>
@@ -28419,7 +28586,7 @@
           <p:cNvPr id="32" name="TextBox 31">
             <a:extLst>
               <a:ext uri="{FF2B5EF4-FFF2-40B4-BE49-F238E27FC236}">
-                <a16:creationId xmlns:a16="http://schemas.microsoft.com/office/drawing/2014/main" id="{B934DD62-772E-3557-CA54-6631E9F0D680}"/>
+                <a16:creationId xmlns:a16="http://schemas.microsoft.com/office/drawing/2014/main" id="{79DFE4C4-AF8F-4600-0790-0869D21EABAF}"/>
               </a:ext>
             </a:extLst>
           </p:cNvPr>
@@ -28479,14 +28646,14 @@
               <a:tabLst/>
             </a:pPr>
             <a:r>
-              <a:rPr lang="en-GB" sz="900" dirty="0" err="1">
+              <a:rPr lang="en-GB" sz="1600" dirty="0" err="1">
                 <a:solidFill>
                   <a:schemeClr val="tx2"/>
                 </a:solidFill>
               </a:rPr>
               <a:t>Whats_in_it_for_me</a:t>
             </a:r>
-            <a:endParaRPr kumimoji="0" lang="en-GB" sz="1100" b="1" i="0" u="none" strike="noStrike" cap="none" spc="0" normalizeH="0" baseline="0" dirty="0">
+            <a:endParaRPr kumimoji="0" lang="en-GB" sz="2400" b="1" i="0" u="none" strike="noStrike" cap="none" spc="0" normalizeH="0" baseline="0" dirty="0">
               <a:ln>
                 <a:noFill/>
               </a:ln>
@@ -28506,7 +28673,7 @@
     </p:spTree>
     <p:extLst>
       <p:ext uri="{BB962C8B-B14F-4D97-AF65-F5344CB8AC3E}">
-        <p14:creationId xmlns:p14="http://schemas.microsoft.com/office/powerpoint/2010/main" val="185237381"/>
+        <p14:creationId xmlns:p14="http://schemas.microsoft.com/office/powerpoint/2010/main" val="4265917496"/>
       </p:ext>
     </p:extLst>
   </p:cSld>
@@ -28517,7 +28684,7 @@
 </p:sld>
 </file>
 
-<file path=ppt/slides/slide9.xml><?xml version="1.0" encoding="utf-8"?>
+<file path=ppt/slides/slide8.xml><?xml version="1.0" encoding="utf-8"?>
 <p:sld xmlns:a="http://schemas.openxmlformats.org/drawingml/2006/main" xmlns:r="http://schemas.openxmlformats.org/officeDocument/2006/relationships" xmlns:p="http://schemas.openxmlformats.org/presentationml/2006/main">
   <p:cSld>
     <p:spTree>
@@ -28525,7 +28692,7 @@
         <p:cNvPr id="1" name="">
           <a:extLst>
             <a:ext uri="{FF2B5EF4-FFF2-40B4-BE49-F238E27FC236}">
-              <a16:creationId xmlns:a16="http://schemas.microsoft.com/office/drawing/2014/main" id="{0142EAD7-5375-1527-0C88-976B7D24EA96}"/>
+              <a16:creationId xmlns:a16="http://schemas.microsoft.com/office/drawing/2014/main" id="{99073EAB-123A-DB53-FB6B-AD262C2C0E0F}"/>
             </a:ext>
           </a:extLst>
         </p:cNvPr>
@@ -28545,7 +28712,7 @@
           <p:cNvPr id="3" name="Title 1">
             <a:extLst>
               <a:ext uri="{FF2B5EF4-FFF2-40B4-BE49-F238E27FC236}">
-                <a16:creationId xmlns:a16="http://schemas.microsoft.com/office/drawing/2014/main" id="{F959725D-5151-9B59-AF4B-B507A6ADFC2C}"/>
+                <a16:creationId xmlns:a16="http://schemas.microsoft.com/office/drawing/2014/main" id="{2F65E080-AFE8-37BE-DF7E-8254C919C317}"/>
               </a:ext>
             </a:extLst>
           </p:cNvPr>
@@ -28613,9 +28780,8 @@
                 <a:effectLst/>
                 <a:uLnTx/>
                 <a:uFillTx/>
-                <a:latin typeface="Microsoft YaHei" panose="020B0503020204020204" pitchFamily="34" charset="-122"/>
-                <a:ea typeface="Microsoft YaHei" panose="020B0503020204020204" pitchFamily="34" charset="-122"/>
-                <a:cs typeface="+mj-cs"/>
+                <a:latin typeface="Arial" panose="020B0604020202020204" pitchFamily="34" charset="0"/>
+                <a:cs typeface="Arial" panose="020B0604020202020204" pitchFamily="34" charset="0"/>
               </a:rPr>
               <a:t>Interviewee_Name</a:t>
             </a:r>
@@ -28629,9 +28795,8 @@
               <a:effectLst/>
               <a:uLnTx/>
               <a:uFillTx/>
-              <a:latin typeface="Microsoft YaHei" panose="020B0503020204020204" pitchFamily="34" charset="-122"/>
-              <a:ea typeface="Microsoft YaHei" panose="020B0503020204020204" pitchFamily="34" charset="-122"/>
-              <a:cs typeface="+mj-cs"/>
+              <a:latin typeface="Arial" panose="020B0604020202020204" pitchFamily="34" charset="0"/>
+              <a:cs typeface="Arial" panose="020B0604020202020204" pitchFamily="34" charset="0"/>
             </a:endParaRPr>
           </a:p>
         </p:txBody>
@@ -28641,7 +28806,7 @@
           <p:cNvPr id="4" name="TextBox 3">
             <a:extLst>
               <a:ext uri="{FF2B5EF4-FFF2-40B4-BE49-F238E27FC236}">
-                <a16:creationId xmlns:a16="http://schemas.microsoft.com/office/drawing/2014/main" id="{E732E2A5-A60D-B6C4-9C0D-A6E8048BA3E1}"/>
+                <a16:creationId xmlns:a16="http://schemas.microsoft.com/office/drawing/2014/main" id="{CF4AFF26-D5A6-C322-5A46-988D6D284BAD}"/>
               </a:ext>
             </a:extLst>
           </p:cNvPr>
@@ -28713,7 +28878,7 @@
                 <a:cs typeface="Arial" panose="020B0604020202020204" pitchFamily="34" charset="0"/>
                 <a:sym typeface="Helvetica Neue"/>
               </a:rPr>
-              <a:t>Last_Spoken_to</a:t>
+              <a:t>Last_Spoken_To</a:t>
             </a:r>
             <a:endParaRPr kumimoji="0" lang="en-GB" sz="1050" i="0" u="none" strike="noStrike" cap="none" spc="0" normalizeH="0" baseline="0" dirty="0">
               <a:ln>
@@ -28737,7 +28902,7 @@
           <p:cNvPr id="5" name="TextBox 4">
             <a:extLst>
               <a:ext uri="{FF2B5EF4-FFF2-40B4-BE49-F238E27FC236}">
-                <a16:creationId xmlns:a16="http://schemas.microsoft.com/office/drawing/2014/main" id="{F5578F2C-B74F-C50A-7210-EF3C69FB1B35}"/>
+                <a16:creationId xmlns:a16="http://schemas.microsoft.com/office/drawing/2014/main" id="{C26788CE-38F9-747B-4057-7FB15797E981}"/>
               </a:ext>
             </a:extLst>
           </p:cNvPr>
@@ -28833,7 +28998,7 @@
           <p:cNvPr id="6" name="TextBox 5">
             <a:extLst>
               <a:ext uri="{FF2B5EF4-FFF2-40B4-BE49-F238E27FC236}">
-                <a16:creationId xmlns:a16="http://schemas.microsoft.com/office/drawing/2014/main" id="{9FBE46BA-8367-B10C-2630-0E8089F18C48}"/>
+                <a16:creationId xmlns:a16="http://schemas.microsoft.com/office/drawing/2014/main" id="{C02E86A1-2CE1-25E6-1A56-E7B85AE5A36E}"/>
               </a:ext>
             </a:extLst>
           </p:cNvPr>
@@ -28929,7 +29094,7 @@
           <p:cNvPr id="7" name="TextBox 6">
             <a:extLst>
               <a:ext uri="{FF2B5EF4-FFF2-40B4-BE49-F238E27FC236}">
-                <a16:creationId xmlns:a16="http://schemas.microsoft.com/office/drawing/2014/main" id="{EF0092FE-1A88-9E4E-124C-9E3B6CDB1717}"/>
+                <a16:creationId xmlns:a16="http://schemas.microsoft.com/office/drawing/2014/main" id="{CC9A1598-988D-90C9-7490-402F3781A2E6}"/>
               </a:ext>
             </a:extLst>
           </p:cNvPr>
@@ -29025,7 +29190,7 @@
           <p:cNvPr id="8" name="TextBox 7">
             <a:extLst>
               <a:ext uri="{FF2B5EF4-FFF2-40B4-BE49-F238E27FC236}">
-                <a16:creationId xmlns:a16="http://schemas.microsoft.com/office/drawing/2014/main" id="{2835B1A2-1922-E309-DCD9-05C90C6B7BC4}"/>
+                <a16:creationId xmlns:a16="http://schemas.microsoft.com/office/drawing/2014/main" id="{6B737831-E2DE-6DB8-D1C6-FD4793348A30}"/>
               </a:ext>
             </a:extLst>
           </p:cNvPr>
@@ -29034,8 +29199,8 @@
         </p:nvSpPr>
         <p:spPr>
           <a:xfrm>
-            <a:off x="284138" y="3067599"/>
-            <a:ext cx="2001862" cy="264175"/>
+            <a:off x="284138" y="3086835"/>
+            <a:ext cx="2001862" cy="225703"/>
           </a:xfrm>
           <a:prstGeom prst="rect">
             <a:avLst/>
@@ -29083,21 +29248,11 @@
               <a:tabLst/>
             </a:pPr>
             <a:r>
-              <a:rPr kumimoji="0" lang="en-GB" sz="1050" i="0" u="none" strike="noStrike" cap="none" spc="0" normalizeH="0" baseline="0" dirty="0" err="1">
-                <a:ln>
-                  <a:noFill/>
-                </a:ln>
-                <a:solidFill>
-                  <a:srgbClr val="000000"/>
-                </a:solidFill>
+              <a:rPr lang="en-GB" sz="800" dirty="0" err="1">
                 <a:effectLst/>
-                <a:uFillTx/>
-                <a:latin typeface="Arial" panose="020B0604020202020204" pitchFamily="34" charset="0"/>
-                <a:ea typeface="Helvetica Neue"/>
-                <a:cs typeface="Arial" panose="020B0604020202020204" pitchFamily="34" charset="0"/>
-                <a:sym typeface="Helvetica Neue"/>
+                <a:latin typeface="Helvetica Neue" panose="02000503000000020004" pitchFamily="2" charset="0"/>
               </a:rPr>
-              <a:t>Position_Towards_the_Change</a:t>
+              <a:t>Position_towards_the_Change</a:t>
             </a:r>
             <a:endParaRPr kumimoji="0" lang="en-GB" sz="1050" i="0" u="none" strike="noStrike" cap="none" spc="0" normalizeH="0" baseline="0" dirty="0">
               <a:ln>
@@ -29121,7 +29276,7 @@
           <p:cNvPr id="9" name="TextBox 8">
             <a:extLst>
               <a:ext uri="{FF2B5EF4-FFF2-40B4-BE49-F238E27FC236}">
-                <a16:creationId xmlns:a16="http://schemas.microsoft.com/office/drawing/2014/main" id="{FC566ECE-456A-D312-A9B1-410DC4B1053B}"/>
+                <a16:creationId xmlns:a16="http://schemas.microsoft.com/office/drawing/2014/main" id="{2B85AA61-6C8B-EE4C-9A91-E4F92D2A17A2}"/>
               </a:ext>
             </a:extLst>
           </p:cNvPr>
@@ -29217,7 +29372,7 @@
           <p:cNvPr id="10" name="TextBox 9">
             <a:extLst>
               <a:ext uri="{FF2B5EF4-FFF2-40B4-BE49-F238E27FC236}">
-                <a16:creationId xmlns:a16="http://schemas.microsoft.com/office/drawing/2014/main" id="{4D409843-E0E7-2CFD-A38E-D6C7B5817A27}"/>
+                <a16:creationId xmlns:a16="http://schemas.microsoft.com/office/drawing/2014/main" id="{7FE558FF-0061-052A-A4CF-2492C17B6AA4}"/>
               </a:ext>
             </a:extLst>
           </p:cNvPr>
@@ -29313,7 +29468,7 @@
           <p:cNvPr id="11" name="TextBox 10">
             <a:extLst>
               <a:ext uri="{FF2B5EF4-FFF2-40B4-BE49-F238E27FC236}">
-                <a16:creationId xmlns:a16="http://schemas.microsoft.com/office/drawing/2014/main" id="{95B3C943-D884-162E-77A3-5D17C3316018}"/>
+                <a16:creationId xmlns:a16="http://schemas.microsoft.com/office/drawing/2014/main" id="{655A59DA-23A5-93B3-5FC9-D19F26EA1695}"/>
               </a:ext>
             </a:extLst>
           </p:cNvPr>
@@ -29409,7 +29564,7 @@
           <p:cNvPr id="12" name="TextBox 11">
             <a:extLst>
               <a:ext uri="{FF2B5EF4-FFF2-40B4-BE49-F238E27FC236}">
-                <a16:creationId xmlns:a16="http://schemas.microsoft.com/office/drawing/2014/main" id="{308EF241-7DBC-F740-A8B3-E7105F412EEF}"/>
+                <a16:creationId xmlns:a16="http://schemas.microsoft.com/office/drawing/2014/main" id="{CFAED1A3-38FB-420F-327E-0B6BADB6F15B}"/>
               </a:ext>
             </a:extLst>
           </p:cNvPr>
@@ -29505,7 +29660,7 @@
           <p:cNvPr id="13" name="TextBox 12">
             <a:extLst>
               <a:ext uri="{FF2B5EF4-FFF2-40B4-BE49-F238E27FC236}">
-                <a16:creationId xmlns:a16="http://schemas.microsoft.com/office/drawing/2014/main" id="{48960AC3-D553-71BF-E265-F11424F1CBA2}"/>
+                <a16:creationId xmlns:a16="http://schemas.microsoft.com/office/drawing/2014/main" id="{7074EE81-5E88-1B5C-E99E-5F86024F323C}"/>
               </a:ext>
             </a:extLst>
           </p:cNvPr>
@@ -29601,7 +29756,7 @@
           <p:cNvPr id="14" name="TextBox 13">
             <a:extLst>
               <a:ext uri="{FF2B5EF4-FFF2-40B4-BE49-F238E27FC236}">
-                <a16:creationId xmlns:a16="http://schemas.microsoft.com/office/drawing/2014/main" id="{2D59D596-3E67-539D-B8F0-192D76A6AC41}"/>
+                <a16:creationId xmlns:a16="http://schemas.microsoft.com/office/drawing/2014/main" id="{7F3CFB48-2AC2-A573-7470-8A651080B749}"/>
               </a:ext>
             </a:extLst>
           </p:cNvPr>
@@ -29690,7 +29845,7 @@
           <p:cNvPr id="15" name="TextBox 14">
             <a:extLst>
               <a:ext uri="{FF2B5EF4-FFF2-40B4-BE49-F238E27FC236}">
-                <a16:creationId xmlns:a16="http://schemas.microsoft.com/office/drawing/2014/main" id="{8BED7395-9AC4-4962-41F7-738D496F01D7}"/>
+                <a16:creationId xmlns:a16="http://schemas.microsoft.com/office/drawing/2014/main" id="{81F10F92-B261-0F4E-644C-93DE21F88C00}"/>
               </a:ext>
             </a:extLst>
           </p:cNvPr>
@@ -29779,7 +29934,7 @@
           <p:cNvPr id="16" name="TextBox 15">
             <a:extLst>
               <a:ext uri="{FF2B5EF4-FFF2-40B4-BE49-F238E27FC236}">
-                <a16:creationId xmlns:a16="http://schemas.microsoft.com/office/drawing/2014/main" id="{C3473479-2000-FA8A-72AF-EC0765A6823A}"/>
+                <a16:creationId xmlns:a16="http://schemas.microsoft.com/office/drawing/2014/main" id="{A6BD1969-F269-EAE2-B1A7-E76BBE4DECEB}"/>
               </a:ext>
             </a:extLst>
           </p:cNvPr>
@@ -29868,7 +30023,7 @@
           <p:cNvPr id="20" name="TextBox 19">
             <a:extLst>
               <a:ext uri="{FF2B5EF4-FFF2-40B4-BE49-F238E27FC236}">
-                <a16:creationId xmlns:a16="http://schemas.microsoft.com/office/drawing/2014/main" id="{3C50DEF9-5AF3-B3A4-6362-BA7F41EFA034}"/>
+                <a16:creationId xmlns:a16="http://schemas.microsoft.com/office/drawing/2014/main" id="{0C262572-BCAC-E3D2-6DE0-BF25CCFA7CCD}"/>
               </a:ext>
             </a:extLst>
           </p:cNvPr>
@@ -29957,7 +30112,7 @@
           <p:cNvPr id="21" name="TextBox 20">
             <a:extLst>
               <a:ext uri="{FF2B5EF4-FFF2-40B4-BE49-F238E27FC236}">
-                <a16:creationId xmlns:a16="http://schemas.microsoft.com/office/drawing/2014/main" id="{148E1F8D-1D54-DFF7-8B92-F1EA4B1348BC}"/>
+                <a16:creationId xmlns:a16="http://schemas.microsoft.com/office/drawing/2014/main" id="{424A74FA-649D-FE9D-8ADC-9586C3B38A20}"/>
               </a:ext>
             </a:extLst>
           </p:cNvPr>
@@ -30046,7 +30201,7 @@
           <p:cNvPr id="22" name="TextBox 21">
             <a:extLst>
               <a:ext uri="{FF2B5EF4-FFF2-40B4-BE49-F238E27FC236}">
-                <a16:creationId xmlns:a16="http://schemas.microsoft.com/office/drawing/2014/main" id="{2FBF4518-EFE6-39AF-876A-8FBB07F83C85}"/>
+                <a16:creationId xmlns:a16="http://schemas.microsoft.com/office/drawing/2014/main" id="{8C089637-77B4-11A1-A3A4-C788EB6FD1A8}"/>
               </a:ext>
             </a:extLst>
           </p:cNvPr>
@@ -30135,7 +30290,7 @@
           <p:cNvPr id="23" name="TextBox 22">
             <a:extLst>
               <a:ext uri="{FF2B5EF4-FFF2-40B4-BE49-F238E27FC236}">
-                <a16:creationId xmlns:a16="http://schemas.microsoft.com/office/drawing/2014/main" id="{C0485008-D0D6-FBF4-3A22-CEDE41EFE2EC}"/>
+                <a16:creationId xmlns:a16="http://schemas.microsoft.com/office/drawing/2014/main" id="{A4D25D44-0EF3-A0A2-2099-70C5B3FB2ECF}"/>
               </a:ext>
             </a:extLst>
           </p:cNvPr>
@@ -30224,7 +30379,7 @@
           <p:cNvPr id="24" name="TextBox 23">
             <a:extLst>
               <a:ext uri="{FF2B5EF4-FFF2-40B4-BE49-F238E27FC236}">
-                <a16:creationId xmlns:a16="http://schemas.microsoft.com/office/drawing/2014/main" id="{91B821D1-2A45-BB54-4DD6-4641D651E162}"/>
+                <a16:creationId xmlns:a16="http://schemas.microsoft.com/office/drawing/2014/main" id="{FF5A9C68-DE56-F055-B0AE-48F2BC65AB85}"/>
               </a:ext>
             </a:extLst>
           </p:cNvPr>
@@ -30313,7 +30468,7 @@
           <p:cNvPr id="25" name="TextBox 24">
             <a:extLst>
               <a:ext uri="{FF2B5EF4-FFF2-40B4-BE49-F238E27FC236}">
-                <a16:creationId xmlns:a16="http://schemas.microsoft.com/office/drawing/2014/main" id="{78705F20-8E01-4036-5F3F-B638E3739AE1}"/>
+                <a16:creationId xmlns:a16="http://schemas.microsoft.com/office/drawing/2014/main" id="{FEA85D00-43CD-C48C-D1E5-2C1330CC50E4}"/>
               </a:ext>
             </a:extLst>
           </p:cNvPr>
@@ -30402,7 +30557,7 @@
           <p:cNvPr id="26" name="TextBox 25">
             <a:extLst>
               <a:ext uri="{FF2B5EF4-FFF2-40B4-BE49-F238E27FC236}">
-                <a16:creationId xmlns:a16="http://schemas.microsoft.com/office/drawing/2014/main" id="{321AD7DC-F777-F1A2-7DC8-2D2E53C72FB4}"/>
+                <a16:creationId xmlns:a16="http://schemas.microsoft.com/office/drawing/2014/main" id="{CAA2227A-7689-4443-CD85-35CE0E0D3CC8}"/>
               </a:ext>
             </a:extLst>
           </p:cNvPr>
@@ -30491,7 +30646,7 @@
           <p:cNvPr id="27" name="TextBox 26">
             <a:extLst>
               <a:ext uri="{FF2B5EF4-FFF2-40B4-BE49-F238E27FC236}">
-                <a16:creationId xmlns:a16="http://schemas.microsoft.com/office/drawing/2014/main" id="{D7A34EC3-D636-A9DF-87A3-D6E7A8E2FA47}"/>
+                <a16:creationId xmlns:a16="http://schemas.microsoft.com/office/drawing/2014/main" id="{1EBB9FCE-F112-9895-9943-A54478B89D68}"/>
               </a:ext>
             </a:extLst>
           </p:cNvPr>
@@ -30580,7 +30735,7 @@
           <p:cNvPr id="28" name="TextBox 27">
             <a:extLst>
               <a:ext uri="{FF2B5EF4-FFF2-40B4-BE49-F238E27FC236}">
-                <a16:creationId xmlns:a16="http://schemas.microsoft.com/office/drawing/2014/main" id="{FCA671EA-6B8A-3A33-8EA7-1801E87DF23F}"/>
+                <a16:creationId xmlns:a16="http://schemas.microsoft.com/office/drawing/2014/main" id="{C0309C9D-BF26-E502-CF62-31956FACAA33}"/>
               </a:ext>
             </a:extLst>
           </p:cNvPr>
@@ -30669,7 +30824,7 @@
           <p:cNvPr id="29" name="TextBox 28">
             <a:extLst>
               <a:ext uri="{FF2B5EF4-FFF2-40B4-BE49-F238E27FC236}">
-                <a16:creationId xmlns:a16="http://schemas.microsoft.com/office/drawing/2014/main" id="{4C466177-F64F-E74D-9908-89201E054CFF}"/>
+                <a16:creationId xmlns:a16="http://schemas.microsoft.com/office/drawing/2014/main" id="{EDCCCEA9-3605-7AAF-6A7C-72516ECC86B5}"/>
               </a:ext>
             </a:extLst>
           </p:cNvPr>
@@ -30758,7 +30913,7 @@
           <p:cNvPr id="30" name="TextBox 29">
             <a:extLst>
               <a:ext uri="{FF2B5EF4-FFF2-40B4-BE49-F238E27FC236}">
-                <a16:creationId xmlns:a16="http://schemas.microsoft.com/office/drawing/2014/main" id="{6CE047F3-8160-2431-DCF9-22EE4C8AB867}"/>
+                <a16:creationId xmlns:a16="http://schemas.microsoft.com/office/drawing/2014/main" id="{DC2E411F-BA35-453D-5DD6-1CB572FB73DB}"/>
               </a:ext>
             </a:extLst>
           </p:cNvPr>
@@ -30847,7 +31002,7 @@
           <p:cNvPr id="31" name="TextBox 30">
             <a:extLst>
               <a:ext uri="{FF2B5EF4-FFF2-40B4-BE49-F238E27FC236}">
-                <a16:creationId xmlns:a16="http://schemas.microsoft.com/office/drawing/2014/main" id="{EED2B84E-C197-6991-37D6-4C38CF556FB8}"/>
+                <a16:creationId xmlns:a16="http://schemas.microsoft.com/office/drawing/2014/main" id="{F4FC5663-7E2B-4BB5-541E-5C91225F846A}"/>
               </a:ext>
             </a:extLst>
           </p:cNvPr>
@@ -30936,7 +31091,7 @@
           <p:cNvPr id="32" name="TextBox 31">
             <a:extLst>
               <a:ext uri="{FF2B5EF4-FFF2-40B4-BE49-F238E27FC236}">
-                <a16:creationId xmlns:a16="http://schemas.microsoft.com/office/drawing/2014/main" id="{BB5F2149-EFCE-9F05-BE0F-923FE5B5FE5E}"/>
+                <a16:creationId xmlns:a16="http://schemas.microsoft.com/office/drawing/2014/main" id="{0A563485-C80B-033C-FFB9-7DC84FEBABB3}"/>
               </a:ext>
             </a:extLst>
           </p:cNvPr>
@@ -30996,12 +31151,1182 @@
               <a:tabLst/>
             </a:pPr>
             <a:r>
+              <a:rPr lang="en-GB" sz="1600" dirty="0" err="1">
+                <a:solidFill>
+                  <a:schemeClr val="tx2"/>
+                </a:solidFill>
+              </a:rPr>
+              <a:t>Whats_in_it_for_me</a:t>
+            </a:r>
+            <a:endParaRPr kumimoji="0" lang="en-GB" sz="2400" b="1" i="0" u="none" strike="noStrike" cap="none" spc="0" normalizeH="0" baseline="0" dirty="0">
+              <a:ln>
+                <a:noFill/>
+              </a:ln>
+              <a:solidFill>
+                <a:schemeClr val="tx2"/>
+              </a:solidFill>
+              <a:effectLst/>
+              <a:uFillTx/>
+              <a:latin typeface="Helvetica Neue"/>
+              <a:ea typeface="Helvetica Neue"/>
+              <a:cs typeface="Helvetica Neue"/>
+              <a:sym typeface="Helvetica Neue"/>
+            </a:endParaRPr>
+          </a:p>
+        </p:txBody>
+      </p:sp>
+    </p:spTree>
+    <p:extLst>
+      <p:ext uri="{BB962C8B-B14F-4D97-AF65-F5344CB8AC3E}">
+        <p14:creationId xmlns:p14="http://schemas.microsoft.com/office/powerpoint/2010/main" val="686338924"/>
+      </p:ext>
+    </p:extLst>
+  </p:cSld>
+  <p:clrMapOvr>
+    <a:masterClrMapping/>
+  </p:clrMapOvr>
+  <p:transition spd="med"/>
+</p:sld>
+</file>
+
+<file path=ppt/slides/slide9.xml><?xml version="1.0" encoding="utf-8"?>
+<p:sld xmlns:a="http://schemas.openxmlformats.org/drawingml/2006/main" xmlns:r="http://schemas.openxmlformats.org/officeDocument/2006/relationships" xmlns:p="http://schemas.openxmlformats.org/presentationml/2006/main">
+  <p:cSld>
+    <p:spTree>
+      <p:nvGrpSpPr>
+        <p:cNvPr id="1" name="">
+          <a:extLst>
+            <a:ext uri="{FF2B5EF4-FFF2-40B4-BE49-F238E27FC236}">
+              <a16:creationId xmlns:a16="http://schemas.microsoft.com/office/drawing/2014/main" id="{894602D7-DCAB-6062-978A-C2185B20DCE2}"/>
+            </a:ext>
+          </a:extLst>
+        </p:cNvPr>
+        <p:cNvGrpSpPr/>
+        <p:nvPr/>
+      </p:nvGrpSpPr>
+      <p:grpSpPr>
+        <a:xfrm>
+          <a:off x="0" y="0"/>
+          <a:ext cx="0" cy="0"/>
+          <a:chOff x="0" y="0"/>
+          <a:chExt cx="0" cy="0"/>
+        </a:xfrm>
+      </p:grpSpPr>
+      <p:sp>
+        <p:nvSpPr>
+          <p:cNvPr id="3" name="Title 1">
+            <a:extLst>
+              <a:ext uri="{FF2B5EF4-FFF2-40B4-BE49-F238E27FC236}">
+                <a16:creationId xmlns:a16="http://schemas.microsoft.com/office/drawing/2014/main" id="{75738CAA-70B6-9567-BC06-A690274A7166}"/>
+              </a:ext>
+            </a:extLst>
+          </p:cNvPr>
+          <p:cNvSpPr txBox="1">
+            <a:spLocks/>
+          </p:cNvSpPr>
+          <p:nvPr/>
+        </p:nvSpPr>
+        <p:spPr>
+          <a:xfrm>
+            <a:off x="243797" y="264580"/>
+            <a:ext cx="10515600" cy="500400"/>
+          </a:xfrm>
+          <a:prstGeom prst="rect">
+            <a:avLst/>
+          </a:prstGeom>
+        </p:spPr>
+        <p:txBody>
+          <a:bodyPr vert="horz"/>
+          <a:lstStyle>
+            <a:lvl1pPr algn="l" defTabSz="914400" rtl="0" eaLnBrk="1" latinLnBrk="0" hangingPunct="1">
+              <a:lnSpc>
+                <a:spcPct val="90000"/>
+              </a:lnSpc>
+              <a:spcBef>
+                <a:spcPct val="0"/>
+              </a:spcBef>
+              <a:buNone/>
+              <a:defRPr sz="3600" b="1" kern="1200">
+                <a:solidFill>
+                  <a:srgbClr val="004181"/>
+                </a:solidFill>
+                <a:latin typeface="Microsoft YaHei" panose="020B0503020204020204" pitchFamily="34" charset="-122"/>
+                <a:ea typeface="Microsoft YaHei" panose="020B0503020204020204" pitchFamily="34" charset="-122"/>
+                <a:cs typeface="+mj-cs"/>
+              </a:defRPr>
+            </a:lvl1pPr>
+          </a:lstStyle>
+          <a:p>
+            <a:pPr marL="0" marR="0" lvl="0" indent="0" algn="l" defTabSz="914400" rtl="0" eaLnBrk="1" fontAlgn="auto" latinLnBrk="0" hangingPunct="1">
+              <a:lnSpc>
+                <a:spcPct val="90000"/>
+              </a:lnSpc>
+              <a:spcBef>
+                <a:spcPct val="0"/>
+              </a:spcBef>
+              <a:spcAft>
+                <a:spcPts val="0"/>
+              </a:spcAft>
+              <a:buClrTx/>
+              <a:buSzTx/>
+              <a:buFontTx/>
+              <a:buNone/>
+              <a:tabLst/>
+              <a:defRPr/>
+            </a:pPr>
+            <a:r>
+              <a:rPr kumimoji="0" lang="en-US" sz="2400" b="1" i="0" u="none" strike="noStrike" kern="1200" cap="none" spc="0" normalizeH="0" baseline="0" noProof="0" dirty="0" err="1">
+                <a:ln>
+                  <a:noFill/>
+                </a:ln>
+                <a:solidFill>
+                  <a:srgbClr val="004181"/>
+                </a:solidFill>
+                <a:effectLst/>
+                <a:uLnTx/>
+                <a:uFillTx/>
+                <a:latin typeface="Arial" panose="020B0604020202020204" pitchFamily="34" charset="0"/>
+                <a:cs typeface="Arial" panose="020B0604020202020204" pitchFamily="34" charset="0"/>
+              </a:rPr>
+              <a:t>Interviewee_Name</a:t>
+            </a:r>
+            <a:endParaRPr kumimoji="0" lang="en-US" sz="2400" b="1" i="0" u="none" strike="noStrike" kern="1200" cap="none" spc="0" normalizeH="0" baseline="0" noProof="0" dirty="0">
+              <a:ln>
+                <a:noFill/>
+              </a:ln>
+              <a:solidFill>
+                <a:srgbClr val="004181"/>
+              </a:solidFill>
+              <a:effectLst/>
+              <a:uLnTx/>
+              <a:uFillTx/>
+              <a:latin typeface="Arial" panose="020B0604020202020204" pitchFamily="34" charset="0"/>
+              <a:cs typeface="Arial" panose="020B0604020202020204" pitchFamily="34" charset="0"/>
+            </a:endParaRPr>
+          </a:p>
+        </p:txBody>
+      </p:sp>
+      <p:sp>
+        <p:nvSpPr>
+          <p:cNvPr id="4" name="TextBox 3">
+            <a:extLst>
+              <a:ext uri="{FF2B5EF4-FFF2-40B4-BE49-F238E27FC236}">
+                <a16:creationId xmlns:a16="http://schemas.microsoft.com/office/drawing/2014/main" id="{F7F274BF-3DB0-6848-BDEB-D79BA4C971D9}"/>
+              </a:ext>
+            </a:extLst>
+          </p:cNvPr>
+          <p:cNvSpPr txBox="1"/>
+          <p:nvPr/>
+        </p:nvSpPr>
+        <p:spPr>
+          <a:xfrm>
+            <a:off x="284138" y="1138660"/>
+            <a:ext cx="1127803" cy="264175"/>
+          </a:xfrm>
+          <a:prstGeom prst="rect">
+            <a:avLst/>
+          </a:prstGeom>
+          <a:noFill/>
+          <a:ln w="12700" cap="flat">
+            <a:noFill/>
+            <a:miter lim="400000"/>
+          </a:ln>
+          <a:effectLst/>
+          <a:sp3d/>
+        </p:spPr>
+        <p:style>
+          <a:lnRef idx="0">
+            <a:scrgbClr r="0" g="0" b="0"/>
+          </a:lnRef>
+          <a:fillRef idx="0">
+            <a:scrgbClr r="0" g="0" b="0"/>
+          </a:fillRef>
+          <a:effectRef idx="0">
+            <a:scrgbClr r="0" g="0" b="0"/>
+          </a:effectRef>
+          <a:fontRef idx="none"/>
+        </p:style>
+        <p:txBody>
+          <a:bodyPr rot="0" spcFirstLastPara="1" vertOverflow="overflow" horzOverflow="overflow" vert="horz" wrap="square" lIns="50800" tIns="50800" rIns="50800" bIns="50800" numCol="1" spcCol="38100" rtlCol="0" anchor="ctr">
+            <a:spAutoFit/>
+          </a:bodyPr>
+          <a:lstStyle/>
+          <a:p>
+            <a:pPr marL="0" marR="0" indent="0" defTabSz="825500" rtl="0" fontAlgn="auto" latinLnBrk="0" hangingPunct="0">
+              <a:lnSpc>
+                <a:spcPct val="100000"/>
+              </a:lnSpc>
+              <a:spcBef>
+                <a:spcPts val="0"/>
+              </a:spcBef>
+              <a:spcAft>
+                <a:spcPts val="0"/>
+              </a:spcAft>
+              <a:buClrTx/>
+              <a:buSzTx/>
+              <a:buFontTx/>
+              <a:buNone/>
+              <a:tabLst/>
+            </a:pPr>
+            <a:r>
+              <a:rPr kumimoji="0" lang="en-GB" sz="1050" i="0" u="none" strike="noStrike" cap="none" spc="0" normalizeH="0" baseline="0" dirty="0" err="1">
+                <a:ln>
+                  <a:noFill/>
+                </a:ln>
+                <a:solidFill>
+                  <a:srgbClr val="000000"/>
+                </a:solidFill>
+                <a:effectLst/>
+                <a:uFillTx/>
+                <a:latin typeface="Arial" panose="020B0604020202020204" pitchFamily="34" charset="0"/>
+                <a:ea typeface="Helvetica Neue"/>
+                <a:cs typeface="Arial" panose="020B0604020202020204" pitchFamily="34" charset="0"/>
+                <a:sym typeface="Helvetica Neue"/>
+              </a:rPr>
+              <a:t>Last_Spoken_To</a:t>
+            </a:r>
+            <a:endParaRPr kumimoji="0" lang="en-GB" sz="1050" i="0" u="none" strike="noStrike" cap="none" spc="0" normalizeH="0" baseline="0" dirty="0">
+              <a:ln>
+                <a:noFill/>
+              </a:ln>
+              <a:solidFill>
+                <a:srgbClr val="000000"/>
+              </a:solidFill>
+              <a:effectLst/>
+              <a:uFillTx/>
+              <a:latin typeface="Arial" panose="020B0604020202020204" pitchFamily="34" charset="0"/>
+              <a:ea typeface="Helvetica Neue"/>
+              <a:cs typeface="Arial" panose="020B0604020202020204" pitchFamily="34" charset="0"/>
+              <a:sym typeface="Helvetica Neue"/>
+            </a:endParaRPr>
+          </a:p>
+        </p:txBody>
+      </p:sp>
+      <p:sp>
+        <p:nvSpPr>
+          <p:cNvPr id="5" name="TextBox 4">
+            <a:extLst>
+              <a:ext uri="{FF2B5EF4-FFF2-40B4-BE49-F238E27FC236}">
+                <a16:creationId xmlns:a16="http://schemas.microsoft.com/office/drawing/2014/main" id="{5DEADA67-84B3-D5FC-AD17-DD8CD92FCB2F}"/>
+              </a:ext>
+            </a:extLst>
+          </p:cNvPr>
+          <p:cNvSpPr txBox="1"/>
+          <p:nvPr/>
+        </p:nvSpPr>
+        <p:spPr>
+          <a:xfrm>
+            <a:off x="284138" y="1604086"/>
+            <a:ext cx="1127803" cy="264175"/>
+          </a:xfrm>
+          <a:prstGeom prst="rect">
+            <a:avLst/>
+          </a:prstGeom>
+          <a:noFill/>
+          <a:ln w="12700" cap="flat">
+            <a:noFill/>
+            <a:miter lim="400000"/>
+          </a:ln>
+          <a:effectLst/>
+          <a:sp3d/>
+        </p:spPr>
+        <p:style>
+          <a:lnRef idx="0">
+            <a:scrgbClr r="0" g="0" b="0"/>
+          </a:lnRef>
+          <a:fillRef idx="0">
+            <a:scrgbClr r="0" g="0" b="0"/>
+          </a:fillRef>
+          <a:effectRef idx="0">
+            <a:scrgbClr r="0" g="0" b="0"/>
+          </a:effectRef>
+          <a:fontRef idx="none"/>
+        </p:style>
+        <p:txBody>
+          <a:bodyPr rot="0" spcFirstLastPara="1" vertOverflow="overflow" horzOverflow="overflow" vert="horz" wrap="square" lIns="50800" tIns="50800" rIns="50800" bIns="50800" numCol="1" spcCol="38100" rtlCol="0" anchor="ctr">
+            <a:spAutoFit/>
+          </a:bodyPr>
+          <a:lstStyle/>
+          <a:p>
+            <a:pPr marL="0" marR="0" indent="0" defTabSz="825500" rtl="0" fontAlgn="auto" latinLnBrk="0" hangingPunct="0">
+              <a:lnSpc>
+                <a:spcPct val="100000"/>
+              </a:lnSpc>
+              <a:spcBef>
+                <a:spcPts val="0"/>
+              </a:spcBef>
+              <a:spcAft>
+                <a:spcPts val="0"/>
+              </a:spcAft>
+              <a:buClrTx/>
+              <a:buSzTx/>
+              <a:buFontTx/>
+              <a:buNone/>
+              <a:tabLst/>
+            </a:pPr>
+            <a:r>
+              <a:rPr kumimoji="0" lang="en-GB" sz="1050" i="0" u="none" strike="noStrike" cap="none" spc="0" normalizeH="0" baseline="0" dirty="0" err="1">
+                <a:ln>
+                  <a:noFill/>
+                </a:ln>
+                <a:solidFill>
+                  <a:srgbClr val="000000"/>
+                </a:solidFill>
+                <a:effectLst/>
+                <a:uFillTx/>
+                <a:latin typeface="Arial" panose="020B0604020202020204" pitchFamily="34" charset="0"/>
+                <a:ea typeface="Helvetica Neue"/>
+                <a:cs typeface="Arial" panose="020B0604020202020204" pitchFamily="34" charset="0"/>
+                <a:sym typeface="Helvetica Neue"/>
+              </a:rPr>
+              <a:t>Years_with_BI</a:t>
+            </a:r>
+            <a:endParaRPr kumimoji="0" lang="en-GB" sz="1050" i="0" u="none" strike="noStrike" cap="none" spc="0" normalizeH="0" baseline="0" dirty="0">
+              <a:ln>
+                <a:noFill/>
+              </a:ln>
+              <a:solidFill>
+                <a:srgbClr val="000000"/>
+              </a:solidFill>
+              <a:effectLst/>
+              <a:uFillTx/>
+              <a:latin typeface="Arial" panose="020B0604020202020204" pitchFamily="34" charset="0"/>
+              <a:ea typeface="Helvetica Neue"/>
+              <a:cs typeface="Arial" panose="020B0604020202020204" pitchFamily="34" charset="0"/>
+              <a:sym typeface="Helvetica Neue"/>
+            </a:endParaRPr>
+          </a:p>
+        </p:txBody>
+      </p:sp>
+      <p:sp>
+        <p:nvSpPr>
+          <p:cNvPr id="6" name="TextBox 5">
+            <a:extLst>
+              <a:ext uri="{FF2B5EF4-FFF2-40B4-BE49-F238E27FC236}">
+                <a16:creationId xmlns:a16="http://schemas.microsoft.com/office/drawing/2014/main" id="{FDB8402F-8050-C4DD-5B43-A4962F945C1E}"/>
+              </a:ext>
+            </a:extLst>
+          </p:cNvPr>
+          <p:cNvSpPr txBox="1"/>
+          <p:nvPr/>
+        </p:nvSpPr>
+        <p:spPr>
+          <a:xfrm>
+            <a:off x="284138" y="2096406"/>
+            <a:ext cx="2001862" cy="264175"/>
+          </a:xfrm>
+          <a:prstGeom prst="rect">
+            <a:avLst/>
+          </a:prstGeom>
+          <a:noFill/>
+          <a:ln w="12700" cap="flat">
+            <a:noFill/>
+            <a:miter lim="400000"/>
+          </a:ln>
+          <a:effectLst/>
+          <a:sp3d/>
+        </p:spPr>
+        <p:style>
+          <a:lnRef idx="0">
+            <a:scrgbClr r="0" g="0" b="0"/>
+          </a:lnRef>
+          <a:fillRef idx="0">
+            <a:scrgbClr r="0" g="0" b="0"/>
+          </a:fillRef>
+          <a:effectRef idx="0">
+            <a:scrgbClr r="0" g="0" b="0"/>
+          </a:effectRef>
+          <a:fontRef idx="none"/>
+        </p:style>
+        <p:txBody>
+          <a:bodyPr rot="0" spcFirstLastPara="1" vertOverflow="overflow" horzOverflow="overflow" vert="horz" wrap="square" lIns="50800" tIns="50800" rIns="50800" bIns="50800" numCol="1" spcCol="38100" rtlCol="0" anchor="ctr">
+            <a:spAutoFit/>
+          </a:bodyPr>
+          <a:lstStyle/>
+          <a:p>
+            <a:pPr marL="0" marR="0" indent="0" defTabSz="825500" rtl="0" fontAlgn="auto" latinLnBrk="0" hangingPunct="0">
+              <a:lnSpc>
+                <a:spcPct val="100000"/>
+              </a:lnSpc>
+              <a:spcBef>
+                <a:spcPts val="0"/>
+              </a:spcBef>
+              <a:spcAft>
+                <a:spcPts val="0"/>
+              </a:spcAft>
+              <a:buClrTx/>
+              <a:buSzTx/>
+              <a:buFontTx/>
+              <a:buNone/>
+              <a:tabLst/>
+            </a:pPr>
+            <a:r>
+              <a:rPr kumimoji="0" lang="en-GB" sz="1050" i="0" u="none" strike="noStrike" cap="none" spc="0" normalizeH="0" baseline="0" dirty="0" err="1">
+                <a:ln>
+                  <a:noFill/>
+                </a:ln>
+                <a:solidFill>
+                  <a:srgbClr val="000000"/>
+                </a:solidFill>
+                <a:effectLst/>
+                <a:uFillTx/>
+                <a:latin typeface="Arial" panose="020B0604020202020204" pitchFamily="34" charset="0"/>
+                <a:ea typeface="Helvetica Neue"/>
+                <a:cs typeface="Arial" panose="020B0604020202020204" pitchFamily="34" charset="0"/>
+                <a:sym typeface="Helvetica Neue"/>
+              </a:rPr>
+              <a:t>Related_Business_Roles</a:t>
+            </a:r>
+            <a:endParaRPr kumimoji="0" lang="en-GB" sz="1050" i="0" u="none" strike="noStrike" cap="none" spc="0" normalizeH="0" baseline="0" dirty="0">
+              <a:ln>
+                <a:noFill/>
+              </a:ln>
+              <a:solidFill>
+                <a:srgbClr val="000000"/>
+              </a:solidFill>
+              <a:effectLst/>
+              <a:uFillTx/>
+              <a:latin typeface="Arial" panose="020B0604020202020204" pitchFamily="34" charset="0"/>
+              <a:ea typeface="Helvetica Neue"/>
+              <a:cs typeface="Arial" panose="020B0604020202020204" pitchFamily="34" charset="0"/>
+              <a:sym typeface="Helvetica Neue"/>
+            </a:endParaRPr>
+          </a:p>
+        </p:txBody>
+      </p:sp>
+      <p:sp>
+        <p:nvSpPr>
+          <p:cNvPr id="7" name="TextBox 6">
+            <a:extLst>
+              <a:ext uri="{FF2B5EF4-FFF2-40B4-BE49-F238E27FC236}">
+                <a16:creationId xmlns:a16="http://schemas.microsoft.com/office/drawing/2014/main" id="{F4C9BC41-8D76-0DDF-CEF8-26FAD4992BBD}"/>
+              </a:ext>
+            </a:extLst>
+          </p:cNvPr>
+          <p:cNvSpPr txBox="1"/>
+          <p:nvPr/>
+        </p:nvSpPr>
+        <p:spPr>
+          <a:xfrm>
+            <a:off x="284138" y="2575279"/>
+            <a:ext cx="2001862" cy="264175"/>
+          </a:xfrm>
+          <a:prstGeom prst="rect">
+            <a:avLst/>
+          </a:prstGeom>
+          <a:noFill/>
+          <a:ln w="12700" cap="flat">
+            <a:noFill/>
+            <a:miter lim="400000"/>
+          </a:ln>
+          <a:effectLst/>
+          <a:sp3d/>
+        </p:spPr>
+        <p:style>
+          <a:lnRef idx="0">
+            <a:scrgbClr r="0" g="0" b="0"/>
+          </a:lnRef>
+          <a:fillRef idx="0">
+            <a:scrgbClr r="0" g="0" b="0"/>
+          </a:fillRef>
+          <a:effectRef idx="0">
+            <a:scrgbClr r="0" g="0" b="0"/>
+          </a:effectRef>
+          <a:fontRef idx="none"/>
+        </p:style>
+        <p:txBody>
+          <a:bodyPr rot="0" spcFirstLastPara="1" vertOverflow="overflow" horzOverflow="overflow" vert="horz" wrap="square" lIns="50800" tIns="50800" rIns="50800" bIns="50800" numCol="1" spcCol="38100" rtlCol="0" anchor="ctr">
+            <a:spAutoFit/>
+          </a:bodyPr>
+          <a:lstStyle/>
+          <a:p>
+            <a:pPr marL="0" marR="0" indent="0" defTabSz="825500" rtl="0" fontAlgn="auto" latinLnBrk="0" hangingPunct="0">
+              <a:lnSpc>
+                <a:spcPct val="100000"/>
+              </a:lnSpc>
+              <a:spcBef>
+                <a:spcPts val="0"/>
+              </a:spcBef>
+              <a:spcAft>
+                <a:spcPts val="0"/>
+              </a:spcAft>
+              <a:buClrTx/>
+              <a:buSzTx/>
+              <a:buFontTx/>
+              <a:buNone/>
+              <a:tabLst/>
+            </a:pPr>
+            <a:r>
+              <a:rPr kumimoji="0" lang="en-GB" sz="1050" i="0" u="none" strike="noStrike" cap="none" spc="0" normalizeH="0" baseline="0" dirty="0" err="1">
+                <a:ln>
+                  <a:noFill/>
+                </a:ln>
+                <a:solidFill>
+                  <a:srgbClr val="000000"/>
+                </a:solidFill>
+                <a:effectLst/>
+                <a:uFillTx/>
+                <a:latin typeface="Arial" panose="020B0604020202020204" pitchFamily="34" charset="0"/>
+                <a:ea typeface="Helvetica Neue"/>
+                <a:cs typeface="Arial" panose="020B0604020202020204" pitchFamily="34" charset="0"/>
+                <a:sym typeface="Helvetica Neue"/>
+              </a:rPr>
+              <a:t>OMP_Level</a:t>
+            </a:r>
+            <a:endParaRPr kumimoji="0" lang="en-GB" sz="1050" i="0" u="none" strike="noStrike" cap="none" spc="0" normalizeH="0" baseline="0" dirty="0">
+              <a:ln>
+                <a:noFill/>
+              </a:ln>
+              <a:solidFill>
+                <a:srgbClr val="000000"/>
+              </a:solidFill>
+              <a:effectLst/>
+              <a:uFillTx/>
+              <a:latin typeface="Arial" panose="020B0604020202020204" pitchFamily="34" charset="0"/>
+              <a:ea typeface="Helvetica Neue"/>
+              <a:cs typeface="Arial" panose="020B0604020202020204" pitchFamily="34" charset="0"/>
+              <a:sym typeface="Helvetica Neue"/>
+            </a:endParaRPr>
+          </a:p>
+        </p:txBody>
+      </p:sp>
+      <p:sp>
+        <p:nvSpPr>
+          <p:cNvPr id="8" name="TextBox 7">
+            <a:extLst>
+              <a:ext uri="{FF2B5EF4-FFF2-40B4-BE49-F238E27FC236}">
+                <a16:creationId xmlns:a16="http://schemas.microsoft.com/office/drawing/2014/main" id="{CA9335B2-C6AB-F22B-2B17-06142D1925B2}"/>
+              </a:ext>
+            </a:extLst>
+          </p:cNvPr>
+          <p:cNvSpPr txBox="1"/>
+          <p:nvPr/>
+        </p:nvSpPr>
+        <p:spPr>
+          <a:xfrm>
+            <a:off x="284138" y="3086835"/>
+            <a:ext cx="2001862" cy="225703"/>
+          </a:xfrm>
+          <a:prstGeom prst="rect">
+            <a:avLst/>
+          </a:prstGeom>
+          <a:noFill/>
+          <a:ln w="12700" cap="flat">
+            <a:noFill/>
+            <a:miter lim="400000"/>
+          </a:ln>
+          <a:effectLst/>
+          <a:sp3d/>
+        </p:spPr>
+        <p:style>
+          <a:lnRef idx="0">
+            <a:scrgbClr r="0" g="0" b="0"/>
+          </a:lnRef>
+          <a:fillRef idx="0">
+            <a:scrgbClr r="0" g="0" b="0"/>
+          </a:fillRef>
+          <a:effectRef idx="0">
+            <a:scrgbClr r="0" g="0" b="0"/>
+          </a:effectRef>
+          <a:fontRef idx="none"/>
+        </p:style>
+        <p:txBody>
+          <a:bodyPr rot="0" spcFirstLastPara="1" vertOverflow="overflow" horzOverflow="overflow" vert="horz" wrap="square" lIns="50800" tIns="50800" rIns="50800" bIns="50800" numCol="1" spcCol="38100" rtlCol="0" anchor="ctr">
+            <a:spAutoFit/>
+          </a:bodyPr>
+          <a:lstStyle/>
+          <a:p>
+            <a:pPr marL="0" marR="0" indent="0" defTabSz="825500" rtl="0" fontAlgn="auto" latinLnBrk="0" hangingPunct="0">
+              <a:lnSpc>
+                <a:spcPct val="100000"/>
+              </a:lnSpc>
+              <a:spcBef>
+                <a:spcPts val="0"/>
+              </a:spcBef>
+              <a:spcAft>
+                <a:spcPts val="0"/>
+              </a:spcAft>
+              <a:buClrTx/>
+              <a:buSzTx/>
+              <a:buFontTx/>
+              <a:buNone/>
+              <a:tabLst/>
+            </a:pPr>
+            <a:r>
+              <a:rPr lang="en-GB" sz="800" dirty="0" err="1">
+                <a:effectLst/>
+                <a:latin typeface="Helvetica Neue" panose="02000503000000020004" pitchFamily="2" charset="0"/>
+              </a:rPr>
+              <a:t>Position_towards_the_Change</a:t>
+            </a:r>
+            <a:endParaRPr kumimoji="0" lang="en-GB" sz="1050" i="0" u="none" strike="noStrike" cap="none" spc="0" normalizeH="0" baseline="0" dirty="0">
+              <a:ln>
+                <a:noFill/>
+              </a:ln>
+              <a:solidFill>
+                <a:srgbClr val="000000"/>
+              </a:solidFill>
+              <a:effectLst/>
+              <a:uFillTx/>
+              <a:latin typeface="Arial" panose="020B0604020202020204" pitchFamily="34" charset="0"/>
+              <a:ea typeface="Helvetica Neue"/>
+              <a:cs typeface="Arial" panose="020B0604020202020204" pitchFamily="34" charset="0"/>
+              <a:sym typeface="Helvetica Neue"/>
+            </a:endParaRPr>
+          </a:p>
+        </p:txBody>
+      </p:sp>
+      <p:sp>
+        <p:nvSpPr>
+          <p:cNvPr id="9" name="TextBox 8">
+            <a:extLst>
+              <a:ext uri="{FF2B5EF4-FFF2-40B4-BE49-F238E27FC236}">
+                <a16:creationId xmlns:a16="http://schemas.microsoft.com/office/drawing/2014/main" id="{FE0A46C3-BF9A-A1B5-AC23-F35415BEFB6B}"/>
+              </a:ext>
+            </a:extLst>
+          </p:cNvPr>
+          <p:cNvSpPr txBox="1"/>
+          <p:nvPr/>
+        </p:nvSpPr>
+        <p:spPr>
+          <a:xfrm>
+            <a:off x="284138" y="3559919"/>
+            <a:ext cx="2001862" cy="264175"/>
+          </a:xfrm>
+          <a:prstGeom prst="rect">
+            <a:avLst/>
+          </a:prstGeom>
+          <a:noFill/>
+          <a:ln w="12700" cap="flat">
+            <a:noFill/>
+            <a:miter lim="400000"/>
+          </a:ln>
+          <a:effectLst/>
+          <a:sp3d/>
+        </p:spPr>
+        <p:style>
+          <a:lnRef idx="0">
+            <a:scrgbClr r="0" g="0" b="0"/>
+          </a:lnRef>
+          <a:fillRef idx="0">
+            <a:scrgbClr r="0" g="0" b="0"/>
+          </a:fillRef>
+          <a:effectRef idx="0">
+            <a:scrgbClr r="0" g="0" b="0"/>
+          </a:effectRef>
+          <a:fontRef idx="none"/>
+        </p:style>
+        <p:txBody>
+          <a:bodyPr rot="0" spcFirstLastPara="1" vertOverflow="overflow" horzOverflow="overflow" vert="horz" wrap="square" lIns="50800" tIns="50800" rIns="50800" bIns="50800" numCol="1" spcCol="38100" rtlCol="0" anchor="ctr">
+            <a:spAutoFit/>
+          </a:bodyPr>
+          <a:lstStyle/>
+          <a:p>
+            <a:pPr marL="0" marR="0" indent="0" defTabSz="825500" rtl="0" fontAlgn="auto" latinLnBrk="0" hangingPunct="0">
+              <a:lnSpc>
+                <a:spcPct val="100000"/>
+              </a:lnSpc>
+              <a:spcBef>
+                <a:spcPts val="0"/>
+              </a:spcBef>
+              <a:spcAft>
+                <a:spcPts val="0"/>
+              </a:spcAft>
+              <a:buClrTx/>
+              <a:buSzTx/>
+              <a:buFontTx/>
+              <a:buNone/>
+              <a:tabLst/>
+            </a:pPr>
+            <a:r>
+              <a:rPr kumimoji="0" lang="en-GB" sz="1050" i="0" u="none" strike="noStrike" cap="none" spc="0" normalizeH="0" baseline="0" dirty="0" err="1">
+                <a:ln>
+                  <a:noFill/>
+                </a:ln>
+                <a:solidFill>
+                  <a:srgbClr val="000000"/>
+                </a:solidFill>
+                <a:effectLst/>
+                <a:uFillTx/>
+                <a:latin typeface="Arial" panose="020B0604020202020204" pitchFamily="34" charset="0"/>
+                <a:ea typeface="Helvetica Neue"/>
+                <a:cs typeface="Arial" panose="020B0604020202020204" pitchFamily="34" charset="0"/>
+                <a:sym typeface="Helvetica Neue"/>
+              </a:rPr>
+              <a:t>Ability_to_Change</a:t>
+            </a:r>
+            <a:endParaRPr kumimoji="0" lang="en-GB" sz="1050" i="0" u="none" strike="noStrike" cap="none" spc="0" normalizeH="0" baseline="0" dirty="0">
+              <a:ln>
+                <a:noFill/>
+              </a:ln>
+              <a:solidFill>
+                <a:srgbClr val="000000"/>
+              </a:solidFill>
+              <a:effectLst/>
+              <a:uFillTx/>
+              <a:latin typeface="Arial" panose="020B0604020202020204" pitchFamily="34" charset="0"/>
+              <a:ea typeface="Helvetica Neue"/>
+              <a:cs typeface="Arial" panose="020B0604020202020204" pitchFamily="34" charset="0"/>
+              <a:sym typeface="Helvetica Neue"/>
+            </a:endParaRPr>
+          </a:p>
+        </p:txBody>
+      </p:sp>
+      <p:sp>
+        <p:nvSpPr>
+          <p:cNvPr id="10" name="TextBox 9">
+            <a:extLst>
+              <a:ext uri="{FF2B5EF4-FFF2-40B4-BE49-F238E27FC236}">
+                <a16:creationId xmlns:a16="http://schemas.microsoft.com/office/drawing/2014/main" id="{B798BA75-C64B-F030-99EF-78498E0B1B59}"/>
+              </a:ext>
+            </a:extLst>
+          </p:cNvPr>
+          <p:cNvSpPr txBox="1"/>
+          <p:nvPr/>
+        </p:nvSpPr>
+        <p:spPr>
+          <a:xfrm>
+            <a:off x="284138" y="4032857"/>
+            <a:ext cx="2001862" cy="264175"/>
+          </a:xfrm>
+          <a:prstGeom prst="rect">
+            <a:avLst/>
+          </a:prstGeom>
+          <a:noFill/>
+          <a:ln w="12700" cap="flat">
+            <a:noFill/>
+            <a:miter lim="400000"/>
+          </a:ln>
+          <a:effectLst/>
+          <a:sp3d/>
+        </p:spPr>
+        <p:style>
+          <a:lnRef idx="0">
+            <a:scrgbClr r="0" g="0" b="0"/>
+          </a:lnRef>
+          <a:fillRef idx="0">
+            <a:scrgbClr r="0" g="0" b="0"/>
+          </a:fillRef>
+          <a:effectRef idx="0">
+            <a:scrgbClr r="0" g="0" b="0"/>
+          </a:effectRef>
+          <a:fontRef idx="none"/>
+        </p:style>
+        <p:txBody>
+          <a:bodyPr rot="0" spcFirstLastPara="1" vertOverflow="overflow" horzOverflow="overflow" vert="horz" wrap="square" lIns="50800" tIns="50800" rIns="50800" bIns="50800" numCol="1" spcCol="38100" rtlCol="0" anchor="ctr">
+            <a:spAutoFit/>
+          </a:bodyPr>
+          <a:lstStyle/>
+          <a:p>
+            <a:pPr marL="0" marR="0" indent="0" defTabSz="825500" rtl="0" fontAlgn="auto" latinLnBrk="0" hangingPunct="0">
+              <a:lnSpc>
+                <a:spcPct val="100000"/>
+              </a:lnSpc>
+              <a:spcBef>
+                <a:spcPts val="0"/>
+              </a:spcBef>
+              <a:spcAft>
+                <a:spcPts val="0"/>
+              </a:spcAft>
+              <a:buClrTx/>
+              <a:buSzTx/>
+              <a:buFontTx/>
+              <a:buNone/>
+              <a:tabLst/>
+            </a:pPr>
+            <a:r>
+              <a:rPr kumimoji="0" lang="en-GB" sz="1050" i="0" u="none" strike="noStrike" cap="none" spc="0" normalizeH="0" baseline="0" dirty="0" err="1">
+                <a:ln>
+                  <a:noFill/>
+                </a:ln>
+                <a:solidFill>
+                  <a:srgbClr val="000000"/>
+                </a:solidFill>
+                <a:effectLst/>
+                <a:uFillTx/>
+                <a:latin typeface="Arial" panose="020B0604020202020204" pitchFamily="34" charset="0"/>
+                <a:ea typeface="Helvetica Neue"/>
+                <a:cs typeface="Arial" panose="020B0604020202020204" pitchFamily="34" charset="0"/>
+                <a:sym typeface="Helvetica Neue"/>
+              </a:rPr>
+              <a:t>Change_Readiness</a:t>
+            </a:r>
+            <a:endParaRPr kumimoji="0" lang="en-GB" sz="1050" i="0" u="none" strike="noStrike" cap="none" spc="0" normalizeH="0" baseline="0" dirty="0">
+              <a:ln>
+                <a:noFill/>
+              </a:ln>
+              <a:solidFill>
+                <a:srgbClr val="000000"/>
+              </a:solidFill>
+              <a:effectLst/>
+              <a:uFillTx/>
+              <a:latin typeface="Arial" panose="020B0604020202020204" pitchFamily="34" charset="0"/>
+              <a:ea typeface="Helvetica Neue"/>
+              <a:cs typeface="Arial" panose="020B0604020202020204" pitchFamily="34" charset="0"/>
+              <a:sym typeface="Helvetica Neue"/>
+            </a:endParaRPr>
+          </a:p>
+        </p:txBody>
+      </p:sp>
+      <p:sp>
+        <p:nvSpPr>
+          <p:cNvPr id="11" name="TextBox 10">
+            <a:extLst>
+              <a:ext uri="{FF2B5EF4-FFF2-40B4-BE49-F238E27FC236}">
+                <a16:creationId xmlns:a16="http://schemas.microsoft.com/office/drawing/2014/main" id="{86F4A830-E2E8-A874-B34E-C25469205024}"/>
+              </a:ext>
+            </a:extLst>
+          </p:cNvPr>
+          <p:cNvSpPr txBox="1"/>
+          <p:nvPr/>
+        </p:nvSpPr>
+        <p:spPr>
+          <a:xfrm>
+            <a:off x="284138" y="4505795"/>
+            <a:ext cx="2001862" cy="264175"/>
+          </a:xfrm>
+          <a:prstGeom prst="rect">
+            <a:avLst/>
+          </a:prstGeom>
+          <a:noFill/>
+          <a:ln w="12700" cap="flat">
+            <a:noFill/>
+            <a:miter lim="400000"/>
+          </a:ln>
+          <a:effectLst/>
+          <a:sp3d/>
+        </p:spPr>
+        <p:style>
+          <a:lnRef idx="0">
+            <a:scrgbClr r="0" g="0" b="0"/>
+          </a:lnRef>
+          <a:fillRef idx="0">
+            <a:scrgbClr r="0" g="0" b="0"/>
+          </a:fillRef>
+          <a:effectRef idx="0">
+            <a:scrgbClr r="0" g="0" b="0"/>
+          </a:effectRef>
+          <a:fontRef idx="none"/>
+        </p:style>
+        <p:txBody>
+          <a:bodyPr rot="0" spcFirstLastPara="1" vertOverflow="overflow" horzOverflow="overflow" vert="horz" wrap="square" lIns="50800" tIns="50800" rIns="50800" bIns="50800" numCol="1" spcCol="38100" rtlCol="0" anchor="ctr">
+            <a:spAutoFit/>
+          </a:bodyPr>
+          <a:lstStyle/>
+          <a:p>
+            <a:pPr marL="0" marR="0" indent="0" defTabSz="825500" rtl="0" fontAlgn="auto" latinLnBrk="0" hangingPunct="0">
+              <a:lnSpc>
+                <a:spcPct val="100000"/>
+              </a:lnSpc>
+              <a:spcBef>
+                <a:spcPts val="0"/>
+              </a:spcBef>
+              <a:spcAft>
+                <a:spcPts val="0"/>
+              </a:spcAft>
+              <a:buClrTx/>
+              <a:buSzTx/>
+              <a:buFontTx/>
+              <a:buNone/>
+              <a:tabLst/>
+            </a:pPr>
+            <a:r>
+              <a:rPr kumimoji="0" lang="en-GB" sz="1050" i="0" u="none" strike="noStrike" cap="none" spc="0" normalizeH="0" baseline="0" dirty="0" err="1">
+                <a:ln>
+                  <a:noFill/>
+                </a:ln>
+                <a:solidFill>
+                  <a:srgbClr val="000000"/>
+                </a:solidFill>
+                <a:effectLst/>
+                <a:uFillTx/>
+                <a:latin typeface="Arial" panose="020B0604020202020204" pitchFamily="34" charset="0"/>
+                <a:ea typeface="Helvetica Neue"/>
+                <a:cs typeface="Arial" panose="020B0604020202020204" pitchFamily="34" charset="0"/>
+                <a:sym typeface="Helvetica Neue"/>
+              </a:rPr>
+              <a:t>Perceived_Resistance</a:t>
+            </a:r>
+            <a:endParaRPr kumimoji="0" lang="en-GB" sz="1050" i="0" u="none" strike="noStrike" cap="none" spc="0" normalizeH="0" baseline="0" dirty="0">
+              <a:ln>
+                <a:noFill/>
+              </a:ln>
+              <a:solidFill>
+                <a:srgbClr val="000000"/>
+              </a:solidFill>
+              <a:effectLst/>
+              <a:uFillTx/>
+              <a:latin typeface="Arial" panose="020B0604020202020204" pitchFamily="34" charset="0"/>
+              <a:ea typeface="Helvetica Neue"/>
+              <a:cs typeface="Arial" panose="020B0604020202020204" pitchFamily="34" charset="0"/>
+              <a:sym typeface="Helvetica Neue"/>
+            </a:endParaRPr>
+          </a:p>
+        </p:txBody>
+      </p:sp>
+      <p:sp>
+        <p:nvSpPr>
+          <p:cNvPr id="12" name="TextBox 11">
+            <a:extLst>
+              <a:ext uri="{FF2B5EF4-FFF2-40B4-BE49-F238E27FC236}">
+                <a16:creationId xmlns:a16="http://schemas.microsoft.com/office/drawing/2014/main" id="{E5CF6861-6FE6-6E06-6403-5F28F06FBEDF}"/>
+              </a:ext>
+            </a:extLst>
+          </p:cNvPr>
+          <p:cNvSpPr txBox="1"/>
+          <p:nvPr/>
+        </p:nvSpPr>
+        <p:spPr>
+          <a:xfrm>
+            <a:off x="284138" y="4989739"/>
+            <a:ext cx="2001862" cy="264175"/>
+          </a:xfrm>
+          <a:prstGeom prst="rect">
+            <a:avLst/>
+          </a:prstGeom>
+          <a:noFill/>
+          <a:ln w="12700" cap="flat">
+            <a:noFill/>
+            <a:miter lim="400000"/>
+          </a:ln>
+          <a:effectLst/>
+          <a:sp3d/>
+        </p:spPr>
+        <p:style>
+          <a:lnRef idx="0">
+            <a:scrgbClr r="0" g="0" b="0"/>
+          </a:lnRef>
+          <a:fillRef idx="0">
+            <a:scrgbClr r="0" g="0" b="0"/>
+          </a:fillRef>
+          <a:effectRef idx="0">
+            <a:scrgbClr r="0" g="0" b="0"/>
+          </a:effectRef>
+          <a:fontRef idx="none"/>
+        </p:style>
+        <p:txBody>
+          <a:bodyPr rot="0" spcFirstLastPara="1" vertOverflow="overflow" horzOverflow="overflow" vert="horz" wrap="square" lIns="50800" tIns="50800" rIns="50800" bIns="50800" numCol="1" spcCol="38100" rtlCol="0" anchor="ctr">
+            <a:spAutoFit/>
+          </a:bodyPr>
+          <a:lstStyle/>
+          <a:p>
+            <a:pPr marL="0" marR="0" indent="0" defTabSz="825500" rtl="0" fontAlgn="auto" latinLnBrk="0" hangingPunct="0">
+              <a:lnSpc>
+                <a:spcPct val="100000"/>
+              </a:lnSpc>
+              <a:spcBef>
+                <a:spcPts val="0"/>
+              </a:spcBef>
+              <a:spcAft>
+                <a:spcPts val="0"/>
+              </a:spcAft>
+              <a:buClrTx/>
+              <a:buSzTx/>
+              <a:buFontTx/>
+              <a:buNone/>
+              <a:tabLst/>
+            </a:pPr>
+            <a:r>
+              <a:rPr kumimoji="0" lang="en-GB" sz="1050" i="0" u="none" strike="noStrike" cap="none" spc="0" normalizeH="0" baseline="0" dirty="0" err="1">
+                <a:ln>
+                  <a:noFill/>
+                </a:ln>
+                <a:solidFill>
+                  <a:srgbClr val="000000"/>
+                </a:solidFill>
+                <a:effectLst/>
+                <a:uFillTx/>
+                <a:latin typeface="Arial" panose="020B0604020202020204" pitchFamily="34" charset="0"/>
+                <a:ea typeface="Helvetica Neue"/>
+                <a:cs typeface="Arial" panose="020B0604020202020204" pitchFamily="34" charset="0"/>
+                <a:sym typeface="Helvetica Neue"/>
+              </a:rPr>
+              <a:t>Whats_Changing</a:t>
+            </a:r>
+            <a:endParaRPr kumimoji="0" lang="en-GB" sz="1050" i="0" u="none" strike="noStrike" cap="none" spc="0" normalizeH="0" baseline="0" dirty="0">
+              <a:ln>
+                <a:noFill/>
+              </a:ln>
+              <a:solidFill>
+                <a:srgbClr val="000000"/>
+              </a:solidFill>
+              <a:effectLst/>
+              <a:uFillTx/>
+              <a:latin typeface="Arial" panose="020B0604020202020204" pitchFamily="34" charset="0"/>
+              <a:ea typeface="Helvetica Neue"/>
+              <a:cs typeface="Arial" panose="020B0604020202020204" pitchFamily="34" charset="0"/>
+              <a:sym typeface="Helvetica Neue"/>
+            </a:endParaRPr>
+          </a:p>
+        </p:txBody>
+      </p:sp>
+      <p:sp>
+        <p:nvSpPr>
+          <p:cNvPr id="13" name="TextBox 12">
+            <a:extLst>
+              <a:ext uri="{FF2B5EF4-FFF2-40B4-BE49-F238E27FC236}">
+                <a16:creationId xmlns:a16="http://schemas.microsoft.com/office/drawing/2014/main" id="{F0EDC758-BDFE-B197-DB53-1E06503D3512}"/>
+              </a:ext>
+            </a:extLst>
+          </p:cNvPr>
+          <p:cNvSpPr txBox="1"/>
+          <p:nvPr/>
+        </p:nvSpPr>
+        <p:spPr>
+          <a:xfrm>
+            <a:off x="284138" y="6430510"/>
+            <a:ext cx="2001862" cy="264175"/>
+          </a:xfrm>
+          <a:prstGeom prst="rect">
+            <a:avLst/>
+          </a:prstGeom>
+          <a:noFill/>
+          <a:ln w="12700" cap="flat">
+            <a:noFill/>
+            <a:miter lim="400000"/>
+          </a:ln>
+          <a:effectLst/>
+          <a:sp3d/>
+        </p:spPr>
+        <p:style>
+          <a:lnRef idx="0">
+            <a:scrgbClr r="0" g="0" b="0"/>
+          </a:lnRef>
+          <a:fillRef idx="0">
+            <a:scrgbClr r="0" g="0" b="0"/>
+          </a:fillRef>
+          <a:effectRef idx="0">
+            <a:scrgbClr r="0" g="0" b="0"/>
+          </a:effectRef>
+          <a:fontRef idx="none"/>
+        </p:style>
+        <p:txBody>
+          <a:bodyPr rot="0" spcFirstLastPara="1" vertOverflow="overflow" horzOverflow="overflow" vert="horz" wrap="square" lIns="50800" tIns="50800" rIns="50800" bIns="50800" numCol="1" spcCol="38100" rtlCol="0" anchor="ctr">
+            <a:spAutoFit/>
+          </a:bodyPr>
+          <a:lstStyle/>
+          <a:p>
+            <a:pPr marL="0" marR="0" indent="0" defTabSz="825500" rtl="0" fontAlgn="auto" latinLnBrk="0" hangingPunct="0">
+              <a:lnSpc>
+                <a:spcPct val="100000"/>
+              </a:lnSpc>
+              <a:spcBef>
+                <a:spcPts val="0"/>
+              </a:spcBef>
+              <a:spcAft>
+                <a:spcPts val="0"/>
+              </a:spcAft>
+              <a:buClrTx/>
+              <a:buSzTx/>
+              <a:buFontTx/>
+              <a:buNone/>
+              <a:tabLst/>
+            </a:pPr>
+            <a:r>
+              <a:rPr kumimoji="0" lang="en-GB" sz="1050" i="0" u="none" strike="noStrike" cap="none" spc="0" normalizeH="0" baseline="0" dirty="0" err="1">
+                <a:ln>
+                  <a:noFill/>
+                </a:ln>
+                <a:solidFill>
+                  <a:srgbClr val="000000"/>
+                </a:solidFill>
+                <a:effectLst/>
+                <a:uFillTx/>
+                <a:latin typeface="Arial" panose="020B0604020202020204" pitchFamily="34" charset="0"/>
+                <a:ea typeface="Helvetica Neue"/>
+                <a:cs typeface="Arial" panose="020B0604020202020204" pitchFamily="34" charset="0"/>
+                <a:sym typeface="Helvetica Neue"/>
+              </a:rPr>
+              <a:t>Impact_on_Them</a:t>
+            </a:r>
+            <a:endParaRPr kumimoji="0" lang="en-GB" sz="1050" i="0" u="none" strike="noStrike" cap="none" spc="0" normalizeH="0" baseline="0" dirty="0">
+              <a:ln>
+                <a:noFill/>
+              </a:ln>
+              <a:solidFill>
+                <a:srgbClr val="000000"/>
+              </a:solidFill>
+              <a:effectLst/>
+              <a:uFillTx/>
+              <a:latin typeface="Arial" panose="020B0604020202020204" pitchFamily="34" charset="0"/>
+              <a:ea typeface="Helvetica Neue"/>
+              <a:cs typeface="Arial" panose="020B0604020202020204" pitchFamily="34" charset="0"/>
+              <a:sym typeface="Helvetica Neue"/>
+            </a:endParaRPr>
+          </a:p>
+        </p:txBody>
+      </p:sp>
+      <p:sp>
+        <p:nvSpPr>
+          <p:cNvPr id="14" name="TextBox 13">
+            <a:extLst>
+              <a:ext uri="{FF2B5EF4-FFF2-40B4-BE49-F238E27FC236}">
+                <a16:creationId xmlns:a16="http://schemas.microsoft.com/office/drawing/2014/main" id="{80023090-9517-B4C8-5394-382C75E2348A}"/>
+              </a:ext>
+            </a:extLst>
+          </p:cNvPr>
+          <p:cNvSpPr txBox="1">
+            <a:spLocks noChangeAspect="1"/>
+          </p:cNvSpPr>
+          <p:nvPr/>
+        </p:nvSpPr>
+        <p:spPr>
+          <a:xfrm>
+            <a:off x="3644153" y="1508486"/>
+            <a:ext cx="2662518" cy="271869"/>
+          </a:xfrm>
+          <a:prstGeom prst="rect">
+            <a:avLst/>
+          </a:prstGeom>
+          <a:noFill/>
+          <a:ln w="12700" cap="flat">
+            <a:noFill/>
+            <a:miter lim="400000"/>
+          </a:ln>
+          <a:effectLst/>
+          <a:sp3d/>
+        </p:spPr>
+        <p:style>
+          <a:lnRef idx="0">
+            <a:scrgbClr r="0" g="0" b="0"/>
+          </a:lnRef>
+          <a:fillRef idx="0">
+            <a:scrgbClr r="0" g="0" b="0"/>
+          </a:fillRef>
+          <a:effectRef idx="0">
+            <a:scrgbClr r="0" g="0" b="0"/>
+          </a:effectRef>
+          <a:fontRef idx="none"/>
+        </p:style>
+        <p:txBody>
+          <a:bodyPr rot="0" spcFirstLastPara="1" vertOverflow="overflow" horzOverflow="overflow" vert="horz" wrap="square" lIns="50800" tIns="50800" rIns="50800" bIns="50800" numCol="1" spcCol="38100" rtlCol="0" anchor="t" anchorCtr="0">
+            <a:noAutofit/>
+          </a:bodyPr>
+          <a:lstStyle/>
+          <a:p>
+            <a:pPr marL="0" marR="0" indent="0" defTabSz="825500" rtl="0" fontAlgn="auto" latinLnBrk="0" hangingPunct="0">
+              <a:lnSpc>
+                <a:spcPct val="100000"/>
+              </a:lnSpc>
+              <a:spcBef>
+                <a:spcPts val="0"/>
+              </a:spcBef>
+              <a:spcAft>
+                <a:spcPts val="0"/>
+              </a:spcAft>
+              <a:buClrTx/>
+              <a:buSzTx/>
+              <a:buFontTx/>
+              <a:buNone/>
+              <a:tabLst/>
+            </a:pPr>
+            <a:r>
               <a:rPr lang="en-GB" sz="900" dirty="0" err="1">
                 <a:solidFill>
                   <a:schemeClr val="tx2"/>
                 </a:solidFill>
               </a:rPr>
-              <a:t>Whats_in_it_for_me</a:t>
+              <a:t>Past_Activities</a:t>
             </a:r>
             <a:endParaRPr kumimoji="0" lang="en-GB" sz="1100" b="1" i="0" u="none" strike="noStrike" cap="none" spc="0" normalizeH="0" baseline="0" dirty="0">
               <a:ln>
@@ -31020,10 +32345,1345 @@
           </a:p>
         </p:txBody>
       </p:sp>
+      <p:sp>
+        <p:nvSpPr>
+          <p:cNvPr id="15" name="TextBox 14">
+            <a:extLst>
+              <a:ext uri="{FF2B5EF4-FFF2-40B4-BE49-F238E27FC236}">
+                <a16:creationId xmlns:a16="http://schemas.microsoft.com/office/drawing/2014/main" id="{1FB21945-D29D-406C-E906-66CA75DE0436}"/>
+              </a:ext>
+            </a:extLst>
+          </p:cNvPr>
+          <p:cNvSpPr txBox="1">
+            <a:spLocks noChangeAspect="1"/>
+          </p:cNvSpPr>
+          <p:nvPr/>
+        </p:nvSpPr>
+        <p:spPr>
+          <a:xfrm>
+            <a:off x="6432177" y="1508486"/>
+            <a:ext cx="2662518" cy="271869"/>
+          </a:xfrm>
+          <a:prstGeom prst="rect">
+            <a:avLst/>
+          </a:prstGeom>
+          <a:noFill/>
+          <a:ln w="12700" cap="flat">
+            <a:noFill/>
+            <a:miter lim="400000"/>
+          </a:ln>
+          <a:effectLst/>
+          <a:sp3d/>
+        </p:spPr>
+        <p:style>
+          <a:lnRef idx="0">
+            <a:scrgbClr r="0" g="0" b="0"/>
+          </a:lnRef>
+          <a:fillRef idx="0">
+            <a:scrgbClr r="0" g="0" b="0"/>
+          </a:fillRef>
+          <a:effectRef idx="0">
+            <a:scrgbClr r="0" g="0" b="0"/>
+          </a:effectRef>
+          <a:fontRef idx="none"/>
+        </p:style>
+        <p:txBody>
+          <a:bodyPr rot="0" spcFirstLastPara="1" vertOverflow="overflow" horzOverflow="overflow" vert="horz" wrap="square" lIns="50800" tIns="50800" rIns="50800" bIns="50800" numCol="1" spcCol="38100" rtlCol="0" anchor="t" anchorCtr="0">
+            <a:noAutofit/>
+          </a:bodyPr>
+          <a:lstStyle/>
+          <a:p>
+            <a:pPr marL="0" marR="0" indent="0" defTabSz="825500" rtl="0" fontAlgn="auto" latinLnBrk="0" hangingPunct="0">
+              <a:lnSpc>
+                <a:spcPct val="100000"/>
+              </a:lnSpc>
+              <a:spcBef>
+                <a:spcPts val="0"/>
+              </a:spcBef>
+              <a:spcAft>
+                <a:spcPts val="0"/>
+              </a:spcAft>
+              <a:buClrTx/>
+              <a:buSzTx/>
+              <a:buFontTx/>
+              <a:buNone/>
+              <a:tabLst/>
+            </a:pPr>
+            <a:r>
+              <a:rPr lang="en-GB" sz="900" dirty="0" err="1">
+                <a:solidFill>
+                  <a:schemeClr val="tx2"/>
+                </a:solidFill>
+              </a:rPr>
+              <a:t>Today_Activities</a:t>
+            </a:r>
+            <a:endParaRPr kumimoji="0" lang="en-GB" sz="1100" b="1" i="0" u="none" strike="noStrike" cap="none" spc="0" normalizeH="0" baseline="0" dirty="0">
+              <a:ln>
+                <a:noFill/>
+              </a:ln>
+              <a:solidFill>
+                <a:schemeClr val="tx2"/>
+              </a:solidFill>
+              <a:effectLst/>
+              <a:uFillTx/>
+              <a:latin typeface="Helvetica Neue"/>
+              <a:ea typeface="Helvetica Neue"/>
+              <a:cs typeface="Helvetica Neue"/>
+              <a:sym typeface="Helvetica Neue"/>
+            </a:endParaRPr>
+          </a:p>
+        </p:txBody>
+      </p:sp>
+      <p:sp>
+        <p:nvSpPr>
+          <p:cNvPr id="16" name="TextBox 15">
+            <a:extLst>
+              <a:ext uri="{FF2B5EF4-FFF2-40B4-BE49-F238E27FC236}">
+                <a16:creationId xmlns:a16="http://schemas.microsoft.com/office/drawing/2014/main" id="{975A5534-C6E0-FE45-3F3C-7129CB375689}"/>
+              </a:ext>
+            </a:extLst>
+          </p:cNvPr>
+          <p:cNvSpPr txBox="1">
+            <a:spLocks noChangeAspect="1"/>
+          </p:cNvSpPr>
+          <p:nvPr/>
+        </p:nvSpPr>
+        <p:spPr>
+          <a:xfrm>
+            <a:off x="9178109" y="1508486"/>
+            <a:ext cx="2662518" cy="271869"/>
+          </a:xfrm>
+          <a:prstGeom prst="rect">
+            <a:avLst/>
+          </a:prstGeom>
+          <a:noFill/>
+          <a:ln w="12700" cap="flat">
+            <a:noFill/>
+            <a:miter lim="400000"/>
+          </a:ln>
+          <a:effectLst/>
+          <a:sp3d/>
+        </p:spPr>
+        <p:style>
+          <a:lnRef idx="0">
+            <a:scrgbClr r="0" g="0" b="0"/>
+          </a:lnRef>
+          <a:fillRef idx="0">
+            <a:scrgbClr r="0" g="0" b="0"/>
+          </a:fillRef>
+          <a:effectRef idx="0">
+            <a:scrgbClr r="0" g="0" b="0"/>
+          </a:effectRef>
+          <a:fontRef idx="none"/>
+        </p:style>
+        <p:txBody>
+          <a:bodyPr rot="0" spcFirstLastPara="1" vertOverflow="overflow" horzOverflow="overflow" vert="horz" wrap="square" lIns="50800" tIns="50800" rIns="50800" bIns="50800" numCol="1" spcCol="38100" rtlCol="0" anchor="t" anchorCtr="0">
+            <a:noAutofit/>
+          </a:bodyPr>
+          <a:lstStyle/>
+          <a:p>
+            <a:pPr marL="0" marR="0" indent="0" defTabSz="825500" rtl="0" fontAlgn="auto" latinLnBrk="0" hangingPunct="0">
+              <a:lnSpc>
+                <a:spcPct val="100000"/>
+              </a:lnSpc>
+              <a:spcBef>
+                <a:spcPts val="0"/>
+              </a:spcBef>
+              <a:spcAft>
+                <a:spcPts val="0"/>
+              </a:spcAft>
+              <a:buClrTx/>
+              <a:buSzTx/>
+              <a:buFontTx/>
+              <a:buNone/>
+              <a:tabLst/>
+            </a:pPr>
+            <a:r>
+              <a:rPr lang="en-GB" sz="900" dirty="0" err="1">
+                <a:solidFill>
+                  <a:schemeClr val="tx2"/>
+                </a:solidFill>
+              </a:rPr>
+              <a:t>Tomorrow_Activities</a:t>
+            </a:r>
+            <a:endParaRPr kumimoji="0" lang="en-GB" sz="1100" b="1" i="0" u="none" strike="noStrike" cap="none" spc="0" normalizeH="0" baseline="0" dirty="0">
+              <a:ln>
+                <a:noFill/>
+              </a:ln>
+              <a:solidFill>
+                <a:schemeClr val="tx2"/>
+              </a:solidFill>
+              <a:effectLst/>
+              <a:uFillTx/>
+              <a:latin typeface="Helvetica Neue"/>
+              <a:ea typeface="Helvetica Neue"/>
+              <a:cs typeface="Helvetica Neue"/>
+              <a:sym typeface="Helvetica Neue"/>
+            </a:endParaRPr>
+          </a:p>
+        </p:txBody>
+      </p:sp>
+      <p:sp>
+        <p:nvSpPr>
+          <p:cNvPr id="20" name="TextBox 19">
+            <a:extLst>
+              <a:ext uri="{FF2B5EF4-FFF2-40B4-BE49-F238E27FC236}">
+                <a16:creationId xmlns:a16="http://schemas.microsoft.com/office/drawing/2014/main" id="{B0A9441F-E87E-DE1A-B68F-8E0E3908CC8A}"/>
+              </a:ext>
+            </a:extLst>
+          </p:cNvPr>
+          <p:cNvSpPr txBox="1">
+            <a:spLocks noChangeAspect="1"/>
+          </p:cNvSpPr>
+          <p:nvPr/>
+        </p:nvSpPr>
+        <p:spPr>
+          <a:xfrm>
+            <a:off x="3644153" y="2360581"/>
+            <a:ext cx="2662518" cy="271869"/>
+          </a:xfrm>
+          <a:prstGeom prst="rect">
+            <a:avLst/>
+          </a:prstGeom>
+          <a:noFill/>
+          <a:ln w="12700" cap="flat">
+            <a:noFill/>
+            <a:miter lim="400000"/>
+          </a:ln>
+          <a:effectLst/>
+          <a:sp3d/>
+        </p:spPr>
+        <p:style>
+          <a:lnRef idx="0">
+            <a:scrgbClr r="0" g="0" b="0"/>
+          </a:lnRef>
+          <a:fillRef idx="0">
+            <a:scrgbClr r="0" g="0" b="0"/>
+          </a:fillRef>
+          <a:effectRef idx="0">
+            <a:scrgbClr r="0" g="0" b="0"/>
+          </a:effectRef>
+          <a:fontRef idx="none"/>
+        </p:style>
+        <p:txBody>
+          <a:bodyPr rot="0" spcFirstLastPara="1" vertOverflow="overflow" horzOverflow="overflow" vert="horz" wrap="square" lIns="50800" tIns="50800" rIns="50800" bIns="50800" numCol="1" spcCol="38100" rtlCol="0" anchor="t" anchorCtr="0">
+            <a:noAutofit/>
+          </a:bodyPr>
+          <a:lstStyle/>
+          <a:p>
+            <a:pPr marL="0" marR="0" indent="0" defTabSz="825500" rtl="0" fontAlgn="auto" latinLnBrk="0" hangingPunct="0">
+              <a:lnSpc>
+                <a:spcPct val="100000"/>
+              </a:lnSpc>
+              <a:spcBef>
+                <a:spcPts val="0"/>
+              </a:spcBef>
+              <a:spcAft>
+                <a:spcPts val="0"/>
+              </a:spcAft>
+              <a:buClrTx/>
+              <a:buSzTx/>
+              <a:buFontTx/>
+              <a:buNone/>
+              <a:tabLst/>
+            </a:pPr>
+            <a:r>
+              <a:rPr lang="en-GB" sz="900" dirty="0" err="1">
+                <a:solidFill>
+                  <a:schemeClr val="tx2"/>
+                </a:solidFill>
+              </a:rPr>
+              <a:t>Past_Thoughts</a:t>
+            </a:r>
+            <a:endParaRPr kumimoji="0" lang="en-GB" sz="1100" b="1" i="0" u="none" strike="noStrike" cap="none" spc="0" normalizeH="0" baseline="0" dirty="0">
+              <a:ln>
+                <a:noFill/>
+              </a:ln>
+              <a:solidFill>
+                <a:schemeClr val="tx2"/>
+              </a:solidFill>
+              <a:effectLst/>
+              <a:uFillTx/>
+              <a:latin typeface="Helvetica Neue"/>
+              <a:ea typeface="Helvetica Neue"/>
+              <a:cs typeface="Helvetica Neue"/>
+              <a:sym typeface="Helvetica Neue"/>
+            </a:endParaRPr>
+          </a:p>
+        </p:txBody>
+      </p:sp>
+      <p:sp>
+        <p:nvSpPr>
+          <p:cNvPr id="21" name="TextBox 20">
+            <a:extLst>
+              <a:ext uri="{FF2B5EF4-FFF2-40B4-BE49-F238E27FC236}">
+                <a16:creationId xmlns:a16="http://schemas.microsoft.com/office/drawing/2014/main" id="{BC7064EE-9292-F3CD-EFE9-3A0FCE71D5D8}"/>
+              </a:ext>
+            </a:extLst>
+          </p:cNvPr>
+          <p:cNvSpPr txBox="1">
+            <a:spLocks noChangeAspect="1"/>
+          </p:cNvSpPr>
+          <p:nvPr/>
+        </p:nvSpPr>
+        <p:spPr>
+          <a:xfrm>
+            <a:off x="6432177" y="2360581"/>
+            <a:ext cx="2662518" cy="271869"/>
+          </a:xfrm>
+          <a:prstGeom prst="rect">
+            <a:avLst/>
+          </a:prstGeom>
+          <a:noFill/>
+          <a:ln w="12700" cap="flat">
+            <a:noFill/>
+            <a:miter lim="400000"/>
+          </a:ln>
+          <a:effectLst/>
+          <a:sp3d/>
+        </p:spPr>
+        <p:style>
+          <a:lnRef idx="0">
+            <a:scrgbClr r="0" g="0" b="0"/>
+          </a:lnRef>
+          <a:fillRef idx="0">
+            <a:scrgbClr r="0" g="0" b="0"/>
+          </a:fillRef>
+          <a:effectRef idx="0">
+            <a:scrgbClr r="0" g="0" b="0"/>
+          </a:effectRef>
+          <a:fontRef idx="none"/>
+        </p:style>
+        <p:txBody>
+          <a:bodyPr rot="0" spcFirstLastPara="1" vertOverflow="overflow" horzOverflow="overflow" vert="horz" wrap="square" lIns="50800" tIns="50800" rIns="50800" bIns="50800" numCol="1" spcCol="38100" rtlCol="0" anchor="t" anchorCtr="0">
+            <a:noAutofit/>
+          </a:bodyPr>
+          <a:lstStyle/>
+          <a:p>
+            <a:pPr marL="0" marR="0" indent="0" defTabSz="825500" rtl="0" fontAlgn="auto" latinLnBrk="0" hangingPunct="0">
+              <a:lnSpc>
+                <a:spcPct val="100000"/>
+              </a:lnSpc>
+              <a:spcBef>
+                <a:spcPts val="0"/>
+              </a:spcBef>
+              <a:spcAft>
+                <a:spcPts val="0"/>
+              </a:spcAft>
+              <a:buClrTx/>
+              <a:buSzTx/>
+              <a:buFontTx/>
+              <a:buNone/>
+              <a:tabLst/>
+            </a:pPr>
+            <a:r>
+              <a:rPr lang="en-GB" sz="900" dirty="0" err="1">
+                <a:solidFill>
+                  <a:schemeClr val="tx2"/>
+                </a:solidFill>
+              </a:rPr>
+              <a:t>Today_Thoughts</a:t>
+            </a:r>
+            <a:endParaRPr kumimoji="0" lang="en-GB" sz="1100" b="1" i="0" u="none" strike="noStrike" cap="none" spc="0" normalizeH="0" baseline="0" dirty="0">
+              <a:ln>
+                <a:noFill/>
+              </a:ln>
+              <a:solidFill>
+                <a:schemeClr val="tx2"/>
+              </a:solidFill>
+              <a:effectLst/>
+              <a:uFillTx/>
+              <a:latin typeface="Helvetica Neue"/>
+              <a:ea typeface="Helvetica Neue"/>
+              <a:cs typeface="Helvetica Neue"/>
+              <a:sym typeface="Helvetica Neue"/>
+            </a:endParaRPr>
+          </a:p>
+        </p:txBody>
+      </p:sp>
+      <p:sp>
+        <p:nvSpPr>
+          <p:cNvPr id="22" name="TextBox 21">
+            <a:extLst>
+              <a:ext uri="{FF2B5EF4-FFF2-40B4-BE49-F238E27FC236}">
+                <a16:creationId xmlns:a16="http://schemas.microsoft.com/office/drawing/2014/main" id="{E62C4B83-8C82-F2D6-0F30-9753E8A1BB28}"/>
+              </a:ext>
+            </a:extLst>
+          </p:cNvPr>
+          <p:cNvSpPr txBox="1">
+            <a:spLocks noChangeAspect="1"/>
+          </p:cNvSpPr>
+          <p:nvPr/>
+        </p:nvSpPr>
+        <p:spPr>
+          <a:xfrm>
+            <a:off x="9178109" y="2360581"/>
+            <a:ext cx="2662518" cy="271869"/>
+          </a:xfrm>
+          <a:prstGeom prst="rect">
+            <a:avLst/>
+          </a:prstGeom>
+          <a:noFill/>
+          <a:ln w="12700" cap="flat">
+            <a:noFill/>
+            <a:miter lim="400000"/>
+          </a:ln>
+          <a:effectLst/>
+          <a:sp3d/>
+        </p:spPr>
+        <p:style>
+          <a:lnRef idx="0">
+            <a:scrgbClr r="0" g="0" b="0"/>
+          </a:lnRef>
+          <a:fillRef idx="0">
+            <a:scrgbClr r="0" g="0" b="0"/>
+          </a:fillRef>
+          <a:effectRef idx="0">
+            <a:scrgbClr r="0" g="0" b="0"/>
+          </a:effectRef>
+          <a:fontRef idx="none"/>
+        </p:style>
+        <p:txBody>
+          <a:bodyPr rot="0" spcFirstLastPara="1" vertOverflow="overflow" horzOverflow="overflow" vert="horz" wrap="square" lIns="50800" tIns="50800" rIns="50800" bIns="50800" numCol="1" spcCol="38100" rtlCol="0" anchor="t" anchorCtr="0">
+            <a:noAutofit/>
+          </a:bodyPr>
+          <a:lstStyle/>
+          <a:p>
+            <a:pPr marL="0" marR="0" indent="0" defTabSz="825500" rtl="0" fontAlgn="auto" latinLnBrk="0" hangingPunct="0">
+              <a:lnSpc>
+                <a:spcPct val="100000"/>
+              </a:lnSpc>
+              <a:spcBef>
+                <a:spcPts val="0"/>
+              </a:spcBef>
+              <a:spcAft>
+                <a:spcPts val="0"/>
+              </a:spcAft>
+              <a:buClrTx/>
+              <a:buSzTx/>
+              <a:buFontTx/>
+              <a:buNone/>
+              <a:tabLst/>
+            </a:pPr>
+            <a:r>
+              <a:rPr lang="en-GB" sz="900" dirty="0" err="1">
+                <a:solidFill>
+                  <a:schemeClr val="tx2"/>
+                </a:solidFill>
+              </a:rPr>
+              <a:t>Tomorrow_Thoughts</a:t>
+            </a:r>
+            <a:endParaRPr kumimoji="0" lang="en-GB" sz="1100" b="1" i="0" u="none" strike="noStrike" cap="none" spc="0" normalizeH="0" baseline="0" dirty="0">
+              <a:ln>
+                <a:noFill/>
+              </a:ln>
+              <a:solidFill>
+                <a:schemeClr val="tx2"/>
+              </a:solidFill>
+              <a:effectLst/>
+              <a:uFillTx/>
+              <a:latin typeface="Helvetica Neue"/>
+              <a:ea typeface="Helvetica Neue"/>
+              <a:cs typeface="Helvetica Neue"/>
+              <a:sym typeface="Helvetica Neue"/>
+            </a:endParaRPr>
+          </a:p>
+        </p:txBody>
+      </p:sp>
+      <p:sp>
+        <p:nvSpPr>
+          <p:cNvPr id="23" name="TextBox 22">
+            <a:extLst>
+              <a:ext uri="{FF2B5EF4-FFF2-40B4-BE49-F238E27FC236}">
+                <a16:creationId xmlns:a16="http://schemas.microsoft.com/office/drawing/2014/main" id="{0B4E14A2-B652-2FC7-E2B9-25972104968E}"/>
+              </a:ext>
+            </a:extLst>
+          </p:cNvPr>
+          <p:cNvSpPr txBox="1">
+            <a:spLocks noChangeAspect="1"/>
+          </p:cNvSpPr>
+          <p:nvPr/>
+        </p:nvSpPr>
+        <p:spPr>
+          <a:xfrm>
+            <a:off x="3644153" y="3345221"/>
+            <a:ext cx="2662518" cy="271869"/>
+          </a:xfrm>
+          <a:prstGeom prst="rect">
+            <a:avLst/>
+          </a:prstGeom>
+          <a:noFill/>
+          <a:ln w="12700" cap="flat">
+            <a:noFill/>
+            <a:miter lim="400000"/>
+          </a:ln>
+          <a:effectLst/>
+          <a:sp3d/>
+        </p:spPr>
+        <p:style>
+          <a:lnRef idx="0">
+            <a:scrgbClr r="0" g="0" b="0"/>
+          </a:lnRef>
+          <a:fillRef idx="0">
+            <a:scrgbClr r="0" g="0" b="0"/>
+          </a:fillRef>
+          <a:effectRef idx="0">
+            <a:scrgbClr r="0" g="0" b="0"/>
+          </a:effectRef>
+          <a:fontRef idx="none"/>
+        </p:style>
+        <p:txBody>
+          <a:bodyPr rot="0" spcFirstLastPara="1" vertOverflow="overflow" horzOverflow="overflow" vert="horz" wrap="square" lIns="50800" tIns="50800" rIns="50800" bIns="50800" numCol="1" spcCol="38100" rtlCol="0" anchor="t" anchorCtr="0">
+            <a:noAutofit/>
+          </a:bodyPr>
+          <a:lstStyle/>
+          <a:p>
+            <a:pPr marL="0" marR="0" indent="0" defTabSz="825500" rtl="0" fontAlgn="auto" latinLnBrk="0" hangingPunct="0">
+              <a:lnSpc>
+                <a:spcPct val="100000"/>
+              </a:lnSpc>
+              <a:spcBef>
+                <a:spcPts val="0"/>
+              </a:spcBef>
+              <a:spcAft>
+                <a:spcPts val="0"/>
+              </a:spcAft>
+              <a:buClrTx/>
+              <a:buSzTx/>
+              <a:buFontTx/>
+              <a:buNone/>
+              <a:tabLst/>
+            </a:pPr>
+            <a:r>
+              <a:rPr lang="en-GB" sz="900" dirty="0" err="1">
+                <a:solidFill>
+                  <a:schemeClr val="tx2"/>
+                </a:solidFill>
+              </a:rPr>
+              <a:t>Past_Emotions</a:t>
+            </a:r>
+            <a:endParaRPr kumimoji="0" lang="en-GB" sz="1100" b="1" i="0" u="none" strike="noStrike" cap="none" spc="0" normalizeH="0" baseline="0" dirty="0">
+              <a:ln>
+                <a:noFill/>
+              </a:ln>
+              <a:solidFill>
+                <a:schemeClr val="tx2"/>
+              </a:solidFill>
+              <a:effectLst/>
+              <a:uFillTx/>
+              <a:latin typeface="Helvetica Neue"/>
+              <a:ea typeface="Helvetica Neue"/>
+              <a:cs typeface="Helvetica Neue"/>
+              <a:sym typeface="Helvetica Neue"/>
+            </a:endParaRPr>
+          </a:p>
+        </p:txBody>
+      </p:sp>
+      <p:sp>
+        <p:nvSpPr>
+          <p:cNvPr id="24" name="TextBox 23">
+            <a:extLst>
+              <a:ext uri="{FF2B5EF4-FFF2-40B4-BE49-F238E27FC236}">
+                <a16:creationId xmlns:a16="http://schemas.microsoft.com/office/drawing/2014/main" id="{9F8CA735-5B7B-6D60-2E24-200E104EF23E}"/>
+              </a:ext>
+            </a:extLst>
+          </p:cNvPr>
+          <p:cNvSpPr txBox="1">
+            <a:spLocks noChangeAspect="1"/>
+          </p:cNvSpPr>
+          <p:nvPr/>
+        </p:nvSpPr>
+        <p:spPr>
+          <a:xfrm>
+            <a:off x="6432177" y="3345221"/>
+            <a:ext cx="2662518" cy="271869"/>
+          </a:xfrm>
+          <a:prstGeom prst="rect">
+            <a:avLst/>
+          </a:prstGeom>
+          <a:noFill/>
+          <a:ln w="12700" cap="flat">
+            <a:noFill/>
+            <a:miter lim="400000"/>
+          </a:ln>
+          <a:effectLst/>
+          <a:sp3d/>
+        </p:spPr>
+        <p:style>
+          <a:lnRef idx="0">
+            <a:scrgbClr r="0" g="0" b="0"/>
+          </a:lnRef>
+          <a:fillRef idx="0">
+            <a:scrgbClr r="0" g="0" b="0"/>
+          </a:fillRef>
+          <a:effectRef idx="0">
+            <a:scrgbClr r="0" g="0" b="0"/>
+          </a:effectRef>
+          <a:fontRef idx="none"/>
+        </p:style>
+        <p:txBody>
+          <a:bodyPr rot="0" spcFirstLastPara="1" vertOverflow="overflow" horzOverflow="overflow" vert="horz" wrap="square" lIns="50800" tIns="50800" rIns="50800" bIns="50800" numCol="1" spcCol="38100" rtlCol="0" anchor="t" anchorCtr="0">
+            <a:noAutofit/>
+          </a:bodyPr>
+          <a:lstStyle/>
+          <a:p>
+            <a:pPr marL="0" marR="0" indent="0" defTabSz="825500" rtl="0" fontAlgn="auto" latinLnBrk="0" hangingPunct="0">
+              <a:lnSpc>
+                <a:spcPct val="100000"/>
+              </a:lnSpc>
+              <a:spcBef>
+                <a:spcPts val="0"/>
+              </a:spcBef>
+              <a:spcAft>
+                <a:spcPts val="0"/>
+              </a:spcAft>
+              <a:buClrTx/>
+              <a:buSzTx/>
+              <a:buFontTx/>
+              <a:buNone/>
+              <a:tabLst/>
+            </a:pPr>
+            <a:r>
+              <a:rPr lang="en-GB" sz="900" dirty="0" err="1">
+                <a:solidFill>
+                  <a:schemeClr val="tx2"/>
+                </a:solidFill>
+              </a:rPr>
+              <a:t>Today_Emotions</a:t>
+            </a:r>
+            <a:endParaRPr kumimoji="0" lang="en-GB" sz="1100" b="1" i="0" u="none" strike="noStrike" cap="none" spc="0" normalizeH="0" baseline="0" dirty="0">
+              <a:ln>
+                <a:noFill/>
+              </a:ln>
+              <a:solidFill>
+                <a:schemeClr val="tx2"/>
+              </a:solidFill>
+              <a:effectLst/>
+              <a:uFillTx/>
+              <a:latin typeface="Helvetica Neue"/>
+              <a:ea typeface="Helvetica Neue"/>
+              <a:cs typeface="Helvetica Neue"/>
+              <a:sym typeface="Helvetica Neue"/>
+            </a:endParaRPr>
+          </a:p>
+        </p:txBody>
+      </p:sp>
+      <p:sp>
+        <p:nvSpPr>
+          <p:cNvPr id="25" name="TextBox 24">
+            <a:extLst>
+              <a:ext uri="{FF2B5EF4-FFF2-40B4-BE49-F238E27FC236}">
+                <a16:creationId xmlns:a16="http://schemas.microsoft.com/office/drawing/2014/main" id="{6A48B229-39B9-9F39-F417-892652FA6EB6}"/>
+              </a:ext>
+            </a:extLst>
+          </p:cNvPr>
+          <p:cNvSpPr txBox="1">
+            <a:spLocks noChangeAspect="1"/>
+          </p:cNvSpPr>
+          <p:nvPr/>
+        </p:nvSpPr>
+        <p:spPr>
+          <a:xfrm>
+            <a:off x="9178109" y="3345221"/>
+            <a:ext cx="2662518" cy="271869"/>
+          </a:xfrm>
+          <a:prstGeom prst="rect">
+            <a:avLst/>
+          </a:prstGeom>
+          <a:noFill/>
+          <a:ln w="12700" cap="flat">
+            <a:noFill/>
+            <a:miter lim="400000"/>
+          </a:ln>
+          <a:effectLst/>
+          <a:sp3d/>
+        </p:spPr>
+        <p:style>
+          <a:lnRef idx="0">
+            <a:scrgbClr r="0" g="0" b="0"/>
+          </a:lnRef>
+          <a:fillRef idx="0">
+            <a:scrgbClr r="0" g="0" b="0"/>
+          </a:fillRef>
+          <a:effectRef idx="0">
+            <a:scrgbClr r="0" g="0" b="0"/>
+          </a:effectRef>
+          <a:fontRef idx="none"/>
+        </p:style>
+        <p:txBody>
+          <a:bodyPr rot="0" spcFirstLastPara="1" vertOverflow="overflow" horzOverflow="overflow" vert="horz" wrap="square" lIns="50800" tIns="50800" rIns="50800" bIns="50800" numCol="1" spcCol="38100" rtlCol="0" anchor="t" anchorCtr="0">
+            <a:noAutofit/>
+          </a:bodyPr>
+          <a:lstStyle/>
+          <a:p>
+            <a:pPr marL="0" marR="0" indent="0" defTabSz="825500" rtl="0" fontAlgn="auto" latinLnBrk="0" hangingPunct="0">
+              <a:lnSpc>
+                <a:spcPct val="100000"/>
+              </a:lnSpc>
+              <a:spcBef>
+                <a:spcPts val="0"/>
+              </a:spcBef>
+              <a:spcAft>
+                <a:spcPts val="0"/>
+              </a:spcAft>
+              <a:buClrTx/>
+              <a:buSzTx/>
+              <a:buFontTx/>
+              <a:buNone/>
+              <a:tabLst/>
+            </a:pPr>
+            <a:r>
+              <a:rPr lang="en-GB" sz="900" dirty="0" err="1">
+                <a:solidFill>
+                  <a:schemeClr val="tx2"/>
+                </a:solidFill>
+              </a:rPr>
+              <a:t>Tomorrow_Emotions</a:t>
+            </a:r>
+            <a:endParaRPr kumimoji="0" lang="en-GB" sz="1100" b="1" i="0" u="none" strike="noStrike" cap="none" spc="0" normalizeH="0" baseline="0" dirty="0">
+              <a:ln>
+                <a:noFill/>
+              </a:ln>
+              <a:solidFill>
+                <a:schemeClr val="tx2"/>
+              </a:solidFill>
+              <a:effectLst/>
+              <a:uFillTx/>
+              <a:latin typeface="Helvetica Neue"/>
+              <a:ea typeface="Helvetica Neue"/>
+              <a:cs typeface="Helvetica Neue"/>
+              <a:sym typeface="Helvetica Neue"/>
+            </a:endParaRPr>
+          </a:p>
+        </p:txBody>
+      </p:sp>
+      <p:sp>
+        <p:nvSpPr>
+          <p:cNvPr id="26" name="TextBox 25">
+            <a:extLst>
+              <a:ext uri="{FF2B5EF4-FFF2-40B4-BE49-F238E27FC236}">
+                <a16:creationId xmlns:a16="http://schemas.microsoft.com/office/drawing/2014/main" id="{674CEEE3-D94B-1A90-C957-446386A69323}"/>
+              </a:ext>
+            </a:extLst>
+          </p:cNvPr>
+          <p:cNvSpPr txBox="1">
+            <a:spLocks noChangeAspect="1"/>
+          </p:cNvSpPr>
+          <p:nvPr/>
+        </p:nvSpPr>
+        <p:spPr>
+          <a:xfrm>
+            <a:off x="3644153" y="4225551"/>
+            <a:ext cx="2662518" cy="271869"/>
+          </a:xfrm>
+          <a:prstGeom prst="rect">
+            <a:avLst/>
+          </a:prstGeom>
+          <a:noFill/>
+          <a:ln w="12700" cap="flat">
+            <a:noFill/>
+            <a:miter lim="400000"/>
+          </a:ln>
+          <a:effectLst/>
+          <a:sp3d/>
+        </p:spPr>
+        <p:style>
+          <a:lnRef idx="0">
+            <a:scrgbClr r="0" g="0" b="0"/>
+          </a:lnRef>
+          <a:fillRef idx="0">
+            <a:scrgbClr r="0" g="0" b="0"/>
+          </a:fillRef>
+          <a:effectRef idx="0">
+            <a:scrgbClr r="0" g="0" b="0"/>
+          </a:effectRef>
+          <a:fontRef idx="none"/>
+        </p:style>
+        <p:txBody>
+          <a:bodyPr rot="0" spcFirstLastPara="1" vertOverflow="overflow" horzOverflow="overflow" vert="horz" wrap="square" lIns="50800" tIns="50800" rIns="50800" bIns="50800" numCol="1" spcCol="38100" rtlCol="0" anchor="t" anchorCtr="0">
+            <a:noAutofit/>
+          </a:bodyPr>
+          <a:lstStyle/>
+          <a:p>
+            <a:pPr marL="0" marR="0" indent="0" defTabSz="825500" rtl="0" fontAlgn="auto" latinLnBrk="0" hangingPunct="0">
+              <a:lnSpc>
+                <a:spcPct val="100000"/>
+              </a:lnSpc>
+              <a:spcBef>
+                <a:spcPts val="0"/>
+              </a:spcBef>
+              <a:spcAft>
+                <a:spcPts val="0"/>
+              </a:spcAft>
+              <a:buClrTx/>
+              <a:buSzTx/>
+              <a:buFontTx/>
+              <a:buNone/>
+              <a:tabLst/>
+            </a:pPr>
+            <a:r>
+              <a:rPr lang="en-GB" sz="900" dirty="0" err="1">
+                <a:solidFill>
+                  <a:schemeClr val="tx2"/>
+                </a:solidFill>
+              </a:rPr>
+              <a:t>Past_Needs</a:t>
+            </a:r>
+            <a:endParaRPr kumimoji="0" lang="en-GB" sz="1100" b="1" i="0" u="none" strike="noStrike" cap="none" spc="0" normalizeH="0" baseline="0" dirty="0">
+              <a:ln>
+                <a:noFill/>
+              </a:ln>
+              <a:solidFill>
+                <a:schemeClr val="tx2"/>
+              </a:solidFill>
+              <a:effectLst/>
+              <a:uFillTx/>
+              <a:latin typeface="Helvetica Neue"/>
+              <a:ea typeface="Helvetica Neue"/>
+              <a:cs typeface="Helvetica Neue"/>
+              <a:sym typeface="Helvetica Neue"/>
+            </a:endParaRPr>
+          </a:p>
+        </p:txBody>
+      </p:sp>
+      <p:sp>
+        <p:nvSpPr>
+          <p:cNvPr id="27" name="TextBox 26">
+            <a:extLst>
+              <a:ext uri="{FF2B5EF4-FFF2-40B4-BE49-F238E27FC236}">
+                <a16:creationId xmlns:a16="http://schemas.microsoft.com/office/drawing/2014/main" id="{C570F475-2B5C-A4AE-D692-0410AD865E85}"/>
+              </a:ext>
+            </a:extLst>
+          </p:cNvPr>
+          <p:cNvSpPr txBox="1">
+            <a:spLocks noChangeAspect="1"/>
+          </p:cNvSpPr>
+          <p:nvPr/>
+        </p:nvSpPr>
+        <p:spPr>
+          <a:xfrm>
+            <a:off x="6432177" y="4225551"/>
+            <a:ext cx="2662518" cy="271869"/>
+          </a:xfrm>
+          <a:prstGeom prst="rect">
+            <a:avLst/>
+          </a:prstGeom>
+          <a:noFill/>
+          <a:ln w="12700" cap="flat">
+            <a:noFill/>
+            <a:miter lim="400000"/>
+          </a:ln>
+          <a:effectLst/>
+          <a:sp3d/>
+        </p:spPr>
+        <p:style>
+          <a:lnRef idx="0">
+            <a:scrgbClr r="0" g="0" b="0"/>
+          </a:lnRef>
+          <a:fillRef idx="0">
+            <a:scrgbClr r="0" g="0" b="0"/>
+          </a:fillRef>
+          <a:effectRef idx="0">
+            <a:scrgbClr r="0" g="0" b="0"/>
+          </a:effectRef>
+          <a:fontRef idx="none"/>
+        </p:style>
+        <p:txBody>
+          <a:bodyPr rot="0" spcFirstLastPara="1" vertOverflow="overflow" horzOverflow="overflow" vert="horz" wrap="square" lIns="50800" tIns="50800" rIns="50800" bIns="50800" numCol="1" spcCol="38100" rtlCol="0" anchor="t" anchorCtr="0">
+            <a:noAutofit/>
+          </a:bodyPr>
+          <a:lstStyle/>
+          <a:p>
+            <a:pPr marL="0" marR="0" indent="0" defTabSz="825500" rtl="0" fontAlgn="auto" latinLnBrk="0" hangingPunct="0">
+              <a:lnSpc>
+                <a:spcPct val="100000"/>
+              </a:lnSpc>
+              <a:spcBef>
+                <a:spcPts val="0"/>
+              </a:spcBef>
+              <a:spcAft>
+                <a:spcPts val="0"/>
+              </a:spcAft>
+              <a:buClrTx/>
+              <a:buSzTx/>
+              <a:buFontTx/>
+              <a:buNone/>
+              <a:tabLst/>
+            </a:pPr>
+            <a:r>
+              <a:rPr lang="en-GB" sz="900" dirty="0" err="1">
+                <a:solidFill>
+                  <a:schemeClr val="tx2"/>
+                </a:solidFill>
+              </a:rPr>
+              <a:t>Today_Needs</a:t>
+            </a:r>
+            <a:endParaRPr kumimoji="0" lang="en-GB" sz="1100" b="1" i="0" u="none" strike="noStrike" cap="none" spc="0" normalizeH="0" baseline="0" dirty="0">
+              <a:ln>
+                <a:noFill/>
+              </a:ln>
+              <a:solidFill>
+                <a:schemeClr val="tx2"/>
+              </a:solidFill>
+              <a:effectLst/>
+              <a:uFillTx/>
+              <a:latin typeface="Helvetica Neue"/>
+              <a:ea typeface="Helvetica Neue"/>
+              <a:cs typeface="Helvetica Neue"/>
+              <a:sym typeface="Helvetica Neue"/>
+            </a:endParaRPr>
+          </a:p>
+        </p:txBody>
+      </p:sp>
+      <p:sp>
+        <p:nvSpPr>
+          <p:cNvPr id="28" name="TextBox 27">
+            <a:extLst>
+              <a:ext uri="{FF2B5EF4-FFF2-40B4-BE49-F238E27FC236}">
+                <a16:creationId xmlns:a16="http://schemas.microsoft.com/office/drawing/2014/main" id="{AF976C89-937D-099C-37FD-C934EE464E85}"/>
+              </a:ext>
+            </a:extLst>
+          </p:cNvPr>
+          <p:cNvSpPr txBox="1">
+            <a:spLocks noChangeAspect="1"/>
+          </p:cNvSpPr>
+          <p:nvPr/>
+        </p:nvSpPr>
+        <p:spPr>
+          <a:xfrm>
+            <a:off x="9178109" y="4225551"/>
+            <a:ext cx="2662518" cy="271869"/>
+          </a:xfrm>
+          <a:prstGeom prst="rect">
+            <a:avLst/>
+          </a:prstGeom>
+          <a:noFill/>
+          <a:ln w="12700" cap="flat">
+            <a:noFill/>
+            <a:miter lim="400000"/>
+          </a:ln>
+          <a:effectLst/>
+          <a:sp3d/>
+        </p:spPr>
+        <p:style>
+          <a:lnRef idx="0">
+            <a:scrgbClr r="0" g="0" b="0"/>
+          </a:lnRef>
+          <a:fillRef idx="0">
+            <a:scrgbClr r="0" g="0" b="0"/>
+          </a:fillRef>
+          <a:effectRef idx="0">
+            <a:scrgbClr r="0" g="0" b="0"/>
+          </a:effectRef>
+          <a:fontRef idx="none"/>
+        </p:style>
+        <p:txBody>
+          <a:bodyPr rot="0" spcFirstLastPara="1" vertOverflow="overflow" horzOverflow="overflow" vert="horz" wrap="square" lIns="50800" tIns="50800" rIns="50800" bIns="50800" numCol="1" spcCol="38100" rtlCol="0" anchor="t" anchorCtr="0">
+            <a:noAutofit/>
+          </a:bodyPr>
+          <a:lstStyle/>
+          <a:p>
+            <a:pPr marL="0" marR="0" indent="0" defTabSz="825500" rtl="0" fontAlgn="auto" latinLnBrk="0" hangingPunct="0">
+              <a:lnSpc>
+                <a:spcPct val="100000"/>
+              </a:lnSpc>
+              <a:spcBef>
+                <a:spcPts val="0"/>
+              </a:spcBef>
+              <a:spcAft>
+                <a:spcPts val="0"/>
+              </a:spcAft>
+              <a:buClrTx/>
+              <a:buSzTx/>
+              <a:buFontTx/>
+              <a:buNone/>
+              <a:tabLst/>
+            </a:pPr>
+            <a:r>
+              <a:rPr lang="en-GB" sz="900" dirty="0" err="1">
+                <a:solidFill>
+                  <a:schemeClr val="tx2"/>
+                </a:solidFill>
+              </a:rPr>
+              <a:t>Tomorrow_Needs</a:t>
+            </a:r>
+            <a:endParaRPr kumimoji="0" lang="en-GB" sz="1100" b="1" i="0" u="none" strike="noStrike" cap="none" spc="0" normalizeH="0" baseline="0" dirty="0">
+              <a:ln>
+                <a:noFill/>
+              </a:ln>
+              <a:solidFill>
+                <a:schemeClr val="tx2"/>
+              </a:solidFill>
+              <a:effectLst/>
+              <a:uFillTx/>
+              <a:latin typeface="Helvetica Neue"/>
+              <a:ea typeface="Helvetica Neue"/>
+              <a:cs typeface="Helvetica Neue"/>
+              <a:sym typeface="Helvetica Neue"/>
+            </a:endParaRPr>
+          </a:p>
+        </p:txBody>
+      </p:sp>
+      <p:sp>
+        <p:nvSpPr>
+          <p:cNvPr id="29" name="TextBox 28">
+            <a:extLst>
+              <a:ext uri="{FF2B5EF4-FFF2-40B4-BE49-F238E27FC236}">
+                <a16:creationId xmlns:a16="http://schemas.microsoft.com/office/drawing/2014/main" id="{780003A8-9AC3-0381-18B5-E4273CAADB4D}"/>
+              </a:ext>
+            </a:extLst>
+          </p:cNvPr>
+          <p:cNvSpPr txBox="1">
+            <a:spLocks noChangeAspect="1"/>
+          </p:cNvSpPr>
+          <p:nvPr/>
+        </p:nvSpPr>
+        <p:spPr>
+          <a:xfrm>
+            <a:off x="3644153" y="5105881"/>
+            <a:ext cx="2662518" cy="271869"/>
+          </a:xfrm>
+          <a:prstGeom prst="rect">
+            <a:avLst/>
+          </a:prstGeom>
+          <a:noFill/>
+          <a:ln w="12700" cap="flat">
+            <a:noFill/>
+            <a:miter lim="400000"/>
+          </a:ln>
+          <a:effectLst/>
+          <a:sp3d/>
+        </p:spPr>
+        <p:style>
+          <a:lnRef idx="0">
+            <a:scrgbClr r="0" g="0" b="0"/>
+          </a:lnRef>
+          <a:fillRef idx="0">
+            <a:scrgbClr r="0" g="0" b="0"/>
+          </a:fillRef>
+          <a:effectRef idx="0">
+            <a:scrgbClr r="0" g="0" b="0"/>
+          </a:effectRef>
+          <a:fontRef idx="none"/>
+        </p:style>
+        <p:txBody>
+          <a:bodyPr rot="0" spcFirstLastPara="1" vertOverflow="overflow" horzOverflow="overflow" vert="horz" wrap="square" lIns="50800" tIns="50800" rIns="50800" bIns="50800" numCol="1" spcCol="38100" rtlCol="0" anchor="t" anchorCtr="0">
+            <a:noAutofit/>
+          </a:bodyPr>
+          <a:lstStyle/>
+          <a:p>
+            <a:pPr marL="0" marR="0" indent="0" defTabSz="825500" rtl="0" fontAlgn="auto" latinLnBrk="0" hangingPunct="0">
+              <a:lnSpc>
+                <a:spcPct val="100000"/>
+              </a:lnSpc>
+              <a:spcBef>
+                <a:spcPts val="0"/>
+              </a:spcBef>
+              <a:spcAft>
+                <a:spcPts val="0"/>
+              </a:spcAft>
+              <a:buClrTx/>
+              <a:buSzTx/>
+              <a:buFontTx/>
+              <a:buNone/>
+              <a:tabLst/>
+            </a:pPr>
+            <a:r>
+              <a:rPr lang="en-GB" sz="900" dirty="0" err="1">
+                <a:solidFill>
+                  <a:schemeClr val="tx2"/>
+                </a:solidFill>
+              </a:rPr>
+              <a:t>Past_Pain_points_or_Resistance</a:t>
+            </a:r>
+            <a:endParaRPr kumimoji="0" lang="en-GB" sz="1100" b="1" i="0" u="none" strike="noStrike" cap="none" spc="0" normalizeH="0" baseline="0" dirty="0">
+              <a:ln>
+                <a:noFill/>
+              </a:ln>
+              <a:solidFill>
+                <a:schemeClr val="tx2"/>
+              </a:solidFill>
+              <a:effectLst/>
+              <a:uFillTx/>
+              <a:latin typeface="Helvetica Neue"/>
+              <a:ea typeface="Helvetica Neue"/>
+              <a:cs typeface="Helvetica Neue"/>
+              <a:sym typeface="Helvetica Neue"/>
+            </a:endParaRPr>
+          </a:p>
+        </p:txBody>
+      </p:sp>
+      <p:sp>
+        <p:nvSpPr>
+          <p:cNvPr id="30" name="TextBox 29">
+            <a:extLst>
+              <a:ext uri="{FF2B5EF4-FFF2-40B4-BE49-F238E27FC236}">
+                <a16:creationId xmlns:a16="http://schemas.microsoft.com/office/drawing/2014/main" id="{C55D66C4-A082-994D-53E5-E511403E5A8F}"/>
+              </a:ext>
+            </a:extLst>
+          </p:cNvPr>
+          <p:cNvSpPr txBox="1">
+            <a:spLocks noChangeAspect="1"/>
+          </p:cNvSpPr>
+          <p:nvPr/>
+        </p:nvSpPr>
+        <p:spPr>
+          <a:xfrm>
+            <a:off x="6432177" y="5105881"/>
+            <a:ext cx="2662518" cy="271869"/>
+          </a:xfrm>
+          <a:prstGeom prst="rect">
+            <a:avLst/>
+          </a:prstGeom>
+          <a:noFill/>
+          <a:ln w="12700" cap="flat">
+            <a:noFill/>
+            <a:miter lim="400000"/>
+          </a:ln>
+          <a:effectLst/>
+          <a:sp3d/>
+        </p:spPr>
+        <p:style>
+          <a:lnRef idx="0">
+            <a:scrgbClr r="0" g="0" b="0"/>
+          </a:lnRef>
+          <a:fillRef idx="0">
+            <a:scrgbClr r="0" g="0" b="0"/>
+          </a:fillRef>
+          <a:effectRef idx="0">
+            <a:scrgbClr r="0" g="0" b="0"/>
+          </a:effectRef>
+          <a:fontRef idx="none"/>
+        </p:style>
+        <p:txBody>
+          <a:bodyPr rot="0" spcFirstLastPara="1" vertOverflow="overflow" horzOverflow="overflow" vert="horz" wrap="square" lIns="50800" tIns="50800" rIns="50800" bIns="50800" numCol="1" spcCol="38100" rtlCol="0" anchor="t" anchorCtr="0">
+            <a:noAutofit/>
+          </a:bodyPr>
+          <a:lstStyle/>
+          <a:p>
+            <a:pPr marL="0" marR="0" indent="0" defTabSz="825500" rtl="0" fontAlgn="auto" latinLnBrk="0" hangingPunct="0">
+              <a:lnSpc>
+                <a:spcPct val="100000"/>
+              </a:lnSpc>
+              <a:spcBef>
+                <a:spcPts val="0"/>
+              </a:spcBef>
+              <a:spcAft>
+                <a:spcPts val="0"/>
+              </a:spcAft>
+              <a:buClrTx/>
+              <a:buSzTx/>
+              <a:buFontTx/>
+              <a:buNone/>
+              <a:tabLst/>
+            </a:pPr>
+            <a:r>
+              <a:rPr lang="en-GB" sz="900" dirty="0" err="1">
+                <a:solidFill>
+                  <a:schemeClr val="tx2"/>
+                </a:solidFill>
+              </a:rPr>
+              <a:t>Today_Pain_points_or_Resistance</a:t>
+            </a:r>
+            <a:endParaRPr kumimoji="0" lang="en-GB" sz="1100" b="1" i="0" u="none" strike="noStrike" cap="none" spc="0" normalizeH="0" baseline="0" dirty="0">
+              <a:ln>
+                <a:noFill/>
+              </a:ln>
+              <a:solidFill>
+                <a:schemeClr val="tx2"/>
+              </a:solidFill>
+              <a:effectLst/>
+              <a:uFillTx/>
+              <a:latin typeface="Helvetica Neue"/>
+              <a:ea typeface="Helvetica Neue"/>
+              <a:cs typeface="Helvetica Neue"/>
+              <a:sym typeface="Helvetica Neue"/>
+            </a:endParaRPr>
+          </a:p>
+        </p:txBody>
+      </p:sp>
+      <p:sp>
+        <p:nvSpPr>
+          <p:cNvPr id="31" name="TextBox 30">
+            <a:extLst>
+              <a:ext uri="{FF2B5EF4-FFF2-40B4-BE49-F238E27FC236}">
+                <a16:creationId xmlns:a16="http://schemas.microsoft.com/office/drawing/2014/main" id="{6CC4BEA4-5B3C-FFBE-66C0-94559E288F2D}"/>
+              </a:ext>
+            </a:extLst>
+          </p:cNvPr>
+          <p:cNvSpPr txBox="1">
+            <a:spLocks noChangeAspect="1"/>
+          </p:cNvSpPr>
+          <p:nvPr/>
+        </p:nvSpPr>
+        <p:spPr>
+          <a:xfrm>
+            <a:off x="9178109" y="5105881"/>
+            <a:ext cx="2662518" cy="271869"/>
+          </a:xfrm>
+          <a:prstGeom prst="rect">
+            <a:avLst/>
+          </a:prstGeom>
+          <a:noFill/>
+          <a:ln w="12700" cap="flat">
+            <a:noFill/>
+            <a:miter lim="400000"/>
+          </a:ln>
+          <a:effectLst/>
+          <a:sp3d/>
+        </p:spPr>
+        <p:style>
+          <a:lnRef idx="0">
+            <a:scrgbClr r="0" g="0" b="0"/>
+          </a:lnRef>
+          <a:fillRef idx="0">
+            <a:scrgbClr r="0" g="0" b="0"/>
+          </a:fillRef>
+          <a:effectRef idx="0">
+            <a:scrgbClr r="0" g="0" b="0"/>
+          </a:effectRef>
+          <a:fontRef idx="none"/>
+        </p:style>
+        <p:txBody>
+          <a:bodyPr rot="0" spcFirstLastPara="1" vertOverflow="overflow" horzOverflow="overflow" vert="horz" wrap="square" lIns="50800" tIns="50800" rIns="50800" bIns="50800" numCol="1" spcCol="38100" rtlCol="0" anchor="t" anchorCtr="0">
+            <a:noAutofit/>
+          </a:bodyPr>
+          <a:lstStyle/>
+          <a:p>
+            <a:pPr marL="0" marR="0" indent="0" defTabSz="825500" rtl="0" fontAlgn="auto" latinLnBrk="0" hangingPunct="0">
+              <a:lnSpc>
+                <a:spcPct val="100000"/>
+              </a:lnSpc>
+              <a:spcBef>
+                <a:spcPts val="0"/>
+              </a:spcBef>
+              <a:spcAft>
+                <a:spcPts val="0"/>
+              </a:spcAft>
+              <a:buClrTx/>
+              <a:buSzTx/>
+              <a:buFontTx/>
+              <a:buNone/>
+              <a:tabLst/>
+            </a:pPr>
+            <a:r>
+              <a:rPr lang="en-GB" sz="900" dirty="0" err="1">
+                <a:solidFill>
+                  <a:schemeClr val="tx2"/>
+                </a:solidFill>
+              </a:rPr>
+              <a:t>Tomorrow_Pain_points_or_Resistance</a:t>
+            </a:r>
+            <a:endParaRPr kumimoji="0" lang="en-GB" sz="1100" b="1" i="0" u="none" strike="noStrike" cap="none" spc="0" normalizeH="0" baseline="0" dirty="0">
+              <a:ln>
+                <a:noFill/>
+              </a:ln>
+              <a:solidFill>
+                <a:schemeClr val="tx2"/>
+              </a:solidFill>
+              <a:effectLst/>
+              <a:uFillTx/>
+              <a:latin typeface="Helvetica Neue"/>
+              <a:ea typeface="Helvetica Neue"/>
+              <a:cs typeface="Helvetica Neue"/>
+              <a:sym typeface="Helvetica Neue"/>
+            </a:endParaRPr>
+          </a:p>
+        </p:txBody>
+      </p:sp>
+      <p:sp>
+        <p:nvSpPr>
+          <p:cNvPr id="32" name="TextBox 31">
+            <a:extLst>
+              <a:ext uri="{FF2B5EF4-FFF2-40B4-BE49-F238E27FC236}">
+                <a16:creationId xmlns:a16="http://schemas.microsoft.com/office/drawing/2014/main" id="{209E8D1D-8E3B-7BCA-55D0-9006CF15648F}"/>
+              </a:ext>
+            </a:extLst>
+          </p:cNvPr>
+          <p:cNvSpPr txBox="1">
+            <a:spLocks noChangeAspect="1"/>
+          </p:cNvSpPr>
+          <p:nvPr/>
+        </p:nvSpPr>
+        <p:spPr>
+          <a:xfrm>
+            <a:off x="3641907" y="6028168"/>
+            <a:ext cx="7929282" cy="697340"/>
+          </a:xfrm>
+          <a:prstGeom prst="rect">
+            <a:avLst/>
+          </a:prstGeom>
+          <a:noFill/>
+          <a:ln w="12700" cap="flat">
+            <a:noFill/>
+            <a:miter lim="400000"/>
+          </a:ln>
+          <a:effectLst/>
+          <a:sp3d/>
+        </p:spPr>
+        <p:style>
+          <a:lnRef idx="0">
+            <a:scrgbClr r="0" g="0" b="0"/>
+          </a:lnRef>
+          <a:fillRef idx="0">
+            <a:scrgbClr r="0" g="0" b="0"/>
+          </a:fillRef>
+          <a:effectRef idx="0">
+            <a:scrgbClr r="0" g="0" b="0"/>
+          </a:effectRef>
+          <a:fontRef idx="none"/>
+        </p:style>
+        <p:txBody>
+          <a:bodyPr rot="0" spcFirstLastPara="1" vertOverflow="overflow" horzOverflow="overflow" vert="horz" wrap="square" lIns="50800" tIns="50800" rIns="50800" bIns="50800" numCol="1" spcCol="38100" rtlCol="0" anchor="t" anchorCtr="0">
+            <a:noAutofit/>
+          </a:bodyPr>
+          <a:lstStyle/>
+          <a:p>
+            <a:pPr marL="0" marR="0" indent="0" defTabSz="825500" rtl="0" fontAlgn="auto" latinLnBrk="0" hangingPunct="0">
+              <a:lnSpc>
+                <a:spcPct val="100000"/>
+              </a:lnSpc>
+              <a:spcBef>
+                <a:spcPts val="0"/>
+              </a:spcBef>
+              <a:spcAft>
+                <a:spcPts val="0"/>
+              </a:spcAft>
+              <a:buClrTx/>
+              <a:buSzTx/>
+              <a:buFontTx/>
+              <a:buNone/>
+              <a:tabLst/>
+            </a:pPr>
+            <a:r>
+              <a:rPr lang="en-GB" sz="1600" dirty="0" err="1">
+                <a:solidFill>
+                  <a:schemeClr val="tx2"/>
+                </a:solidFill>
+              </a:rPr>
+              <a:t>Whats_in_it_for_me</a:t>
+            </a:r>
+            <a:endParaRPr kumimoji="0" lang="en-GB" sz="2400" b="1" i="0" u="none" strike="noStrike" cap="none" spc="0" normalizeH="0" baseline="0" dirty="0">
+              <a:ln>
+                <a:noFill/>
+              </a:ln>
+              <a:solidFill>
+                <a:schemeClr val="tx2"/>
+              </a:solidFill>
+              <a:effectLst/>
+              <a:uFillTx/>
+              <a:latin typeface="Helvetica Neue"/>
+              <a:ea typeface="Helvetica Neue"/>
+              <a:cs typeface="Helvetica Neue"/>
+              <a:sym typeface="Helvetica Neue"/>
+            </a:endParaRPr>
+          </a:p>
+        </p:txBody>
+      </p:sp>
     </p:spTree>
     <p:extLst>
       <p:ext uri="{BB962C8B-B14F-4D97-AF65-F5344CB8AC3E}">
-        <p14:creationId xmlns:p14="http://schemas.microsoft.com/office/powerpoint/2010/main" val="889744641"/>
+        <p14:creationId xmlns:p14="http://schemas.microsoft.com/office/powerpoint/2010/main" val="2126189883"/>
       </p:ext>
     </p:extLst>
   </p:cSld>

--- a/OMP_persona_template.pptx
+++ b/OMP_persona_template.pptx
@@ -145,12 +145,12 @@
   <pc:docChgLst>
     <pc:chgData name="Arbour, Duncan" userId="f8c76c83-f09a-4702-8a60-e00215c8b89f" providerId="ADAL" clId="{79FBE680-AC33-DD45-8A51-7A9D51ED4331}"/>
     <pc:docChg chg="undo custSel addSld delSld modSld">
-      <pc:chgData name="Arbour, Duncan" userId="f8c76c83-f09a-4702-8a60-e00215c8b89f" providerId="ADAL" clId="{79FBE680-AC33-DD45-8A51-7A9D51ED4331}" dt="2024-11-07T15:45:58.399" v="89" actId="2890"/>
+      <pc:chgData name="Arbour, Duncan" userId="f8c76c83-f09a-4702-8a60-e00215c8b89f" providerId="ADAL" clId="{79FBE680-AC33-DD45-8A51-7A9D51ED4331}" dt="2024-11-07T15:55:12.547" v="111" actId="2890"/>
       <pc:docMkLst>
         <pc:docMk/>
       </pc:docMkLst>
       <pc:sldChg chg="modSp mod modNotesTx">
-        <pc:chgData name="Arbour, Duncan" userId="f8c76c83-f09a-4702-8a60-e00215c8b89f" providerId="ADAL" clId="{79FBE680-AC33-DD45-8A51-7A9D51ED4331}" dt="2024-11-07T15:45:42.867" v="79" actId="20577"/>
+        <pc:chgData name="Arbour, Duncan" userId="f8c76c83-f09a-4702-8a60-e00215c8b89f" providerId="ADAL" clId="{79FBE680-AC33-DD45-8A51-7A9D51ED4331}" dt="2024-11-07T15:54:42.643" v="91" actId="3064"/>
         <pc:sldMkLst>
           <pc:docMk/>
           <pc:sldMk cId="1466786859" sldId="6151"/>
@@ -180,7 +180,7 @@
           </ac:spMkLst>
         </pc:spChg>
         <pc:spChg chg="mod">
-          <ac:chgData name="Arbour, Duncan" userId="f8c76c83-f09a-4702-8a60-e00215c8b89f" providerId="ADAL" clId="{79FBE680-AC33-DD45-8A51-7A9D51ED4331}" dt="2024-11-07T15:33:39.835" v="63" actId="20577"/>
+          <ac:chgData name="Arbour, Duncan" userId="f8c76c83-f09a-4702-8a60-e00215c8b89f" providerId="ADAL" clId="{79FBE680-AC33-DD45-8A51-7A9D51ED4331}" dt="2024-11-07T15:54:42.643" v="91" actId="3064"/>
           <ac:spMkLst>
             <pc:docMk/>
             <pc:sldMk cId="1466786859" sldId="6151"/>
@@ -196,6 +196,13 @@
           </ac:spMkLst>
         </pc:spChg>
       </pc:sldChg>
+      <pc:sldChg chg="add">
+        <pc:chgData name="Arbour, Duncan" userId="f8c76c83-f09a-4702-8a60-e00215c8b89f" providerId="ADAL" clId="{79FBE680-AC33-DD45-8A51-7A9D51ED4331}" dt="2024-11-07T15:55:05.282" v="102" actId="2890"/>
+        <pc:sldMkLst>
+          <pc:docMk/>
+          <pc:sldMk cId="105325449" sldId="6152"/>
+        </pc:sldMkLst>
+      </pc:sldChg>
       <pc:sldChg chg="add del">
         <pc:chgData name="Arbour, Duncan" userId="f8c76c83-f09a-4702-8a60-e00215c8b89f" providerId="ADAL" clId="{79FBE680-AC33-DD45-8A51-7A9D51ED4331}" dt="2024-11-07T15:43:22.609" v="64" actId="2696"/>
         <pc:sldMkLst>
@@ -203,8 +210,8 @@
           <pc:sldMk cId="2597352946" sldId="6152"/>
         </pc:sldMkLst>
       </pc:sldChg>
-      <pc:sldChg chg="add">
-        <pc:chgData name="Arbour, Duncan" userId="f8c76c83-f09a-4702-8a60-e00215c8b89f" providerId="ADAL" clId="{79FBE680-AC33-DD45-8A51-7A9D51ED4331}" dt="2024-11-07T15:45:50.719" v="80" actId="2890"/>
+      <pc:sldChg chg="add del">
+        <pc:chgData name="Arbour, Duncan" userId="f8c76c83-f09a-4702-8a60-e00215c8b89f" providerId="ADAL" clId="{79FBE680-AC33-DD45-8A51-7A9D51ED4331}" dt="2024-11-07T15:55:00.936" v="92" actId="2696"/>
         <pc:sldMkLst>
           <pc:docMk/>
           <pc:sldMk cId="3385374808" sldId="6152"/>
@@ -224,11 +231,18 @@
           <pc:sldMk cId="2661160807" sldId="6153"/>
         </pc:sldMkLst>
       </pc:sldChg>
-      <pc:sldChg chg="add">
-        <pc:chgData name="Arbour, Duncan" userId="f8c76c83-f09a-4702-8a60-e00215c8b89f" providerId="ADAL" clId="{79FBE680-AC33-DD45-8A51-7A9D51ED4331}" dt="2024-11-07T15:45:52.048" v="81" actId="2890"/>
+      <pc:sldChg chg="add del">
+        <pc:chgData name="Arbour, Duncan" userId="f8c76c83-f09a-4702-8a60-e00215c8b89f" providerId="ADAL" clId="{79FBE680-AC33-DD45-8A51-7A9D51ED4331}" dt="2024-11-07T15:55:01.043" v="93" actId="2696"/>
         <pc:sldMkLst>
           <pc:docMk/>
           <pc:sldMk cId="2753195189" sldId="6153"/>
+        </pc:sldMkLst>
+      </pc:sldChg>
+      <pc:sldChg chg="add">
+        <pc:chgData name="Arbour, Duncan" userId="f8c76c83-f09a-4702-8a60-e00215c8b89f" providerId="ADAL" clId="{79FBE680-AC33-DD45-8A51-7A9D51ED4331}" dt="2024-11-07T15:55:06.218" v="103" actId="2890"/>
+        <pc:sldMkLst>
+          <pc:docMk/>
+          <pc:sldMk cId="3565433887" sldId="6153"/>
         </pc:sldMkLst>
       </pc:sldChg>
       <pc:sldChg chg="add del">
@@ -238,8 +252,8 @@
           <pc:sldMk cId="3691499587" sldId="6153"/>
         </pc:sldMkLst>
       </pc:sldChg>
-      <pc:sldChg chg="add">
-        <pc:chgData name="Arbour, Duncan" userId="f8c76c83-f09a-4702-8a60-e00215c8b89f" providerId="ADAL" clId="{79FBE680-AC33-DD45-8A51-7A9D51ED4331}" dt="2024-11-07T15:45:52.731" v="82" actId="2890"/>
+      <pc:sldChg chg="add del">
+        <pc:chgData name="Arbour, Duncan" userId="f8c76c83-f09a-4702-8a60-e00215c8b89f" providerId="ADAL" clId="{79FBE680-AC33-DD45-8A51-7A9D51ED4331}" dt="2024-11-07T15:55:01.185" v="98" actId="2696"/>
         <pc:sldMkLst>
           <pc:docMk/>
           <pc:sldMk cId="395437832" sldId="6154"/>
@@ -259,6 +273,20 @@
           <pc:sldMk cId="3586553846" sldId="6154"/>
         </pc:sldMkLst>
       </pc:sldChg>
+      <pc:sldChg chg="add">
+        <pc:chgData name="Arbour, Duncan" userId="f8c76c83-f09a-4702-8a60-e00215c8b89f" providerId="ADAL" clId="{79FBE680-AC33-DD45-8A51-7A9D51ED4331}" dt="2024-11-07T15:55:06.973" v="104" actId="2890"/>
+        <pc:sldMkLst>
+          <pc:docMk/>
+          <pc:sldMk cId="4229828700" sldId="6154"/>
+        </pc:sldMkLst>
+      </pc:sldChg>
+      <pc:sldChg chg="add">
+        <pc:chgData name="Arbour, Duncan" userId="f8c76c83-f09a-4702-8a60-e00215c8b89f" providerId="ADAL" clId="{79FBE680-AC33-DD45-8A51-7A9D51ED4331}" dt="2024-11-07T15:55:07.757" v="105" actId="2890"/>
+        <pc:sldMkLst>
+          <pc:docMk/>
+          <pc:sldMk cId="61954590" sldId="6155"/>
+        </pc:sldMkLst>
+      </pc:sldChg>
       <pc:sldChg chg="add del">
         <pc:chgData name="Arbour, Duncan" userId="f8c76c83-f09a-4702-8a60-e00215c8b89f" providerId="ADAL" clId="{79FBE680-AC33-DD45-8A51-7A9D51ED4331}" dt="2024-11-07T15:43:22.625" v="67" actId="2696"/>
         <pc:sldMkLst>
@@ -273,11 +301,18 @@
           <pc:sldMk cId="2115502534" sldId="6155"/>
         </pc:sldMkLst>
       </pc:sldChg>
-      <pc:sldChg chg="add">
-        <pc:chgData name="Arbour, Duncan" userId="f8c76c83-f09a-4702-8a60-e00215c8b89f" providerId="ADAL" clId="{79FBE680-AC33-DD45-8A51-7A9D51ED4331}" dt="2024-11-07T15:45:53.429" v="83" actId="2890"/>
+      <pc:sldChg chg="add del">
+        <pc:chgData name="Arbour, Duncan" userId="f8c76c83-f09a-4702-8a60-e00215c8b89f" providerId="ADAL" clId="{79FBE680-AC33-DD45-8A51-7A9D51ED4331}" dt="2024-11-07T15:55:01.054" v="95" actId="2696"/>
         <pc:sldMkLst>
           <pc:docMk/>
           <pc:sldMk cId="4140441336" sldId="6155"/>
+        </pc:sldMkLst>
+      </pc:sldChg>
+      <pc:sldChg chg="add">
+        <pc:chgData name="Arbour, Duncan" userId="f8c76c83-f09a-4702-8a60-e00215c8b89f" providerId="ADAL" clId="{79FBE680-AC33-DD45-8A51-7A9D51ED4331}" dt="2024-11-07T15:55:08.625" v="106" actId="2890"/>
+        <pc:sldMkLst>
+          <pc:docMk/>
+          <pc:sldMk cId="644073510" sldId="6156"/>
         </pc:sldMkLst>
       </pc:sldChg>
       <pc:sldChg chg="add del">
@@ -294,11 +329,18 @@
           <pc:sldMk cId="2296098384" sldId="6156"/>
         </pc:sldMkLst>
       </pc:sldChg>
-      <pc:sldChg chg="add">
-        <pc:chgData name="Arbour, Duncan" userId="f8c76c83-f09a-4702-8a60-e00215c8b89f" providerId="ADAL" clId="{79FBE680-AC33-DD45-8A51-7A9D51ED4331}" dt="2024-11-07T15:45:54.503" v="84" actId="2890"/>
+      <pc:sldChg chg="add del">
+        <pc:chgData name="Arbour, Duncan" userId="f8c76c83-f09a-4702-8a60-e00215c8b89f" providerId="ADAL" clId="{79FBE680-AC33-DD45-8A51-7A9D51ED4331}" dt="2024-11-07T15:55:01.048" v="94" actId="2696"/>
         <pc:sldMkLst>
           <pc:docMk/>
           <pc:sldMk cId="4123162446" sldId="6156"/>
+        </pc:sldMkLst>
+      </pc:sldChg>
+      <pc:sldChg chg="add">
+        <pc:chgData name="Arbour, Duncan" userId="f8c76c83-f09a-4702-8a60-e00215c8b89f" providerId="ADAL" clId="{79FBE680-AC33-DD45-8A51-7A9D51ED4331}" dt="2024-11-07T15:55:09.431" v="107" actId="2890"/>
+        <pc:sldMkLst>
+          <pc:docMk/>
+          <pc:sldMk cId="63594158" sldId="6157"/>
         </pc:sldMkLst>
       </pc:sldChg>
       <pc:sldChg chg="add del">
@@ -315,8 +357,8 @@
           <pc:sldMk cId="3610414871" sldId="6157"/>
         </pc:sldMkLst>
       </pc:sldChg>
-      <pc:sldChg chg="add">
-        <pc:chgData name="Arbour, Duncan" userId="f8c76c83-f09a-4702-8a60-e00215c8b89f" providerId="ADAL" clId="{79FBE680-AC33-DD45-8A51-7A9D51ED4331}" dt="2024-11-07T15:45:55.360" v="85" actId="2890"/>
+      <pc:sldChg chg="add del">
+        <pc:chgData name="Arbour, Duncan" userId="f8c76c83-f09a-4702-8a60-e00215c8b89f" providerId="ADAL" clId="{79FBE680-AC33-DD45-8A51-7A9D51ED4331}" dt="2024-11-07T15:55:01.305" v="100" actId="2696"/>
         <pc:sldMkLst>
           <pc:docMk/>
           <pc:sldMk cId="4265917496" sldId="6157"/>
@@ -330,7 +372,14 @@
         </pc:sldMkLst>
       </pc:sldChg>
       <pc:sldChg chg="add">
-        <pc:chgData name="Arbour, Duncan" userId="f8c76c83-f09a-4702-8a60-e00215c8b89f" providerId="ADAL" clId="{79FBE680-AC33-DD45-8A51-7A9D51ED4331}" dt="2024-11-07T15:45:56.149" v="86" actId="2890"/>
+        <pc:chgData name="Arbour, Duncan" userId="f8c76c83-f09a-4702-8a60-e00215c8b89f" providerId="ADAL" clId="{79FBE680-AC33-DD45-8A51-7A9D51ED4331}" dt="2024-11-07T15:55:10.226" v="108" actId="2890"/>
+        <pc:sldMkLst>
+          <pc:docMk/>
+          <pc:sldMk cId="380928799" sldId="6158"/>
+        </pc:sldMkLst>
+      </pc:sldChg>
+      <pc:sldChg chg="add del">
+        <pc:chgData name="Arbour, Duncan" userId="f8c76c83-f09a-4702-8a60-e00215c8b89f" providerId="ADAL" clId="{79FBE680-AC33-DD45-8A51-7A9D51ED4331}" dt="2024-11-07T15:55:01.191" v="99" actId="2696"/>
         <pc:sldMkLst>
           <pc:docMk/>
           <pc:sldMk cId="686338924" sldId="6158"/>
@@ -341,6 +390,13 @@
         <pc:sldMkLst>
           <pc:docMk/>
           <pc:sldMk cId="4264416858" sldId="6158"/>
+        </pc:sldMkLst>
+      </pc:sldChg>
+      <pc:sldChg chg="add">
+        <pc:chgData name="Arbour, Duncan" userId="f8c76c83-f09a-4702-8a60-e00215c8b89f" providerId="ADAL" clId="{79FBE680-AC33-DD45-8A51-7A9D51ED4331}" dt="2024-11-07T15:55:10.931" v="109" actId="2890"/>
+        <pc:sldMkLst>
+          <pc:docMk/>
+          <pc:sldMk cId="833116084" sldId="6159"/>
         </pc:sldMkLst>
       </pc:sldChg>
       <pc:sldChg chg="add del">
@@ -357,11 +413,18 @@
           <pc:sldMk cId="1003604645" sldId="6159"/>
         </pc:sldMkLst>
       </pc:sldChg>
-      <pc:sldChg chg="add">
-        <pc:chgData name="Arbour, Duncan" userId="f8c76c83-f09a-4702-8a60-e00215c8b89f" providerId="ADAL" clId="{79FBE680-AC33-DD45-8A51-7A9D51ED4331}" dt="2024-11-07T15:45:56.774" v="87" actId="2890"/>
+      <pc:sldChg chg="add del">
+        <pc:chgData name="Arbour, Duncan" userId="f8c76c83-f09a-4702-8a60-e00215c8b89f" providerId="ADAL" clId="{79FBE680-AC33-DD45-8A51-7A9D51ED4331}" dt="2024-11-07T15:55:01.060" v="96" actId="2696"/>
         <pc:sldMkLst>
           <pc:docMk/>
           <pc:sldMk cId="2126189883" sldId="6159"/>
+        </pc:sldMkLst>
+      </pc:sldChg>
+      <pc:sldChg chg="add">
+        <pc:chgData name="Arbour, Duncan" userId="f8c76c83-f09a-4702-8a60-e00215c8b89f" providerId="ADAL" clId="{79FBE680-AC33-DD45-8A51-7A9D51ED4331}" dt="2024-11-07T15:55:11.642" v="110" actId="2890"/>
+        <pc:sldMkLst>
+          <pc:docMk/>
+          <pc:sldMk cId="896233696" sldId="6160"/>
         </pc:sldMkLst>
       </pc:sldChg>
       <pc:sldChg chg="add del">
@@ -371,8 +434,8 @@
           <pc:sldMk cId="1091150860" sldId="6160"/>
         </pc:sldMkLst>
       </pc:sldChg>
-      <pc:sldChg chg="add">
-        <pc:chgData name="Arbour, Duncan" userId="f8c76c83-f09a-4702-8a60-e00215c8b89f" providerId="ADAL" clId="{79FBE680-AC33-DD45-8A51-7A9D51ED4331}" dt="2024-11-07T15:45:57.592" v="88" actId="2890"/>
+      <pc:sldChg chg="add del">
+        <pc:chgData name="Arbour, Duncan" userId="f8c76c83-f09a-4702-8a60-e00215c8b89f" providerId="ADAL" clId="{79FBE680-AC33-DD45-8A51-7A9D51ED4331}" dt="2024-11-07T15:55:01.064" v="97" actId="2696"/>
         <pc:sldMkLst>
           <pc:docMk/>
           <pc:sldMk cId="2395012779" sldId="6160"/>
@@ -386,7 +449,14 @@
         </pc:sldMkLst>
       </pc:sldChg>
       <pc:sldChg chg="add">
-        <pc:chgData name="Arbour, Duncan" userId="f8c76c83-f09a-4702-8a60-e00215c8b89f" providerId="ADAL" clId="{79FBE680-AC33-DD45-8A51-7A9D51ED4331}" dt="2024-11-07T15:45:58.399" v="89" actId="2890"/>
+        <pc:chgData name="Arbour, Duncan" userId="f8c76c83-f09a-4702-8a60-e00215c8b89f" providerId="ADAL" clId="{79FBE680-AC33-DD45-8A51-7A9D51ED4331}" dt="2024-11-07T15:55:12.547" v="111" actId="2890"/>
+        <pc:sldMkLst>
+          <pc:docMk/>
+          <pc:sldMk cId="2771513817" sldId="6161"/>
+        </pc:sldMkLst>
+      </pc:sldChg>
+      <pc:sldChg chg="add del">
+        <pc:chgData name="Arbour, Duncan" userId="f8c76c83-f09a-4702-8a60-e00215c8b89f" providerId="ADAL" clId="{79FBE680-AC33-DD45-8A51-7A9D51ED4331}" dt="2024-11-07T15:55:01.407" v="101" actId="2696"/>
         <pc:sldMkLst>
           <pc:docMk/>
           <pc:sldMk cId="3422531153" sldId="6161"/>
@@ -839,7 +909,7 @@
         <p:cNvPr id="1" name="">
           <a:extLst>
             <a:ext uri="{FF2B5EF4-FFF2-40B4-BE49-F238E27FC236}">
-              <a16:creationId xmlns:a16="http://schemas.microsoft.com/office/drawing/2014/main" id="{9814B584-9D66-BA68-61D8-79183534B979}"/>
+              <a16:creationId xmlns:a16="http://schemas.microsoft.com/office/drawing/2014/main" id="{AD842395-A492-564B-A3A0-5EA4029F3FCD}"/>
             </a:ext>
           </a:extLst>
         </p:cNvPr>
@@ -859,7 +929,7 @@
           <p:cNvPr id="2" name="Slide Image Placeholder 1">
             <a:extLst>
               <a:ext uri="{FF2B5EF4-FFF2-40B4-BE49-F238E27FC236}">
-                <a16:creationId xmlns:a16="http://schemas.microsoft.com/office/drawing/2014/main" id="{FEC32526-9524-DFE8-13C4-519D082FE0B5}"/>
+                <a16:creationId xmlns:a16="http://schemas.microsoft.com/office/drawing/2014/main" id="{1FAFB89F-3099-10C1-BA56-6E5E25B46A74}"/>
               </a:ext>
             </a:extLst>
           </p:cNvPr>
@@ -877,7 +947,7 @@
           <p:cNvPr id="3" name="Notes Placeholder 2">
             <a:extLst>
               <a:ext uri="{FF2B5EF4-FFF2-40B4-BE49-F238E27FC236}">
-                <a16:creationId xmlns:a16="http://schemas.microsoft.com/office/drawing/2014/main" id="{D5614933-7EBA-C6C2-E5BF-FAF4FAD984F5}"/>
+                <a16:creationId xmlns:a16="http://schemas.microsoft.com/office/drawing/2014/main" id="{6D3CADC9-2B2E-65F5-A53D-A913E58E0F2F}"/>
               </a:ext>
             </a:extLst>
           </p:cNvPr>
@@ -902,7 +972,7 @@
           <p:cNvPr id="4" name="Slide Number Placeholder 3">
             <a:extLst>
               <a:ext uri="{FF2B5EF4-FFF2-40B4-BE49-F238E27FC236}">
-                <a16:creationId xmlns:a16="http://schemas.microsoft.com/office/drawing/2014/main" id="{C850BAA6-006C-BC47-1255-0D051E76A167}"/>
+                <a16:creationId xmlns:a16="http://schemas.microsoft.com/office/drawing/2014/main" id="{6C747C97-5D85-50BA-D635-0BAE7E8A6699}"/>
               </a:ext>
             </a:extLst>
           </p:cNvPr>
@@ -929,7 +999,7 @@
     </p:spTree>
     <p:extLst>
       <p:ext uri="{BB962C8B-B14F-4D97-AF65-F5344CB8AC3E}">
-        <p14:creationId xmlns:p14="http://schemas.microsoft.com/office/powerpoint/2010/main" val="1948267374"/>
+        <p14:creationId xmlns:p14="http://schemas.microsoft.com/office/powerpoint/2010/main" val="2232402163"/>
       </p:ext>
     </p:extLst>
   </p:cSld>
@@ -947,7 +1017,7 @@
         <p:cNvPr id="1" name="">
           <a:extLst>
             <a:ext uri="{FF2B5EF4-FFF2-40B4-BE49-F238E27FC236}">
-              <a16:creationId xmlns:a16="http://schemas.microsoft.com/office/drawing/2014/main" id="{33528C7E-8770-8634-65A6-C3F3F89D6F65}"/>
+              <a16:creationId xmlns:a16="http://schemas.microsoft.com/office/drawing/2014/main" id="{BDCE75F7-B8D1-470B-33AE-601625C2A741}"/>
             </a:ext>
           </a:extLst>
         </p:cNvPr>
@@ -967,7 +1037,7 @@
           <p:cNvPr id="2" name="Slide Image Placeholder 1">
             <a:extLst>
               <a:ext uri="{FF2B5EF4-FFF2-40B4-BE49-F238E27FC236}">
-                <a16:creationId xmlns:a16="http://schemas.microsoft.com/office/drawing/2014/main" id="{14D8BD6C-7A15-102E-55AE-8C1E712D98EB}"/>
+                <a16:creationId xmlns:a16="http://schemas.microsoft.com/office/drawing/2014/main" id="{63E4C940-A681-2CCB-9D71-129138A827F4}"/>
               </a:ext>
             </a:extLst>
           </p:cNvPr>
@@ -985,7 +1055,7 @@
           <p:cNvPr id="3" name="Notes Placeholder 2">
             <a:extLst>
               <a:ext uri="{FF2B5EF4-FFF2-40B4-BE49-F238E27FC236}">
-                <a16:creationId xmlns:a16="http://schemas.microsoft.com/office/drawing/2014/main" id="{FD197CCB-77B6-589C-3742-DF6CC4905FA5}"/>
+                <a16:creationId xmlns:a16="http://schemas.microsoft.com/office/drawing/2014/main" id="{DC9DFE13-A385-1589-E5D4-7317D9A54E79}"/>
               </a:ext>
             </a:extLst>
           </p:cNvPr>
@@ -1010,7 +1080,7 @@
           <p:cNvPr id="4" name="Slide Number Placeholder 3">
             <a:extLst>
               <a:ext uri="{FF2B5EF4-FFF2-40B4-BE49-F238E27FC236}">
-                <a16:creationId xmlns:a16="http://schemas.microsoft.com/office/drawing/2014/main" id="{936D8FDF-A0DF-F57A-4424-5C46F2B581E9}"/>
+                <a16:creationId xmlns:a16="http://schemas.microsoft.com/office/drawing/2014/main" id="{D71B766E-9C31-050E-AB1F-E89A3593E58B}"/>
               </a:ext>
             </a:extLst>
           </p:cNvPr>
@@ -1037,7 +1107,7 @@
     </p:spTree>
     <p:extLst>
       <p:ext uri="{BB962C8B-B14F-4D97-AF65-F5344CB8AC3E}">
-        <p14:creationId xmlns:p14="http://schemas.microsoft.com/office/powerpoint/2010/main" val="702507399"/>
+        <p14:creationId xmlns:p14="http://schemas.microsoft.com/office/powerpoint/2010/main" val="2190556332"/>
       </p:ext>
     </p:extLst>
   </p:cSld>
@@ -1055,7 +1125,7 @@
         <p:cNvPr id="1" name="">
           <a:extLst>
             <a:ext uri="{FF2B5EF4-FFF2-40B4-BE49-F238E27FC236}">
-              <a16:creationId xmlns:a16="http://schemas.microsoft.com/office/drawing/2014/main" id="{FB82358C-5129-1F3B-FEEE-4D86BA069663}"/>
+              <a16:creationId xmlns:a16="http://schemas.microsoft.com/office/drawing/2014/main" id="{6CF93A51-7042-02D0-DA45-2392A0BD7EA0}"/>
             </a:ext>
           </a:extLst>
         </p:cNvPr>
@@ -1075,7 +1145,7 @@
           <p:cNvPr id="2" name="Slide Image Placeholder 1">
             <a:extLst>
               <a:ext uri="{FF2B5EF4-FFF2-40B4-BE49-F238E27FC236}">
-                <a16:creationId xmlns:a16="http://schemas.microsoft.com/office/drawing/2014/main" id="{D57562E7-2568-97BF-A6C6-4A2F233F5407}"/>
+                <a16:creationId xmlns:a16="http://schemas.microsoft.com/office/drawing/2014/main" id="{5B12D700-BD44-4370-4BF7-A6EFDFEEC037}"/>
               </a:ext>
             </a:extLst>
           </p:cNvPr>
@@ -1093,7 +1163,7 @@
           <p:cNvPr id="3" name="Notes Placeholder 2">
             <a:extLst>
               <a:ext uri="{FF2B5EF4-FFF2-40B4-BE49-F238E27FC236}">
-                <a16:creationId xmlns:a16="http://schemas.microsoft.com/office/drawing/2014/main" id="{B5E66860-1DEC-94FB-EF27-2E40E3B7DBAD}"/>
+                <a16:creationId xmlns:a16="http://schemas.microsoft.com/office/drawing/2014/main" id="{76AA2A91-806C-6A2A-D249-FFBF8F6AB7E4}"/>
               </a:ext>
             </a:extLst>
           </p:cNvPr>
@@ -1118,7 +1188,7 @@
           <p:cNvPr id="4" name="Slide Number Placeholder 3">
             <a:extLst>
               <a:ext uri="{FF2B5EF4-FFF2-40B4-BE49-F238E27FC236}">
-                <a16:creationId xmlns:a16="http://schemas.microsoft.com/office/drawing/2014/main" id="{CEA4B723-3323-B19C-AFD6-C77FE9405D66}"/>
+                <a16:creationId xmlns:a16="http://schemas.microsoft.com/office/drawing/2014/main" id="{FAB8B921-834E-368D-B13D-B3CD2B49A6B8}"/>
               </a:ext>
             </a:extLst>
           </p:cNvPr>
@@ -1145,7 +1215,7 @@
     </p:spTree>
     <p:extLst>
       <p:ext uri="{BB962C8B-B14F-4D97-AF65-F5344CB8AC3E}">
-        <p14:creationId xmlns:p14="http://schemas.microsoft.com/office/powerpoint/2010/main" val="3878489814"/>
+        <p14:creationId xmlns:p14="http://schemas.microsoft.com/office/powerpoint/2010/main" val="3617928264"/>
       </p:ext>
     </p:extLst>
   </p:cSld>
@@ -1163,7 +1233,7 @@
         <p:cNvPr id="1" name="">
           <a:extLst>
             <a:ext uri="{FF2B5EF4-FFF2-40B4-BE49-F238E27FC236}">
-              <a16:creationId xmlns:a16="http://schemas.microsoft.com/office/drawing/2014/main" id="{EA3B2066-28BE-28BB-A944-74F25BB744B7}"/>
+              <a16:creationId xmlns:a16="http://schemas.microsoft.com/office/drawing/2014/main" id="{269B2992-37B9-AEF0-9127-60F4C1520047}"/>
             </a:ext>
           </a:extLst>
         </p:cNvPr>
@@ -1183,7 +1253,7 @@
           <p:cNvPr id="2" name="Slide Image Placeholder 1">
             <a:extLst>
               <a:ext uri="{FF2B5EF4-FFF2-40B4-BE49-F238E27FC236}">
-                <a16:creationId xmlns:a16="http://schemas.microsoft.com/office/drawing/2014/main" id="{DD9537B7-B2A0-F6FE-A6CC-5089BDCD466D}"/>
+                <a16:creationId xmlns:a16="http://schemas.microsoft.com/office/drawing/2014/main" id="{8D8C5B0B-9341-C3F0-280F-BCAE97AA90BE}"/>
               </a:ext>
             </a:extLst>
           </p:cNvPr>
@@ -1201,7 +1271,7 @@
           <p:cNvPr id="3" name="Notes Placeholder 2">
             <a:extLst>
               <a:ext uri="{FF2B5EF4-FFF2-40B4-BE49-F238E27FC236}">
-                <a16:creationId xmlns:a16="http://schemas.microsoft.com/office/drawing/2014/main" id="{B54B3436-04CC-EEA9-9B9E-F1DA62112E55}"/>
+                <a16:creationId xmlns:a16="http://schemas.microsoft.com/office/drawing/2014/main" id="{C7C66D92-48B6-9AE7-71A0-EB53FB547BEA}"/>
               </a:ext>
             </a:extLst>
           </p:cNvPr>
@@ -1226,7 +1296,7 @@
           <p:cNvPr id="4" name="Slide Number Placeholder 3">
             <a:extLst>
               <a:ext uri="{FF2B5EF4-FFF2-40B4-BE49-F238E27FC236}">
-                <a16:creationId xmlns:a16="http://schemas.microsoft.com/office/drawing/2014/main" id="{83F71F94-E70A-4C22-2B10-17DB91224C78}"/>
+                <a16:creationId xmlns:a16="http://schemas.microsoft.com/office/drawing/2014/main" id="{E02AE7BC-4DB6-64C8-762C-D309FB895510}"/>
               </a:ext>
             </a:extLst>
           </p:cNvPr>
@@ -1253,7 +1323,7 @@
     </p:spTree>
     <p:extLst>
       <p:ext uri="{BB962C8B-B14F-4D97-AF65-F5344CB8AC3E}">
-        <p14:creationId xmlns:p14="http://schemas.microsoft.com/office/powerpoint/2010/main" val="1588458860"/>
+        <p14:creationId xmlns:p14="http://schemas.microsoft.com/office/powerpoint/2010/main" val="2204171197"/>
       </p:ext>
     </p:extLst>
   </p:cSld>
@@ -1271,7 +1341,7 @@
         <p:cNvPr id="1" name="">
           <a:extLst>
             <a:ext uri="{FF2B5EF4-FFF2-40B4-BE49-F238E27FC236}">
-              <a16:creationId xmlns:a16="http://schemas.microsoft.com/office/drawing/2014/main" id="{BE08B8C7-9E1C-1F1A-50FA-2B38F7FBDF8C}"/>
+              <a16:creationId xmlns:a16="http://schemas.microsoft.com/office/drawing/2014/main" id="{E028D343-2B54-590B-719A-923D80B83337}"/>
             </a:ext>
           </a:extLst>
         </p:cNvPr>
@@ -1291,7 +1361,7 @@
           <p:cNvPr id="2" name="Slide Image Placeholder 1">
             <a:extLst>
               <a:ext uri="{FF2B5EF4-FFF2-40B4-BE49-F238E27FC236}">
-                <a16:creationId xmlns:a16="http://schemas.microsoft.com/office/drawing/2014/main" id="{4AD48359-34BE-1BE0-6E12-FA2D903968B8}"/>
+                <a16:creationId xmlns:a16="http://schemas.microsoft.com/office/drawing/2014/main" id="{0BEEE9E3-142C-91BA-9454-BE3BDC1AE943}"/>
               </a:ext>
             </a:extLst>
           </p:cNvPr>
@@ -1309,7 +1379,7 @@
           <p:cNvPr id="3" name="Notes Placeholder 2">
             <a:extLst>
               <a:ext uri="{FF2B5EF4-FFF2-40B4-BE49-F238E27FC236}">
-                <a16:creationId xmlns:a16="http://schemas.microsoft.com/office/drawing/2014/main" id="{D1DAAEB6-FD6D-3383-4299-938AB2FE8DC2}"/>
+                <a16:creationId xmlns:a16="http://schemas.microsoft.com/office/drawing/2014/main" id="{B3A2D53D-22F1-460C-3252-F7779C936D9B}"/>
               </a:ext>
             </a:extLst>
           </p:cNvPr>
@@ -1334,7 +1404,7 @@
           <p:cNvPr id="4" name="Slide Number Placeholder 3">
             <a:extLst>
               <a:ext uri="{FF2B5EF4-FFF2-40B4-BE49-F238E27FC236}">
-                <a16:creationId xmlns:a16="http://schemas.microsoft.com/office/drawing/2014/main" id="{9D0E03BE-7541-1C9D-0F70-FF4A4D0CECEB}"/>
+                <a16:creationId xmlns:a16="http://schemas.microsoft.com/office/drawing/2014/main" id="{663C1D3C-5880-1FBC-2B11-BCBD67CBA362}"/>
               </a:ext>
             </a:extLst>
           </p:cNvPr>
@@ -1361,7 +1431,7 @@
     </p:spTree>
     <p:extLst>
       <p:ext uri="{BB962C8B-B14F-4D97-AF65-F5344CB8AC3E}">
-        <p14:creationId xmlns:p14="http://schemas.microsoft.com/office/powerpoint/2010/main" val="3213794054"/>
+        <p14:creationId xmlns:p14="http://schemas.microsoft.com/office/powerpoint/2010/main" val="2780270618"/>
       </p:ext>
     </p:extLst>
   </p:cSld>
@@ -1379,7 +1449,7 @@
         <p:cNvPr id="1" name="">
           <a:extLst>
             <a:ext uri="{FF2B5EF4-FFF2-40B4-BE49-F238E27FC236}">
-              <a16:creationId xmlns:a16="http://schemas.microsoft.com/office/drawing/2014/main" id="{68DC28D4-7521-6FA4-E1C3-968D8416FD8C}"/>
+              <a16:creationId xmlns:a16="http://schemas.microsoft.com/office/drawing/2014/main" id="{767F2380-3799-B12A-5BA3-314B0E4E437A}"/>
             </a:ext>
           </a:extLst>
         </p:cNvPr>
@@ -1399,7 +1469,7 @@
           <p:cNvPr id="2" name="Slide Image Placeholder 1">
             <a:extLst>
               <a:ext uri="{FF2B5EF4-FFF2-40B4-BE49-F238E27FC236}">
-                <a16:creationId xmlns:a16="http://schemas.microsoft.com/office/drawing/2014/main" id="{7238569E-CF6A-CC48-396A-9003ADA2D563}"/>
+                <a16:creationId xmlns:a16="http://schemas.microsoft.com/office/drawing/2014/main" id="{3DEAAD81-E5B5-D07C-E07A-13743680324F}"/>
               </a:ext>
             </a:extLst>
           </p:cNvPr>
@@ -1417,7 +1487,7 @@
           <p:cNvPr id="3" name="Notes Placeholder 2">
             <a:extLst>
               <a:ext uri="{FF2B5EF4-FFF2-40B4-BE49-F238E27FC236}">
-                <a16:creationId xmlns:a16="http://schemas.microsoft.com/office/drawing/2014/main" id="{24ECBD1B-90BD-D648-96C8-61B5DC797233}"/>
+                <a16:creationId xmlns:a16="http://schemas.microsoft.com/office/drawing/2014/main" id="{94FBED77-43C4-D22F-FC3D-A63FA501BE0D}"/>
               </a:ext>
             </a:extLst>
           </p:cNvPr>
@@ -1442,7 +1512,7 @@
           <p:cNvPr id="4" name="Slide Number Placeholder 3">
             <a:extLst>
               <a:ext uri="{FF2B5EF4-FFF2-40B4-BE49-F238E27FC236}">
-                <a16:creationId xmlns:a16="http://schemas.microsoft.com/office/drawing/2014/main" id="{B13ED705-1E21-2F30-F587-C3B791FEEB43}"/>
+                <a16:creationId xmlns:a16="http://schemas.microsoft.com/office/drawing/2014/main" id="{0A7F6D95-0C67-2F98-F2EC-4FD62C095F66}"/>
               </a:ext>
             </a:extLst>
           </p:cNvPr>
@@ -1469,7 +1539,7 @@
     </p:spTree>
     <p:extLst>
       <p:ext uri="{BB962C8B-B14F-4D97-AF65-F5344CB8AC3E}">
-        <p14:creationId xmlns:p14="http://schemas.microsoft.com/office/powerpoint/2010/main" val="2306676403"/>
+        <p14:creationId xmlns:p14="http://schemas.microsoft.com/office/powerpoint/2010/main" val="3703560875"/>
       </p:ext>
     </p:extLst>
   </p:cSld>
@@ -1487,7 +1557,7 @@
         <p:cNvPr id="1" name="">
           <a:extLst>
             <a:ext uri="{FF2B5EF4-FFF2-40B4-BE49-F238E27FC236}">
-              <a16:creationId xmlns:a16="http://schemas.microsoft.com/office/drawing/2014/main" id="{958F0B2A-F28D-10BD-D757-397652C103DC}"/>
+              <a16:creationId xmlns:a16="http://schemas.microsoft.com/office/drawing/2014/main" id="{D0A6537B-8EF1-B021-2B76-DE101CE29D24}"/>
             </a:ext>
           </a:extLst>
         </p:cNvPr>
@@ -1507,7 +1577,7 @@
           <p:cNvPr id="2" name="Slide Image Placeholder 1">
             <a:extLst>
               <a:ext uri="{FF2B5EF4-FFF2-40B4-BE49-F238E27FC236}">
-                <a16:creationId xmlns:a16="http://schemas.microsoft.com/office/drawing/2014/main" id="{8D54CC7D-CA92-7C72-308A-D389FC527040}"/>
+                <a16:creationId xmlns:a16="http://schemas.microsoft.com/office/drawing/2014/main" id="{1B2DFAF7-40AA-F850-A2F6-BE29202F38AA}"/>
               </a:ext>
             </a:extLst>
           </p:cNvPr>
@@ -1525,7 +1595,7 @@
           <p:cNvPr id="3" name="Notes Placeholder 2">
             <a:extLst>
               <a:ext uri="{FF2B5EF4-FFF2-40B4-BE49-F238E27FC236}">
-                <a16:creationId xmlns:a16="http://schemas.microsoft.com/office/drawing/2014/main" id="{4FE4C8A4-D4DE-57B9-CEB1-DA35B8C2C38B}"/>
+                <a16:creationId xmlns:a16="http://schemas.microsoft.com/office/drawing/2014/main" id="{91358F21-9A28-0266-7471-C327334EBFDC}"/>
               </a:ext>
             </a:extLst>
           </p:cNvPr>
@@ -1550,7 +1620,7 @@
           <p:cNvPr id="4" name="Slide Number Placeholder 3">
             <a:extLst>
               <a:ext uri="{FF2B5EF4-FFF2-40B4-BE49-F238E27FC236}">
-                <a16:creationId xmlns:a16="http://schemas.microsoft.com/office/drawing/2014/main" id="{364B154F-428D-1D97-189F-01D9F8A7C7E1}"/>
+                <a16:creationId xmlns:a16="http://schemas.microsoft.com/office/drawing/2014/main" id="{2A2EBD52-4137-C610-0A7B-D9AB2146A603}"/>
               </a:ext>
             </a:extLst>
           </p:cNvPr>
@@ -1577,7 +1647,7 @@
     </p:spTree>
     <p:extLst>
       <p:ext uri="{BB962C8B-B14F-4D97-AF65-F5344CB8AC3E}">
-        <p14:creationId xmlns:p14="http://schemas.microsoft.com/office/powerpoint/2010/main" val="1664009024"/>
+        <p14:creationId xmlns:p14="http://schemas.microsoft.com/office/powerpoint/2010/main" val="2167360595"/>
       </p:ext>
     </p:extLst>
   </p:cSld>
@@ -1595,7 +1665,7 @@
         <p:cNvPr id="1" name="">
           <a:extLst>
             <a:ext uri="{FF2B5EF4-FFF2-40B4-BE49-F238E27FC236}">
-              <a16:creationId xmlns:a16="http://schemas.microsoft.com/office/drawing/2014/main" id="{C461EA3B-1B13-4BB3-0453-336F1DE248D0}"/>
+              <a16:creationId xmlns:a16="http://schemas.microsoft.com/office/drawing/2014/main" id="{C4BB6E89-DF6E-478C-8DFB-00E33F873009}"/>
             </a:ext>
           </a:extLst>
         </p:cNvPr>
@@ -1615,7 +1685,7 @@
           <p:cNvPr id="2" name="Slide Image Placeholder 1">
             <a:extLst>
               <a:ext uri="{FF2B5EF4-FFF2-40B4-BE49-F238E27FC236}">
-                <a16:creationId xmlns:a16="http://schemas.microsoft.com/office/drawing/2014/main" id="{72F093EF-EF92-E654-BA8A-FD0048BEA619}"/>
+                <a16:creationId xmlns:a16="http://schemas.microsoft.com/office/drawing/2014/main" id="{52BE25E8-CF62-8336-7C6E-491E5B5A697D}"/>
               </a:ext>
             </a:extLst>
           </p:cNvPr>
@@ -1633,7 +1703,7 @@
           <p:cNvPr id="3" name="Notes Placeholder 2">
             <a:extLst>
               <a:ext uri="{FF2B5EF4-FFF2-40B4-BE49-F238E27FC236}">
-                <a16:creationId xmlns:a16="http://schemas.microsoft.com/office/drawing/2014/main" id="{B3B6A7E0-61BE-6160-FD64-1BE640042D71}"/>
+                <a16:creationId xmlns:a16="http://schemas.microsoft.com/office/drawing/2014/main" id="{A0177EB5-2285-B96F-3159-521F215FACDE}"/>
               </a:ext>
             </a:extLst>
           </p:cNvPr>
@@ -1658,7 +1728,7 @@
           <p:cNvPr id="4" name="Slide Number Placeholder 3">
             <a:extLst>
               <a:ext uri="{FF2B5EF4-FFF2-40B4-BE49-F238E27FC236}">
-                <a16:creationId xmlns:a16="http://schemas.microsoft.com/office/drawing/2014/main" id="{3D960462-5AC1-96C4-D6A7-1C120354180E}"/>
+                <a16:creationId xmlns:a16="http://schemas.microsoft.com/office/drawing/2014/main" id="{589D9B5D-F177-F283-85D2-B25264F794F3}"/>
               </a:ext>
             </a:extLst>
           </p:cNvPr>
@@ -1685,7 +1755,7 @@
     </p:spTree>
     <p:extLst>
       <p:ext uri="{BB962C8B-B14F-4D97-AF65-F5344CB8AC3E}">
-        <p14:creationId xmlns:p14="http://schemas.microsoft.com/office/powerpoint/2010/main" val="768124422"/>
+        <p14:creationId xmlns:p14="http://schemas.microsoft.com/office/powerpoint/2010/main" val="4106152266"/>
       </p:ext>
     </p:extLst>
   </p:cSld>
@@ -1703,7 +1773,7 @@
         <p:cNvPr id="1" name="">
           <a:extLst>
             <a:ext uri="{FF2B5EF4-FFF2-40B4-BE49-F238E27FC236}">
-              <a16:creationId xmlns:a16="http://schemas.microsoft.com/office/drawing/2014/main" id="{0069E331-14C4-205C-CCED-4D1F36A96867}"/>
+              <a16:creationId xmlns:a16="http://schemas.microsoft.com/office/drawing/2014/main" id="{DFC5EF87-DDDF-5AD7-E475-2FB5A611A483}"/>
             </a:ext>
           </a:extLst>
         </p:cNvPr>
@@ -1723,7 +1793,7 @@
           <p:cNvPr id="2" name="Slide Image Placeholder 1">
             <a:extLst>
               <a:ext uri="{FF2B5EF4-FFF2-40B4-BE49-F238E27FC236}">
-                <a16:creationId xmlns:a16="http://schemas.microsoft.com/office/drawing/2014/main" id="{3D6CDC50-CDC4-7EB4-CE78-5B0211BCD1CD}"/>
+                <a16:creationId xmlns:a16="http://schemas.microsoft.com/office/drawing/2014/main" id="{4770EF25-6D60-3192-409C-BE093BF2C659}"/>
               </a:ext>
             </a:extLst>
           </p:cNvPr>
@@ -1741,7 +1811,7 @@
           <p:cNvPr id="3" name="Notes Placeholder 2">
             <a:extLst>
               <a:ext uri="{FF2B5EF4-FFF2-40B4-BE49-F238E27FC236}">
-                <a16:creationId xmlns:a16="http://schemas.microsoft.com/office/drawing/2014/main" id="{B96536F1-3A00-0DB4-1260-D4A26A27387C}"/>
+                <a16:creationId xmlns:a16="http://schemas.microsoft.com/office/drawing/2014/main" id="{8E249C5B-F8CA-B512-8D99-C9C3400D7026}"/>
               </a:ext>
             </a:extLst>
           </p:cNvPr>
@@ -1766,7 +1836,7 @@
           <p:cNvPr id="4" name="Slide Number Placeholder 3">
             <a:extLst>
               <a:ext uri="{FF2B5EF4-FFF2-40B4-BE49-F238E27FC236}">
-                <a16:creationId xmlns:a16="http://schemas.microsoft.com/office/drawing/2014/main" id="{7E75B128-CB1C-9D42-EC23-18F3BD29F9CB}"/>
+                <a16:creationId xmlns:a16="http://schemas.microsoft.com/office/drawing/2014/main" id="{034DD98F-47F7-BBCF-17D3-9484DCEF6D8F}"/>
               </a:ext>
             </a:extLst>
           </p:cNvPr>
@@ -1793,7 +1863,7 @@
     </p:spTree>
     <p:extLst>
       <p:ext uri="{BB962C8B-B14F-4D97-AF65-F5344CB8AC3E}">
-        <p14:creationId xmlns:p14="http://schemas.microsoft.com/office/powerpoint/2010/main" val="2973322661"/>
+        <p14:creationId xmlns:p14="http://schemas.microsoft.com/office/powerpoint/2010/main" val="1319060775"/>
       </p:ext>
     </p:extLst>
   </p:cSld>
@@ -1811,7 +1881,7 @@
         <p:cNvPr id="1" name="">
           <a:extLst>
             <a:ext uri="{FF2B5EF4-FFF2-40B4-BE49-F238E27FC236}">
-              <a16:creationId xmlns:a16="http://schemas.microsoft.com/office/drawing/2014/main" id="{688C0EB7-0166-31CF-DF39-967CEF01071E}"/>
+              <a16:creationId xmlns:a16="http://schemas.microsoft.com/office/drawing/2014/main" id="{95EAB35C-53C6-71EA-A0BB-73DC51240176}"/>
             </a:ext>
           </a:extLst>
         </p:cNvPr>
@@ -1831,7 +1901,7 @@
           <p:cNvPr id="2" name="Slide Image Placeholder 1">
             <a:extLst>
               <a:ext uri="{FF2B5EF4-FFF2-40B4-BE49-F238E27FC236}">
-                <a16:creationId xmlns:a16="http://schemas.microsoft.com/office/drawing/2014/main" id="{BD2B7A91-B5A5-2BBE-7FE6-A9783149A67A}"/>
+                <a16:creationId xmlns:a16="http://schemas.microsoft.com/office/drawing/2014/main" id="{A215C7C2-B448-B294-EDB5-CD2DBF4CDB5C}"/>
               </a:ext>
             </a:extLst>
           </p:cNvPr>
@@ -1849,7 +1919,7 @@
           <p:cNvPr id="3" name="Notes Placeholder 2">
             <a:extLst>
               <a:ext uri="{FF2B5EF4-FFF2-40B4-BE49-F238E27FC236}">
-                <a16:creationId xmlns:a16="http://schemas.microsoft.com/office/drawing/2014/main" id="{C177FE48-3238-8AE1-E0C3-3A38915AE0E6}"/>
+                <a16:creationId xmlns:a16="http://schemas.microsoft.com/office/drawing/2014/main" id="{CB8FEC27-B51D-633F-4D57-1E9BE52228F6}"/>
               </a:ext>
             </a:extLst>
           </p:cNvPr>
@@ -1874,7 +1944,7 @@
           <p:cNvPr id="4" name="Slide Number Placeholder 3">
             <a:extLst>
               <a:ext uri="{FF2B5EF4-FFF2-40B4-BE49-F238E27FC236}">
-                <a16:creationId xmlns:a16="http://schemas.microsoft.com/office/drawing/2014/main" id="{0830D81B-04CF-3280-1912-083C253730C6}"/>
+                <a16:creationId xmlns:a16="http://schemas.microsoft.com/office/drawing/2014/main" id="{BDE8FC27-F242-0C88-E337-63834C3232CC}"/>
               </a:ext>
             </a:extLst>
           </p:cNvPr>
@@ -1901,7 +1971,7 @@
     </p:spTree>
     <p:extLst>
       <p:ext uri="{BB962C8B-B14F-4D97-AF65-F5344CB8AC3E}">
-        <p14:creationId xmlns:p14="http://schemas.microsoft.com/office/powerpoint/2010/main" val="2298586732"/>
+        <p14:creationId xmlns:p14="http://schemas.microsoft.com/office/powerpoint/2010/main" val="3878774184"/>
       </p:ext>
     </p:extLst>
   </p:cSld>
@@ -7055,8 +7125,8 @@
           <a:fontRef idx="none"/>
         </p:style>
         <p:txBody>
-          <a:bodyPr rot="0" spcFirstLastPara="1" vertOverflow="overflow" horzOverflow="overflow" vert="horz" wrap="square" lIns="50800" tIns="50800" rIns="50800" bIns="50800" numCol="1" spcCol="38100" rtlCol="0" anchor="ctr">
-            <a:spAutoFit/>
+          <a:bodyPr rot="0" spcFirstLastPara="1" vertOverflow="overflow" horzOverflow="overflow" vert="horz" wrap="square" lIns="50800" tIns="50800" rIns="50800" bIns="50800" numCol="1" spcCol="38100" rtlCol="0" anchor="t" anchorCtr="0">
+            <a:noAutofit/>
           </a:bodyPr>
           <a:lstStyle/>
           <a:p>
@@ -8652,7 +8722,7 @@
         <p:cNvPr id="1" name="">
           <a:extLst>
             <a:ext uri="{FF2B5EF4-FFF2-40B4-BE49-F238E27FC236}">
-              <a16:creationId xmlns:a16="http://schemas.microsoft.com/office/drawing/2014/main" id="{6A1F96CC-F92B-5E5F-0626-30A63D805339}"/>
+              <a16:creationId xmlns:a16="http://schemas.microsoft.com/office/drawing/2014/main" id="{103152E6-E04D-4111-DCB5-BC5DACA0260B}"/>
             </a:ext>
           </a:extLst>
         </p:cNvPr>
@@ -8672,7 +8742,7 @@
           <p:cNvPr id="3" name="Title 1">
             <a:extLst>
               <a:ext uri="{FF2B5EF4-FFF2-40B4-BE49-F238E27FC236}">
-                <a16:creationId xmlns:a16="http://schemas.microsoft.com/office/drawing/2014/main" id="{261E3F49-1428-5AD3-052A-3C07D858BA34}"/>
+                <a16:creationId xmlns:a16="http://schemas.microsoft.com/office/drawing/2014/main" id="{E2CFDCC9-38A2-92EC-5D11-324338B90A6A}"/>
               </a:ext>
             </a:extLst>
           </p:cNvPr>
@@ -8766,7 +8836,7 @@
           <p:cNvPr id="4" name="TextBox 3">
             <a:extLst>
               <a:ext uri="{FF2B5EF4-FFF2-40B4-BE49-F238E27FC236}">
-                <a16:creationId xmlns:a16="http://schemas.microsoft.com/office/drawing/2014/main" id="{F6C28791-F7A2-8DE2-B0A7-6AC0B9D93F48}"/>
+                <a16:creationId xmlns:a16="http://schemas.microsoft.com/office/drawing/2014/main" id="{48FC4225-1B18-6248-BF15-A6ACCD262486}"/>
               </a:ext>
             </a:extLst>
           </p:cNvPr>
@@ -8862,7 +8932,7 @@
           <p:cNvPr id="5" name="TextBox 4">
             <a:extLst>
               <a:ext uri="{FF2B5EF4-FFF2-40B4-BE49-F238E27FC236}">
-                <a16:creationId xmlns:a16="http://schemas.microsoft.com/office/drawing/2014/main" id="{64331209-50D6-3286-B89B-265EE6642734}"/>
+                <a16:creationId xmlns:a16="http://schemas.microsoft.com/office/drawing/2014/main" id="{6213B59F-8765-6272-C856-F09D2891F86F}"/>
               </a:ext>
             </a:extLst>
           </p:cNvPr>
@@ -8958,7 +9028,7 @@
           <p:cNvPr id="6" name="TextBox 5">
             <a:extLst>
               <a:ext uri="{FF2B5EF4-FFF2-40B4-BE49-F238E27FC236}">
-                <a16:creationId xmlns:a16="http://schemas.microsoft.com/office/drawing/2014/main" id="{A2D33873-5660-D9A3-5A45-7932E7D3D182}"/>
+                <a16:creationId xmlns:a16="http://schemas.microsoft.com/office/drawing/2014/main" id="{1EB329E8-DADE-4502-13E4-21F4AC51DF19}"/>
               </a:ext>
             </a:extLst>
           </p:cNvPr>
@@ -9054,7 +9124,7 @@
           <p:cNvPr id="7" name="TextBox 6">
             <a:extLst>
               <a:ext uri="{FF2B5EF4-FFF2-40B4-BE49-F238E27FC236}">
-                <a16:creationId xmlns:a16="http://schemas.microsoft.com/office/drawing/2014/main" id="{8B9B7198-AACB-FCD4-A2DC-C71F0D1E0D91}"/>
+                <a16:creationId xmlns:a16="http://schemas.microsoft.com/office/drawing/2014/main" id="{FED2AAFB-2FAF-4D31-BE97-42D889011CC7}"/>
               </a:ext>
             </a:extLst>
           </p:cNvPr>
@@ -9150,7 +9220,7 @@
           <p:cNvPr id="8" name="TextBox 7">
             <a:extLst>
               <a:ext uri="{FF2B5EF4-FFF2-40B4-BE49-F238E27FC236}">
-                <a16:creationId xmlns:a16="http://schemas.microsoft.com/office/drawing/2014/main" id="{BB02A7F9-EF57-F301-C428-F435ABCB23A4}"/>
+                <a16:creationId xmlns:a16="http://schemas.microsoft.com/office/drawing/2014/main" id="{0B549424-A89D-1DB2-A93E-B7DCFB880025}"/>
               </a:ext>
             </a:extLst>
           </p:cNvPr>
@@ -9236,7 +9306,7 @@
           <p:cNvPr id="9" name="TextBox 8">
             <a:extLst>
               <a:ext uri="{FF2B5EF4-FFF2-40B4-BE49-F238E27FC236}">
-                <a16:creationId xmlns:a16="http://schemas.microsoft.com/office/drawing/2014/main" id="{73BA5C3B-00A0-E26F-2F90-E64C9186F88C}"/>
+                <a16:creationId xmlns:a16="http://schemas.microsoft.com/office/drawing/2014/main" id="{31C41B3B-BC0E-7D33-EBF2-AFA2E498DF10}"/>
               </a:ext>
             </a:extLst>
           </p:cNvPr>
@@ -9332,7 +9402,7 @@
           <p:cNvPr id="10" name="TextBox 9">
             <a:extLst>
               <a:ext uri="{FF2B5EF4-FFF2-40B4-BE49-F238E27FC236}">
-                <a16:creationId xmlns:a16="http://schemas.microsoft.com/office/drawing/2014/main" id="{C404920A-D6FD-D0BB-2E18-22659B4D5A84}"/>
+                <a16:creationId xmlns:a16="http://schemas.microsoft.com/office/drawing/2014/main" id="{586BA09F-C825-178B-49A4-5A1839E59A6E}"/>
               </a:ext>
             </a:extLst>
           </p:cNvPr>
@@ -9428,7 +9498,7 @@
           <p:cNvPr id="11" name="TextBox 10">
             <a:extLst>
               <a:ext uri="{FF2B5EF4-FFF2-40B4-BE49-F238E27FC236}">
-                <a16:creationId xmlns:a16="http://schemas.microsoft.com/office/drawing/2014/main" id="{B1CCC14C-B6BC-5CEE-DEDC-705463BABA9A}"/>
+                <a16:creationId xmlns:a16="http://schemas.microsoft.com/office/drawing/2014/main" id="{42B5F11B-5188-DA16-12C7-C4DAE88FBE5C}"/>
               </a:ext>
             </a:extLst>
           </p:cNvPr>
@@ -9524,7 +9594,7 @@
           <p:cNvPr id="12" name="TextBox 11">
             <a:extLst>
               <a:ext uri="{FF2B5EF4-FFF2-40B4-BE49-F238E27FC236}">
-                <a16:creationId xmlns:a16="http://schemas.microsoft.com/office/drawing/2014/main" id="{821FF7FF-72CB-7202-B4CA-67335B88C49B}"/>
+                <a16:creationId xmlns:a16="http://schemas.microsoft.com/office/drawing/2014/main" id="{C4A266B7-7FC6-A600-95E5-445CA6D9DB97}"/>
               </a:ext>
             </a:extLst>
           </p:cNvPr>
@@ -9560,8 +9630,8 @@
           <a:fontRef idx="none"/>
         </p:style>
         <p:txBody>
-          <a:bodyPr rot="0" spcFirstLastPara="1" vertOverflow="overflow" horzOverflow="overflow" vert="horz" wrap="square" lIns="50800" tIns="50800" rIns="50800" bIns="50800" numCol="1" spcCol="38100" rtlCol="0" anchor="ctr">
-            <a:spAutoFit/>
+          <a:bodyPr rot="0" spcFirstLastPara="1" vertOverflow="overflow" horzOverflow="overflow" vert="horz" wrap="square" lIns="50800" tIns="50800" rIns="50800" bIns="50800" numCol="1" spcCol="38100" rtlCol="0" anchor="t" anchorCtr="0">
+            <a:noAutofit/>
           </a:bodyPr>
           <a:lstStyle/>
           <a:p>
@@ -9620,7 +9690,7 @@
           <p:cNvPr id="13" name="TextBox 12">
             <a:extLst>
               <a:ext uri="{FF2B5EF4-FFF2-40B4-BE49-F238E27FC236}">
-                <a16:creationId xmlns:a16="http://schemas.microsoft.com/office/drawing/2014/main" id="{801ECF60-F461-7AB8-471D-B909A8579B93}"/>
+                <a16:creationId xmlns:a16="http://schemas.microsoft.com/office/drawing/2014/main" id="{2E7ED1BE-2FD5-56BC-14CC-3E129DB27753}"/>
               </a:ext>
             </a:extLst>
           </p:cNvPr>
@@ -9716,7 +9786,7 @@
           <p:cNvPr id="14" name="TextBox 13">
             <a:extLst>
               <a:ext uri="{FF2B5EF4-FFF2-40B4-BE49-F238E27FC236}">
-                <a16:creationId xmlns:a16="http://schemas.microsoft.com/office/drawing/2014/main" id="{6FE19C91-96F9-0524-2B0D-CA4E95534081}"/>
+                <a16:creationId xmlns:a16="http://schemas.microsoft.com/office/drawing/2014/main" id="{2A28107C-5B70-8F15-2FB8-2B72D67F8811}"/>
               </a:ext>
             </a:extLst>
           </p:cNvPr>
@@ -9805,7 +9875,7 @@
           <p:cNvPr id="15" name="TextBox 14">
             <a:extLst>
               <a:ext uri="{FF2B5EF4-FFF2-40B4-BE49-F238E27FC236}">
-                <a16:creationId xmlns:a16="http://schemas.microsoft.com/office/drawing/2014/main" id="{C21AD68B-640D-4A15-2726-2CF62C9A9D99}"/>
+                <a16:creationId xmlns:a16="http://schemas.microsoft.com/office/drawing/2014/main" id="{045E94D3-1919-2896-A3E0-93D043A06865}"/>
               </a:ext>
             </a:extLst>
           </p:cNvPr>
@@ -9894,7 +9964,7 @@
           <p:cNvPr id="16" name="TextBox 15">
             <a:extLst>
               <a:ext uri="{FF2B5EF4-FFF2-40B4-BE49-F238E27FC236}">
-                <a16:creationId xmlns:a16="http://schemas.microsoft.com/office/drawing/2014/main" id="{A140E334-3A6C-564C-D610-841C6450B33B}"/>
+                <a16:creationId xmlns:a16="http://schemas.microsoft.com/office/drawing/2014/main" id="{25849FCA-AD3F-E3BC-50BD-7EBFE7DE4FB4}"/>
               </a:ext>
             </a:extLst>
           </p:cNvPr>
@@ -9983,7 +10053,7 @@
           <p:cNvPr id="20" name="TextBox 19">
             <a:extLst>
               <a:ext uri="{FF2B5EF4-FFF2-40B4-BE49-F238E27FC236}">
-                <a16:creationId xmlns:a16="http://schemas.microsoft.com/office/drawing/2014/main" id="{469C116A-9C13-4401-6F61-BD8CB1A397E0}"/>
+                <a16:creationId xmlns:a16="http://schemas.microsoft.com/office/drawing/2014/main" id="{7AFAF894-F780-0596-5647-CA5A8FCA02C9}"/>
               </a:ext>
             </a:extLst>
           </p:cNvPr>
@@ -10072,7 +10142,7 @@
           <p:cNvPr id="21" name="TextBox 20">
             <a:extLst>
               <a:ext uri="{FF2B5EF4-FFF2-40B4-BE49-F238E27FC236}">
-                <a16:creationId xmlns:a16="http://schemas.microsoft.com/office/drawing/2014/main" id="{8B2618FD-6CB7-DD46-BE50-02416552C3A7}"/>
+                <a16:creationId xmlns:a16="http://schemas.microsoft.com/office/drawing/2014/main" id="{60F9A7DB-D30A-AD1C-4A33-0F2DA23EF3A9}"/>
               </a:ext>
             </a:extLst>
           </p:cNvPr>
@@ -10161,7 +10231,7 @@
           <p:cNvPr id="22" name="TextBox 21">
             <a:extLst>
               <a:ext uri="{FF2B5EF4-FFF2-40B4-BE49-F238E27FC236}">
-                <a16:creationId xmlns:a16="http://schemas.microsoft.com/office/drawing/2014/main" id="{3AFAB168-BD0B-1147-693B-A8E2B6024B3B}"/>
+                <a16:creationId xmlns:a16="http://schemas.microsoft.com/office/drawing/2014/main" id="{3CA83E76-BD20-C884-65EC-774449134416}"/>
               </a:ext>
             </a:extLst>
           </p:cNvPr>
@@ -10250,7 +10320,7 @@
           <p:cNvPr id="23" name="TextBox 22">
             <a:extLst>
               <a:ext uri="{FF2B5EF4-FFF2-40B4-BE49-F238E27FC236}">
-                <a16:creationId xmlns:a16="http://schemas.microsoft.com/office/drawing/2014/main" id="{9B3CD14F-C879-9180-70DF-1DE69E6061B2}"/>
+                <a16:creationId xmlns:a16="http://schemas.microsoft.com/office/drawing/2014/main" id="{A00A9733-AA8C-E4C0-6E9B-0629B6EA8824}"/>
               </a:ext>
             </a:extLst>
           </p:cNvPr>
@@ -10339,7 +10409,7 @@
           <p:cNvPr id="24" name="TextBox 23">
             <a:extLst>
               <a:ext uri="{FF2B5EF4-FFF2-40B4-BE49-F238E27FC236}">
-                <a16:creationId xmlns:a16="http://schemas.microsoft.com/office/drawing/2014/main" id="{F50C6ECD-6F81-CAB1-B196-C78A5747367A}"/>
+                <a16:creationId xmlns:a16="http://schemas.microsoft.com/office/drawing/2014/main" id="{62078950-1AD6-5C44-9219-DB65740FE964}"/>
               </a:ext>
             </a:extLst>
           </p:cNvPr>
@@ -10428,7 +10498,7 @@
           <p:cNvPr id="25" name="TextBox 24">
             <a:extLst>
               <a:ext uri="{FF2B5EF4-FFF2-40B4-BE49-F238E27FC236}">
-                <a16:creationId xmlns:a16="http://schemas.microsoft.com/office/drawing/2014/main" id="{DE43EA16-FB6B-9AC4-389A-6BCB5675C8B5}"/>
+                <a16:creationId xmlns:a16="http://schemas.microsoft.com/office/drawing/2014/main" id="{86542DF6-2D76-941B-D68D-C9008315E8F6}"/>
               </a:ext>
             </a:extLst>
           </p:cNvPr>
@@ -10517,7 +10587,7 @@
           <p:cNvPr id="26" name="TextBox 25">
             <a:extLst>
               <a:ext uri="{FF2B5EF4-FFF2-40B4-BE49-F238E27FC236}">
-                <a16:creationId xmlns:a16="http://schemas.microsoft.com/office/drawing/2014/main" id="{A75D80B1-6D9C-8409-2E2D-35A1753198B0}"/>
+                <a16:creationId xmlns:a16="http://schemas.microsoft.com/office/drawing/2014/main" id="{E438C088-9A02-5A1D-1016-B9023DA7171E}"/>
               </a:ext>
             </a:extLst>
           </p:cNvPr>
@@ -10606,7 +10676,7 @@
           <p:cNvPr id="27" name="TextBox 26">
             <a:extLst>
               <a:ext uri="{FF2B5EF4-FFF2-40B4-BE49-F238E27FC236}">
-                <a16:creationId xmlns:a16="http://schemas.microsoft.com/office/drawing/2014/main" id="{953AC0F6-E0C7-331F-1881-6E1A754A3EBD}"/>
+                <a16:creationId xmlns:a16="http://schemas.microsoft.com/office/drawing/2014/main" id="{8858D2D7-C55C-EDE5-9C18-55D013B3C8AD}"/>
               </a:ext>
             </a:extLst>
           </p:cNvPr>
@@ -10695,7 +10765,7 @@
           <p:cNvPr id="28" name="TextBox 27">
             <a:extLst>
               <a:ext uri="{FF2B5EF4-FFF2-40B4-BE49-F238E27FC236}">
-                <a16:creationId xmlns:a16="http://schemas.microsoft.com/office/drawing/2014/main" id="{FC9D982A-5C28-6925-12E8-B3E999178FDC}"/>
+                <a16:creationId xmlns:a16="http://schemas.microsoft.com/office/drawing/2014/main" id="{2DC3579D-B5E8-F5B9-6A06-EF95BFF36F70}"/>
               </a:ext>
             </a:extLst>
           </p:cNvPr>
@@ -10784,7 +10854,7 @@
           <p:cNvPr id="29" name="TextBox 28">
             <a:extLst>
               <a:ext uri="{FF2B5EF4-FFF2-40B4-BE49-F238E27FC236}">
-                <a16:creationId xmlns:a16="http://schemas.microsoft.com/office/drawing/2014/main" id="{C0882884-5CF7-E66D-7275-3A3708440DD0}"/>
+                <a16:creationId xmlns:a16="http://schemas.microsoft.com/office/drawing/2014/main" id="{2C20393E-10D5-CE9F-8D0E-D06F5E69CDF1}"/>
               </a:ext>
             </a:extLst>
           </p:cNvPr>
@@ -10873,7 +10943,7 @@
           <p:cNvPr id="30" name="TextBox 29">
             <a:extLst>
               <a:ext uri="{FF2B5EF4-FFF2-40B4-BE49-F238E27FC236}">
-                <a16:creationId xmlns:a16="http://schemas.microsoft.com/office/drawing/2014/main" id="{5964492A-DB43-F600-4092-FBB8549FD99C}"/>
+                <a16:creationId xmlns:a16="http://schemas.microsoft.com/office/drawing/2014/main" id="{E2C4B020-8045-01C5-A51B-D4B064601F7D}"/>
               </a:ext>
             </a:extLst>
           </p:cNvPr>
@@ -10962,7 +11032,7 @@
           <p:cNvPr id="31" name="TextBox 30">
             <a:extLst>
               <a:ext uri="{FF2B5EF4-FFF2-40B4-BE49-F238E27FC236}">
-                <a16:creationId xmlns:a16="http://schemas.microsoft.com/office/drawing/2014/main" id="{C1F2FBC7-A8CF-EE9A-4C3F-622D61DD5636}"/>
+                <a16:creationId xmlns:a16="http://schemas.microsoft.com/office/drawing/2014/main" id="{86A9B3E4-DE86-7A66-DF1F-A8AB2E31583A}"/>
               </a:ext>
             </a:extLst>
           </p:cNvPr>
@@ -11051,7 +11121,7 @@
           <p:cNvPr id="32" name="TextBox 31">
             <a:extLst>
               <a:ext uri="{FF2B5EF4-FFF2-40B4-BE49-F238E27FC236}">
-                <a16:creationId xmlns:a16="http://schemas.microsoft.com/office/drawing/2014/main" id="{35211FA0-E94C-14A7-DD6F-72513E182388}"/>
+                <a16:creationId xmlns:a16="http://schemas.microsoft.com/office/drawing/2014/main" id="{5190CF50-DF0A-5C34-93D4-FDA6C8DF9354}"/>
               </a:ext>
             </a:extLst>
           </p:cNvPr>
@@ -11138,7 +11208,7 @@
     </p:spTree>
     <p:extLst>
       <p:ext uri="{BB962C8B-B14F-4D97-AF65-F5344CB8AC3E}">
-        <p14:creationId xmlns:p14="http://schemas.microsoft.com/office/powerpoint/2010/main" val="2395012779"/>
+        <p14:creationId xmlns:p14="http://schemas.microsoft.com/office/powerpoint/2010/main" val="896233696"/>
       </p:ext>
     </p:extLst>
   </p:cSld>
@@ -11157,7 +11227,7 @@
         <p:cNvPr id="1" name="">
           <a:extLst>
             <a:ext uri="{FF2B5EF4-FFF2-40B4-BE49-F238E27FC236}">
-              <a16:creationId xmlns:a16="http://schemas.microsoft.com/office/drawing/2014/main" id="{B5964DA4-B8AF-D7C9-3D3C-04679433647F}"/>
+              <a16:creationId xmlns:a16="http://schemas.microsoft.com/office/drawing/2014/main" id="{17A09BF2-9123-AA5E-D600-A7CC807E3770}"/>
             </a:ext>
           </a:extLst>
         </p:cNvPr>
@@ -11177,7 +11247,7 @@
           <p:cNvPr id="3" name="Title 1">
             <a:extLst>
               <a:ext uri="{FF2B5EF4-FFF2-40B4-BE49-F238E27FC236}">
-                <a16:creationId xmlns:a16="http://schemas.microsoft.com/office/drawing/2014/main" id="{D47A2F14-20E5-05CC-F2C4-36D2EF0CE826}"/>
+                <a16:creationId xmlns:a16="http://schemas.microsoft.com/office/drawing/2014/main" id="{C8E6EFB6-B42C-4B1A-CB41-ED74EF9ABEDA}"/>
               </a:ext>
             </a:extLst>
           </p:cNvPr>
@@ -11271,7 +11341,7 @@
           <p:cNvPr id="4" name="TextBox 3">
             <a:extLst>
               <a:ext uri="{FF2B5EF4-FFF2-40B4-BE49-F238E27FC236}">
-                <a16:creationId xmlns:a16="http://schemas.microsoft.com/office/drawing/2014/main" id="{6CCCBEE4-CCC7-6132-D7EB-E11FC06955C5}"/>
+                <a16:creationId xmlns:a16="http://schemas.microsoft.com/office/drawing/2014/main" id="{C4B42F69-D550-93BF-FFA6-84A930950E97}"/>
               </a:ext>
             </a:extLst>
           </p:cNvPr>
@@ -11367,7 +11437,7 @@
           <p:cNvPr id="5" name="TextBox 4">
             <a:extLst>
               <a:ext uri="{FF2B5EF4-FFF2-40B4-BE49-F238E27FC236}">
-                <a16:creationId xmlns:a16="http://schemas.microsoft.com/office/drawing/2014/main" id="{FA8933D0-0EE7-CA12-2066-3B98F9CB1B02}"/>
+                <a16:creationId xmlns:a16="http://schemas.microsoft.com/office/drawing/2014/main" id="{745AB55C-5F71-F8CE-14DE-AAFE7384952B}"/>
               </a:ext>
             </a:extLst>
           </p:cNvPr>
@@ -11463,7 +11533,7 @@
           <p:cNvPr id="6" name="TextBox 5">
             <a:extLst>
               <a:ext uri="{FF2B5EF4-FFF2-40B4-BE49-F238E27FC236}">
-                <a16:creationId xmlns:a16="http://schemas.microsoft.com/office/drawing/2014/main" id="{E5427914-E9DC-E72D-D325-57DBC4DA32F0}"/>
+                <a16:creationId xmlns:a16="http://schemas.microsoft.com/office/drawing/2014/main" id="{F107A1C6-6258-E8E4-CF10-ABED9CF56645}"/>
               </a:ext>
             </a:extLst>
           </p:cNvPr>
@@ -11559,7 +11629,7 @@
           <p:cNvPr id="7" name="TextBox 6">
             <a:extLst>
               <a:ext uri="{FF2B5EF4-FFF2-40B4-BE49-F238E27FC236}">
-                <a16:creationId xmlns:a16="http://schemas.microsoft.com/office/drawing/2014/main" id="{09B05CA5-F9EF-FD8E-4A47-2B2DF9E13939}"/>
+                <a16:creationId xmlns:a16="http://schemas.microsoft.com/office/drawing/2014/main" id="{6F949F4E-F000-565C-DBDE-681AC29FD8AF}"/>
               </a:ext>
             </a:extLst>
           </p:cNvPr>
@@ -11655,7 +11725,7 @@
           <p:cNvPr id="8" name="TextBox 7">
             <a:extLst>
               <a:ext uri="{FF2B5EF4-FFF2-40B4-BE49-F238E27FC236}">
-                <a16:creationId xmlns:a16="http://schemas.microsoft.com/office/drawing/2014/main" id="{923CF8E2-0C3A-0D84-60C3-AEB740442DD8}"/>
+                <a16:creationId xmlns:a16="http://schemas.microsoft.com/office/drawing/2014/main" id="{EE4FA43F-A6FB-45AA-D2DC-4747C2B78E56}"/>
               </a:ext>
             </a:extLst>
           </p:cNvPr>
@@ -11741,7 +11811,7 @@
           <p:cNvPr id="9" name="TextBox 8">
             <a:extLst>
               <a:ext uri="{FF2B5EF4-FFF2-40B4-BE49-F238E27FC236}">
-                <a16:creationId xmlns:a16="http://schemas.microsoft.com/office/drawing/2014/main" id="{EEDFAD1D-194D-E255-3D96-79E7F9DDCFB4}"/>
+                <a16:creationId xmlns:a16="http://schemas.microsoft.com/office/drawing/2014/main" id="{1221DE84-19DB-5730-BEBE-679A1585AA33}"/>
               </a:ext>
             </a:extLst>
           </p:cNvPr>
@@ -11837,7 +11907,7 @@
           <p:cNvPr id="10" name="TextBox 9">
             <a:extLst>
               <a:ext uri="{FF2B5EF4-FFF2-40B4-BE49-F238E27FC236}">
-                <a16:creationId xmlns:a16="http://schemas.microsoft.com/office/drawing/2014/main" id="{38A1DCBB-7E97-4A84-F0F2-880EE061AB97}"/>
+                <a16:creationId xmlns:a16="http://schemas.microsoft.com/office/drawing/2014/main" id="{47386AB3-3F1F-B229-C273-410CFFADB82A}"/>
               </a:ext>
             </a:extLst>
           </p:cNvPr>
@@ -11933,7 +12003,7 @@
           <p:cNvPr id="11" name="TextBox 10">
             <a:extLst>
               <a:ext uri="{FF2B5EF4-FFF2-40B4-BE49-F238E27FC236}">
-                <a16:creationId xmlns:a16="http://schemas.microsoft.com/office/drawing/2014/main" id="{1DA45324-59F8-819D-A27B-9A6198E87855}"/>
+                <a16:creationId xmlns:a16="http://schemas.microsoft.com/office/drawing/2014/main" id="{8EDC4F53-80FB-AAEB-82AE-6C73BD5C75D8}"/>
               </a:ext>
             </a:extLst>
           </p:cNvPr>
@@ -12029,7 +12099,7 @@
           <p:cNvPr id="12" name="TextBox 11">
             <a:extLst>
               <a:ext uri="{FF2B5EF4-FFF2-40B4-BE49-F238E27FC236}">
-                <a16:creationId xmlns:a16="http://schemas.microsoft.com/office/drawing/2014/main" id="{D4806478-C5EB-C473-5937-9C0C40C95BF0}"/>
+                <a16:creationId xmlns:a16="http://schemas.microsoft.com/office/drawing/2014/main" id="{C146AAB3-4BD0-4E04-121C-0C8204FC09E4}"/>
               </a:ext>
             </a:extLst>
           </p:cNvPr>
@@ -12065,8 +12135,8 @@
           <a:fontRef idx="none"/>
         </p:style>
         <p:txBody>
-          <a:bodyPr rot="0" spcFirstLastPara="1" vertOverflow="overflow" horzOverflow="overflow" vert="horz" wrap="square" lIns="50800" tIns="50800" rIns="50800" bIns="50800" numCol="1" spcCol="38100" rtlCol="0" anchor="ctr">
-            <a:spAutoFit/>
+          <a:bodyPr rot="0" spcFirstLastPara="1" vertOverflow="overflow" horzOverflow="overflow" vert="horz" wrap="square" lIns="50800" tIns="50800" rIns="50800" bIns="50800" numCol="1" spcCol="38100" rtlCol="0" anchor="t" anchorCtr="0">
+            <a:noAutofit/>
           </a:bodyPr>
           <a:lstStyle/>
           <a:p>
@@ -12125,7 +12195,7 @@
           <p:cNvPr id="13" name="TextBox 12">
             <a:extLst>
               <a:ext uri="{FF2B5EF4-FFF2-40B4-BE49-F238E27FC236}">
-                <a16:creationId xmlns:a16="http://schemas.microsoft.com/office/drawing/2014/main" id="{81C6572D-85CE-AF50-30FB-683DC224C5F1}"/>
+                <a16:creationId xmlns:a16="http://schemas.microsoft.com/office/drawing/2014/main" id="{D13CA947-529D-D038-70A1-0FA112568DD0}"/>
               </a:ext>
             </a:extLst>
           </p:cNvPr>
@@ -12221,7 +12291,7 @@
           <p:cNvPr id="14" name="TextBox 13">
             <a:extLst>
               <a:ext uri="{FF2B5EF4-FFF2-40B4-BE49-F238E27FC236}">
-                <a16:creationId xmlns:a16="http://schemas.microsoft.com/office/drawing/2014/main" id="{D8B9DFD5-FEC2-A2C8-CB86-3B46D7800E37}"/>
+                <a16:creationId xmlns:a16="http://schemas.microsoft.com/office/drawing/2014/main" id="{FF6A2AB0-1512-DC93-2C2A-A4645B4BA1C7}"/>
               </a:ext>
             </a:extLst>
           </p:cNvPr>
@@ -12310,7 +12380,7 @@
           <p:cNvPr id="15" name="TextBox 14">
             <a:extLst>
               <a:ext uri="{FF2B5EF4-FFF2-40B4-BE49-F238E27FC236}">
-                <a16:creationId xmlns:a16="http://schemas.microsoft.com/office/drawing/2014/main" id="{6B13F88A-AF8C-F7D6-A37F-424A64F88112}"/>
+                <a16:creationId xmlns:a16="http://schemas.microsoft.com/office/drawing/2014/main" id="{0701EA4A-21C3-AFF0-9022-C0709EA933E0}"/>
               </a:ext>
             </a:extLst>
           </p:cNvPr>
@@ -12399,7 +12469,7 @@
           <p:cNvPr id="16" name="TextBox 15">
             <a:extLst>
               <a:ext uri="{FF2B5EF4-FFF2-40B4-BE49-F238E27FC236}">
-                <a16:creationId xmlns:a16="http://schemas.microsoft.com/office/drawing/2014/main" id="{AEB000BE-DF5C-E26D-279D-0F3898240B84}"/>
+                <a16:creationId xmlns:a16="http://schemas.microsoft.com/office/drawing/2014/main" id="{00A45D49-D1B4-045F-93F3-A84051903C09}"/>
               </a:ext>
             </a:extLst>
           </p:cNvPr>
@@ -12488,7 +12558,7 @@
           <p:cNvPr id="20" name="TextBox 19">
             <a:extLst>
               <a:ext uri="{FF2B5EF4-FFF2-40B4-BE49-F238E27FC236}">
-                <a16:creationId xmlns:a16="http://schemas.microsoft.com/office/drawing/2014/main" id="{8DFA2B38-707D-7537-621D-4A7A8765A996}"/>
+                <a16:creationId xmlns:a16="http://schemas.microsoft.com/office/drawing/2014/main" id="{8331BA54-730A-6B92-A697-F8FA06BC1E95}"/>
               </a:ext>
             </a:extLst>
           </p:cNvPr>
@@ -12577,7 +12647,7 @@
           <p:cNvPr id="21" name="TextBox 20">
             <a:extLst>
               <a:ext uri="{FF2B5EF4-FFF2-40B4-BE49-F238E27FC236}">
-                <a16:creationId xmlns:a16="http://schemas.microsoft.com/office/drawing/2014/main" id="{8B60B531-227E-FB30-77B0-D02733339099}"/>
+                <a16:creationId xmlns:a16="http://schemas.microsoft.com/office/drawing/2014/main" id="{C09CAA89-1DF6-04EE-4D5D-9796391F9E7E}"/>
               </a:ext>
             </a:extLst>
           </p:cNvPr>
@@ -12666,7 +12736,7 @@
           <p:cNvPr id="22" name="TextBox 21">
             <a:extLst>
               <a:ext uri="{FF2B5EF4-FFF2-40B4-BE49-F238E27FC236}">
-                <a16:creationId xmlns:a16="http://schemas.microsoft.com/office/drawing/2014/main" id="{2F2BBBBC-3B0E-A528-0702-AA954AA7154C}"/>
+                <a16:creationId xmlns:a16="http://schemas.microsoft.com/office/drawing/2014/main" id="{212795C1-B0DA-70C8-DAD9-7EE90EA26EE1}"/>
               </a:ext>
             </a:extLst>
           </p:cNvPr>
@@ -12755,7 +12825,7 @@
           <p:cNvPr id="23" name="TextBox 22">
             <a:extLst>
               <a:ext uri="{FF2B5EF4-FFF2-40B4-BE49-F238E27FC236}">
-                <a16:creationId xmlns:a16="http://schemas.microsoft.com/office/drawing/2014/main" id="{4593B5A1-06F9-C01C-0827-8E21A29896AF}"/>
+                <a16:creationId xmlns:a16="http://schemas.microsoft.com/office/drawing/2014/main" id="{917E9E86-339C-0073-897D-9F66B327291A}"/>
               </a:ext>
             </a:extLst>
           </p:cNvPr>
@@ -12844,7 +12914,7 @@
           <p:cNvPr id="24" name="TextBox 23">
             <a:extLst>
               <a:ext uri="{FF2B5EF4-FFF2-40B4-BE49-F238E27FC236}">
-                <a16:creationId xmlns:a16="http://schemas.microsoft.com/office/drawing/2014/main" id="{2CAD0E44-999A-91ED-E907-AD0704A5A25D}"/>
+                <a16:creationId xmlns:a16="http://schemas.microsoft.com/office/drawing/2014/main" id="{FC5CBA74-3F23-A9E5-E710-7565ABFF05A3}"/>
               </a:ext>
             </a:extLst>
           </p:cNvPr>
@@ -12933,7 +13003,7 @@
           <p:cNvPr id="25" name="TextBox 24">
             <a:extLst>
               <a:ext uri="{FF2B5EF4-FFF2-40B4-BE49-F238E27FC236}">
-                <a16:creationId xmlns:a16="http://schemas.microsoft.com/office/drawing/2014/main" id="{B1764406-A3BC-85BB-7F3C-236F181C618D}"/>
+                <a16:creationId xmlns:a16="http://schemas.microsoft.com/office/drawing/2014/main" id="{4B4E15CA-341D-49BC-CB0A-8110ECF9390E}"/>
               </a:ext>
             </a:extLst>
           </p:cNvPr>
@@ -13022,7 +13092,7 @@
           <p:cNvPr id="26" name="TextBox 25">
             <a:extLst>
               <a:ext uri="{FF2B5EF4-FFF2-40B4-BE49-F238E27FC236}">
-                <a16:creationId xmlns:a16="http://schemas.microsoft.com/office/drawing/2014/main" id="{24330E03-6B69-D98A-3AC0-9D0F1731BE05}"/>
+                <a16:creationId xmlns:a16="http://schemas.microsoft.com/office/drawing/2014/main" id="{E5388377-6D99-F291-8C9A-133336E47A2C}"/>
               </a:ext>
             </a:extLst>
           </p:cNvPr>
@@ -13111,7 +13181,7 @@
           <p:cNvPr id="27" name="TextBox 26">
             <a:extLst>
               <a:ext uri="{FF2B5EF4-FFF2-40B4-BE49-F238E27FC236}">
-                <a16:creationId xmlns:a16="http://schemas.microsoft.com/office/drawing/2014/main" id="{CDD99C26-6E8D-C828-0B75-F81396F16CE6}"/>
+                <a16:creationId xmlns:a16="http://schemas.microsoft.com/office/drawing/2014/main" id="{865BEF3F-680A-FA98-480E-23DABD5A447C}"/>
               </a:ext>
             </a:extLst>
           </p:cNvPr>
@@ -13200,7 +13270,7 @@
           <p:cNvPr id="28" name="TextBox 27">
             <a:extLst>
               <a:ext uri="{FF2B5EF4-FFF2-40B4-BE49-F238E27FC236}">
-                <a16:creationId xmlns:a16="http://schemas.microsoft.com/office/drawing/2014/main" id="{23472FB5-69CA-35B1-EDA2-A05341812A3C}"/>
+                <a16:creationId xmlns:a16="http://schemas.microsoft.com/office/drawing/2014/main" id="{7C10BD28-8118-A46E-0364-7898695E1971}"/>
               </a:ext>
             </a:extLst>
           </p:cNvPr>
@@ -13289,7 +13359,7 @@
           <p:cNvPr id="29" name="TextBox 28">
             <a:extLst>
               <a:ext uri="{FF2B5EF4-FFF2-40B4-BE49-F238E27FC236}">
-                <a16:creationId xmlns:a16="http://schemas.microsoft.com/office/drawing/2014/main" id="{D846CD1D-B054-2345-B3C2-1E16711C63A8}"/>
+                <a16:creationId xmlns:a16="http://schemas.microsoft.com/office/drawing/2014/main" id="{FEB3C0CD-67F0-30B8-B5D1-60D56EEB57FB}"/>
               </a:ext>
             </a:extLst>
           </p:cNvPr>
@@ -13378,7 +13448,7 @@
           <p:cNvPr id="30" name="TextBox 29">
             <a:extLst>
               <a:ext uri="{FF2B5EF4-FFF2-40B4-BE49-F238E27FC236}">
-                <a16:creationId xmlns:a16="http://schemas.microsoft.com/office/drawing/2014/main" id="{01EA1FDD-DD55-89C3-1096-8C664F6BA230}"/>
+                <a16:creationId xmlns:a16="http://schemas.microsoft.com/office/drawing/2014/main" id="{D2A6ABC8-6ADD-D885-7110-EBA0C637BA9D}"/>
               </a:ext>
             </a:extLst>
           </p:cNvPr>
@@ -13467,7 +13537,7 @@
           <p:cNvPr id="31" name="TextBox 30">
             <a:extLst>
               <a:ext uri="{FF2B5EF4-FFF2-40B4-BE49-F238E27FC236}">
-                <a16:creationId xmlns:a16="http://schemas.microsoft.com/office/drawing/2014/main" id="{E23B0469-A89D-7923-568C-B3182CCA3A7D}"/>
+                <a16:creationId xmlns:a16="http://schemas.microsoft.com/office/drawing/2014/main" id="{B01BD56D-F032-B6AF-A4C0-9A2C69046C99}"/>
               </a:ext>
             </a:extLst>
           </p:cNvPr>
@@ -13556,7 +13626,7 @@
           <p:cNvPr id="32" name="TextBox 31">
             <a:extLst>
               <a:ext uri="{FF2B5EF4-FFF2-40B4-BE49-F238E27FC236}">
-                <a16:creationId xmlns:a16="http://schemas.microsoft.com/office/drawing/2014/main" id="{8852BAA1-2725-C566-9871-444FA8B4322D}"/>
+                <a16:creationId xmlns:a16="http://schemas.microsoft.com/office/drawing/2014/main" id="{3F13DB9D-A854-9DAD-70EB-794F6F86D33A}"/>
               </a:ext>
             </a:extLst>
           </p:cNvPr>
@@ -13643,7 +13713,7 @@
     </p:spTree>
     <p:extLst>
       <p:ext uri="{BB962C8B-B14F-4D97-AF65-F5344CB8AC3E}">
-        <p14:creationId xmlns:p14="http://schemas.microsoft.com/office/powerpoint/2010/main" val="3422531153"/>
+        <p14:creationId xmlns:p14="http://schemas.microsoft.com/office/powerpoint/2010/main" val="2771513817"/>
       </p:ext>
     </p:extLst>
   </p:cSld>
@@ -13662,7 +13732,7 @@
         <p:cNvPr id="1" name="">
           <a:extLst>
             <a:ext uri="{FF2B5EF4-FFF2-40B4-BE49-F238E27FC236}">
-              <a16:creationId xmlns:a16="http://schemas.microsoft.com/office/drawing/2014/main" id="{74FEA889-1509-B536-8AED-40BF86C4B194}"/>
+              <a16:creationId xmlns:a16="http://schemas.microsoft.com/office/drawing/2014/main" id="{3661A6B1-7395-04CB-34A2-E67121D5378D}"/>
             </a:ext>
           </a:extLst>
         </p:cNvPr>
@@ -13682,7 +13752,7 @@
           <p:cNvPr id="3" name="Title 1">
             <a:extLst>
               <a:ext uri="{FF2B5EF4-FFF2-40B4-BE49-F238E27FC236}">
-                <a16:creationId xmlns:a16="http://schemas.microsoft.com/office/drawing/2014/main" id="{5950C1BA-F09F-9044-D8EA-9AECE3776025}"/>
+                <a16:creationId xmlns:a16="http://schemas.microsoft.com/office/drawing/2014/main" id="{DAE9C3CA-F261-7AE0-2BF2-7F5F247C901D}"/>
               </a:ext>
             </a:extLst>
           </p:cNvPr>
@@ -13776,7 +13846,7 @@
           <p:cNvPr id="4" name="TextBox 3">
             <a:extLst>
               <a:ext uri="{FF2B5EF4-FFF2-40B4-BE49-F238E27FC236}">
-                <a16:creationId xmlns:a16="http://schemas.microsoft.com/office/drawing/2014/main" id="{8C8030BC-1A16-22B0-8CEF-EBB476300F4D}"/>
+                <a16:creationId xmlns:a16="http://schemas.microsoft.com/office/drawing/2014/main" id="{C3168A4B-9700-CE0C-01B1-47790D006502}"/>
               </a:ext>
             </a:extLst>
           </p:cNvPr>
@@ -13872,7 +13942,7 @@
           <p:cNvPr id="5" name="TextBox 4">
             <a:extLst>
               <a:ext uri="{FF2B5EF4-FFF2-40B4-BE49-F238E27FC236}">
-                <a16:creationId xmlns:a16="http://schemas.microsoft.com/office/drawing/2014/main" id="{4E2F01C2-EF92-66F0-768E-EF9CDE735A6B}"/>
+                <a16:creationId xmlns:a16="http://schemas.microsoft.com/office/drawing/2014/main" id="{77E9FA8B-A15C-F6AA-3E48-82D709C186F7}"/>
               </a:ext>
             </a:extLst>
           </p:cNvPr>
@@ -13968,7 +14038,7 @@
           <p:cNvPr id="6" name="TextBox 5">
             <a:extLst>
               <a:ext uri="{FF2B5EF4-FFF2-40B4-BE49-F238E27FC236}">
-                <a16:creationId xmlns:a16="http://schemas.microsoft.com/office/drawing/2014/main" id="{A353D55F-8EA7-C793-1FE1-9D84F554946E}"/>
+                <a16:creationId xmlns:a16="http://schemas.microsoft.com/office/drawing/2014/main" id="{2DBDB1B0-68F6-D930-1E29-D60C0323700E}"/>
               </a:ext>
             </a:extLst>
           </p:cNvPr>
@@ -14064,7 +14134,7 @@
           <p:cNvPr id="7" name="TextBox 6">
             <a:extLst>
               <a:ext uri="{FF2B5EF4-FFF2-40B4-BE49-F238E27FC236}">
-                <a16:creationId xmlns:a16="http://schemas.microsoft.com/office/drawing/2014/main" id="{600125B6-FB3B-1A80-30A6-56F00CAFFDC1}"/>
+                <a16:creationId xmlns:a16="http://schemas.microsoft.com/office/drawing/2014/main" id="{98B1E111-FA63-CE02-F7E6-5F96D7C11286}"/>
               </a:ext>
             </a:extLst>
           </p:cNvPr>
@@ -14160,7 +14230,7 @@
           <p:cNvPr id="8" name="TextBox 7">
             <a:extLst>
               <a:ext uri="{FF2B5EF4-FFF2-40B4-BE49-F238E27FC236}">
-                <a16:creationId xmlns:a16="http://schemas.microsoft.com/office/drawing/2014/main" id="{71D40DD1-38FC-31BD-D32F-28D1A4B50030}"/>
+                <a16:creationId xmlns:a16="http://schemas.microsoft.com/office/drawing/2014/main" id="{06AE200D-97AD-D230-27A0-4882696AB93F}"/>
               </a:ext>
             </a:extLst>
           </p:cNvPr>
@@ -14246,7 +14316,7 @@
           <p:cNvPr id="9" name="TextBox 8">
             <a:extLst>
               <a:ext uri="{FF2B5EF4-FFF2-40B4-BE49-F238E27FC236}">
-                <a16:creationId xmlns:a16="http://schemas.microsoft.com/office/drawing/2014/main" id="{4E52FEE5-88C2-4236-3B9A-5E23232AA9E1}"/>
+                <a16:creationId xmlns:a16="http://schemas.microsoft.com/office/drawing/2014/main" id="{2DE7ECE8-3801-6F9C-C1C4-C6FA9BBBB35E}"/>
               </a:ext>
             </a:extLst>
           </p:cNvPr>
@@ -14342,7 +14412,7 @@
           <p:cNvPr id="10" name="TextBox 9">
             <a:extLst>
               <a:ext uri="{FF2B5EF4-FFF2-40B4-BE49-F238E27FC236}">
-                <a16:creationId xmlns:a16="http://schemas.microsoft.com/office/drawing/2014/main" id="{90F0FB4B-DE32-B2BB-9406-13A1D78DE467}"/>
+                <a16:creationId xmlns:a16="http://schemas.microsoft.com/office/drawing/2014/main" id="{138A0391-F9BB-B212-8EDA-11FD5AAE9468}"/>
               </a:ext>
             </a:extLst>
           </p:cNvPr>
@@ -14438,7 +14508,7 @@
           <p:cNvPr id="11" name="TextBox 10">
             <a:extLst>
               <a:ext uri="{FF2B5EF4-FFF2-40B4-BE49-F238E27FC236}">
-                <a16:creationId xmlns:a16="http://schemas.microsoft.com/office/drawing/2014/main" id="{236F0B1A-DC83-216A-D2ED-B634DFA53153}"/>
+                <a16:creationId xmlns:a16="http://schemas.microsoft.com/office/drawing/2014/main" id="{4363D0D4-2674-4E04-A350-A667B85739A9}"/>
               </a:ext>
             </a:extLst>
           </p:cNvPr>
@@ -14534,7 +14604,7 @@
           <p:cNvPr id="12" name="TextBox 11">
             <a:extLst>
               <a:ext uri="{FF2B5EF4-FFF2-40B4-BE49-F238E27FC236}">
-                <a16:creationId xmlns:a16="http://schemas.microsoft.com/office/drawing/2014/main" id="{E21A7FEB-32B8-115E-9ACF-B42FCB4FDA30}"/>
+                <a16:creationId xmlns:a16="http://schemas.microsoft.com/office/drawing/2014/main" id="{722F9FF5-B3D4-FE06-DDDB-29F851FE36CE}"/>
               </a:ext>
             </a:extLst>
           </p:cNvPr>
@@ -14570,8 +14640,8 @@
           <a:fontRef idx="none"/>
         </p:style>
         <p:txBody>
-          <a:bodyPr rot="0" spcFirstLastPara="1" vertOverflow="overflow" horzOverflow="overflow" vert="horz" wrap="square" lIns="50800" tIns="50800" rIns="50800" bIns="50800" numCol="1" spcCol="38100" rtlCol="0" anchor="ctr">
-            <a:spAutoFit/>
+          <a:bodyPr rot="0" spcFirstLastPara="1" vertOverflow="overflow" horzOverflow="overflow" vert="horz" wrap="square" lIns="50800" tIns="50800" rIns="50800" bIns="50800" numCol="1" spcCol="38100" rtlCol="0" anchor="t" anchorCtr="0">
+            <a:noAutofit/>
           </a:bodyPr>
           <a:lstStyle/>
           <a:p>
@@ -14630,7 +14700,7 @@
           <p:cNvPr id="13" name="TextBox 12">
             <a:extLst>
               <a:ext uri="{FF2B5EF4-FFF2-40B4-BE49-F238E27FC236}">
-                <a16:creationId xmlns:a16="http://schemas.microsoft.com/office/drawing/2014/main" id="{388BB6E9-8C8E-7F1B-87CB-EAC17ECF0A4B}"/>
+                <a16:creationId xmlns:a16="http://schemas.microsoft.com/office/drawing/2014/main" id="{FE07BA06-3479-6B79-00BF-EE312D0E64CF}"/>
               </a:ext>
             </a:extLst>
           </p:cNvPr>
@@ -14726,7 +14796,7 @@
           <p:cNvPr id="14" name="TextBox 13">
             <a:extLst>
               <a:ext uri="{FF2B5EF4-FFF2-40B4-BE49-F238E27FC236}">
-                <a16:creationId xmlns:a16="http://schemas.microsoft.com/office/drawing/2014/main" id="{EF77FB5F-9BB2-F9BA-5DE9-E63B19C43580}"/>
+                <a16:creationId xmlns:a16="http://schemas.microsoft.com/office/drawing/2014/main" id="{4BFFF36D-C8D6-DDC4-9208-6A7951C08CF6}"/>
               </a:ext>
             </a:extLst>
           </p:cNvPr>
@@ -14815,7 +14885,7 @@
           <p:cNvPr id="15" name="TextBox 14">
             <a:extLst>
               <a:ext uri="{FF2B5EF4-FFF2-40B4-BE49-F238E27FC236}">
-                <a16:creationId xmlns:a16="http://schemas.microsoft.com/office/drawing/2014/main" id="{F70E7795-68E0-AF74-C75A-19E4808DC3BC}"/>
+                <a16:creationId xmlns:a16="http://schemas.microsoft.com/office/drawing/2014/main" id="{83152EC7-1ADE-D8E3-AF23-B56111595D6B}"/>
               </a:ext>
             </a:extLst>
           </p:cNvPr>
@@ -14904,7 +14974,7 @@
           <p:cNvPr id="16" name="TextBox 15">
             <a:extLst>
               <a:ext uri="{FF2B5EF4-FFF2-40B4-BE49-F238E27FC236}">
-                <a16:creationId xmlns:a16="http://schemas.microsoft.com/office/drawing/2014/main" id="{DF2DF2C2-FBC0-F70F-345E-AC252E2E0E01}"/>
+                <a16:creationId xmlns:a16="http://schemas.microsoft.com/office/drawing/2014/main" id="{25458F85-DF27-710B-D326-AAD0140BAC63}"/>
               </a:ext>
             </a:extLst>
           </p:cNvPr>
@@ -14993,7 +15063,7 @@
           <p:cNvPr id="20" name="TextBox 19">
             <a:extLst>
               <a:ext uri="{FF2B5EF4-FFF2-40B4-BE49-F238E27FC236}">
-                <a16:creationId xmlns:a16="http://schemas.microsoft.com/office/drawing/2014/main" id="{6F3B11CA-0B7C-0A36-62EF-C304DD258187}"/>
+                <a16:creationId xmlns:a16="http://schemas.microsoft.com/office/drawing/2014/main" id="{802A31AD-8897-470D-CE6E-0769B124EBD8}"/>
               </a:ext>
             </a:extLst>
           </p:cNvPr>
@@ -15082,7 +15152,7 @@
           <p:cNvPr id="21" name="TextBox 20">
             <a:extLst>
               <a:ext uri="{FF2B5EF4-FFF2-40B4-BE49-F238E27FC236}">
-                <a16:creationId xmlns:a16="http://schemas.microsoft.com/office/drawing/2014/main" id="{8706DF0A-C87C-A579-13D9-C931205C595E}"/>
+                <a16:creationId xmlns:a16="http://schemas.microsoft.com/office/drawing/2014/main" id="{52802F01-0088-15F6-CF4A-D4317DE5C2A0}"/>
               </a:ext>
             </a:extLst>
           </p:cNvPr>
@@ -15171,7 +15241,7 @@
           <p:cNvPr id="22" name="TextBox 21">
             <a:extLst>
               <a:ext uri="{FF2B5EF4-FFF2-40B4-BE49-F238E27FC236}">
-                <a16:creationId xmlns:a16="http://schemas.microsoft.com/office/drawing/2014/main" id="{DDB5A44F-B857-0FA9-D095-0BF40F7C69D0}"/>
+                <a16:creationId xmlns:a16="http://schemas.microsoft.com/office/drawing/2014/main" id="{16856DA1-133E-02CA-10C1-A164019382F3}"/>
               </a:ext>
             </a:extLst>
           </p:cNvPr>
@@ -15260,7 +15330,7 @@
           <p:cNvPr id="23" name="TextBox 22">
             <a:extLst>
               <a:ext uri="{FF2B5EF4-FFF2-40B4-BE49-F238E27FC236}">
-                <a16:creationId xmlns:a16="http://schemas.microsoft.com/office/drawing/2014/main" id="{46102952-BF3D-3C97-AF37-1EE88A1BE140}"/>
+                <a16:creationId xmlns:a16="http://schemas.microsoft.com/office/drawing/2014/main" id="{E94369B5-0B50-65A7-1095-7C7FBF8147E3}"/>
               </a:ext>
             </a:extLst>
           </p:cNvPr>
@@ -15349,7 +15419,7 @@
           <p:cNvPr id="24" name="TextBox 23">
             <a:extLst>
               <a:ext uri="{FF2B5EF4-FFF2-40B4-BE49-F238E27FC236}">
-                <a16:creationId xmlns:a16="http://schemas.microsoft.com/office/drawing/2014/main" id="{560BAE92-83CE-D487-618E-171348330A69}"/>
+                <a16:creationId xmlns:a16="http://schemas.microsoft.com/office/drawing/2014/main" id="{F9D44D0D-6B7B-4D60-7020-289216E647AF}"/>
               </a:ext>
             </a:extLst>
           </p:cNvPr>
@@ -15438,7 +15508,7 @@
           <p:cNvPr id="25" name="TextBox 24">
             <a:extLst>
               <a:ext uri="{FF2B5EF4-FFF2-40B4-BE49-F238E27FC236}">
-                <a16:creationId xmlns:a16="http://schemas.microsoft.com/office/drawing/2014/main" id="{FF45CC18-B7C8-2C40-ADF6-040112C7673B}"/>
+                <a16:creationId xmlns:a16="http://schemas.microsoft.com/office/drawing/2014/main" id="{01F6DEDD-BE85-561E-DA24-FC1C7B13667D}"/>
               </a:ext>
             </a:extLst>
           </p:cNvPr>
@@ -15527,7 +15597,7 @@
           <p:cNvPr id="26" name="TextBox 25">
             <a:extLst>
               <a:ext uri="{FF2B5EF4-FFF2-40B4-BE49-F238E27FC236}">
-                <a16:creationId xmlns:a16="http://schemas.microsoft.com/office/drawing/2014/main" id="{A70AA6EC-3E09-9C86-3E2C-29803EA51143}"/>
+                <a16:creationId xmlns:a16="http://schemas.microsoft.com/office/drawing/2014/main" id="{6BA717E4-9B8F-80A7-2293-BD77D83525F6}"/>
               </a:ext>
             </a:extLst>
           </p:cNvPr>
@@ -15616,7 +15686,7 @@
           <p:cNvPr id="27" name="TextBox 26">
             <a:extLst>
               <a:ext uri="{FF2B5EF4-FFF2-40B4-BE49-F238E27FC236}">
-                <a16:creationId xmlns:a16="http://schemas.microsoft.com/office/drawing/2014/main" id="{5D792EEB-0CEF-C1E0-373F-37347B9704B1}"/>
+                <a16:creationId xmlns:a16="http://schemas.microsoft.com/office/drawing/2014/main" id="{E072DCD0-A20E-0174-D45B-BCCF406640BF}"/>
               </a:ext>
             </a:extLst>
           </p:cNvPr>
@@ -15705,7 +15775,7 @@
           <p:cNvPr id="28" name="TextBox 27">
             <a:extLst>
               <a:ext uri="{FF2B5EF4-FFF2-40B4-BE49-F238E27FC236}">
-                <a16:creationId xmlns:a16="http://schemas.microsoft.com/office/drawing/2014/main" id="{92EA55A2-B004-CC9B-85ED-E91D55DEEB3A}"/>
+                <a16:creationId xmlns:a16="http://schemas.microsoft.com/office/drawing/2014/main" id="{9F15A9D3-639A-B110-A312-EF090A65CFA6}"/>
               </a:ext>
             </a:extLst>
           </p:cNvPr>
@@ -15794,7 +15864,7 @@
           <p:cNvPr id="29" name="TextBox 28">
             <a:extLst>
               <a:ext uri="{FF2B5EF4-FFF2-40B4-BE49-F238E27FC236}">
-                <a16:creationId xmlns:a16="http://schemas.microsoft.com/office/drawing/2014/main" id="{6C23F367-A969-CEFA-4AA4-37F206C84660}"/>
+                <a16:creationId xmlns:a16="http://schemas.microsoft.com/office/drawing/2014/main" id="{36676C83-1CE5-B828-CCE1-001B8FEEE130}"/>
               </a:ext>
             </a:extLst>
           </p:cNvPr>
@@ -15883,7 +15953,7 @@
           <p:cNvPr id="30" name="TextBox 29">
             <a:extLst>
               <a:ext uri="{FF2B5EF4-FFF2-40B4-BE49-F238E27FC236}">
-                <a16:creationId xmlns:a16="http://schemas.microsoft.com/office/drawing/2014/main" id="{CE10AF67-7A78-F2D9-F8B7-DD274FAEEBD1}"/>
+                <a16:creationId xmlns:a16="http://schemas.microsoft.com/office/drawing/2014/main" id="{F514E174-0A5D-8CC7-6D95-73ADA2598936}"/>
               </a:ext>
             </a:extLst>
           </p:cNvPr>
@@ -15972,7 +16042,7 @@
           <p:cNvPr id="31" name="TextBox 30">
             <a:extLst>
               <a:ext uri="{FF2B5EF4-FFF2-40B4-BE49-F238E27FC236}">
-                <a16:creationId xmlns:a16="http://schemas.microsoft.com/office/drawing/2014/main" id="{CF175DD8-AEB3-B42C-0BD6-2116AF900BB7}"/>
+                <a16:creationId xmlns:a16="http://schemas.microsoft.com/office/drawing/2014/main" id="{17C17859-37AF-FCA8-7FBC-4078461AEAD8}"/>
               </a:ext>
             </a:extLst>
           </p:cNvPr>
@@ -16061,7 +16131,7 @@
           <p:cNvPr id="32" name="TextBox 31">
             <a:extLst>
               <a:ext uri="{FF2B5EF4-FFF2-40B4-BE49-F238E27FC236}">
-                <a16:creationId xmlns:a16="http://schemas.microsoft.com/office/drawing/2014/main" id="{095DE998-E979-CB41-43A6-2AE1273149BB}"/>
+                <a16:creationId xmlns:a16="http://schemas.microsoft.com/office/drawing/2014/main" id="{243DF7F8-E47A-FDE1-9175-07F8132C35EF}"/>
               </a:ext>
             </a:extLst>
           </p:cNvPr>
@@ -16148,7 +16218,7 @@
     </p:spTree>
     <p:extLst>
       <p:ext uri="{BB962C8B-B14F-4D97-AF65-F5344CB8AC3E}">
-        <p14:creationId xmlns:p14="http://schemas.microsoft.com/office/powerpoint/2010/main" val="3385374808"/>
+        <p14:creationId xmlns:p14="http://schemas.microsoft.com/office/powerpoint/2010/main" val="105325449"/>
       </p:ext>
     </p:extLst>
   </p:cSld>
@@ -16167,7 +16237,7 @@
         <p:cNvPr id="1" name="">
           <a:extLst>
             <a:ext uri="{FF2B5EF4-FFF2-40B4-BE49-F238E27FC236}">
-              <a16:creationId xmlns:a16="http://schemas.microsoft.com/office/drawing/2014/main" id="{2409A1B7-F533-48BA-D07E-D837765BA921}"/>
+              <a16:creationId xmlns:a16="http://schemas.microsoft.com/office/drawing/2014/main" id="{65D86414-B894-9EA1-DB1D-186CA80F62B5}"/>
             </a:ext>
           </a:extLst>
         </p:cNvPr>
@@ -16187,7 +16257,7 @@
           <p:cNvPr id="3" name="Title 1">
             <a:extLst>
               <a:ext uri="{FF2B5EF4-FFF2-40B4-BE49-F238E27FC236}">
-                <a16:creationId xmlns:a16="http://schemas.microsoft.com/office/drawing/2014/main" id="{29EBEB46-F9EF-62EC-09CC-967281573B57}"/>
+                <a16:creationId xmlns:a16="http://schemas.microsoft.com/office/drawing/2014/main" id="{E74E76F1-0852-DDC8-6284-5D0644B217B2}"/>
               </a:ext>
             </a:extLst>
           </p:cNvPr>
@@ -16281,7 +16351,7 @@
           <p:cNvPr id="4" name="TextBox 3">
             <a:extLst>
               <a:ext uri="{FF2B5EF4-FFF2-40B4-BE49-F238E27FC236}">
-                <a16:creationId xmlns:a16="http://schemas.microsoft.com/office/drawing/2014/main" id="{443BAF89-068C-CA92-712E-EDCF1FBE56E2}"/>
+                <a16:creationId xmlns:a16="http://schemas.microsoft.com/office/drawing/2014/main" id="{4D2750AA-0261-128C-915A-BAC1BD6C86FF}"/>
               </a:ext>
             </a:extLst>
           </p:cNvPr>
@@ -16377,7 +16447,7 @@
           <p:cNvPr id="5" name="TextBox 4">
             <a:extLst>
               <a:ext uri="{FF2B5EF4-FFF2-40B4-BE49-F238E27FC236}">
-                <a16:creationId xmlns:a16="http://schemas.microsoft.com/office/drawing/2014/main" id="{F5BC1427-3E90-A182-9738-F59EB415387A}"/>
+                <a16:creationId xmlns:a16="http://schemas.microsoft.com/office/drawing/2014/main" id="{EC986CF9-52B1-AD3C-3061-FCC14ACAE2D1}"/>
               </a:ext>
             </a:extLst>
           </p:cNvPr>
@@ -16473,7 +16543,7 @@
           <p:cNvPr id="6" name="TextBox 5">
             <a:extLst>
               <a:ext uri="{FF2B5EF4-FFF2-40B4-BE49-F238E27FC236}">
-                <a16:creationId xmlns:a16="http://schemas.microsoft.com/office/drawing/2014/main" id="{B7E2F489-923C-5632-1269-BAFD3E70CD90}"/>
+                <a16:creationId xmlns:a16="http://schemas.microsoft.com/office/drawing/2014/main" id="{C2D63EDA-78FB-F5E8-FEE8-5632B915366C}"/>
               </a:ext>
             </a:extLst>
           </p:cNvPr>
@@ -16569,7 +16639,7 @@
           <p:cNvPr id="7" name="TextBox 6">
             <a:extLst>
               <a:ext uri="{FF2B5EF4-FFF2-40B4-BE49-F238E27FC236}">
-                <a16:creationId xmlns:a16="http://schemas.microsoft.com/office/drawing/2014/main" id="{7C174977-5CCB-2CCD-5DFD-B23383F09C86}"/>
+                <a16:creationId xmlns:a16="http://schemas.microsoft.com/office/drawing/2014/main" id="{97C9C2F0-448C-552E-A742-AD8BE89B5F3D}"/>
               </a:ext>
             </a:extLst>
           </p:cNvPr>
@@ -16665,7 +16735,7 @@
           <p:cNvPr id="8" name="TextBox 7">
             <a:extLst>
               <a:ext uri="{FF2B5EF4-FFF2-40B4-BE49-F238E27FC236}">
-                <a16:creationId xmlns:a16="http://schemas.microsoft.com/office/drawing/2014/main" id="{15B2CDAD-EF68-3BBE-B743-3B64AEE6C6FE}"/>
+                <a16:creationId xmlns:a16="http://schemas.microsoft.com/office/drawing/2014/main" id="{89AF94A8-6713-57CF-C75F-FF7DD64F52BF}"/>
               </a:ext>
             </a:extLst>
           </p:cNvPr>
@@ -16751,7 +16821,7 @@
           <p:cNvPr id="9" name="TextBox 8">
             <a:extLst>
               <a:ext uri="{FF2B5EF4-FFF2-40B4-BE49-F238E27FC236}">
-                <a16:creationId xmlns:a16="http://schemas.microsoft.com/office/drawing/2014/main" id="{F408D879-8593-109B-729D-C5B0FBD47651}"/>
+                <a16:creationId xmlns:a16="http://schemas.microsoft.com/office/drawing/2014/main" id="{1B12FF7B-37C7-46E5-64C3-BFCF8C5D3980}"/>
               </a:ext>
             </a:extLst>
           </p:cNvPr>
@@ -16847,7 +16917,7 @@
           <p:cNvPr id="10" name="TextBox 9">
             <a:extLst>
               <a:ext uri="{FF2B5EF4-FFF2-40B4-BE49-F238E27FC236}">
-                <a16:creationId xmlns:a16="http://schemas.microsoft.com/office/drawing/2014/main" id="{6DB7D48D-E78E-BA88-DCFA-DB4E273825FE}"/>
+                <a16:creationId xmlns:a16="http://schemas.microsoft.com/office/drawing/2014/main" id="{86613F75-2B8B-AD42-8D36-8DBAD0578F18}"/>
               </a:ext>
             </a:extLst>
           </p:cNvPr>
@@ -16943,7 +17013,7 @@
           <p:cNvPr id="11" name="TextBox 10">
             <a:extLst>
               <a:ext uri="{FF2B5EF4-FFF2-40B4-BE49-F238E27FC236}">
-                <a16:creationId xmlns:a16="http://schemas.microsoft.com/office/drawing/2014/main" id="{096B3DFA-6A1B-C49D-28F7-BB2771625C48}"/>
+                <a16:creationId xmlns:a16="http://schemas.microsoft.com/office/drawing/2014/main" id="{54B972B1-181C-0D2D-BA97-956CAD6E5CBB}"/>
               </a:ext>
             </a:extLst>
           </p:cNvPr>
@@ -17039,7 +17109,7 @@
           <p:cNvPr id="12" name="TextBox 11">
             <a:extLst>
               <a:ext uri="{FF2B5EF4-FFF2-40B4-BE49-F238E27FC236}">
-                <a16:creationId xmlns:a16="http://schemas.microsoft.com/office/drawing/2014/main" id="{99628D04-0F45-2D84-4126-A1238B0D8C0A}"/>
+                <a16:creationId xmlns:a16="http://schemas.microsoft.com/office/drawing/2014/main" id="{76EA758E-496E-458F-4493-23A706BBB2FE}"/>
               </a:ext>
             </a:extLst>
           </p:cNvPr>
@@ -17075,8 +17145,8 @@
           <a:fontRef idx="none"/>
         </p:style>
         <p:txBody>
-          <a:bodyPr rot="0" spcFirstLastPara="1" vertOverflow="overflow" horzOverflow="overflow" vert="horz" wrap="square" lIns="50800" tIns="50800" rIns="50800" bIns="50800" numCol="1" spcCol="38100" rtlCol="0" anchor="ctr">
-            <a:spAutoFit/>
+          <a:bodyPr rot="0" spcFirstLastPara="1" vertOverflow="overflow" horzOverflow="overflow" vert="horz" wrap="square" lIns="50800" tIns="50800" rIns="50800" bIns="50800" numCol="1" spcCol="38100" rtlCol="0" anchor="t" anchorCtr="0">
+            <a:noAutofit/>
           </a:bodyPr>
           <a:lstStyle/>
           <a:p>
@@ -17135,7 +17205,7 @@
           <p:cNvPr id="13" name="TextBox 12">
             <a:extLst>
               <a:ext uri="{FF2B5EF4-FFF2-40B4-BE49-F238E27FC236}">
-                <a16:creationId xmlns:a16="http://schemas.microsoft.com/office/drawing/2014/main" id="{1DA76756-E005-DC3F-CC82-0B78ADF4B84B}"/>
+                <a16:creationId xmlns:a16="http://schemas.microsoft.com/office/drawing/2014/main" id="{3F106FCE-0C5A-4369-F1A3-901EEA5F40B3}"/>
               </a:ext>
             </a:extLst>
           </p:cNvPr>
@@ -17231,7 +17301,7 @@
           <p:cNvPr id="14" name="TextBox 13">
             <a:extLst>
               <a:ext uri="{FF2B5EF4-FFF2-40B4-BE49-F238E27FC236}">
-                <a16:creationId xmlns:a16="http://schemas.microsoft.com/office/drawing/2014/main" id="{861890ED-D834-FF74-7471-008A002F9870}"/>
+                <a16:creationId xmlns:a16="http://schemas.microsoft.com/office/drawing/2014/main" id="{D34AF2FA-CDAC-EB78-B2E5-0FCB51A6E55E}"/>
               </a:ext>
             </a:extLst>
           </p:cNvPr>
@@ -17320,7 +17390,7 @@
           <p:cNvPr id="15" name="TextBox 14">
             <a:extLst>
               <a:ext uri="{FF2B5EF4-FFF2-40B4-BE49-F238E27FC236}">
-                <a16:creationId xmlns:a16="http://schemas.microsoft.com/office/drawing/2014/main" id="{409D11A1-873F-7E30-3C35-4089198CA0DE}"/>
+                <a16:creationId xmlns:a16="http://schemas.microsoft.com/office/drawing/2014/main" id="{A2F6EC8E-D970-7DCC-842C-474EA9CF6523}"/>
               </a:ext>
             </a:extLst>
           </p:cNvPr>
@@ -17409,7 +17479,7 @@
           <p:cNvPr id="16" name="TextBox 15">
             <a:extLst>
               <a:ext uri="{FF2B5EF4-FFF2-40B4-BE49-F238E27FC236}">
-                <a16:creationId xmlns:a16="http://schemas.microsoft.com/office/drawing/2014/main" id="{0218B9AE-E74E-D480-48E1-B3D82DDCF4D9}"/>
+                <a16:creationId xmlns:a16="http://schemas.microsoft.com/office/drawing/2014/main" id="{E8FDA06E-E18C-C073-AC90-8622879D5B3C}"/>
               </a:ext>
             </a:extLst>
           </p:cNvPr>
@@ -17498,7 +17568,7 @@
           <p:cNvPr id="20" name="TextBox 19">
             <a:extLst>
               <a:ext uri="{FF2B5EF4-FFF2-40B4-BE49-F238E27FC236}">
-                <a16:creationId xmlns:a16="http://schemas.microsoft.com/office/drawing/2014/main" id="{C3FF5876-0B8D-1C45-B39E-2B869B10BF58}"/>
+                <a16:creationId xmlns:a16="http://schemas.microsoft.com/office/drawing/2014/main" id="{DB5E5399-A96C-A26A-28FF-8F1505F2E471}"/>
               </a:ext>
             </a:extLst>
           </p:cNvPr>
@@ -17587,7 +17657,7 @@
           <p:cNvPr id="21" name="TextBox 20">
             <a:extLst>
               <a:ext uri="{FF2B5EF4-FFF2-40B4-BE49-F238E27FC236}">
-                <a16:creationId xmlns:a16="http://schemas.microsoft.com/office/drawing/2014/main" id="{D8E23484-AC0A-C80D-044D-6B25F8D72B40}"/>
+                <a16:creationId xmlns:a16="http://schemas.microsoft.com/office/drawing/2014/main" id="{4BD86595-C846-69F5-7899-4FA4B856FD49}"/>
               </a:ext>
             </a:extLst>
           </p:cNvPr>
@@ -17676,7 +17746,7 @@
           <p:cNvPr id="22" name="TextBox 21">
             <a:extLst>
               <a:ext uri="{FF2B5EF4-FFF2-40B4-BE49-F238E27FC236}">
-                <a16:creationId xmlns:a16="http://schemas.microsoft.com/office/drawing/2014/main" id="{22F926A3-1157-5D93-9FE3-392D53D8DE7F}"/>
+                <a16:creationId xmlns:a16="http://schemas.microsoft.com/office/drawing/2014/main" id="{BD86462C-6863-073F-5CA2-D0EA7A38F1CA}"/>
               </a:ext>
             </a:extLst>
           </p:cNvPr>
@@ -17765,7 +17835,7 @@
           <p:cNvPr id="23" name="TextBox 22">
             <a:extLst>
               <a:ext uri="{FF2B5EF4-FFF2-40B4-BE49-F238E27FC236}">
-                <a16:creationId xmlns:a16="http://schemas.microsoft.com/office/drawing/2014/main" id="{CE0CBF20-1E88-FA7D-746A-20704EDC81BA}"/>
+                <a16:creationId xmlns:a16="http://schemas.microsoft.com/office/drawing/2014/main" id="{876A4967-A70B-848D-F228-B03A14261D1D}"/>
               </a:ext>
             </a:extLst>
           </p:cNvPr>
@@ -17854,7 +17924,7 @@
           <p:cNvPr id="24" name="TextBox 23">
             <a:extLst>
               <a:ext uri="{FF2B5EF4-FFF2-40B4-BE49-F238E27FC236}">
-                <a16:creationId xmlns:a16="http://schemas.microsoft.com/office/drawing/2014/main" id="{0E029B44-2CFA-3118-FED4-80AD91CA4D46}"/>
+                <a16:creationId xmlns:a16="http://schemas.microsoft.com/office/drawing/2014/main" id="{36ABE2BE-1716-513E-E1DC-962815380AFB}"/>
               </a:ext>
             </a:extLst>
           </p:cNvPr>
@@ -17943,7 +18013,7 @@
           <p:cNvPr id="25" name="TextBox 24">
             <a:extLst>
               <a:ext uri="{FF2B5EF4-FFF2-40B4-BE49-F238E27FC236}">
-                <a16:creationId xmlns:a16="http://schemas.microsoft.com/office/drawing/2014/main" id="{4B778F15-DCE1-69D2-85DE-AC5D7E3C9496}"/>
+                <a16:creationId xmlns:a16="http://schemas.microsoft.com/office/drawing/2014/main" id="{C38F7148-1647-3482-77A7-2AE41CDAE5DC}"/>
               </a:ext>
             </a:extLst>
           </p:cNvPr>
@@ -18032,7 +18102,7 @@
           <p:cNvPr id="26" name="TextBox 25">
             <a:extLst>
               <a:ext uri="{FF2B5EF4-FFF2-40B4-BE49-F238E27FC236}">
-                <a16:creationId xmlns:a16="http://schemas.microsoft.com/office/drawing/2014/main" id="{F8E14A68-EB81-7A89-5F37-F6395A1EAC46}"/>
+                <a16:creationId xmlns:a16="http://schemas.microsoft.com/office/drawing/2014/main" id="{B2B8AED9-1794-A5E8-5E0A-618426208C2A}"/>
               </a:ext>
             </a:extLst>
           </p:cNvPr>
@@ -18121,7 +18191,7 @@
           <p:cNvPr id="27" name="TextBox 26">
             <a:extLst>
               <a:ext uri="{FF2B5EF4-FFF2-40B4-BE49-F238E27FC236}">
-                <a16:creationId xmlns:a16="http://schemas.microsoft.com/office/drawing/2014/main" id="{7B0D9282-9F29-25A0-1524-CE497EF78F0E}"/>
+                <a16:creationId xmlns:a16="http://schemas.microsoft.com/office/drawing/2014/main" id="{3935C459-F478-4E2E-BCBE-392343225476}"/>
               </a:ext>
             </a:extLst>
           </p:cNvPr>
@@ -18210,7 +18280,7 @@
           <p:cNvPr id="28" name="TextBox 27">
             <a:extLst>
               <a:ext uri="{FF2B5EF4-FFF2-40B4-BE49-F238E27FC236}">
-                <a16:creationId xmlns:a16="http://schemas.microsoft.com/office/drawing/2014/main" id="{B1B77DAD-BFC4-D562-3875-8ABFB800C6C5}"/>
+                <a16:creationId xmlns:a16="http://schemas.microsoft.com/office/drawing/2014/main" id="{88141BC5-C11F-5CCD-F839-FAAC7FF60E58}"/>
               </a:ext>
             </a:extLst>
           </p:cNvPr>
@@ -18299,7 +18369,7 @@
           <p:cNvPr id="29" name="TextBox 28">
             <a:extLst>
               <a:ext uri="{FF2B5EF4-FFF2-40B4-BE49-F238E27FC236}">
-                <a16:creationId xmlns:a16="http://schemas.microsoft.com/office/drawing/2014/main" id="{30713316-38D5-4AAD-AF97-BDC1D3764519}"/>
+                <a16:creationId xmlns:a16="http://schemas.microsoft.com/office/drawing/2014/main" id="{54A6CB7A-A902-7DF7-1937-1F2BACC6A250}"/>
               </a:ext>
             </a:extLst>
           </p:cNvPr>
@@ -18388,7 +18458,7 @@
           <p:cNvPr id="30" name="TextBox 29">
             <a:extLst>
               <a:ext uri="{FF2B5EF4-FFF2-40B4-BE49-F238E27FC236}">
-                <a16:creationId xmlns:a16="http://schemas.microsoft.com/office/drawing/2014/main" id="{A3FDA5CB-5B74-2CC5-D82B-5B7ED500182F}"/>
+                <a16:creationId xmlns:a16="http://schemas.microsoft.com/office/drawing/2014/main" id="{0395586F-E955-0CE5-27AA-F2B7E8CBC25F}"/>
               </a:ext>
             </a:extLst>
           </p:cNvPr>
@@ -18477,7 +18547,7 @@
           <p:cNvPr id="31" name="TextBox 30">
             <a:extLst>
               <a:ext uri="{FF2B5EF4-FFF2-40B4-BE49-F238E27FC236}">
-                <a16:creationId xmlns:a16="http://schemas.microsoft.com/office/drawing/2014/main" id="{E33328AE-6D2C-1DF3-A8D1-AC804BF0681E}"/>
+                <a16:creationId xmlns:a16="http://schemas.microsoft.com/office/drawing/2014/main" id="{D684FFF2-2E84-8001-95E7-DF909D26DD3B}"/>
               </a:ext>
             </a:extLst>
           </p:cNvPr>
@@ -18566,7 +18636,7 @@
           <p:cNvPr id="32" name="TextBox 31">
             <a:extLst>
               <a:ext uri="{FF2B5EF4-FFF2-40B4-BE49-F238E27FC236}">
-                <a16:creationId xmlns:a16="http://schemas.microsoft.com/office/drawing/2014/main" id="{9413F43D-40FF-50FB-A248-36129457ABEA}"/>
+                <a16:creationId xmlns:a16="http://schemas.microsoft.com/office/drawing/2014/main" id="{430BB45B-5778-42DC-609A-5A6AE06CA6F4}"/>
               </a:ext>
             </a:extLst>
           </p:cNvPr>
@@ -18653,7 +18723,7 @@
     </p:spTree>
     <p:extLst>
       <p:ext uri="{BB962C8B-B14F-4D97-AF65-F5344CB8AC3E}">
-        <p14:creationId xmlns:p14="http://schemas.microsoft.com/office/powerpoint/2010/main" val="2753195189"/>
+        <p14:creationId xmlns:p14="http://schemas.microsoft.com/office/powerpoint/2010/main" val="3565433887"/>
       </p:ext>
     </p:extLst>
   </p:cSld>
@@ -18672,7 +18742,7 @@
         <p:cNvPr id="1" name="">
           <a:extLst>
             <a:ext uri="{FF2B5EF4-FFF2-40B4-BE49-F238E27FC236}">
-              <a16:creationId xmlns:a16="http://schemas.microsoft.com/office/drawing/2014/main" id="{4E2624CA-7573-A70D-2FC8-BFE3E9254C55}"/>
+              <a16:creationId xmlns:a16="http://schemas.microsoft.com/office/drawing/2014/main" id="{3B2C35A8-46E9-C627-2DAC-DBE2305CD41C}"/>
             </a:ext>
           </a:extLst>
         </p:cNvPr>
@@ -18692,7 +18762,7 @@
           <p:cNvPr id="3" name="Title 1">
             <a:extLst>
               <a:ext uri="{FF2B5EF4-FFF2-40B4-BE49-F238E27FC236}">
-                <a16:creationId xmlns:a16="http://schemas.microsoft.com/office/drawing/2014/main" id="{53D4E246-6713-78F0-1E16-E93481FE5DA4}"/>
+                <a16:creationId xmlns:a16="http://schemas.microsoft.com/office/drawing/2014/main" id="{34731DC2-D204-605A-E5AF-D865E2F653DE}"/>
               </a:ext>
             </a:extLst>
           </p:cNvPr>
@@ -18786,7 +18856,7 @@
           <p:cNvPr id="4" name="TextBox 3">
             <a:extLst>
               <a:ext uri="{FF2B5EF4-FFF2-40B4-BE49-F238E27FC236}">
-                <a16:creationId xmlns:a16="http://schemas.microsoft.com/office/drawing/2014/main" id="{B0B2F437-28AF-F42A-4FE8-73C8137E27BF}"/>
+                <a16:creationId xmlns:a16="http://schemas.microsoft.com/office/drawing/2014/main" id="{70763B93-B78B-5556-689E-6A88D7C44282}"/>
               </a:ext>
             </a:extLst>
           </p:cNvPr>
@@ -18882,7 +18952,7 @@
           <p:cNvPr id="5" name="TextBox 4">
             <a:extLst>
               <a:ext uri="{FF2B5EF4-FFF2-40B4-BE49-F238E27FC236}">
-                <a16:creationId xmlns:a16="http://schemas.microsoft.com/office/drawing/2014/main" id="{10EA62C9-AD72-DC3F-F39A-4DAB2707DDA1}"/>
+                <a16:creationId xmlns:a16="http://schemas.microsoft.com/office/drawing/2014/main" id="{01D663EA-2ADA-F26B-744D-A3B987048D6F}"/>
               </a:ext>
             </a:extLst>
           </p:cNvPr>
@@ -18978,7 +19048,7 @@
           <p:cNvPr id="6" name="TextBox 5">
             <a:extLst>
               <a:ext uri="{FF2B5EF4-FFF2-40B4-BE49-F238E27FC236}">
-                <a16:creationId xmlns:a16="http://schemas.microsoft.com/office/drawing/2014/main" id="{E2F4FFAB-714C-7BE1-B4EF-F27127E4039B}"/>
+                <a16:creationId xmlns:a16="http://schemas.microsoft.com/office/drawing/2014/main" id="{8C26F793-8CD2-9A1D-8C2A-42604984D757}"/>
               </a:ext>
             </a:extLst>
           </p:cNvPr>
@@ -19074,7 +19144,7 @@
           <p:cNvPr id="7" name="TextBox 6">
             <a:extLst>
               <a:ext uri="{FF2B5EF4-FFF2-40B4-BE49-F238E27FC236}">
-                <a16:creationId xmlns:a16="http://schemas.microsoft.com/office/drawing/2014/main" id="{775D9C90-1735-7123-A5DC-ECAFBDEE1FA6}"/>
+                <a16:creationId xmlns:a16="http://schemas.microsoft.com/office/drawing/2014/main" id="{EFF84734-2594-153E-F14E-3E2C3B946B7C}"/>
               </a:ext>
             </a:extLst>
           </p:cNvPr>
@@ -19170,7 +19240,7 @@
           <p:cNvPr id="8" name="TextBox 7">
             <a:extLst>
               <a:ext uri="{FF2B5EF4-FFF2-40B4-BE49-F238E27FC236}">
-                <a16:creationId xmlns:a16="http://schemas.microsoft.com/office/drawing/2014/main" id="{42E50C15-9EA5-2876-9C47-72F992FA257B}"/>
+                <a16:creationId xmlns:a16="http://schemas.microsoft.com/office/drawing/2014/main" id="{98202D6C-FB8D-2777-3D1E-48FC9AE84124}"/>
               </a:ext>
             </a:extLst>
           </p:cNvPr>
@@ -19256,7 +19326,7 @@
           <p:cNvPr id="9" name="TextBox 8">
             <a:extLst>
               <a:ext uri="{FF2B5EF4-FFF2-40B4-BE49-F238E27FC236}">
-                <a16:creationId xmlns:a16="http://schemas.microsoft.com/office/drawing/2014/main" id="{833F609E-D5C1-6A60-89FE-82DD96B4DF68}"/>
+                <a16:creationId xmlns:a16="http://schemas.microsoft.com/office/drawing/2014/main" id="{CD01C98F-643C-59F8-035E-ADF648E0B98E}"/>
               </a:ext>
             </a:extLst>
           </p:cNvPr>
@@ -19352,7 +19422,7 @@
           <p:cNvPr id="10" name="TextBox 9">
             <a:extLst>
               <a:ext uri="{FF2B5EF4-FFF2-40B4-BE49-F238E27FC236}">
-                <a16:creationId xmlns:a16="http://schemas.microsoft.com/office/drawing/2014/main" id="{6597895A-60B3-C3BE-679F-94F5244512BB}"/>
+                <a16:creationId xmlns:a16="http://schemas.microsoft.com/office/drawing/2014/main" id="{5D947408-F96E-A0ED-2ADC-278152C5AF04}"/>
               </a:ext>
             </a:extLst>
           </p:cNvPr>
@@ -19448,7 +19518,7 @@
           <p:cNvPr id="11" name="TextBox 10">
             <a:extLst>
               <a:ext uri="{FF2B5EF4-FFF2-40B4-BE49-F238E27FC236}">
-                <a16:creationId xmlns:a16="http://schemas.microsoft.com/office/drawing/2014/main" id="{69697602-2825-EE24-386F-296C00A333B3}"/>
+                <a16:creationId xmlns:a16="http://schemas.microsoft.com/office/drawing/2014/main" id="{5FCFA2D5-98C1-7A1F-8C86-CEC3E2EB6FC4}"/>
               </a:ext>
             </a:extLst>
           </p:cNvPr>
@@ -19544,7 +19614,7 @@
           <p:cNvPr id="12" name="TextBox 11">
             <a:extLst>
               <a:ext uri="{FF2B5EF4-FFF2-40B4-BE49-F238E27FC236}">
-                <a16:creationId xmlns:a16="http://schemas.microsoft.com/office/drawing/2014/main" id="{77F667BC-A971-2A64-18B9-6F56D3020EC9}"/>
+                <a16:creationId xmlns:a16="http://schemas.microsoft.com/office/drawing/2014/main" id="{C7FE7376-32A0-B595-DB81-B2D35AECA17F}"/>
               </a:ext>
             </a:extLst>
           </p:cNvPr>
@@ -19580,8 +19650,8 @@
           <a:fontRef idx="none"/>
         </p:style>
         <p:txBody>
-          <a:bodyPr rot="0" spcFirstLastPara="1" vertOverflow="overflow" horzOverflow="overflow" vert="horz" wrap="square" lIns="50800" tIns="50800" rIns="50800" bIns="50800" numCol="1" spcCol="38100" rtlCol="0" anchor="ctr">
-            <a:spAutoFit/>
+          <a:bodyPr rot="0" spcFirstLastPara="1" vertOverflow="overflow" horzOverflow="overflow" vert="horz" wrap="square" lIns="50800" tIns="50800" rIns="50800" bIns="50800" numCol="1" spcCol="38100" rtlCol="0" anchor="t" anchorCtr="0">
+            <a:noAutofit/>
           </a:bodyPr>
           <a:lstStyle/>
           <a:p>
@@ -19640,7 +19710,7 @@
           <p:cNvPr id="13" name="TextBox 12">
             <a:extLst>
               <a:ext uri="{FF2B5EF4-FFF2-40B4-BE49-F238E27FC236}">
-                <a16:creationId xmlns:a16="http://schemas.microsoft.com/office/drawing/2014/main" id="{F00FDA60-AAAB-7602-BEB4-0563560B2997}"/>
+                <a16:creationId xmlns:a16="http://schemas.microsoft.com/office/drawing/2014/main" id="{88114E31-130F-9E63-49F4-2A6D19E0F313}"/>
               </a:ext>
             </a:extLst>
           </p:cNvPr>
@@ -19736,7 +19806,7 @@
           <p:cNvPr id="14" name="TextBox 13">
             <a:extLst>
               <a:ext uri="{FF2B5EF4-FFF2-40B4-BE49-F238E27FC236}">
-                <a16:creationId xmlns:a16="http://schemas.microsoft.com/office/drawing/2014/main" id="{E73A40B0-0262-D042-CE92-DF3E0F2845A3}"/>
+                <a16:creationId xmlns:a16="http://schemas.microsoft.com/office/drawing/2014/main" id="{7CC2F19B-2504-C39F-7022-337145962AE9}"/>
               </a:ext>
             </a:extLst>
           </p:cNvPr>
@@ -19825,7 +19895,7 @@
           <p:cNvPr id="15" name="TextBox 14">
             <a:extLst>
               <a:ext uri="{FF2B5EF4-FFF2-40B4-BE49-F238E27FC236}">
-                <a16:creationId xmlns:a16="http://schemas.microsoft.com/office/drawing/2014/main" id="{1711A376-54AB-E0FF-C9C4-CE53B56C8E98}"/>
+                <a16:creationId xmlns:a16="http://schemas.microsoft.com/office/drawing/2014/main" id="{DC2DCA2D-6BC1-D228-7DF3-A9AAE828BC81}"/>
               </a:ext>
             </a:extLst>
           </p:cNvPr>
@@ -19914,7 +19984,7 @@
           <p:cNvPr id="16" name="TextBox 15">
             <a:extLst>
               <a:ext uri="{FF2B5EF4-FFF2-40B4-BE49-F238E27FC236}">
-                <a16:creationId xmlns:a16="http://schemas.microsoft.com/office/drawing/2014/main" id="{7D4FD3D2-40A3-55A7-FE29-EA0C1CAA246E}"/>
+                <a16:creationId xmlns:a16="http://schemas.microsoft.com/office/drawing/2014/main" id="{A689614E-6F1F-4367-2B77-D1C4CF0FC962}"/>
               </a:ext>
             </a:extLst>
           </p:cNvPr>
@@ -20003,7 +20073,7 @@
           <p:cNvPr id="20" name="TextBox 19">
             <a:extLst>
               <a:ext uri="{FF2B5EF4-FFF2-40B4-BE49-F238E27FC236}">
-                <a16:creationId xmlns:a16="http://schemas.microsoft.com/office/drawing/2014/main" id="{B18BA42F-32B8-FE22-A0B8-BBBFCBD20A4D}"/>
+                <a16:creationId xmlns:a16="http://schemas.microsoft.com/office/drawing/2014/main" id="{511D4784-9928-0EB7-2E8B-A87D3888F4A3}"/>
               </a:ext>
             </a:extLst>
           </p:cNvPr>
@@ -20092,7 +20162,7 @@
           <p:cNvPr id="21" name="TextBox 20">
             <a:extLst>
               <a:ext uri="{FF2B5EF4-FFF2-40B4-BE49-F238E27FC236}">
-                <a16:creationId xmlns:a16="http://schemas.microsoft.com/office/drawing/2014/main" id="{29E28485-7725-0BB0-DF34-6338E9E4A412}"/>
+                <a16:creationId xmlns:a16="http://schemas.microsoft.com/office/drawing/2014/main" id="{A8F415DE-E79F-4555-079C-9AC9BAA7F4EF}"/>
               </a:ext>
             </a:extLst>
           </p:cNvPr>
@@ -20181,7 +20251,7 @@
           <p:cNvPr id="22" name="TextBox 21">
             <a:extLst>
               <a:ext uri="{FF2B5EF4-FFF2-40B4-BE49-F238E27FC236}">
-                <a16:creationId xmlns:a16="http://schemas.microsoft.com/office/drawing/2014/main" id="{24798763-FCEF-C237-FACE-A53B3996E755}"/>
+                <a16:creationId xmlns:a16="http://schemas.microsoft.com/office/drawing/2014/main" id="{F891510D-5AC3-D796-2FE3-447CEBE3DA33}"/>
               </a:ext>
             </a:extLst>
           </p:cNvPr>
@@ -20270,7 +20340,7 @@
           <p:cNvPr id="23" name="TextBox 22">
             <a:extLst>
               <a:ext uri="{FF2B5EF4-FFF2-40B4-BE49-F238E27FC236}">
-                <a16:creationId xmlns:a16="http://schemas.microsoft.com/office/drawing/2014/main" id="{BAE40B08-AB4B-AFC2-AD32-A7B9F1EC67DC}"/>
+                <a16:creationId xmlns:a16="http://schemas.microsoft.com/office/drawing/2014/main" id="{F4E1067F-6408-8BFF-D0AF-736551B71D96}"/>
               </a:ext>
             </a:extLst>
           </p:cNvPr>
@@ -20359,7 +20429,7 @@
           <p:cNvPr id="24" name="TextBox 23">
             <a:extLst>
               <a:ext uri="{FF2B5EF4-FFF2-40B4-BE49-F238E27FC236}">
-                <a16:creationId xmlns:a16="http://schemas.microsoft.com/office/drawing/2014/main" id="{46915DD2-402D-0A85-AD65-483FCA64F973}"/>
+                <a16:creationId xmlns:a16="http://schemas.microsoft.com/office/drawing/2014/main" id="{B606CD86-18C9-8BFD-7A20-678FC2990588}"/>
               </a:ext>
             </a:extLst>
           </p:cNvPr>
@@ -20448,7 +20518,7 @@
           <p:cNvPr id="25" name="TextBox 24">
             <a:extLst>
               <a:ext uri="{FF2B5EF4-FFF2-40B4-BE49-F238E27FC236}">
-                <a16:creationId xmlns:a16="http://schemas.microsoft.com/office/drawing/2014/main" id="{DED0A917-F8CB-C457-C444-1EC1BD0533E2}"/>
+                <a16:creationId xmlns:a16="http://schemas.microsoft.com/office/drawing/2014/main" id="{167517A5-85B6-3140-6593-EAF17F83ECA2}"/>
               </a:ext>
             </a:extLst>
           </p:cNvPr>
@@ -20537,7 +20607,7 @@
           <p:cNvPr id="26" name="TextBox 25">
             <a:extLst>
               <a:ext uri="{FF2B5EF4-FFF2-40B4-BE49-F238E27FC236}">
-                <a16:creationId xmlns:a16="http://schemas.microsoft.com/office/drawing/2014/main" id="{E2D7B9ED-F21E-806E-B977-C0D0BD0BACA4}"/>
+                <a16:creationId xmlns:a16="http://schemas.microsoft.com/office/drawing/2014/main" id="{B3E4A2B8-5EA1-1E8E-1005-4CC978A74505}"/>
               </a:ext>
             </a:extLst>
           </p:cNvPr>
@@ -20626,7 +20696,7 @@
           <p:cNvPr id="27" name="TextBox 26">
             <a:extLst>
               <a:ext uri="{FF2B5EF4-FFF2-40B4-BE49-F238E27FC236}">
-                <a16:creationId xmlns:a16="http://schemas.microsoft.com/office/drawing/2014/main" id="{242AB262-46A6-E18E-991B-CB027D585584}"/>
+                <a16:creationId xmlns:a16="http://schemas.microsoft.com/office/drawing/2014/main" id="{1915D6AE-B770-4995-D443-841824FA5A8C}"/>
               </a:ext>
             </a:extLst>
           </p:cNvPr>
@@ -20715,7 +20785,7 @@
           <p:cNvPr id="28" name="TextBox 27">
             <a:extLst>
               <a:ext uri="{FF2B5EF4-FFF2-40B4-BE49-F238E27FC236}">
-                <a16:creationId xmlns:a16="http://schemas.microsoft.com/office/drawing/2014/main" id="{97D3D8EE-3B24-C2EC-B79F-EAEC83929B41}"/>
+                <a16:creationId xmlns:a16="http://schemas.microsoft.com/office/drawing/2014/main" id="{9833455C-2820-073B-AF5A-2C424124AEA6}"/>
               </a:ext>
             </a:extLst>
           </p:cNvPr>
@@ -20804,7 +20874,7 @@
           <p:cNvPr id="29" name="TextBox 28">
             <a:extLst>
               <a:ext uri="{FF2B5EF4-FFF2-40B4-BE49-F238E27FC236}">
-                <a16:creationId xmlns:a16="http://schemas.microsoft.com/office/drawing/2014/main" id="{14A5BB9B-4809-12A3-BC94-DEA8541CA96B}"/>
+                <a16:creationId xmlns:a16="http://schemas.microsoft.com/office/drawing/2014/main" id="{557CA8CC-2F40-63C9-CE80-52CA87EF4180}"/>
               </a:ext>
             </a:extLst>
           </p:cNvPr>
@@ -20893,7 +20963,7 @@
           <p:cNvPr id="30" name="TextBox 29">
             <a:extLst>
               <a:ext uri="{FF2B5EF4-FFF2-40B4-BE49-F238E27FC236}">
-                <a16:creationId xmlns:a16="http://schemas.microsoft.com/office/drawing/2014/main" id="{3B4D01E0-5DD9-7241-31CC-165BF9D67626}"/>
+                <a16:creationId xmlns:a16="http://schemas.microsoft.com/office/drawing/2014/main" id="{370CEFA8-1D74-AD19-C3EF-68529D79E7BC}"/>
               </a:ext>
             </a:extLst>
           </p:cNvPr>
@@ -20982,7 +21052,7 @@
           <p:cNvPr id="31" name="TextBox 30">
             <a:extLst>
               <a:ext uri="{FF2B5EF4-FFF2-40B4-BE49-F238E27FC236}">
-                <a16:creationId xmlns:a16="http://schemas.microsoft.com/office/drawing/2014/main" id="{61C2B89C-6BE9-D530-79C3-672E5A94B476}"/>
+                <a16:creationId xmlns:a16="http://schemas.microsoft.com/office/drawing/2014/main" id="{729BF3AE-E322-BCFA-A9AF-822FA7F490D7}"/>
               </a:ext>
             </a:extLst>
           </p:cNvPr>
@@ -21071,7 +21141,7 @@
           <p:cNvPr id="32" name="TextBox 31">
             <a:extLst>
               <a:ext uri="{FF2B5EF4-FFF2-40B4-BE49-F238E27FC236}">
-                <a16:creationId xmlns:a16="http://schemas.microsoft.com/office/drawing/2014/main" id="{D3CECB2A-BC0C-7AFB-892B-890AE75101BE}"/>
+                <a16:creationId xmlns:a16="http://schemas.microsoft.com/office/drawing/2014/main" id="{8C497F38-D1EE-5B6B-1F43-CEEF494068CA}"/>
               </a:ext>
             </a:extLst>
           </p:cNvPr>
@@ -21158,7 +21228,7 @@
     </p:spTree>
     <p:extLst>
       <p:ext uri="{BB962C8B-B14F-4D97-AF65-F5344CB8AC3E}">
-        <p14:creationId xmlns:p14="http://schemas.microsoft.com/office/powerpoint/2010/main" val="395437832"/>
+        <p14:creationId xmlns:p14="http://schemas.microsoft.com/office/powerpoint/2010/main" val="4229828700"/>
       </p:ext>
     </p:extLst>
   </p:cSld>
@@ -21177,7 +21247,7 @@
         <p:cNvPr id="1" name="">
           <a:extLst>
             <a:ext uri="{FF2B5EF4-FFF2-40B4-BE49-F238E27FC236}">
-              <a16:creationId xmlns:a16="http://schemas.microsoft.com/office/drawing/2014/main" id="{CFEEE5B7-3BC0-C37C-32E2-84EBBDA312C8}"/>
+              <a16:creationId xmlns:a16="http://schemas.microsoft.com/office/drawing/2014/main" id="{C273FDB8-DCC3-3302-AB6D-CE337E0E0313}"/>
             </a:ext>
           </a:extLst>
         </p:cNvPr>
@@ -21197,7 +21267,7 @@
           <p:cNvPr id="3" name="Title 1">
             <a:extLst>
               <a:ext uri="{FF2B5EF4-FFF2-40B4-BE49-F238E27FC236}">
-                <a16:creationId xmlns:a16="http://schemas.microsoft.com/office/drawing/2014/main" id="{2EBA8BC6-E9A3-66F7-EAA6-3D31D406E56A}"/>
+                <a16:creationId xmlns:a16="http://schemas.microsoft.com/office/drawing/2014/main" id="{39DF1416-71DE-51B0-FB17-22FBCAD0FD43}"/>
               </a:ext>
             </a:extLst>
           </p:cNvPr>
@@ -21291,7 +21361,7 @@
           <p:cNvPr id="4" name="TextBox 3">
             <a:extLst>
               <a:ext uri="{FF2B5EF4-FFF2-40B4-BE49-F238E27FC236}">
-                <a16:creationId xmlns:a16="http://schemas.microsoft.com/office/drawing/2014/main" id="{227C4762-9917-0745-04FE-8458302ECBCD}"/>
+                <a16:creationId xmlns:a16="http://schemas.microsoft.com/office/drawing/2014/main" id="{73259A77-6CCC-6038-041E-E61BFBEE9F54}"/>
               </a:ext>
             </a:extLst>
           </p:cNvPr>
@@ -21387,7 +21457,7 @@
           <p:cNvPr id="5" name="TextBox 4">
             <a:extLst>
               <a:ext uri="{FF2B5EF4-FFF2-40B4-BE49-F238E27FC236}">
-                <a16:creationId xmlns:a16="http://schemas.microsoft.com/office/drawing/2014/main" id="{208695EC-59E3-6DA6-1B91-1F3FB6FDB807}"/>
+                <a16:creationId xmlns:a16="http://schemas.microsoft.com/office/drawing/2014/main" id="{7658D46B-4897-C706-4D9F-2052FB907A9A}"/>
               </a:ext>
             </a:extLst>
           </p:cNvPr>
@@ -21483,7 +21553,7 @@
           <p:cNvPr id="6" name="TextBox 5">
             <a:extLst>
               <a:ext uri="{FF2B5EF4-FFF2-40B4-BE49-F238E27FC236}">
-                <a16:creationId xmlns:a16="http://schemas.microsoft.com/office/drawing/2014/main" id="{57E2E872-4987-6AED-0A5C-D96C3E2E051B}"/>
+                <a16:creationId xmlns:a16="http://schemas.microsoft.com/office/drawing/2014/main" id="{FD0FF4C3-626E-FC49-84B9-7AA449FB1CBD}"/>
               </a:ext>
             </a:extLst>
           </p:cNvPr>
@@ -21579,7 +21649,7 @@
           <p:cNvPr id="7" name="TextBox 6">
             <a:extLst>
               <a:ext uri="{FF2B5EF4-FFF2-40B4-BE49-F238E27FC236}">
-                <a16:creationId xmlns:a16="http://schemas.microsoft.com/office/drawing/2014/main" id="{C2B3893B-0285-5C3F-B4F5-6EB6BCA2C57A}"/>
+                <a16:creationId xmlns:a16="http://schemas.microsoft.com/office/drawing/2014/main" id="{975D536E-DC09-745B-6581-A151C5AA3F7B}"/>
               </a:ext>
             </a:extLst>
           </p:cNvPr>
@@ -21675,7 +21745,7 @@
           <p:cNvPr id="8" name="TextBox 7">
             <a:extLst>
               <a:ext uri="{FF2B5EF4-FFF2-40B4-BE49-F238E27FC236}">
-                <a16:creationId xmlns:a16="http://schemas.microsoft.com/office/drawing/2014/main" id="{451FE370-0715-4A2D-BAFD-2407594430D4}"/>
+                <a16:creationId xmlns:a16="http://schemas.microsoft.com/office/drawing/2014/main" id="{C949ED72-7CCE-91DB-3210-2EAC36D79C9F}"/>
               </a:ext>
             </a:extLst>
           </p:cNvPr>
@@ -21761,7 +21831,7 @@
           <p:cNvPr id="9" name="TextBox 8">
             <a:extLst>
               <a:ext uri="{FF2B5EF4-FFF2-40B4-BE49-F238E27FC236}">
-                <a16:creationId xmlns:a16="http://schemas.microsoft.com/office/drawing/2014/main" id="{D4586308-6125-64CB-5960-DFEC316250D9}"/>
+                <a16:creationId xmlns:a16="http://schemas.microsoft.com/office/drawing/2014/main" id="{67477B99-32B6-3157-313C-3DC3C1A1DCA2}"/>
               </a:ext>
             </a:extLst>
           </p:cNvPr>
@@ -21857,7 +21927,7 @@
           <p:cNvPr id="10" name="TextBox 9">
             <a:extLst>
               <a:ext uri="{FF2B5EF4-FFF2-40B4-BE49-F238E27FC236}">
-                <a16:creationId xmlns:a16="http://schemas.microsoft.com/office/drawing/2014/main" id="{31B17998-02F5-85D1-74B6-0575866C2604}"/>
+                <a16:creationId xmlns:a16="http://schemas.microsoft.com/office/drawing/2014/main" id="{2DE6F417-9100-0AEE-3CF2-3FE7D301FC81}"/>
               </a:ext>
             </a:extLst>
           </p:cNvPr>
@@ -21953,7 +22023,7 @@
           <p:cNvPr id="11" name="TextBox 10">
             <a:extLst>
               <a:ext uri="{FF2B5EF4-FFF2-40B4-BE49-F238E27FC236}">
-                <a16:creationId xmlns:a16="http://schemas.microsoft.com/office/drawing/2014/main" id="{BE9746F5-DE84-5C19-F608-D22A5B124A00}"/>
+                <a16:creationId xmlns:a16="http://schemas.microsoft.com/office/drawing/2014/main" id="{3BCFD510-7E00-74EB-523A-D212BB75B22A}"/>
               </a:ext>
             </a:extLst>
           </p:cNvPr>
@@ -22049,7 +22119,7 @@
           <p:cNvPr id="12" name="TextBox 11">
             <a:extLst>
               <a:ext uri="{FF2B5EF4-FFF2-40B4-BE49-F238E27FC236}">
-                <a16:creationId xmlns:a16="http://schemas.microsoft.com/office/drawing/2014/main" id="{DDF3A77A-D42A-428A-EF6B-AA7F3C6230F4}"/>
+                <a16:creationId xmlns:a16="http://schemas.microsoft.com/office/drawing/2014/main" id="{4A62FA6C-2912-1A2A-F4FA-D2F28A83A32C}"/>
               </a:ext>
             </a:extLst>
           </p:cNvPr>
@@ -22085,8 +22155,8 @@
           <a:fontRef idx="none"/>
         </p:style>
         <p:txBody>
-          <a:bodyPr rot="0" spcFirstLastPara="1" vertOverflow="overflow" horzOverflow="overflow" vert="horz" wrap="square" lIns="50800" tIns="50800" rIns="50800" bIns="50800" numCol="1" spcCol="38100" rtlCol="0" anchor="ctr">
-            <a:spAutoFit/>
+          <a:bodyPr rot="0" spcFirstLastPara="1" vertOverflow="overflow" horzOverflow="overflow" vert="horz" wrap="square" lIns="50800" tIns="50800" rIns="50800" bIns="50800" numCol="1" spcCol="38100" rtlCol="0" anchor="t" anchorCtr="0">
+            <a:noAutofit/>
           </a:bodyPr>
           <a:lstStyle/>
           <a:p>
@@ -22145,7 +22215,7 @@
           <p:cNvPr id="13" name="TextBox 12">
             <a:extLst>
               <a:ext uri="{FF2B5EF4-FFF2-40B4-BE49-F238E27FC236}">
-                <a16:creationId xmlns:a16="http://schemas.microsoft.com/office/drawing/2014/main" id="{C13F05DF-C610-8F41-E9D2-C93DBF5D5202}"/>
+                <a16:creationId xmlns:a16="http://schemas.microsoft.com/office/drawing/2014/main" id="{20D78869-05C9-43A2-6805-2E09D6ABD5AC}"/>
               </a:ext>
             </a:extLst>
           </p:cNvPr>
@@ -22241,7 +22311,7 @@
           <p:cNvPr id="14" name="TextBox 13">
             <a:extLst>
               <a:ext uri="{FF2B5EF4-FFF2-40B4-BE49-F238E27FC236}">
-                <a16:creationId xmlns:a16="http://schemas.microsoft.com/office/drawing/2014/main" id="{6D01C25E-0621-4086-DB16-6506D05057A3}"/>
+                <a16:creationId xmlns:a16="http://schemas.microsoft.com/office/drawing/2014/main" id="{2A3113CB-1EF9-EFA6-31CA-D7A2D5116134}"/>
               </a:ext>
             </a:extLst>
           </p:cNvPr>
@@ -22330,7 +22400,7 @@
           <p:cNvPr id="15" name="TextBox 14">
             <a:extLst>
               <a:ext uri="{FF2B5EF4-FFF2-40B4-BE49-F238E27FC236}">
-                <a16:creationId xmlns:a16="http://schemas.microsoft.com/office/drawing/2014/main" id="{E8536755-C860-64DC-11C7-D220F5D4C71A}"/>
+                <a16:creationId xmlns:a16="http://schemas.microsoft.com/office/drawing/2014/main" id="{CD9ABA0E-07D9-9D7A-5605-FDD453656839}"/>
               </a:ext>
             </a:extLst>
           </p:cNvPr>
@@ -22419,7 +22489,7 @@
           <p:cNvPr id="16" name="TextBox 15">
             <a:extLst>
               <a:ext uri="{FF2B5EF4-FFF2-40B4-BE49-F238E27FC236}">
-                <a16:creationId xmlns:a16="http://schemas.microsoft.com/office/drawing/2014/main" id="{417EE6D1-E127-1E13-5C74-D324951FB578}"/>
+                <a16:creationId xmlns:a16="http://schemas.microsoft.com/office/drawing/2014/main" id="{7D93AE20-1765-4C2E-F219-CB11389DE390}"/>
               </a:ext>
             </a:extLst>
           </p:cNvPr>
@@ -22508,7 +22578,7 @@
           <p:cNvPr id="20" name="TextBox 19">
             <a:extLst>
               <a:ext uri="{FF2B5EF4-FFF2-40B4-BE49-F238E27FC236}">
-                <a16:creationId xmlns:a16="http://schemas.microsoft.com/office/drawing/2014/main" id="{A6514515-0958-C9A4-095F-54954596168A}"/>
+                <a16:creationId xmlns:a16="http://schemas.microsoft.com/office/drawing/2014/main" id="{5676DD69-E3A3-B332-CA65-9D4797577A8F}"/>
               </a:ext>
             </a:extLst>
           </p:cNvPr>
@@ -22597,7 +22667,7 @@
           <p:cNvPr id="21" name="TextBox 20">
             <a:extLst>
               <a:ext uri="{FF2B5EF4-FFF2-40B4-BE49-F238E27FC236}">
-                <a16:creationId xmlns:a16="http://schemas.microsoft.com/office/drawing/2014/main" id="{31135D20-1677-A8AE-49D3-E6621A419503}"/>
+                <a16:creationId xmlns:a16="http://schemas.microsoft.com/office/drawing/2014/main" id="{B6414177-D4F2-4B68-6133-F79F7E85B5DE}"/>
               </a:ext>
             </a:extLst>
           </p:cNvPr>
@@ -22686,7 +22756,7 @@
           <p:cNvPr id="22" name="TextBox 21">
             <a:extLst>
               <a:ext uri="{FF2B5EF4-FFF2-40B4-BE49-F238E27FC236}">
-                <a16:creationId xmlns:a16="http://schemas.microsoft.com/office/drawing/2014/main" id="{B995C284-BABD-5846-F8EB-DBD82525F843}"/>
+                <a16:creationId xmlns:a16="http://schemas.microsoft.com/office/drawing/2014/main" id="{1BF5503D-D5AE-6B1A-D544-590C7A5C4605}"/>
               </a:ext>
             </a:extLst>
           </p:cNvPr>
@@ -22775,7 +22845,7 @@
           <p:cNvPr id="23" name="TextBox 22">
             <a:extLst>
               <a:ext uri="{FF2B5EF4-FFF2-40B4-BE49-F238E27FC236}">
-                <a16:creationId xmlns:a16="http://schemas.microsoft.com/office/drawing/2014/main" id="{52A58813-571E-24AB-9A9C-A4CBE41F6A11}"/>
+                <a16:creationId xmlns:a16="http://schemas.microsoft.com/office/drawing/2014/main" id="{C74C31E5-B0A0-86B8-CFD4-CB87575708AF}"/>
               </a:ext>
             </a:extLst>
           </p:cNvPr>
@@ -22864,7 +22934,7 @@
           <p:cNvPr id="24" name="TextBox 23">
             <a:extLst>
               <a:ext uri="{FF2B5EF4-FFF2-40B4-BE49-F238E27FC236}">
-                <a16:creationId xmlns:a16="http://schemas.microsoft.com/office/drawing/2014/main" id="{5C695442-FE15-4610-B0C2-E7ED37DC8D68}"/>
+                <a16:creationId xmlns:a16="http://schemas.microsoft.com/office/drawing/2014/main" id="{3F0E9307-0F2A-6DEB-27BC-8461528E0F17}"/>
               </a:ext>
             </a:extLst>
           </p:cNvPr>
@@ -22953,7 +23023,7 @@
           <p:cNvPr id="25" name="TextBox 24">
             <a:extLst>
               <a:ext uri="{FF2B5EF4-FFF2-40B4-BE49-F238E27FC236}">
-                <a16:creationId xmlns:a16="http://schemas.microsoft.com/office/drawing/2014/main" id="{7FF294D8-DB5D-B726-F508-87120E411D47}"/>
+                <a16:creationId xmlns:a16="http://schemas.microsoft.com/office/drawing/2014/main" id="{16FC48E2-5011-1A1E-8752-2F65A146C573}"/>
               </a:ext>
             </a:extLst>
           </p:cNvPr>
@@ -23042,7 +23112,7 @@
           <p:cNvPr id="26" name="TextBox 25">
             <a:extLst>
               <a:ext uri="{FF2B5EF4-FFF2-40B4-BE49-F238E27FC236}">
-                <a16:creationId xmlns:a16="http://schemas.microsoft.com/office/drawing/2014/main" id="{29DA2E9A-5BC9-021C-1062-94AE37FBE4B5}"/>
+                <a16:creationId xmlns:a16="http://schemas.microsoft.com/office/drawing/2014/main" id="{7933F231-9228-691F-8025-5F9BDDB77236}"/>
               </a:ext>
             </a:extLst>
           </p:cNvPr>
@@ -23131,7 +23201,7 @@
           <p:cNvPr id="27" name="TextBox 26">
             <a:extLst>
               <a:ext uri="{FF2B5EF4-FFF2-40B4-BE49-F238E27FC236}">
-                <a16:creationId xmlns:a16="http://schemas.microsoft.com/office/drawing/2014/main" id="{EAC7C664-0BBD-33D1-F5ED-FA2D6E654B56}"/>
+                <a16:creationId xmlns:a16="http://schemas.microsoft.com/office/drawing/2014/main" id="{F19F14B3-D436-9650-8835-A9CADD05D961}"/>
               </a:ext>
             </a:extLst>
           </p:cNvPr>
@@ -23220,7 +23290,7 @@
           <p:cNvPr id="28" name="TextBox 27">
             <a:extLst>
               <a:ext uri="{FF2B5EF4-FFF2-40B4-BE49-F238E27FC236}">
-                <a16:creationId xmlns:a16="http://schemas.microsoft.com/office/drawing/2014/main" id="{23C93436-F282-A11B-5D5D-01D2370D689B}"/>
+                <a16:creationId xmlns:a16="http://schemas.microsoft.com/office/drawing/2014/main" id="{B6AD0831-0D01-E436-F839-672336FB3123}"/>
               </a:ext>
             </a:extLst>
           </p:cNvPr>
@@ -23309,7 +23379,7 @@
           <p:cNvPr id="29" name="TextBox 28">
             <a:extLst>
               <a:ext uri="{FF2B5EF4-FFF2-40B4-BE49-F238E27FC236}">
-                <a16:creationId xmlns:a16="http://schemas.microsoft.com/office/drawing/2014/main" id="{40602D8A-7FF9-7BB6-5D9E-99398B4E65CB}"/>
+                <a16:creationId xmlns:a16="http://schemas.microsoft.com/office/drawing/2014/main" id="{2FA49E4B-E36A-DB16-317E-D065D3AF8942}"/>
               </a:ext>
             </a:extLst>
           </p:cNvPr>
@@ -23398,7 +23468,7 @@
           <p:cNvPr id="30" name="TextBox 29">
             <a:extLst>
               <a:ext uri="{FF2B5EF4-FFF2-40B4-BE49-F238E27FC236}">
-                <a16:creationId xmlns:a16="http://schemas.microsoft.com/office/drawing/2014/main" id="{2852975B-E79D-90E1-72B3-90D4F99D05C8}"/>
+                <a16:creationId xmlns:a16="http://schemas.microsoft.com/office/drawing/2014/main" id="{190F6BE3-BE04-9167-01DE-21689B6D5A06}"/>
               </a:ext>
             </a:extLst>
           </p:cNvPr>
@@ -23487,7 +23557,7 @@
           <p:cNvPr id="31" name="TextBox 30">
             <a:extLst>
               <a:ext uri="{FF2B5EF4-FFF2-40B4-BE49-F238E27FC236}">
-                <a16:creationId xmlns:a16="http://schemas.microsoft.com/office/drawing/2014/main" id="{2319A8CE-194E-9C59-462B-538A1C93B2E8}"/>
+                <a16:creationId xmlns:a16="http://schemas.microsoft.com/office/drawing/2014/main" id="{399D5237-8F60-4C13-4BDB-EA29E526A325}"/>
               </a:ext>
             </a:extLst>
           </p:cNvPr>
@@ -23576,7 +23646,7 @@
           <p:cNvPr id="32" name="TextBox 31">
             <a:extLst>
               <a:ext uri="{FF2B5EF4-FFF2-40B4-BE49-F238E27FC236}">
-                <a16:creationId xmlns:a16="http://schemas.microsoft.com/office/drawing/2014/main" id="{816A73FB-4EE2-F5D5-B9AF-64C0D41B4A1B}"/>
+                <a16:creationId xmlns:a16="http://schemas.microsoft.com/office/drawing/2014/main" id="{4AB94E0D-6BBA-089F-2124-278B7B20B9C0}"/>
               </a:ext>
             </a:extLst>
           </p:cNvPr>
@@ -23663,7 +23733,7 @@
     </p:spTree>
     <p:extLst>
       <p:ext uri="{BB962C8B-B14F-4D97-AF65-F5344CB8AC3E}">
-        <p14:creationId xmlns:p14="http://schemas.microsoft.com/office/powerpoint/2010/main" val="4140441336"/>
+        <p14:creationId xmlns:p14="http://schemas.microsoft.com/office/powerpoint/2010/main" val="61954590"/>
       </p:ext>
     </p:extLst>
   </p:cSld>
@@ -23682,7 +23752,7 @@
         <p:cNvPr id="1" name="">
           <a:extLst>
             <a:ext uri="{FF2B5EF4-FFF2-40B4-BE49-F238E27FC236}">
-              <a16:creationId xmlns:a16="http://schemas.microsoft.com/office/drawing/2014/main" id="{DC88065D-C2CA-6375-A981-ABFDA44DE55E}"/>
+              <a16:creationId xmlns:a16="http://schemas.microsoft.com/office/drawing/2014/main" id="{662DEEE9-8AD7-6B5A-F883-D69F34A87304}"/>
             </a:ext>
           </a:extLst>
         </p:cNvPr>
@@ -23702,7 +23772,7 @@
           <p:cNvPr id="3" name="Title 1">
             <a:extLst>
               <a:ext uri="{FF2B5EF4-FFF2-40B4-BE49-F238E27FC236}">
-                <a16:creationId xmlns:a16="http://schemas.microsoft.com/office/drawing/2014/main" id="{8F762DE0-B993-9288-FFAA-CA4B75B3060A}"/>
+                <a16:creationId xmlns:a16="http://schemas.microsoft.com/office/drawing/2014/main" id="{A096676B-3CEC-0A69-AA59-1941A9FF4C83}"/>
               </a:ext>
             </a:extLst>
           </p:cNvPr>
@@ -23796,7 +23866,7 @@
           <p:cNvPr id="4" name="TextBox 3">
             <a:extLst>
               <a:ext uri="{FF2B5EF4-FFF2-40B4-BE49-F238E27FC236}">
-                <a16:creationId xmlns:a16="http://schemas.microsoft.com/office/drawing/2014/main" id="{5BB7810B-4BA1-F35C-4123-65682274DFF3}"/>
+                <a16:creationId xmlns:a16="http://schemas.microsoft.com/office/drawing/2014/main" id="{8B734E01-9830-8638-1D15-DBEA03CCF576}"/>
               </a:ext>
             </a:extLst>
           </p:cNvPr>
@@ -23892,7 +23962,7 @@
           <p:cNvPr id="5" name="TextBox 4">
             <a:extLst>
               <a:ext uri="{FF2B5EF4-FFF2-40B4-BE49-F238E27FC236}">
-                <a16:creationId xmlns:a16="http://schemas.microsoft.com/office/drawing/2014/main" id="{499594E4-319D-537E-507B-D7179EC26EF2}"/>
+                <a16:creationId xmlns:a16="http://schemas.microsoft.com/office/drawing/2014/main" id="{FDC60B20-1D74-E091-EC66-8A70064FADAE}"/>
               </a:ext>
             </a:extLst>
           </p:cNvPr>
@@ -23988,7 +24058,7 @@
           <p:cNvPr id="6" name="TextBox 5">
             <a:extLst>
               <a:ext uri="{FF2B5EF4-FFF2-40B4-BE49-F238E27FC236}">
-                <a16:creationId xmlns:a16="http://schemas.microsoft.com/office/drawing/2014/main" id="{1D75D9C6-C85C-99BD-EEAF-F5CBEA763385}"/>
+                <a16:creationId xmlns:a16="http://schemas.microsoft.com/office/drawing/2014/main" id="{21F3D066-B7B8-1A55-74E4-3EEE11DC0189}"/>
               </a:ext>
             </a:extLst>
           </p:cNvPr>
@@ -24084,7 +24154,7 @@
           <p:cNvPr id="7" name="TextBox 6">
             <a:extLst>
               <a:ext uri="{FF2B5EF4-FFF2-40B4-BE49-F238E27FC236}">
-                <a16:creationId xmlns:a16="http://schemas.microsoft.com/office/drawing/2014/main" id="{9AFAA6FD-66EA-4911-ED3C-1541F851E068}"/>
+                <a16:creationId xmlns:a16="http://schemas.microsoft.com/office/drawing/2014/main" id="{76887383-6399-0849-C88F-416CEBE031BC}"/>
               </a:ext>
             </a:extLst>
           </p:cNvPr>
@@ -24180,7 +24250,7 @@
           <p:cNvPr id="8" name="TextBox 7">
             <a:extLst>
               <a:ext uri="{FF2B5EF4-FFF2-40B4-BE49-F238E27FC236}">
-                <a16:creationId xmlns:a16="http://schemas.microsoft.com/office/drawing/2014/main" id="{2DA5D632-CF4C-B93B-B1B2-6424628E0905}"/>
+                <a16:creationId xmlns:a16="http://schemas.microsoft.com/office/drawing/2014/main" id="{A982878F-5C04-E53A-D12E-963C315DD84E}"/>
               </a:ext>
             </a:extLst>
           </p:cNvPr>
@@ -24266,7 +24336,7 @@
           <p:cNvPr id="9" name="TextBox 8">
             <a:extLst>
               <a:ext uri="{FF2B5EF4-FFF2-40B4-BE49-F238E27FC236}">
-                <a16:creationId xmlns:a16="http://schemas.microsoft.com/office/drawing/2014/main" id="{E1978460-6FE4-24F6-89DE-4C03F1A439B3}"/>
+                <a16:creationId xmlns:a16="http://schemas.microsoft.com/office/drawing/2014/main" id="{A9101EA9-45CF-B8C7-45E2-9148EE39B03D}"/>
               </a:ext>
             </a:extLst>
           </p:cNvPr>
@@ -24362,7 +24432,7 @@
           <p:cNvPr id="10" name="TextBox 9">
             <a:extLst>
               <a:ext uri="{FF2B5EF4-FFF2-40B4-BE49-F238E27FC236}">
-                <a16:creationId xmlns:a16="http://schemas.microsoft.com/office/drawing/2014/main" id="{F2E6C9F5-E5EB-A64A-0EE3-0FDF7DF29C36}"/>
+                <a16:creationId xmlns:a16="http://schemas.microsoft.com/office/drawing/2014/main" id="{30389D63-22BC-84F6-4134-AF337C61147F}"/>
               </a:ext>
             </a:extLst>
           </p:cNvPr>
@@ -24458,7 +24528,7 @@
           <p:cNvPr id="11" name="TextBox 10">
             <a:extLst>
               <a:ext uri="{FF2B5EF4-FFF2-40B4-BE49-F238E27FC236}">
-                <a16:creationId xmlns:a16="http://schemas.microsoft.com/office/drawing/2014/main" id="{E1CAC43B-3D1F-4F0D-1E7D-4B6605141DA9}"/>
+                <a16:creationId xmlns:a16="http://schemas.microsoft.com/office/drawing/2014/main" id="{0931D8C3-9134-1C9F-9E8D-DBD94EC91EDA}"/>
               </a:ext>
             </a:extLst>
           </p:cNvPr>
@@ -24554,7 +24624,7 @@
           <p:cNvPr id="12" name="TextBox 11">
             <a:extLst>
               <a:ext uri="{FF2B5EF4-FFF2-40B4-BE49-F238E27FC236}">
-                <a16:creationId xmlns:a16="http://schemas.microsoft.com/office/drawing/2014/main" id="{870C93DC-7A6F-1E8B-E681-79E7F1C4E577}"/>
+                <a16:creationId xmlns:a16="http://schemas.microsoft.com/office/drawing/2014/main" id="{BD6A1FEC-A4DF-8ED2-3FC7-3D0C073EEA81}"/>
               </a:ext>
             </a:extLst>
           </p:cNvPr>
@@ -24590,8 +24660,8 @@
           <a:fontRef idx="none"/>
         </p:style>
         <p:txBody>
-          <a:bodyPr rot="0" spcFirstLastPara="1" vertOverflow="overflow" horzOverflow="overflow" vert="horz" wrap="square" lIns="50800" tIns="50800" rIns="50800" bIns="50800" numCol="1" spcCol="38100" rtlCol="0" anchor="ctr">
-            <a:spAutoFit/>
+          <a:bodyPr rot="0" spcFirstLastPara="1" vertOverflow="overflow" horzOverflow="overflow" vert="horz" wrap="square" lIns="50800" tIns="50800" rIns="50800" bIns="50800" numCol="1" spcCol="38100" rtlCol="0" anchor="t" anchorCtr="0">
+            <a:noAutofit/>
           </a:bodyPr>
           <a:lstStyle/>
           <a:p>
@@ -24650,7 +24720,7 @@
           <p:cNvPr id="13" name="TextBox 12">
             <a:extLst>
               <a:ext uri="{FF2B5EF4-FFF2-40B4-BE49-F238E27FC236}">
-                <a16:creationId xmlns:a16="http://schemas.microsoft.com/office/drawing/2014/main" id="{B6D63C56-F492-8E8A-F895-5CBE80B0E30F}"/>
+                <a16:creationId xmlns:a16="http://schemas.microsoft.com/office/drawing/2014/main" id="{5E02A4EA-AA1B-6F53-12DC-94BA7292C4DB}"/>
               </a:ext>
             </a:extLst>
           </p:cNvPr>
@@ -24746,7 +24816,7 @@
           <p:cNvPr id="14" name="TextBox 13">
             <a:extLst>
               <a:ext uri="{FF2B5EF4-FFF2-40B4-BE49-F238E27FC236}">
-                <a16:creationId xmlns:a16="http://schemas.microsoft.com/office/drawing/2014/main" id="{865168E1-0279-5F2A-AAB3-F57BB8D2C410}"/>
+                <a16:creationId xmlns:a16="http://schemas.microsoft.com/office/drawing/2014/main" id="{9C4ECC2B-3542-ED36-E470-D4BCD853876D}"/>
               </a:ext>
             </a:extLst>
           </p:cNvPr>
@@ -24835,7 +24905,7 @@
           <p:cNvPr id="15" name="TextBox 14">
             <a:extLst>
               <a:ext uri="{FF2B5EF4-FFF2-40B4-BE49-F238E27FC236}">
-                <a16:creationId xmlns:a16="http://schemas.microsoft.com/office/drawing/2014/main" id="{62165B31-0BA1-2477-DCA4-63D481E4C2C5}"/>
+                <a16:creationId xmlns:a16="http://schemas.microsoft.com/office/drawing/2014/main" id="{01D5AFFD-834F-6248-BB9F-BBA605260185}"/>
               </a:ext>
             </a:extLst>
           </p:cNvPr>
@@ -24924,7 +24994,7 @@
           <p:cNvPr id="16" name="TextBox 15">
             <a:extLst>
               <a:ext uri="{FF2B5EF4-FFF2-40B4-BE49-F238E27FC236}">
-                <a16:creationId xmlns:a16="http://schemas.microsoft.com/office/drawing/2014/main" id="{82E01669-37BC-A35C-8DDF-CBF8056FE33F}"/>
+                <a16:creationId xmlns:a16="http://schemas.microsoft.com/office/drawing/2014/main" id="{32931FB4-5074-2E35-B61D-61E2B2F814A3}"/>
               </a:ext>
             </a:extLst>
           </p:cNvPr>
@@ -25013,7 +25083,7 @@
           <p:cNvPr id="20" name="TextBox 19">
             <a:extLst>
               <a:ext uri="{FF2B5EF4-FFF2-40B4-BE49-F238E27FC236}">
-                <a16:creationId xmlns:a16="http://schemas.microsoft.com/office/drawing/2014/main" id="{5274B3E5-0E5C-7A52-9FC9-CE63FDC11BEA}"/>
+                <a16:creationId xmlns:a16="http://schemas.microsoft.com/office/drawing/2014/main" id="{8DD1DCE5-E92E-50DF-4243-4FB826882AEF}"/>
               </a:ext>
             </a:extLst>
           </p:cNvPr>
@@ -25102,7 +25172,7 @@
           <p:cNvPr id="21" name="TextBox 20">
             <a:extLst>
               <a:ext uri="{FF2B5EF4-FFF2-40B4-BE49-F238E27FC236}">
-                <a16:creationId xmlns:a16="http://schemas.microsoft.com/office/drawing/2014/main" id="{67A27F59-5541-6ABD-64CF-007367F8C728}"/>
+                <a16:creationId xmlns:a16="http://schemas.microsoft.com/office/drawing/2014/main" id="{5877D09F-DB35-6AD5-7AEF-FC99F3EEE414}"/>
               </a:ext>
             </a:extLst>
           </p:cNvPr>
@@ -25191,7 +25261,7 @@
           <p:cNvPr id="22" name="TextBox 21">
             <a:extLst>
               <a:ext uri="{FF2B5EF4-FFF2-40B4-BE49-F238E27FC236}">
-                <a16:creationId xmlns:a16="http://schemas.microsoft.com/office/drawing/2014/main" id="{E7F2D51D-5CF2-BD0D-3D4F-C46AC2AA8D74}"/>
+                <a16:creationId xmlns:a16="http://schemas.microsoft.com/office/drawing/2014/main" id="{CB1EDF5D-688F-AA51-F90D-0BB532490C93}"/>
               </a:ext>
             </a:extLst>
           </p:cNvPr>
@@ -25280,7 +25350,7 @@
           <p:cNvPr id="23" name="TextBox 22">
             <a:extLst>
               <a:ext uri="{FF2B5EF4-FFF2-40B4-BE49-F238E27FC236}">
-                <a16:creationId xmlns:a16="http://schemas.microsoft.com/office/drawing/2014/main" id="{054185A1-7D2C-ACFB-E4E5-3CDA357D26BD}"/>
+                <a16:creationId xmlns:a16="http://schemas.microsoft.com/office/drawing/2014/main" id="{FBA4DAC0-BCFE-145C-68E2-8A972C20F4EA}"/>
               </a:ext>
             </a:extLst>
           </p:cNvPr>
@@ -25369,7 +25439,7 @@
           <p:cNvPr id="24" name="TextBox 23">
             <a:extLst>
               <a:ext uri="{FF2B5EF4-FFF2-40B4-BE49-F238E27FC236}">
-                <a16:creationId xmlns:a16="http://schemas.microsoft.com/office/drawing/2014/main" id="{E5EF55AA-FB05-BDDC-D5C9-4D775CD78550}"/>
+                <a16:creationId xmlns:a16="http://schemas.microsoft.com/office/drawing/2014/main" id="{1F766CAB-92D4-2FCC-806E-DF7E467FEC83}"/>
               </a:ext>
             </a:extLst>
           </p:cNvPr>
@@ -25458,7 +25528,7 @@
           <p:cNvPr id="25" name="TextBox 24">
             <a:extLst>
               <a:ext uri="{FF2B5EF4-FFF2-40B4-BE49-F238E27FC236}">
-                <a16:creationId xmlns:a16="http://schemas.microsoft.com/office/drawing/2014/main" id="{78F6CAD7-DDE3-FCE0-A028-D7119BE4FC29}"/>
+                <a16:creationId xmlns:a16="http://schemas.microsoft.com/office/drawing/2014/main" id="{A8780828-09DE-43FE-B658-CB74603F67E9}"/>
               </a:ext>
             </a:extLst>
           </p:cNvPr>
@@ -25547,7 +25617,7 @@
           <p:cNvPr id="26" name="TextBox 25">
             <a:extLst>
               <a:ext uri="{FF2B5EF4-FFF2-40B4-BE49-F238E27FC236}">
-                <a16:creationId xmlns:a16="http://schemas.microsoft.com/office/drawing/2014/main" id="{481D1D1F-2BBB-BA1B-9391-44561CBF8A41}"/>
+                <a16:creationId xmlns:a16="http://schemas.microsoft.com/office/drawing/2014/main" id="{1C01420C-E370-F737-AB43-44B8881A8F3C}"/>
               </a:ext>
             </a:extLst>
           </p:cNvPr>
@@ -25636,7 +25706,7 @@
           <p:cNvPr id="27" name="TextBox 26">
             <a:extLst>
               <a:ext uri="{FF2B5EF4-FFF2-40B4-BE49-F238E27FC236}">
-                <a16:creationId xmlns:a16="http://schemas.microsoft.com/office/drawing/2014/main" id="{6191CD27-C871-9E04-3B97-E75AE06EE38F}"/>
+                <a16:creationId xmlns:a16="http://schemas.microsoft.com/office/drawing/2014/main" id="{C42E9755-40F4-0479-D083-D18FD14B268B}"/>
               </a:ext>
             </a:extLst>
           </p:cNvPr>
@@ -25725,7 +25795,7 @@
           <p:cNvPr id="28" name="TextBox 27">
             <a:extLst>
               <a:ext uri="{FF2B5EF4-FFF2-40B4-BE49-F238E27FC236}">
-                <a16:creationId xmlns:a16="http://schemas.microsoft.com/office/drawing/2014/main" id="{52BB23E6-E798-6A94-4542-CAAE44E4A625}"/>
+                <a16:creationId xmlns:a16="http://schemas.microsoft.com/office/drawing/2014/main" id="{05B11AF5-5BE0-0911-001F-D183DE54391A}"/>
               </a:ext>
             </a:extLst>
           </p:cNvPr>
@@ -25814,7 +25884,7 @@
           <p:cNvPr id="29" name="TextBox 28">
             <a:extLst>
               <a:ext uri="{FF2B5EF4-FFF2-40B4-BE49-F238E27FC236}">
-                <a16:creationId xmlns:a16="http://schemas.microsoft.com/office/drawing/2014/main" id="{68297F96-6665-E440-211F-37687044E51D}"/>
+                <a16:creationId xmlns:a16="http://schemas.microsoft.com/office/drawing/2014/main" id="{111AEDC8-756E-1393-52BF-F415B8C67986}"/>
               </a:ext>
             </a:extLst>
           </p:cNvPr>
@@ -25903,7 +25973,7 @@
           <p:cNvPr id="30" name="TextBox 29">
             <a:extLst>
               <a:ext uri="{FF2B5EF4-FFF2-40B4-BE49-F238E27FC236}">
-                <a16:creationId xmlns:a16="http://schemas.microsoft.com/office/drawing/2014/main" id="{47E12EF4-1419-02CC-4063-0A5CF5E2FE1C}"/>
+                <a16:creationId xmlns:a16="http://schemas.microsoft.com/office/drawing/2014/main" id="{EE8B54BF-AF01-73C2-080E-3F9C4D52BBAE}"/>
               </a:ext>
             </a:extLst>
           </p:cNvPr>
@@ -25992,7 +26062,7 @@
           <p:cNvPr id="31" name="TextBox 30">
             <a:extLst>
               <a:ext uri="{FF2B5EF4-FFF2-40B4-BE49-F238E27FC236}">
-                <a16:creationId xmlns:a16="http://schemas.microsoft.com/office/drawing/2014/main" id="{5FBB6F03-41C5-A6C9-3E89-6E25DED20D8B}"/>
+                <a16:creationId xmlns:a16="http://schemas.microsoft.com/office/drawing/2014/main" id="{4A60AEF5-B0BB-1D15-63EE-08AC779E1FE5}"/>
               </a:ext>
             </a:extLst>
           </p:cNvPr>
@@ -26081,7 +26151,7 @@
           <p:cNvPr id="32" name="TextBox 31">
             <a:extLst>
               <a:ext uri="{FF2B5EF4-FFF2-40B4-BE49-F238E27FC236}">
-                <a16:creationId xmlns:a16="http://schemas.microsoft.com/office/drawing/2014/main" id="{1990D4F1-25BD-87A9-E7B1-979916C3049C}"/>
+                <a16:creationId xmlns:a16="http://schemas.microsoft.com/office/drawing/2014/main" id="{226A171B-5357-5BF2-B45B-CD8D62D03CB9}"/>
               </a:ext>
             </a:extLst>
           </p:cNvPr>
@@ -26168,7 +26238,7 @@
     </p:spTree>
     <p:extLst>
       <p:ext uri="{BB962C8B-B14F-4D97-AF65-F5344CB8AC3E}">
-        <p14:creationId xmlns:p14="http://schemas.microsoft.com/office/powerpoint/2010/main" val="4123162446"/>
+        <p14:creationId xmlns:p14="http://schemas.microsoft.com/office/powerpoint/2010/main" val="644073510"/>
       </p:ext>
     </p:extLst>
   </p:cSld>
@@ -26187,7 +26257,7 @@
         <p:cNvPr id="1" name="">
           <a:extLst>
             <a:ext uri="{FF2B5EF4-FFF2-40B4-BE49-F238E27FC236}">
-              <a16:creationId xmlns:a16="http://schemas.microsoft.com/office/drawing/2014/main" id="{D5C94CF9-87FF-DB6D-CD2F-6E63AA6498E8}"/>
+              <a16:creationId xmlns:a16="http://schemas.microsoft.com/office/drawing/2014/main" id="{477D24DC-1012-2EC2-8781-639047E37F22}"/>
             </a:ext>
           </a:extLst>
         </p:cNvPr>
@@ -26207,7 +26277,7 @@
           <p:cNvPr id="3" name="Title 1">
             <a:extLst>
               <a:ext uri="{FF2B5EF4-FFF2-40B4-BE49-F238E27FC236}">
-                <a16:creationId xmlns:a16="http://schemas.microsoft.com/office/drawing/2014/main" id="{E50410BE-A64F-5675-8896-B0847BFC5AA9}"/>
+                <a16:creationId xmlns:a16="http://schemas.microsoft.com/office/drawing/2014/main" id="{1DB29925-BE11-DBE4-FE67-1E2291ABD726}"/>
               </a:ext>
             </a:extLst>
           </p:cNvPr>
@@ -26301,7 +26371,7 @@
           <p:cNvPr id="4" name="TextBox 3">
             <a:extLst>
               <a:ext uri="{FF2B5EF4-FFF2-40B4-BE49-F238E27FC236}">
-                <a16:creationId xmlns:a16="http://schemas.microsoft.com/office/drawing/2014/main" id="{4FF49160-C9FF-484B-044A-DEA386B441BB}"/>
+                <a16:creationId xmlns:a16="http://schemas.microsoft.com/office/drawing/2014/main" id="{402C28D6-7EEB-621D-98BD-E5FC0F158A00}"/>
               </a:ext>
             </a:extLst>
           </p:cNvPr>
@@ -26397,7 +26467,7 @@
           <p:cNvPr id="5" name="TextBox 4">
             <a:extLst>
               <a:ext uri="{FF2B5EF4-FFF2-40B4-BE49-F238E27FC236}">
-                <a16:creationId xmlns:a16="http://schemas.microsoft.com/office/drawing/2014/main" id="{0F10F1D3-EC7C-C2FA-9CB8-62485010D4C0}"/>
+                <a16:creationId xmlns:a16="http://schemas.microsoft.com/office/drawing/2014/main" id="{2F0E7FF3-8DDE-7898-C3D9-A4D547BBC501}"/>
               </a:ext>
             </a:extLst>
           </p:cNvPr>
@@ -26493,7 +26563,7 @@
           <p:cNvPr id="6" name="TextBox 5">
             <a:extLst>
               <a:ext uri="{FF2B5EF4-FFF2-40B4-BE49-F238E27FC236}">
-                <a16:creationId xmlns:a16="http://schemas.microsoft.com/office/drawing/2014/main" id="{16605486-3ABF-F339-AA96-BB4710853D2F}"/>
+                <a16:creationId xmlns:a16="http://schemas.microsoft.com/office/drawing/2014/main" id="{2BD97D3C-925A-30E8-4AA7-7F3BBE25E30F}"/>
               </a:ext>
             </a:extLst>
           </p:cNvPr>
@@ -26589,7 +26659,7 @@
           <p:cNvPr id="7" name="TextBox 6">
             <a:extLst>
               <a:ext uri="{FF2B5EF4-FFF2-40B4-BE49-F238E27FC236}">
-                <a16:creationId xmlns:a16="http://schemas.microsoft.com/office/drawing/2014/main" id="{BFDEC702-AFB9-3098-2A10-6B9976A4FDC5}"/>
+                <a16:creationId xmlns:a16="http://schemas.microsoft.com/office/drawing/2014/main" id="{34591317-F6F8-E46E-9030-BC11EDD8A20F}"/>
               </a:ext>
             </a:extLst>
           </p:cNvPr>
@@ -26685,7 +26755,7 @@
           <p:cNvPr id="8" name="TextBox 7">
             <a:extLst>
               <a:ext uri="{FF2B5EF4-FFF2-40B4-BE49-F238E27FC236}">
-                <a16:creationId xmlns:a16="http://schemas.microsoft.com/office/drawing/2014/main" id="{2E236C8C-1D18-D106-EC3E-24707F0740A0}"/>
+                <a16:creationId xmlns:a16="http://schemas.microsoft.com/office/drawing/2014/main" id="{AD45B5B3-9A3D-FD62-DF78-5C1C7F87A897}"/>
               </a:ext>
             </a:extLst>
           </p:cNvPr>
@@ -26771,7 +26841,7 @@
           <p:cNvPr id="9" name="TextBox 8">
             <a:extLst>
               <a:ext uri="{FF2B5EF4-FFF2-40B4-BE49-F238E27FC236}">
-                <a16:creationId xmlns:a16="http://schemas.microsoft.com/office/drawing/2014/main" id="{5AC3ED13-B880-5833-0F86-317106CE0320}"/>
+                <a16:creationId xmlns:a16="http://schemas.microsoft.com/office/drawing/2014/main" id="{B5D4615B-7CB2-ECE6-726B-33AB2897F6A0}"/>
               </a:ext>
             </a:extLst>
           </p:cNvPr>
@@ -26867,7 +26937,7 @@
           <p:cNvPr id="10" name="TextBox 9">
             <a:extLst>
               <a:ext uri="{FF2B5EF4-FFF2-40B4-BE49-F238E27FC236}">
-                <a16:creationId xmlns:a16="http://schemas.microsoft.com/office/drawing/2014/main" id="{50764DAF-8555-AE74-3063-B93913500106}"/>
+                <a16:creationId xmlns:a16="http://schemas.microsoft.com/office/drawing/2014/main" id="{3D6C5619-B943-B09D-C9B1-79E9D8549E56}"/>
               </a:ext>
             </a:extLst>
           </p:cNvPr>
@@ -26963,7 +27033,7 @@
           <p:cNvPr id="11" name="TextBox 10">
             <a:extLst>
               <a:ext uri="{FF2B5EF4-FFF2-40B4-BE49-F238E27FC236}">
-                <a16:creationId xmlns:a16="http://schemas.microsoft.com/office/drawing/2014/main" id="{8DC53255-480F-23BB-F5C3-7CA7B1A3B052}"/>
+                <a16:creationId xmlns:a16="http://schemas.microsoft.com/office/drawing/2014/main" id="{1CF7826D-493F-F201-8CD3-8842B1D464C3}"/>
               </a:ext>
             </a:extLst>
           </p:cNvPr>
@@ -27059,7 +27129,7 @@
           <p:cNvPr id="12" name="TextBox 11">
             <a:extLst>
               <a:ext uri="{FF2B5EF4-FFF2-40B4-BE49-F238E27FC236}">
-                <a16:creationId xmlns:a16="http://schemas.microsoft.com/office/drawing/2014/main" id="{A625C80A-8CEB-593C-F15D-2495B7F1D3CA}"/>
+                <a16:creationId xmlns:a16="http://schemas.microsoft.com/office/drawing/2014/main" id="{7F3387CC-A0A5-981B-1DC9-3E92185472AB}"/>
               </a:ext>
             </a:extLst>
           </p:cNvPr>
@@ -27095,8 +27165,8 @@
           <a:fontRef idx="none"/>
         </p:style>
         <p:txBody>
-          <a:bodyPr rot="0" spcFirstLastPara="1" vertOverflow="overflow" horzOverflow="overflow" vert="horz" wrap="square" lIns="50800" tIns="50800" rIns="50800" bIns="50800" numCol="1" spcCol="38100" rtlCol="0" anchor="ctr">
-            <a:spAutoFit/>
+          <a:bodyPr rot="0" spcFirstLastPara="1" vertOverflow="overflow" horzOverflow="overflow" vert="horz" wrap="square" lIns="50800" tIns="50800" rIns="50800" bIns="50800" numCol="1" spcCol="38100" rtlCol="0" anchor="t" anchorCtr="0">
+            <a:noAutofit/>
           </a:bodyPr>
           <a:lstStyle/>
           <a:p>
@@ -27155,7 +27225,7 @@
           <p:cNvPr id="13" name="TextBox 12">
             <a:extLst>
               <a:ext uri="{FF2B5EF4-FFF2-40B4-BE49-F238E27FC236}">
-                <a16:creationId xmlns:a16="http://schemas.microsoft.com/office/drawing/2014/main" id="{A7DB7CFF-68C6-EAAB-88F9-38394EADDB8D}"/>
+                <a16:creationId xmlns:a16="http://schemas.microsoft.com/office/drawing/2014/main" id="{AA80E614-AE7C-7D94-652D-67587911C316}"/>
               </a:ext>
             </a:extLst>
           </p:cNvPr>
@@ -27251,7 +27321,7 @@
           <p:cNvPr id="14" name="TextBox 13">
             <a:extLst>
               <a:ext uri="{FF2B5EF4-FFF2-40B4-BE49-F238E27FC236}">
-                <a16:creationId xmlns:a16="http://schemas.microsoft.com/office/drawing/2014/main" id="{0019D518-88F0-F643-79F0-49622E68FD76}"/>
+                <a16:creationId xmlns:a16="http://schemas.microsoft.com/office/drawing/2014/main" id="{5EF56FD0-5623-0650-2DAF-87F3EC26B6DB}"/>
               </a:ext>
             </a:extLst>
           </p:cNvPr>
@@ -27340,7 +27410,7 @@
           <p:cNvPr id="15" name="TextBox 14">
             <a:extLst>
               <a:ext uri="{FF2B5EF4-FFF2-40B4-BE49-F238E27FC236}">
-                <a16:creationId xmlns:a16="http://schemas.microsoft.com/office/drawing/2014/main" id="{2253E8EF-69DE-7F7D-7FE2-359521D84E66}"/>
+                <a16:creationId xmlns:a16="http://schemas.microsoft.com/office/drawing/2014/main" id="{B011324F-9A27-ECEB-8330-7AC425750746}"/>
               </a:ext>
             </a:extLst>
           </p:cNvPr>
@@ -27429,7 +27499,7 @@
           <p:cNvPr id="16" name="TextBox 15">
             <a:extLst>
               <a:ext uri="{FF2B5EF4-FFF2-40B4-BE49-F238E27FC236}">
-                <a16:creationId xmlns:a16="http://schemas.microsoft.com/office/drawing/2014/main" id="{8411185B-9007-FC02-8D2F-77D8518B12C8}"/>
+                <a16:creationId xmlns:a16="http://schemas.microsoft.com/office/drawing/2014/main" id="{45A45B84-1391-2827-243B-6E69C3D97C93}"/>
               </a:ext>
             </a:extLst>
           </p:cNvPr>
@@ -27518,7 +27588,7 @@
           <p:cNvPr id="20" name="TextBox 19">
             <a:extLst>
               <a:ext uri="{FF2B5EF4-FFF2-40B4-BE49-F238E27FC236}">
-                <a16:creationId xmlns:a16="http://schemas.microsoft.com/office/drawing/2014/main" id="{EA303864-302D-957E-8BB8-8169959A2C88}"/>
+                <a16:creationId xmlns:a16="http://schemas.microsoft.com/office/drawing/2014/main" id="{B343B896-A507-700F-C36D-F400EA472F38}"/>
               </a:ext>
             </a:extLst>
           </p:cNvPr>
@@ -27607,7 +27677,7 @@
           <p:cNvPr id="21" name="TextBox 20">
             <a:extLst>
               <a:ext uri="{FF2B5EF4-FFF2-40B4-BE49-F238E27FC236}">
-                <a16:creationId xmlns:a16="http://schemas.microsoft.com/office/drawing/2014/main" id="{3D3B5803-9F46-1B7B-5D85-5D81AAB2A758}"/>
+                <a16:creationId xmlns:a16="http://schemas.microsoft.com/office/drawing/2014/main" id="{CEFF5181-80A2-2D15-0A80-6032C429AE44}"/>
               </a:ext>
             </a:extLst>
           </p:cNvPr>
@@ -27696,7 +27766,7 @@
           <p:cNvPr id="22" name="TextBox 21">
             <a:extLst>
               <a:ext uri="{FF2B5EF4-FFF2-40B4-BE49-F238E27FC236}">
-                <a16:creationId xmlns:a16="http://schemas.microsoft.com/office/drawing/2014/main" id="{A67D7551-0CAB-B826-D3F0-D40610D22796}"/>
+                <a16:creationId xmlns:a16="http://schemas.microsoft.com/office/drawing/2014/main" id="{E85528AD-C0D9-CB2A-B220-27D181554009}"/>
               </a:ext>
             </a:extLst>
           </p:cNvPr>
@@ -27785,7 +27855,7 @@
           <p:cNvPr id="23" name="TextBox 22">
             <a:extLst>
               <a:ext uri="{FF2B5EF4-FFF2-40B4-BE49-F238E27FC236}">
-                <a16:creationId xmlns:a16="http://schemas.microsoft.com/office/drawing/2014/main" id="{4085A4D3-7C5D-9AB7-B555-73106ADE94EB}"/>
+                <a16:creationId xmlns:a16="http://schemas.microsoft.com/office/drawing/2014/main" id="{617320AA-7CBE-354E-2A92-81A4999851D7}"/>
               </a:ext>
             </a:extLst>
           </p:cNvPr>
@@ -27874,7 +27944,7 @@
           <p:cNvPr id="24" name="TextBox 23">
             <a:extLst>
               <a:ext uri="{FF2B5EF4-FFF2-40B4-BE49-F238E27FC236}">
-                <a16:creationId xmlns:a16="http://schemas.microsoft.com/office/drawing/2014/main" id="{86AF36FA-D489-127B-07B6-47A8D87D6CF6}"/>
+                <a16:creationId xmlns:a16="http://schemas.microsoft.com/office/drawing/2014/main" id="{ECF79599-0219-C7FF-4641-A948BF606208}"/>
               </a:ext>
             </a:extLst>
           </p:cNvPr>
@@ -27963,7 +28033,7 @@
           <p:cNvPr id="25" name="TextBox 24">
             <a:extLst>
               <a:ext uri="{FF2B5EF4-FFF2-40B4-BE49-F238E27FC236}">
-                <a16:creationId xmlns:a16="http://schemas.microsoft.com/office/drawing/2014/main" id="{DE6047FE-D11C-FCC2-981D-DF51C21A02F0}"/>
+                <a16:creationId xmlns:a16="http://schemas.microsoft.com/office/drawing/2014/main" id="{9EAC9998-4DE5-47A7-AE88-77B401B4899C}"/>
               </a:ext>
             </a:extLst>
           </p:cNvPr>
@@ -28052,7 +28122,7 @@
           <p:cNvPr id="26" name="TextBox 25">
             <a:extLst>
               <a:ext uri="{FF2B5EF4-FFF2-40B4-BE49-F238E27FC236}">
-                <a16:creationId xmlns:a16="http://schemas.microsoft.com/office/drawing/2014/main" id="{10081758-B842-21A5-10A4-2380D0AE779D}"/>
+                <a16:creationId xmlns:a16="http://schemas.microsoft.com/office/drawing/2014/main" id="{8B338FFF-F969-5FA3-3B8C-FDC7C246EC48}"/>
               </a:ext>
             </a:extLst>
           </p:cNvPr>
@@ -28141,7 +28211,7 @@
           <p:cNvPr id="27" name="TextBox 26">
             <a:extLst>
               <a:ext uri="{FF2B5EF4-FFF2-40B4-BE49-F238E27FC236}">
-                <a16:creationId xmlns:a16="http://schemas.microsoft.com/office/drawing/2014/main" id="{B0B8FFBF-4384-031B-2E4A-C17F18A19411}"/>
+                <a16:creationId xmlns:a16="http://schemas.microsoft.com/office/drawing/2014/main" id="{545A604D-147B-8FCD-DFF9-81821E3C2C8C}"/>
               </a:ext>
             </a:extLst>
           </p:cNvPr>
@@ -28230,7 +28300,7 @@
           <p:cNvPr id="28" name="TextBox 27">
             <a:extLst>
               <a:ext uri="{FF2B5EF4-FFF2-40B4-BE49-F238E27FC236}">
-                <a16:creationId xmlns:a16="http://schemas.microsoft.com/office/drawing/2014/main" id="{51696CCA-15DB-CF36-6B36-104B25D0A089}"/>
+                <a16:creationId xmlns:a16="http://schemas.microsoft.com/office/drawing/2014/main" id="{759AE92C-EFC2-379F-461C-44F49D11413B}"/>
               </a:ext>
             </a:extLst>
           </p:cNvPr>
@@ -28319,7 +28389,7 @@
           <p:cNvPr id="29" name="TextBox 28">
             <a:extLst>
               <a:ext uri="{FF2B5EF4-FFF2-40B4-BE49-F238E27FC236}">
-                <a16:creationId xmlns:a16="http://schemas.microsoft.com/office/drawing/2014/main" id="{D068165D-DACA-9352-82D3-CDF4D0D81B9D}"/>
+                <a16:creationId xmlns:a16="http://schemas.microsoft.com/office/drawing/2014/main" id="{658A42F2-7917-40D8-4B54-74F633E4434B}"/>
               </a:ext>
             </a:extLst>
           </p:cNvPr>
@@ -28408,7 +28478,7 @@
           <p:cNvPr id="30" name="TextBox 29">
             <a:extLst>
               <a:ext uri="{FF2B5EF4-FFF2-40B4-BE49-F238E27FC236}">
-                <a16:creationId xmlns:a16="http://schemas.microsoft.com/office/drawing/2014/main" id="{2604003C-204B-47A2-558C-6121F84A5CE3}"/>
+                <a16:creationId xmlns:a16="http://schemas.microsoft.com/office/drawing/2014/main" id="{44184A59-4D0F-26CF-8C0D-07BC59ED43AF}"/>
               </a:ext>
             </a:extLst>
           </p:cNvPr>
@@ -28497,7 +28567,7 @@
           <p:cNvPr id="31" name="TextBox 30">
             <a:extLst>
               <a:ext uri="{FF2B5EF4-FFF2-40B4-BE49-F238E27FC236}">
-                <a16:creationId xmlns:a16="http://schemas.microsoft.com/office/drawing/2014/main" id="{D6C4E52B-196F-96A7-0F67-19BCC0119036}"/>
+                <a16:creationId xmlns:a16="http://schemas.microsoft.com/office/drawing/2014/main" id="{8D967DC1-7E49-C86D-CAB3-B2820FDFA141}"/>
               </a:ext>
             </a:extLst>
           </p:cNvPr>
@@ -28586,7 +28656,7 @@
           <p:cNvPr id="32" name="TextBox 31">
             <a:extLst>
               <a:ext uri="{FF2B5EF4-FFF2-40B4-BE49-F238E27FC236}">
-                <a16:creationId xmlns:a16="http://schemas.microsoft.com/office/drawing/2014/main" id="{79DFE4C4-AF8F-4600-0790-0869D21EABAF}"/>
+                <a16:creationId xmlns:a16="http://schemas.microsoft.com/office/drawing/2014/main" id="{EC29C336-E16B-1342-7DBA-9F914CBD0ED9}"/>
               </a:ext>
             </a:extLst>
           </p:cNvPr>
@@ -28673,7 +28743,7 @@
     </p:spTree>
     <p:extLst>
       <p:ext uri="{BB962C8B-B14F-4D97-AF65-F5344CB8AC3E}">
-        <p14:creationId xmlns:p14="http://schemas.microsoft.com/office/powerpoint/2010/main" val="4265917496"/>
+        <p14:creationId xmlns:p14="http://schemas.microsoft.com/office/powerpoint/2010/main" val="63594158"/>
       </p:ext>
     </p:extLst>
   </p:cSld>
@@ -28692,7 +28762,7 @@
         <p:cNvPr id="1" name="">
           <a:extLst>
             <a:ext uri="{FF2B5EF4-FFF2-40B4-BE49-F238E27FC236}">
-              <a16:creationId xmlns:a16="http://schemas.microsoft.com/office/drawing/2014/main" id="{99073EAB-123A-DB53-FB6B-AD262C2C0E0F}"/>
+              <a16:creationId xmlns:a16="http://schemas.microsoft.com/office/drawing/2014/main" id="{6F620482-FDAE-315D-009D-DBEB0FCC0990}"/>
             </a:ext>
           </a:extLst>
         </p:cNvPr>
@@ -28712,7 +28782,7 @@
           <p:cNvPr id="3" name="Title 1">
             <a:extLst>
               <a:ext uri="{FF2B5EF4-FFF2-40B4-BE49-F238E27FC236}">
-                <a16:creationId xmlns:a16="http://schemas.microsoft.com/office/drawing/2014/main" id="{2F65E080-AFE8-37BE-DF7E-8254C919C317}"/>
+                <a16:creationId xmlns:a16="http://schemas.microsoft.com/office/drawing/2014/main" id="{A3FBE9E3-CE98-9198-4364-15B849C79A66}"/>
               </a:ext>
             </a:extLst>
           </p:cNvPr>
@@ -28806,7 +28876,7 @@
           <p:cNvPr id="4" name="TextBox 3">
             <a:extLst>
               <a:ext uri="{FF2B5EF4-FFF2-40B4-BE49-F238E27FC236}">
-                <a16:creationId xmlns:a16="http://schemas.microsoft.com/office/drawing/2014/main" id="{CF4AFF26-D5A6-C322-5A46-988D6D284BAD}"/>
+                <a16:creationId xmlns:a16="http://schemas.microsoft.com/office/drawing/2014/main" id="{51E18732-9525-9587-A733-82F9C6F27C1C}"/>
               </a:ext>
             </a:extLst>
           </p:cNvPr>
@@ -28902,7 +28972,7 @@
           <p:cNvPr id="5" name="TextBox 4">
             <a:extLst>
               <a:ext uri="{FF2B5EF4-FFF2-40B4-BE49-F238E27FC236}">
-                <a16:creationId xmlns:a16="http://schemas.microsoft.com/office/drawing/2014/main" id="{C26788CE-38F9-747B-4057-7FB15797E981}"/>
+                <a16:creationId xmlns:a16="http://schemas.microsoft.com/office/drawing/2014/main" id="{283FDA85-D2CE-6409-9317-400A4DA9B1FA}"/>
               </a:ext>
             </a:extLst>
           </p:cNvPr>
@@ -28998,7 +29068,7 @@
           <p:cNvPr id="6" name="TextBox 5">
             <a:extLst>
               <a:ext uri="{FF2B5EF4-FFF2-40B4-BE49-F238E27FC236}">
-                <a16:creationId xmlns:a16="http://schemas.microsoft.com/office/drawing/2014/main" id="{C02E86A1-2CE1-25E6-1A56-E7B85AE5A36E}"/>
+                <a16:creationId xmlns:a16="http://schemas.microsoft.com/office/drawing/2014/main" id="{C5808857-F167-B5C3-7BBB-FC20B215D62E}"/>
               </a:ext>
             </a:extLst>
           </p:cNvPr>
@@ -29094,7 +29164,7 @@
           <p:cNvPr id="7" name="TextBox 6">
             <a:extLst>
               <a:ext uri="{FF2B5EF4-FFF2-40B4-BE49-F238E27FC236}">
-                <a16:creationId xmlns:a16="http://schemas.microsoft.com/office/drawing/2014/main" id="{CC9A1598-988D-90C9-7490-402F3781A2E6}"/>
+                <a16:creationId xmlns:a16="http://schemas.microsoft.com/office/drawing/2014/main" id="{C90A91F4-E2BC-E5EA-C5D3-AA0138411FDA}"/>
               </a:ext>
             </a:extLst>
           </p:cNvPr>
@@ -29190,7 +29260,7 @@
           <p:cNvPr id="8" name="TextBox 7">
             <a:extLst>
               <a:ext uri="{FF2B5EF4-FFF2-40B4-BE49-F238E27FC236}">
-                <a16:creationId xmlns:a16="http://schemas.microsoft.com/office/drawing/2014/main" id="{6B737831-E2DE-6DB8-D1C6-FD4793348A30}"/>
+                <a16:creationId xmlns:a16="http://schemas.microsoft.com/office/drawing/2014/main" id="{BDDFC6CE-B506-0BF2-2700-B64D201C2635}"/>
               </a:ext>
             </a:extLst>
           </p:cNvPr>
@@ -29276,7 +29346,7 @@
           <p:cNvPr id="9" name="TextBox 8">
             <a:extLst>
               <a:ext uri="{FF2B5EF4-FFF2-40B4-BE49-F238E27FC236}">
-                <a16:creationId xmlns:a16="http://schemas.microsoft.com/office/drawing/2014/main" id="{2B85AA61-6C8B-EE4C-9A91-E4F92D2A17A2}"/>
+                <a16:creationId xmlns:a16="http://schemas.microsoft.com/office/drawing/2014/main" id="{D369AF3B-7E6D-F1C0-A163-C9E6AD7CAA13}"/>
               </a:ext>
             </a:extLst>
           </p:cNvPr>
@@ -29372,7 +29442,7 @@
           <p:cNvPr id="10" name="TextBox 9">
             <a:extLst>
               <a:ext uri="{FF2B5EF4-FFF2-40B4-BE49-F238E27FC236}">
-                <a16:creationId xmlns:a16="http://schemas.microsoft.com/office/drawing/2014/main" id="{7FE558FF-0061-052A-A4CF-2492C17B6AA4}"/>
+                <a16:creationId xmlns:a16="http://schemas.microsoft.com/office/drawing/2014/main" id="{550D300C-8C11-E875-3662-48246DA022EA}"/>
               </a:ext>
             </a:extLst>
           </p:cNvPr>
@@ -29468,7 +29538,7 @@
           <p:cNvPr id="11" name="TextBox 10">
             <a:extLst>
               <a:ext uri="{FF2B5EF4-FFF2-40B4-BE49-F238E27FC236}">
-                <a16:creationId xmlns:a16="http://schemas.microsoft.com/office/drawing/2014/main" id="{655A59DA-23A5-93B3-5FC9-D19F26EA1695}"/>
+                <a16:creationId xmlns:a16="http://schemas.microsoft.com/office/drawing/2014/main" id="{A012C0A1-B4AC-E529-71FC-8A3723BFFFFB}"/>
               </a:ext>
             </a:extLst>
           </p:cNvPr>
@@ -29564,7 +29634,7 @@
           <p:cNvPr id="12" name="TextBox 11">
             <a:extLst>
               <a:ext uri="{FF2B5EF4-FFF2-40B4-BE49-F238E27FC236}">
-                <a16:creationId xmlns:a16="http://schemas.microsoft.com/office/drawing/2014/main" id="{CFAED1A3-38FB-420F-327E-0B6BADB6F15B}"/>
+                <a16:creationId xmlns:a16="http://schemas.microsoft.com/office/drawing/2014/main" id="{92D04D81-0E5E-0A99-5D09-79392069C0AC}"/>
               </a:ext>
             </a:extLst>
           </p:cNvPr>
@@ -29600,8 +29670,8 @@
           <a:fontRef idx="none"/>
         </p:style>
         <p:txBody>
-          <a:bodyPr rot="0" spcFirstLastPara="1" vertOverflow="overflow" horzOverflow="overflow" vert="horz" wrap="square" lIns="50800" tIns="50800" rIns="50800" bIns="50800" numCol="1" spcCol="38100" rtlCol="0" anchor="ctr">
-            <a:spAutoFit/>
+          <a:bodyPr rot="0" spcFirstLastPara="1" vertOverflow="overflow" horzOverflow="overflow" vert="horz" wrap="square" lIns="50800" tIns="50800" rIns="50800" bIns="50800" numCol="1" spcCol="38100" rtlCol="0" anchor="t" anchorCtr="0">
+            <a:noAutofit/>
           </a:bodyPr>
           <a:lstStyle/>
           <a:p>
@@ -29660,7 +29730,7 @@
           <p:cNvPr id="13" name="TextBox 12">
             <a:extLst>
               <a:ext uri="{FF2B5EF4-FFF2-40B4-BE49-F238E27FC236}">
-                <a16:creationId xmlns:a16="http://schemas.microsoft.com/office/drawing/2014/main" id="{7074EE81-5E88-1B5C-E99E-5F86024F323C}"/>
+                <a16:creationId xmlns:a16="http://schemas.microsoft.com/office/drawing/2014/main" id="{791BBCC2-DC49-7286-3A65-D18065106FB2}"/>
               </a:ext>
             </a:extLst>
           </p:cNvPr>
@@ -29756,7 +29826,7 @@
           <p:cNvPr id="14" name="TextBox 13">
             <a:extLst>
               <a:ext uri="{FF2B5EF4-FFF2-40B4-BE49-F238E27FC236}">
-                <a16:creationId xmlns:a16="http://schemas.microsoft.com/office/drawing/2014/main" id="{7F3CFB48-2AC2-A573-7470-8A651080B749}"/>
+                <a16:creationId xmlns:a16="http://schemas.microsoft.com/office/drawing/2014/main" id="{2874F27A-A67D-DB5C-28AE-67CE0E725CA1}"/>
               </a:ext>
             </a:extLst>
           </p:cNvPr>
@@ -29845,7 +29915,7 @@
           <p:cNvPr id="15" name="TextBox 14">
             <a:extLst>
               <a:ext uri="{FF2B5EF4-FFF2-40B4-BE49-F238E27FC236}">
-                <a16:creationId xmlns:a16="http://schemas.microsoft.com/office/drawing/2014/main" id="{81F10F92-B261-0F4E-644C-93DE21F88C00}"/>
+                <a16:creationId xmlns:a16="http://schemas.microsoft.com/office/drawing/2014/main" id="{D279A78D-7BDD-A146-D3ED-DD5C9481614F}"/>
               </a:ext>
             </a:extLst>
           </p:cNvPr>
@@ -29934,7 +30004,7 @@
           <p:cNvPr id="16" name="TextBox 15">
             <a:extLst>
               <a:ext uri="{FF2B5EF4-FFF2-40B4-BE49-F238E27FC236}">
-                <a16:creationId xmlns:a16="http://schemas.microsoft.com/office/drawing/2014/main" id="{A6BD1969-F269-EAE2-B1A7-E76BBE4DECEB}"/>
+                <a16:creationId xmlns:a16="http://schemas.microsoft.com/office/drawing/2014/main" id="{9FF366D8-5FE9-CC62-1F4C-34DE3C8EB289}"/>
               </a:ext>
             </a:extLst>
           </p:cNvPr>
@@ -30023,7 +30093,7 @@
           <p:cNvPr id="20" name="TextBox 19">
             <a:extLst>
               <a:ext uri="{FF2B5EF4-FFF2-40B4-BE49-F238E27FC236}">
-                <a16:creationId xmlns:a16="http://schemas.microsoft.com/office/drawing/2014/main" id="{0C262572-BCAC-E3D2-6DE0-BF25CCFA7CCD}"/>
+                <a16:creationId xmlns:a16="http://schemas.microsoft.com/office/drawing/2014/main" id="{3D2527B1-BB54-9D8E-962F-73D3EF0AC79E}"/>
               </a:ext>
             </a:extLst>
           </p:cNvPr>
@@ -30112,7 +30182,7 @@
           <p:cNvPr id="21" name="TextBox 20">
             <a:extLst>
               <a:ext uri="{FF2B5EF4-FFF2-40B4-BE49-F238E27FC236}">
-                <a16:creationId xmlns:a16="http://schemas.microsoft.com/office/drawing/2014/main" id="{424A74FA-649D-FE9D-8ADC-9586C3B38A20}"/>
+                <a16:creationId xmlns:a16="http://schemas.microsoft.com/office/drawing/2014/main" id="{DFCDFAF7-5212-317B-65BA-FF44BEF2A588}"/>
               </a:ext>
             </a:extLst>
           </p:cNvPr>
@@ -30201,7 +30271,7 @@
           <p:cNvPr id="22" name="TextBox 21">
             <a:extLst>
               <a:ext uri="{FF2B5EF4-FFF2-40B4-BE49-F238E27FC236}">
-                <a16:creationId xmlns:a16="http://schemas.microsoft.com/office/drawing/2014/main" id="{8C089637-77B4-11A1-A3A4-C788EB6FD1A8}"/>
+                <a16:creationId xmlns:a16="http://schemas.microsoft.com/office/drawing/2014/main" id="{1808751E-268E-9A12-D8BB-4479D73D3253}"/>
               </a:ext>
             </a:extLst>
           </p:cNvPr>
@@ -30290,7 +30360,7 @@
           <p:cNvPr id="23" name="TextBox 22">
             <a:extLst>
               <a:ext uri="{FF2B5EF4-FFF2-40B4-BE49-F238E27FC236}">
-                <a16:creationId xmlns:a16="http://schemas.microsoft.com/office/drawing/2014/main" id="{A4D25D44-0EF3-A0A2-2099-70C5B3FB2ECF}"/>
+                <a16:creationId xmlns:a16="http://schemas.microsoft.com/office/drawing/2014/main" id="{112593E1-1B04-3F17-5435-2AA0AC68FBED}"/>
               </a:ext>
             </a:extLst>
           </p:cNvPr>
@@ -30379,7 +30449,7 @@
           <p:cNvPr id="24" name="TextBox 23">
             <a:extLst>
               <a:ext uri="{FF2B5EF4-FFF2-40B4-BE49-F238E27FC236}">
-                <a16:creationId xmlns:a16="http://schemas.microsoft.com/office/drawing/2014/main" id="{FF5A9C68-DE56-F055-B0AE-48F2BC65AB85}"/>
+                <a16:creationId xmlns:a16="http://schemas.microsoft.com/office/drawing/2014/main" id="{47C646BC-DB0F-8895-7A35-99834D002853}"/>
               </a:ext>
             </a:extLst>
           </p:cNvPr>
@@ -30468,7 +30538,7 @@
           <p:cNvPr id="25" name="TextBox 24">
             <a:extLst>
               <a:ext uri="{FF2B5EF4-FFF2-40B4-BE49-F238E27FC236}">
-                <a16:creationId xmlns:a16="http://schemas.microsoft.com/office/drawing/2014/main" id="{FEA85D00-43CD-C48C-D1E5-2C1330CC50E4}"/>
+                <a16:creationId xmlns:a16="http://schemas.microsoft.com/office/drawing/2014/main" id="{95AE1E11-97A9-1231-63BB-9171BCE47307}"/>
               </a:ext>
             </a:extLst>
           </p:cNvPr>
@@ -30557,7 +30627,7 @@
           <p:cNvPr id="26" name="TextBox 25">
             <a:extLst>
               <a:ext uri="{FF2B5EF4-FFF2-40B4-BE49-F238E27FC236}">
-                <a16:creationId xmlns:a16="http://schemas.microsoft.com/office/drawing/2014/main" id="{CAA2227A-7689-4443-CD85-35CE0E0D3CC8}"/>
+                <a16:creationId xmlns:a16="http://schemas.microsoft.com/office/drawing/2014/main" id="{7AEE7F12-918A-6CBF-C57E-5424D8951669}"/>
               </a:ext>
             </a:extLst>
           </p:cNvPr>
@@ -30646,7 +30716,7 @@
           <p:cNvPr id="27" name="TextBox 26">
             <a:extLst>
               <a:ext uri="{FF2B5EF4-FFF2-40B4-BE49-F238E27FC236}">
-                <a16:creationId xmlns:a16="http://schemas.microsoft.com/office/drawing/2014/main" id="{1EBB9FCE-F112-9895-9943-A54478B89D68}"/>
+                <a16:creationId xmlns:a16="http://schemas.microsoft.com/office/drawing/2014/main" id="{2863BDB3-EFEF-09EB-E21E-BF419FCB0C88}"/>
               </a:ext>
             </a:extLst>
           </p:cNvPr>
@@ -30735,7 +30805,7 @@
           <p:cNvPr id="28" name="TextBox 27">
             <a:extLst>
               <a:ext uri="{FF2B5EF4-FFF2-40B4-BE49-F238E27FC236}">
-                <a16:creationId xmlns:a16="http://schemas.microsoft.com/office/drawing/2014/main" id="{C0309C9D-BF26-E502-CF62-31956FACAA33}"/>
+                <a16:creationId xmlns:a16="http://schemas.microsoft.com/office/drawing/2014/main" id="{E438B812-C81E-4754-8D98-EBF3EFDF510A}"/>
               </a:ext>
             </a:extLst>
           </p:cNvPr>
@@ -30824,7 +30894,7 @@
           <p:cNvPr id="29" name="TextBox 28">
             <a:extLst>
               <a:ext uri="{FF2B5EF4-FFF2-40B4-BE49-F238E27FC236}">
-                <a16:creationId xmlns:a16="http://schemas.microsoft.com/office/drawing/2014/main" id="{EDCCCEA9-3605-7AAF-6A7C-72516ECC86B5}"/>
+                <a16:creationId xmlns:a16="http://schemas.microsoft.com/office/drawing/2014/main" id="{233E5975-830C-87BC-6CAA-C7A16D132600}"/>
               </a:ext>
             </a:extLst>
           </p:cNvPr>
@@ -30913,7 +30983,7 @@
           <p:cNvPr id="30" name="TextBox 29">
             <a:extLst>
               <a:ext uri="{FF2B5EF4-FFF2-40B4-BE49-F238E27FC236}">
-                <a16:creationId xmlns:a16="http://schemas.microsoft.com/office/drawing/2014/main" id="{DC2E411F-BA35-453D-5DD6-1CB572FB73DB}"/>
+                <a16:creationId xmlns:a16="http://schemas.microsoft.com/office/drawing/2014/main" id="{C4696C74-C4FD-DD97-6E71-E07C3053CE07}"/>
               </a:ext>
             </a:extLst>
           </p:cNvPr>
@@ -31002,7 +31072,7 @@
           <p:cNvPr id="31" name="TextBox 30">
             <a:extLst>
               <a:ext uri="{FF2B5EF4-FFF2-40B4-BE49-F238E27FC236}">
-                <a16:creationId xmlns:a16="http://schemas.microsoft.com/office/drawing/2014/main" id="{F4FC5663-7E2B-4BB5-541E-5C91225F846A}"/>
+                <a16:creationId xmlns:a16="http://schemas.microsoft.com/office/drawing/2014/main" id="{C2C99B2B-7253-FC42-F3D6-81B5EDA7BDCB}"/>
               </a:ext>
             </a:extLst>
           </p:cNvPr>
@@ -31091,7 +31161,7 @@
           <p:cNvPr id="32" name="TextBox 31">
             <a:extLst>
               <a:ext uri="{FF2B5EF4-FFF2-40B4-BE49-F238E27FC236}">
-                <a16:creationId xmlns:a16="http://schemas.microsoft.com/office/drawing/2014/main" id="{0A563485-C80B-033C-FFB9-7DC84FEBABB3}"/>
+                <a16:creationId xmlns:a16="http://schemas.microsoft.com/office/drawing/2014/main" id="{FE76B7B3-4AC7-3B69-71BE-2A6E738E71FB}"/>
               </a:ext>
             </a:extLst>
           </p:cNvPr>
@@ -31178,7 +31248,7 @@
     </p:spTree>
     <p:extLst>
       <p:ext uri="{BB962C8B-B14F-4D97-AF65-F5344CB8AC3E}">
-        <p14:creationId xmlns:p14="http://schemas.microsoft.com/office/powerpoint/2010/main" val="686338924"/>
+        <p14:creationId xmlns:p14="http://schemas.microsoft.com/office/powerpoint/2010/main" val="380928799"/>
       </p:ext>
     </p:extLst>
   </p:cSld>
@@ -31197,7 +31267,7 @@
         <p:cNvPr id="1" name="">
           <a:extLst>
             <a:ext uri="{FF2B5EF4-FFF2-40B4-BE49-F238E27FC236}">
-              <a16:creationId xmlns:a16="http://schemas.microsoft.com/office/drawing/2014/main" id="{894602D7-DCAB-6062-978A-C2185B20DCE2}"/>
+              <a16:creationId xmlns:a16="http://schemas.microsoft.com/office/drawing/2014/main" id="{4ABFB6FD-1F14-3DB7-36AF-380B804CB7C3}"/>
             </a:ext>
           </a:extLst>
         </p:cNvPr>
@@ -31217,7 +31287,7 @@
           <p:cNvPr id="3" name="Title 1">
             <a:extLst>
               <a:ext uri="{FF2B5EF4-FFF2-40B4-BE49-F238E27FC236}">
-                <a16:creationId xmlns:a16="http://schemas.microsoft.com/office/drawing/2014/main" id="{75738CAA-70B6-9567-BC06-A690274A7166}"/>
+                <a16:creationId xmlns:a16="http://schemas.microsoft.com/office/drawing/2014/main" id="{4009E18F-EBF3-E5F2-410D-BCD21F514BCC}"/>
               </a:ext>
             </a:extLst>
           </p:cNvPr>
@@ -31311,7 +31381,7 @@
           <p:cNvPr id="4" name="TextBox 3">
             <a:extLst>
               <a:ext uri="{FF2B5EF4-FFF2-40B4-BE49-F238E27FC236}">
-                <a16:creationId xmlns:a16="http://schemas.microsoft.com/office/drawing/2014/main" id="{F7F274BF-3DB0-6848-BDEB-D79BA4C971D9}"/>
+                <a16:creationId xmlns:a16="http://schemas.microsoft.com/office/drawing/2014/main" id="{BABE1F27-C43C-C54D-3333-6902297D2E53}"/>
               </a:ext>
             </a:extLst>
           </p:cNvPr>
@@ -31407,7 +31477,7 @@
           <p:cNvPr id="5" name="TextBox 4">
             <a:extLst>
               <a:ext uri="{FF2B5EF4-FFF2-40B4-BE49-F238E27FC236}">
-                <a16:creationId xmlns:a16="http://schemas.microsoft.com/office/drawing/2014/main" id="{5DEADA67-84B3-D5FC-AD17-DD8CD92FCB2F}"/>
+                <a16:creationId xmlns:a16="http://schemas.microsoft.com/office/drawing/2014/main" id="{82C31DB5-41B8-2CFB-8D18-02D0459E920D}"/>
               </a:ext>
             </a:extLst>
           </p:cNvPr>
@@ -31503,7 +31573,7 @@
           <p:cNvPr id="6" name="TextBox 5">
             <a:extLst>
               <a:ext uri="{FF2B5EF4-FFF2-40B4-BE49-F238E27FC236}">
-                <a16:creationId xmlns:a16="http://schemas.microsoft.com/office/drawing/2014/main" id="{FDB8402F-8050-C4DD-5B43-A4962F945C1E}"/>
+                <a16:creationId xmlns:a16="http://schemas.microsoft.com/office/drawing/2014/main" id="{BACD4FCE-5ECD-3795-873B-A8ECBCF0DA27}"/>
               </a:ext>
             </a:extLst>
           </p:cNvPr>
@@ -31599,7 +31669,7 @@
           <p:cNvPr id="7" name="TextBox 6">
             <a:extLst>
               <a:ext uri="{FF2B5EF4-FFF2-40B4-BE49-F238E27FC236}">
-                <a16:creationId xmlns:a16="http://schemas.microsoft.com/office/drawing/2014/main" id="{F4C9BC41-8D76-0DDF-CEF8-26FAD4992BBD}"/>
+                <a16:creationId xmlns:a16="http://schemas.microsoft.com/office/drawing/2014/main" id="{7663758A-134D-4530-95E9-A267EB640933}"/>
               </a:ext>
             </a:extLst>
           </p:cNvPr>
@@ -31695,7 +31765,7 @@
           <p:cNvPr id="8" name="TextBox 7">
             <a:extLst>
               <a:ext uri="{FF2B5EF4-FFF2-40B4-BE49-F238E27FC236}">
-                <a16:creationId xmlns:a16="http://schemas.microsoft.com/office/drawing/2014/main" id="{CA9335B2-C6AB-F22B-2B17-06142D1925B2}"/>
+                <a16:creationId xmlns:a16="http://schemas.microsoft.com/office/drawing/2014/main" id="{0BEF8FE0-2319-CAEF-E592-C4C0F2052721}"/>
               </a:ext>
             </a:extLst>
           </p:cNvPr>
@@ -31781,7 +31851,7 @@
           <p:cNvPr id="9" name="TextBox 8">
             <a:extLst>
               <a:ext uri="{FF2B5EF4-FFF2-40B4-BE49-F238E27FC236}">
-                <a16:creationId xmlns:a16="http://schemas.microsoft.com/office/drawing/2014/main" id="{FE0A46C3-BF9A-A1B5-AC23-F35415BEFB6B}"/>
+                <a16:creationId xmlns:a16="http://schemas.microsoft.com/office/drawing/2014/main" id="{7530525A-8C1A-B065-388A-F87AC23025F6}"/>
               </a:ext>
             </a:extLst>
           </p:cNvPr>
@@ -31877,7 +31947,7 @@
           <p:cNvPr id="10" name="TextBox 9">
             <a:extLst>
               <a:ext uri="{FF2B5EF4-FFF2-40B4-BE49-F238E27FC236}">
-                <a16:creationId xmlns:a16="http://schemas.microsoft.com/office/drawing/2014/main" id="{B798BA75-C64B-F030-99EF-78498E0B1B59}"/>
+                <a16:creationId xmlns:a16="http://schemas.microsoft.com/office/drawing/2014/main" id="{FADE6C31-5E43-0369-9E80-2EA9EC035498}"/>
               </a:ext>
             </a:extLst>
           </p:cNvPr>
@@ -31973,7 +32043,7 @@
           <p:cNvPr id="11" name="TextBox 10">
             <a:extLst>
               <a:ext uri="{FF2B5EF4-FFF2-40B4-BE49-F238E27FC236}">
-                <a16:creationId xmlns:a16="http://schemas.microsoft.com/office/drawing/2014/main" id="{86F4A830-E2E8-A874-B34E-C25469205024}"/>
+                <a16:creationId xmlns:a16="http://schemas.microsoft.com/office/drawing/2014/main" id="{BB3C1EF6-7590-171C-D1F2-66551F66F4DB}"/>
               </a:ext>
             </a:extLst>
           </p:cNvPr>
@@ -32069,7 +32139,7 @@
           <p:cNvPr id="12" name="TextBox 11">
             <a:extLst>
               <a:ext uri="{FF2B5EF4-FFF2-40B4-BE49-F238E27FC236}">
-                <a16:creationId xmlns:a16="http://schemas.microsoft.com/office/drawing/2014/main" id="{E5CF6861-6FE6-6E06-6403-5F28F06FBEDF}"/>
+                <a16:creationId xmlns:a16="http://schemas.microsoft.com/office/drawing/2014/main" id="{792D4FD9-946F-7DEA-D394-8B04F9552136}"/>
               </a:ext>
             </a:extLst>
           </p:cNvPr>
@@ -32105,8 +32175,8 @@
           <a:fontRef idx="none"/>
         </p:style>
         <p:txBody>
-          <a:bodyPr rot="0" spcFirstLastPara="1" vertOverflow="overflow" horzOverflow="overflow" vert="horz" wrap="square" lIns="50800" tIns="50800" rIns="50800" bIns="50800" numCol="1" spcCol="38100" rtlCol="0" anchor="ctr">
-            <a:spAutoFit/>
+          <a:bodyPr rot="0" spcFirstLastPara="1" vertOverflow="overflow" horzOverflow="overflow" vert="horz" wrap="square" lIns="50800" tIns="50800" rIns="50800" bIns="50800" numCol="1" spcCol="38100" rtlCol="0" anchor="t" anchorCtr="0">
+            <a:noAutofit/>
           </a:bodyPr>
           <a:lstStyle/>
           <a:p>
@@ -32165,7 +32235,7 @@
           <p:cNvPr id="13" name="TextBox 12">
             <a:extLst>
               <a:ext uri="{FF2B5EF4-FFF2-40B4-BE49-F238E27FC236}">
-                <a16:creationId xmlns:a16="http://schemas.microsoft.com/office/drawing/2014/main" id="{F0EDC758-BDFE-B197-DB53-1E06503D3512}"/>
+                <a16:creationId xmlns:a16="http://schemas.microsoft.com/office/drawing/2014/main" id="{4B7CAB54-019E-C12B-68B4-86AD21D8DFD9}"/>
               </a:ext>
             </a:extLst>
           </p:cNvPr>
@@ -32261,7 +32331,7 @@
           <p:cNvPr id="14" name="TextBox 13">
             <a:extLst>
               <a:ext uri="{FF2B5EF4-FFF2-40B4-BE49-F238E27FC236}">
-                <a16:creationId xmlns:a16="http://schemas.microsoft.com/office/drawing/2014/main" id="{80023090-9517-B4C8-5394-382C75E2348A}"/>
+                <a16:creationId xmlns:a16="http://schemas.microsoft.com/office/drawing/2014/main" id="{BF8C0B88-382F-8996-F95D-EBBD119CF894}"/>
               </a:ext>
             </a:extLst>
           </p:cNvPr>
@@ -32350,7 +32420,7 @@
           <p:cNvPr id="15" name="TextBox 14">
             <a:extLst>
               <a:ext uri="{FF2B5EF4-FFF2-40B4-BE49-F238E27FC236}">
-                <a16:creationId xmlns:a16="http://schemas.microsoft.com/office/drawing/2014/main" id="{1FB21945-D29D-406C-E906-66CA75DE0436}"/>
+                <a16:creationId xmlns:a16="http://schemas.microsoft.com/office/drawing/2014/main" id="{585D994B-FB32-82E6-BD4E-F377B70A0DFA}"/>
               </a:ext>
             </a:extLst>
           </p:cNvPr>
@@ -32439,7 +32509,7 @@
           <p:cNvPr id="16" name="TextBox 15">
             <a:extLst>
               <a:ext uri="{FF2B5EF4-FFF2-40B4-BE49-F238E27FC236}">
-                <a16:creationId xmlns:a16="http://schemas.microsoft.com/office/drawing/2014/main" id="{975A5534-C6E0-FE45-3F3C-7129CB375689}"/>
+                <a16:creationId xmlns:a16="http://schemas.microsoft.com/office/drawing/2014/main" id="{94BB6BF9-8CC5-AC50-4D41-136A2ADFA8EC}"/>
               </a:ext>
             </a:extLst>
           </p:cNvPr>
@@ -32528,7 +32598,7 @@
           <p:cNvPr id="20" name="TextBox 19">
             <a:extLst>
               <a:ext uri="{FF2B5EF4-FFF2-40B4-BE49-F238E27FC236}">
-                <a16:creationId xmlns:a16="http://schemas.microsoft.com/office/drawing/2014/main" id="{B0A9441F-E87E-DE1A-B68F-8E0E3908CC8A}"/>
+                <a16:creationId xmlns:a16="http://schemas.microsoft.com/office/drawing/2014/main" id="{F559FE47-3EB0-2A9C-2F41-0A8B13F7576C}"/>
               </a:ext>
             </a:extLst>
           </p:cNvPr>
@@ -32617,7 +32687,7 @@
           <p:cNvPr id="21" name="TextBox 20">
             <a:extLst>
               <a:ext uri="{FF2B5EF4-FFF2-40B4-BE49-F238E27FC236}">
-                <a16:creationId xmlns:a16="http://schemas.microsoft.com/office/drawing/2014/main" id="{BC7064EE-9292-F3CD-EFE9-3A0FCE71D5D8}"/>
+                <a16:creationId xmlns:a16="http://schemas.microsoft.com/office/drawing/2014/main" id="{D1DCEA79-C9BD-C3B9-0D5D-7B712040F275}"/>
               </a:ext>
             </a:extLst>
           </p:cNvPr>
@@ -32706,7 +32776,7 @@
           <p:cNvPr id="22" name="TextBox 21">
             <a:extLst>
               <a:ext uri="{FF2B5EF4-FFF2-40B4-BE49-F238E27FC236}">
-                <a16:creationId xmlns:a16="http://schemas.microsoft.com/office/drawing/2014/main" id="{E62C4B83-8C82-F2D6-0F30-9753E8A1BB28}"/>
+                <a16:creationId xmlns:a16="http://schemas.microsoft.com/office/drawing/2014/main" id="{2BBC0BEE-5699-43AD-F571-5A82DD525B01}"/>
               </a:ext>
             </a:extLst>
           </p:cNvPr>
@@ -32795,7 +32865,7 @@
           <p:cNvPr id="23" name="TextBox 22">
             <a:extLst>
               <a:ext uri="{FF2B5EF4-FFF2-40B4-BE49-F238E27FC236}">
-                <a16:creationId xmlns:a16="http://schemas.microsoft.com/office/drawing/2014/main" id="{0B4E14A2-B652-2FC7-E2B9-25972104968E}"/>
+                <a16:creationId xmlns:a16="http://schemas.microsoft.com/office/drawing/2014/main" id="{C59D4616-6301-70B5-7FE6-117B1155C23D}"/>
               </a:ext>
             </a:extLst>
           </p:cNvPr>
@@ -32884,7 +32954,7 @@
           <p:cNvPr id="24" name="TextBox 23">
             <a:extLst>
               <a:ext uri="{FF2B5EF4-FFF2-40B4-BE49-F238E27FC236}">
-                <a16:creationId xmlns:a16="http://schemas.microsoft.com/office/drawing/2014/main" id="{9F8CA735-5B7B-6D60-2E24-200E104EF23E}"/>
+                <a16:creationId xmlns:a16="http://schemas.microsoft.com/office/drawing/2014/main" id="{04E048A8-6668-0629-1C56-83113FB01AAA}"/>
               </a:ext>
             </a:extLst>
           </p:cNvPr>
@@ -32973,7 +33043,7 @@
           <p:cNvPr id="25" name="TextBox 24">
             <a:extLst>
               <a:ext uri="{FF2B5EF4-FFF2-40B4-BE49-F238E27FC236}">
-                <a16:creationId xmlns:a16="http://schemas.microsoft.com/office/drawing/2014/main" id="{6A48B229-39B9-9F39-F417-892652FA6EB6}"/>
+                <a16:creationId xmlns:a16="http://schemas.microsoft.com/office/drawing/2014/main" id="{D28BDF73-523F-E7AA-8BDC-4CFF5A4B2D57}"/>
               </a:ext>
             </a:extLst>
           </p:cNvPr>
@@ -33062,7 +33132,7 @@
           <p:cNvPr id="26" name="TextBox 25">
             <a:extLst>
               <a:ext uri="{FF2B5EF4-FFF2-40B4-BE49-F238E27FC236}">
-                <a16:creationId xmlns:a16="http://schemas.microsoft.com/office/drawing/2014/main" id="{674CEEE3-D94B-1A90-C957-446386A69323}"/>
+                <a16:creationId xmlns:a16="http://schemas.microsoft.com/office/drawing/2014/main" id="{52D6C15D-5A11-56F2-CC8A-9960EF3ED69B}"/>
               </a:ext>
             </a:extLst>
           </p:cNvPr>
@@ -33151,7 +33221,7 @@
           <p:cNvPr id="27" name="TextBox 26">
             <a:extLst>
               <a:ext uri="{FF2B5EF4-FFF2-40B4-BE49-F238E27FC236}">
-                <a16:creationId xmlns:a16="http://schemas.microsoft.com/office/drawing/2014/main" id="{C570F475-2B5C-A4AE-D692-0410AD865E85}"/>
+                <a16:creationId xmlns:a16="http://schemas.microsoft.com/office/drawing/2014/main" id="{C2CDE894-9DC4-DE85-E8DB-E836F039F93D}"/>
               </a:ext>
             </a:extLst>
           </p:cNvPr>
@@ -33240,7 +33310,7 @@
           <p:cNvPr id="28" name="TextBox 27">
             <a:extLst>
               <a:ext uri="{FF2B5EF4-FFF2-40B4-BE49-F238E27FC236}">
-                <a16:creationId xmlns:a16="http://schemas.microsoft.com/office/drawing/2014/main" id="{AF976C89-937D-099C-37FD-C934EE464E85}"/>
+                <a16:creationId xmlns:a16="http://schemas.microsoft.com/office/drawing/2014/main" id="{70EFA10A-7479-AE58-7A68-306CF772C85B}"/>
               </a:ext>
             </a:extLst>
           </p:cNvPr>
@@ -33329,7 +33399,7 @@
           <p:cNvPr id="29" name="TextBox 28">
             <a:extLst>
               <a:ext uri="{FF2B5EF4-FFF2-40B4-BE49-F238E27FC236}">
-                <a16:creationId xmlns:a16="http://schemas.microsoft.com/office/drawing/2014/main" id="{780003A8-9AC3-0381-18B5-E4273CAADB4D}"/>
+                <a16:creationId xmlns:a16="http://schemas.microsoft.com/office/drawing/2014/main" id="{AEFF3D6D-90F3-AD6D-3C82-6C2326B14B51}"/>
               </a:ext>
             </a:extLst>
           </p:cNvPr>
@@ -33418,7 +33488,7 @@
           <p:cNvPr id="30" name="TextBox 29">
             <a:extLst>
               <a:ext uri="{FF2B5EF4-FFF2-40B4-BE49-F238E27FC236}">
-                <a16:creationId xmlns:a16="http://schemas.microsoft.com/office/drawing/2014/main" id="{C55D66C4-A082-994D-53E5-E511403E5A8F}"/>
+                <a16:creationId xmlns:a16="http://schemas.microsoft.com/office/drawing/2014/main" id="{EB87BF50-DED8-3263-3D42-FF58C6B28AC7}"/>
               </a:ext>
             </a:extLst>
           </p:cNvPr>
@@ -33507,7 +33577,7 @@
           <p:cNvPr id="31" name="TextBox 30">
             <a:extLst>
               <a:ext uri="{FF2B5EF4-FFF2-40B4-BE49-F238E27FC236}">
-                <a16:creationId xmlns:a16="http://schemas.microsoft.com/office/drawing/2014/main" id="{6CC4BEA4-5B3C-FFBE-66C0-94559E288F2D}"/>
+                <a16:creationId xmlns:a16="http://schemas.microsoft.com/office/drawing/2014/main" id="{D7F31AD7-4B67-A4C5-FD17-0A7E53690806}"/>
               </a:ext>
             </a:extLst>
           </p:cNvPr>
@@ -33596,7 +33666,7 @@
           <p:cNvPr id="32" name="TextBox 31">
             <a:extLst>
               <a:ext uri="{FF2B5EF4-FFF2-40B4-BE49-F238E27FC236}">
-                <a16:creationId xmlns:a16="http://schemas.microsoft.com/office/drawing/2014/main" id="{209E8D1D-8E3B-7BCA-55D0-9006CF15648F}"/>
+                <a16:creationId xmlns:a16="http://schemas.microsoft.com/office/drawing/2014/main" id="{ABEB2E85-A857-B294-A550-269CB799A9E9}"/>
               </a:ext>
             </a:extLst>
           </p:cNvPr>
@@ -33683,7 +33753,7 @@
     </p:spTree>
     <p:extLst>
       <p:ext uri="{BB962C8B-B14F-4D97-AF65-F5344CB8AC3E}">
-        <p14:creationId xmlns:p14="http://schemas.microsoft.com/office/powerpoint/2010/main" val="2126189883"/>
+        <p14:creationId xmlns:p14="http://schemas.microsoft.com/office/powerpoint/2010/main" val="833116084"/>
       </p:ext>
     </p:extLst>
   </p:cSld>
